--- a/presentations/InHisName.pptx
+++ b/presentations/InHisName.pptx
@@ -5,46 +5,48 @@
     <p:sldMasterId id="2147483648" r:id="rId1"/>
   </p:sldMasterIdLst>
   <p:notesMasterIdLst>
-    <p:notesMasterId r:id="rId39"/>
+    <p:notesMasterId r:id="rId41"/>
   </p:notesMasterIdLst>
   <p:sldIdLst>
     <p:sldId id="256" r:id="rId2"/>
     <p:sldId id="258" r:id="rId3"/>
-    <p:sldId id="257" r:id="rId4"/>
-    <p:sldId id="259" r:id="rId5"/>
-    <p:sldId id="261" r:id="rId6"/>
-    <p:sldId id="260" r:id="rId7"/>
-    <p:sldId id="262" r:id="rId8"/>
-    <p:sldId id="263" r:id="rId9"/>
-    <p:sldId id="268" r:id="rId10"/>
-    <p:sldId id="269" r:id="rId11"/>
-    <p:sldId id="270" r:id="rId12"/>
-    <p:sldId id="271" r:id="rId13"/>
-    <p:sldId id="272" r:id="rId14"/>
-    <p:sldId id="273" r:id="rId15"/>
-    <p:sldId id="274" r:id="rId16"/>
-    <p:sldId id="265" r:id="rId17"/>
-    <p:sldId id="275" r:id="rId18"/>
-    <p:sldId id="276" r:id="rId19"/>
-    <p:sldId id="277" r:id="rId20"/>
-    <p:sldId id="279" r:id="rId21"/>
-    <p:sldId id="293" r:id="rId22"/>
-    <p:sldId id="280" r:id="rId23"/>
-    <p:sldId id="264" r:id="rId24"/>
-    <p:sldId id="281" r:id="rId25"/>
-    <p:sldId id="282" r:id="rId26"/>
-    <p:sldId id="284" r:id="rId27"/>
-    <p:sldId id="286" r:id="rId28"/>
-    <p:sldId id="294" r:id="rId29"/>
-    <p:sldId id="288" r:id="rId30"/>
-    <p:sldId id="266" r:id="rId31"/>
-    <p:sldId id="289" r:id="rId32"/>
-    <p:sldId id="290" r:id="rId33"/>
-    <p:sldId id="295" r:id="rId34"/>
-    <p:sldId id="296" r:id="rId35"/>
-    <p:sldId id="297" r:id="rId36"/>
-    <p:sldId id="292" r:id="rId37"/>
-    <p:sldId id="267" r:id="rId38"/>
+    <p:sldId id="302" r:id="rId4"/>
+    <p:sldId id="305" r:id="rId5"/>
+    <p:sldId id="303" r:id="rId6"/>
+    <p:sldId id="304" r:id="rId7"/>
+    <p:sldId id="257" r:id="rId8"/>
+    <p:sldId id="259" r:id="rId9"/>
+    <p:sldId id="263" r:id="rId10"/>
+    <p:sldId id="301" r:id="rId11"/>
+    <p:sldId id="269" r:id="rId12"/>
+    <p:sldId id="270" r:id="rId13"/>
+    <p:sldId id="271" r:id="rId14"/>
+    <p:sldId id="272" r:id="rId15"/>
+    <p:sldId id="273" r:id="rId16"/>
+    <p:sldId id="274" r:id="rId17"/>
+    <p:sldId id="265" r:id="rId18"/>
+    <p:sldId id="275" r:id="rId19"/>
+    <p:sldId id="276" r:id="rId20"/>
+    <p:sldId id="277" r:id="rId21"/>
+    <p:sldId id="280" r:id="rId22"/>
+    <p:sldId id="264" r:id="rId23"/>
+    <p:sldId id="281" r:id="rId24"/>
+    <p:sldId id="282" r:id="rId25"/>
+    <p:sldId id="284" r:id="rId26"/>
+    <p:sldId id="286" r:id="rId27"/>
+    <p:sldId id="294" r:id="rId28"/>
+    <p:sldId id="288" r:id="rId29"/>
+    <p:sldId id="266" r:id="rId30"/>
+    <p:sldId id="289" r:id="rId31"/>
+    <p:sldId id="290" r:id="rId32"/>
+    <p:sldId id="295" r:id="rId33"/>
+    <p:sldId id="296" r:id="rId34"/>
+    <p:sldId id="297" r:id="rId35"/>
+    <p:sldId id="292" r:id="rId36"/>
+    <p:sldId id="267" r:id="rId37"/>
+    <p:sldId id="298" r:id="rId38"/>
+    <p:sldId id="299" r:id="rId39"/>
+    <p:sldId id="300" r:id="rId40"/>
   </p:sldIdLst>
   <p:sldSz cx="9144000" cy="6858000" type="screen4x3"/>
   <p:notesSz cx="6858000" cy="9144000"/>
@@ -228,7 +230,7 @@
           <a:p>
             <a:fld id="{319CB992-D0B7-4CF4-BBAE-11D7E3C891CA}" type="datetimeFigureOut">
               <a:rPr lang="en-US" smtClean="0"/>
-              <a:t>9/20/2014</a:t>
+              <a:t>9/21/2014</a:t>
             </a:fld>
             <a:endParaRPr lang="en-US"/>
           </a:p>
@@ -546,43 +548,12 @@
             </a:pPr>
             <a:r>
               <a:rPr lang="en-US" dirty="0" smtClean="0"/>
-              <a:t>Jesus tells lame to get up and walk</a:t>
-            </a:r>
-          </a:p>
-          <a:p>
-            <a:pPr marL="171450" indent="-171450">
-              <a:buFontTx/>
-              <a:buChar char="-"/>
-            </a:pPr>
-            <a:r>
-              <a:rPr lang="en-US" dirty="0" smtClean="0"/>
-              <a:t>Took</a:t>
+              <a:t>This</a:t>
             </a:r>
             <a:r>
               <a:rPr lang="en-US" baseline="0" dirty="0" smtClean="0"/>
-              <a:t> place on Sabbath</a:t>
-            </a:r>
-          </a:p>
-          <a:p>
-            <a:pPr marL="171450" indent="-171450">
-              <a:buFontTx/>
-              <a:buChar char="-"/>
-            </a:pPr>
-            <a:r>
-              <a:rPr lang="en-US" baseline="0" dirty="0" smtClean="0"/>
-              <a:t>Jews accused Him of breaking the Sabbath: first by healing, second by commanding to carry mat</a:t>
-            </a:r>
-          </a:p>
-          <a:p>
-            <a:pPr marL="171450" indent="-171450">
-              <a:buFontTx/>
-              <a:buChar char="-"/>
-            </a:pPr>
-            <a:r>
-              <a:rPr lang="en-US" baseline="0" dirty="0" smtClean="0"/>
-              <a:t>Jesus doesn’t enter a dialog</a:t>
-            </a:r>
-            <a:endParaRPr lang="en-US" dirty="0"/>
+              <a:t> phrase often flies under the radar</a:t>
+            </a:r>
           </a:p>
         </p:txBody>
       </p:sp>
@@ -603,7 +574,7 @@
           <a:p>
             <a:fld id="{94A4D452-108C-47F3-BF7B-19C87D349197}" type="slidenum">
               <a:rPr lang="en-US" smtClean="0"/>
-              <a:t>9</a:t>
+              <a:t>1</a:t>
             </a:fld>
             <a:endParaRPr lang="en-US"/>
           </a:p>
@@ -612,7 +583,7 @@
     </p:spTree>
     <p:extLst>
       <p:ext uri="{BB962C8B-B14F-4D97-AF65-F5344CB8AC3E}">
-        <p14:creationId xmlns:p14="http://schemas.microsoft.com/office/powerpoint/2010/main" val="1554598966"/>
+        <p14:creationId xmlns:p14="http://schemas.microsoft.com/office/powerpoint/2010/main" val="568713823"/>
       </p:ext>
     </p:extLst>
   </p:cSld>
@@ -666,13 +637,19 @@
           <a:bodyPr/>
           <a:lstStyle/>
           <a:p>
+            <a:r>
+              <a:rPr lang="en-US" dirty="0" smtClean="0"/>
+              <a:t>This close relationship between the Father and the Son illustrates three essential aspects of any relationship:</a:t>
+            </a:r>
+          </a:p>
+          <a:p>
             <a:pPr marL="171450" indent="-171450">
               <a:buFontTx/>
               <a:buChar char="-"/>
             </a:pPr>
             <a:r>
               <a:rPr lang="en-US" dirty="0" smtClean="0"/>
-              <a:t>The authority in proclaiming the kingdom that He shared with His disciples was in anticipation of the future realization of that kingdom on earth, when they would rule together in that kingdom. </a:t>
+              <a:t>Purpose - the Father gave the Son authority to judge</a:t>
             </a:r>
           </a:p>
           <a:p>
@@ -682,7 +659,17 @@
             </a:pPr>
             <a:r>
               <a:rPr lang="en-US" dirty="0" smtClean="0"/>
-              <a:t>This emphasis on purpose is not to minimize the importance of redemption in any way. In fact, the regeneration and the new world that Jesus speaks of here is completely impossible without redemption.</a:t>
+              <a:t>Trust - the Son executed His authority through faith in the Father's Word</a:t>
+            </a:r>
+          </a:p>
+          <a:p>
+            <a:pPr marL="171450" indent="-171450">
+              <a:buFontTx/>
+              <a:buChar char="-"/>
+            </a:pPr>
+            <a:r>
+              <a:rPr lang="en-US" dirty="0" smtClean="0"/>
+              <a:t>Faithfulness - the Son lived in perfect obedience to the Father's will</a:t>
             </a:r>
             <a:endParaRPr lang="en-US" dirty="0"/>
           </a:p>
@@ -705,7 +692,7 @@
           <a:p>
             <a:fld id="{94A4D452-108C-47F3-BF7B-19C87D349197}" type="slidenum">
               <a:rPr lang="en-US" smtClean="0"/>
-              <a:t>19</a:t>
+              <a:t>15</a:t>
             </a:fld>
             <a:endParaRPr lang="en-US"/>
           </a:p>
@@ -714,7 +701,7 @@
     </p:spTree>
     <p:extLst>
       <p:ext uri="{BB962C8B-B14F-4D97-AF65-F5344CB8AC3E}">
-        <p14:creationId xmlns:p14="http://schemas.microsoft.com/office/powerpoint/2010/main" val="2821790612"/>
+        <p14:creationId xmlns:p14="http://schemas.microsoft.com/office/powerpoint/2010/main" val="3593858496"/>
       </p:ext>
     </p:extLst>
   </p:cSld>
@@ -774,7 +761,17 @@
             </a:pPr>
             <a:r>
               <a:rPr lang="en-US" dirty="0" smtClean="0"/>
-              <a:t>In Ephesians, Paul brings redemption and purpose together when he is summarizing God's plan for the fullness of time.</a:t>
+              <a:t>These are the words of a faithful servant.</a:t>
+            </a:r>
+          </a:p>
+          <a:p>
+            <a:pPr marL="171450" indent="-171450">
+              <a:buFontTx/>
+              <a:buChar char="-"/>
+            </a:pPr>
+            <a:r>
+              <a:rPr lang="en-US" dirty="0" smtClean="0"/>
+              <a:t>For Christ, this meant nothing less than fulfilling the purpose the Father had given to Him.</a:t>
             </a:r>
             <a:endParaRPr lang="en-US" dirty="0"/>
           </a:p>
@@ -797,7 +794,7 @@
           <a:p>
             <a:fld id="{94A4D452-108C-47F3-BF7B-19C87D349197}" type="slidenum">
               <a:rPr lang="en-US" smtClean="0"/>
-              <a:t>20</a:t>
+              <a:t>16</a:t>
             </a:fld>
             <a:endParaRPr lang="en-US"/>
           </a:p>
@@ -864,7 +861,49 @@
               <a:buFontTx/>
               <a:buChar char="-"/>
             </a:pPr>
-            <a:endParaRPr lang="en-US" dirty="0"/>
+            <a:r>
+              <a:rPr lang="en-US" dirty="0" smtClean="0"/>
+              <a:t>So often the good news of the gospel is presented as an opportunity for us to invite Christ into our lives. This may leave us thinking we have the power to initiate this relationship.</a:t>
+            </a:r>
+            <a:endParaRPr lang="en-US" baseline="0" dirty="0" smtClean="0"/>
+          </a:p>
+          <a:p>
+            <a:pPr marL="171450" indent="-171450">
+              <a:buFontTx/>
+              <a:buChar char="-"/>
+            </a:pPr>
+            <a:r>
+              <a:rPr lang="en-US" baseline="0" dirty="0" smtClean="0"/>
+              <a:t>But this is completely </a:t>
+            </a:r>
+            <a:r>
+              <a:rPr lang="en-US" baseline="0" dirty="0" err="1" smtClean="0"/>
+              <a:t>upsidedown</a:t>
+            </a:r>
+            <a:r>
+              <a:rPr lang="en-US" baseline="0" dirty="0" smtClean="0"/>
+              <a:t>. In fact, we are [powerless][1] to do this. </a:t>
+            </a:r>
+          </a:p>
+          <a:p>
+            <a:pPr marL="171450" indent="-171450">
+              <a:buFontTx/>
+              <a:buChar char="-"/>
+            </a:pPr>
+            <a:r>
+              <a:rPr lang="en-US" baseline="0" dirty="0" smtClean="0"/>
+              <a:t>Our relationship with Christ is not initiated by [us first seeking Him][2]:</a:t>
+            </a:r>
+          </a:p>
+          <a:p>
+            <a:pPr marL="171450" indent="-171450">
+              <a:buFontTx/>
+              <a:buChar char="-"/>
+            </a:pPr>
+            <a:r>
+              <a:rPr lang="en-US" baseline="0" dirty="0" smtClean="0"/>
+              <a:t>He is the one that seeks out us. He invites us to become part of His life and purpose.</a:t>
+            </a:r>
           </a:p>
         </p:txBody>
       </p:sp>
@@ -885,7 +924,7 @@
           <a:p>
             <a:fld id="{94A4D452-108C-47F3-BF7B-19C87D349197}" type="slidenum">
               <a:rPr lang="en-US" smtClean="0"/>
-              <a:t>21</a:t>
+              <a:t>17</a:t>
             </a:fld>
             <a:endParaRPr lang="en-US"/>
           </a:p>
@@ -894,7 +933,7 @@
     </p:spTree>
     <p:extLst>
       <p:ext uri="{BB962C8B-B14F-4D97-AF65-F5344CB8AC3E}">
-        <p14:creationId xmlns:p14="http://schemas.microsoft.com/office/powerpoint/2010/main" val="2821790612"/>
+        <p14:creationId xmlns:p14="http://schemas.microsoft.com/office/powerpoint/2010/main" val="4097618137"/>
       </p:ext>
     </p:extLst>
   </p:cSld>
@@ -948,13 +987,37 @@
           <a:bodyPr/>
           <a:lstStyle/>
           <a:p>
+            <a:pPr marL="171450" marR="0" indent="-171450" algn="l" defTabSz="914400" rtl="0" eaLnBrk="1" fontAlgn="auto" latinLnBrk="0" hangingPunct="1">
+              <a:lnSpc>
+                <a:spcPct val="100000"/>
+              </a:lnSpc>
+              <a:spcBef>
+                <a:spcPts val="0"/>
+              </a:spcBef>
+              <a:spcAft>
+                <a:spcPts val="0"/>
+              </a:spcAft>
+              <a:buClrTx/>
+              <a:buSzTx/>
+              <a:buFontTx/>
+              <a:buChar char="-"/>
+              <a:tabLst/>
+              <a:defRPr/>
+            </a:pPr>
+            <a:r>
+              <a:rPr lang="en-US" baseline="0" dirty="0" smtClean="0"/>
+              <a:t>This is seen clearly in the example of Christ calling His disciples as He began His earthly ministry.  Walking by the Sea of Galilee, he encountered two brothers that were fishermen.</a:t>
+            </a:r>
+            <a:endParaRPr lang="en-US" dirty="0" smtClean="0"/>
+          </a:p>
+          <a:p>
             <a:pPr marL="171450" indent="-171450">
               <a:buFontTx/>
               <a:buChar char="-"/>
             </a:pPr>
             <a:r>
               <a:rPr lang="en-US" dirty="0" smtClean="0"/>
-              <a:t>Redemption, forgiveness, and grace all come together according to the Father's purpose. To present the good news without His purpose is to present an incomplete gospel.</a:t>
+              <a:t>Christ is the one who extended the offer. He was the one that found Peter and Andrew, not the other way around. </a:t>
             </a:r>
           </a:p>
           <a:p>
@@ -964,9 +1027,28 @@
             </a:pPr>
             <a:r>
               <a:rPr lang="en-US" dirty="0" smtClean="0"/>
-              <a:t>Just as Christ invited His disciples to follow Him in His earthly ministry, He is inviting us to be a part of what He is doing in His heavenly ministry. </a:t>
-            </a:r>
-            <a:endParaRPr lang="en-US" dirty="0"/>
+              <a:t>He hinted at the bigger purpose He had for them: becoming "fishers of men" for His kingdom.</a:t>
+            </a:r>
+          </a:p>
+          <a:p>
+            <a:pPr marL="171450" indent="-171450">
+              <a:buFontTx/>
+              <a:buChar char="-"/>
+            </a:pPr>
+            <a:r>
+              <a:rPr lang="en-US" dirty="0" smtClean="0"/>
+              <a:t>We may ponder what exactly went through their minds as they accepted the invitation or what they may or may not have known about Jesus at that instant.</a:t>
+            </a:r>
+          </a:p>
+          <a:p>
+            <a:pPr marL="171450" indent="-171450">
+              <a:buFontTx/>
+              <a:buChar char="-"/>
+            </a:pPr>
+            <a:r>
+              <a:rPr lang="en-US" dirty="0" smtClean="0"/>
+              <a:t>But we cannot debate the simple fact that they accepted and followed. Their trust in Jesus began here as they took their first steps with Him.</a:t>
+            </a:r>
           </a:p>
         </p:txBody>
       </p:sp>
@@ -987,7 +1069,7 @@
           <a:p>
             <a:fld id="{94A4D452-108C-47F3-BF7B-19C87D349197}" type="slidenum">
               <a:rPr lang="en-US" smtClean="0"/>
-              <a:t>22</a:t>
+              <a:t>18</a:t>
             </a:fld>
             <a:endParaRPr lang="en-US"/>
           </a:p>
@@ -996,7 +1078,7 @@
     </p:spTree>
     <p:extLst>
       <p:ext uri="{BB962C8B-B14F-4D97-AF65-F5344CB8AC3E}">
-        <p14:creationId xmlns:p14="http://schemas.microsoft.com/office/powerpoint/2010/main" val="603523288"/>
+        <p14:creationId xmlns:p14="http://schemas.microsoft.com/office/powerpoint/2010/main" val="2821790612"/>
       </p:ext>
     </p:extLst>
   </p:cSld>
@@ -1056,7 +1138,7 @@
             </a:pPr>
             <a:r>
               <a:rPr lang="en-US" dirty="0" smtClean="0"/>
-              <a:t>The book of Acts is a record of works done in the name of Jesus.</a:t>
+              <a:t>After finding and gathering the twelve together, Christ gave them the authority for their ministry, much like the Father had given Him authority for His.</a:t>
             </a:r>
           </a:p>
           <a:p>
@@ -1066,17 +1148,7 @@
             </a:pPr>
             <a:r>
               <a:rPr lang="en-US" dirty="0" smtClean="0"/>
-              <a:t>We read about preaching, healing, and deliverance, all done "in His name".</a:t>
-            </a:r>
-          </a:p>
-          <a:p>
-            <a:pPr marL="171450" indent="-171450">
-              <a:buFontTx/>
-              <a:buChar char="-"/>
-            </a:pPr>
-            <a:r>
-              <a:rPr lang="en-US" dirty="0" smtClean="0"/>
-              <a:t>It is the outworking of the authority Christ gave His disciples for proclaiming the good news of the kingdom.</a:t>
+              <a:t>The works that we see the twelve and others doing during the gospels and book of Acts are possible because of the authority given for this purpose. </a:t>
             </a:r>
             <a:endParaRPr lang="en-US" dirty="0"/>
           </a:p>
@@ -1099,7 +1171,7 @@
           <a:p>
             <a:fld id="{94A4D452-108C-47F3-BF7B-19C87D349197}" type="slidenum">
               <a:rPr lang="en-US" smtClean="0"/>
-              <a:t>23</a:t>
+              <a:t>19</a:t>
             </a:fld>
             <a:endParaRPr lang="en-US"/>
           </a:p>
@@ -1108,7 +1180,7 @@
     </p:spTree>
     <p:extLst>
       <p:ext uri="{BB962C8B-B14F-4D97-AF65-F5344CB8AC3E}">
-        <p14:creationId xmlns:p14="http://schemas.microsoft.com/office/powerpoint/2010/main" val="3678222960"/>
+        <p14:creationId xmlns:p14="http://schemas.microsoft.com/office/powerpoint/2010/main" val="2821790612"/>
       </p:ext>
     </p:extLst>
   </p:cSld>
@@ -1168,15 +1240,15 @@
             </a:pPr>
             <a:r>
               <a:rPr lang="en-US" dirty="0" smtClean="0"/>
-              <a:t>The term exorcist was applied to those who followed a formulaic approach to casting out </a:t>
-            </a:r>
-            <a:r>
-              <a:rPr lang="en-US" dirty="0" err="1" smtClean="0"/>
-              <a:t>deamons</a:t>
-            </a:r>
-            <a:r>
-              <a:rPr lang="en-US" dirty="0" smtClean="0"/>
-              <a:t> as a profession.</a:t>
+              <a:t>The authority in proclaiming the kingdom that He shared with His disciples was in anticipation of the future realization of that kingdom on earth, when they would rule </a:t>
+            </a:r>
+            <a:r>
+              <a:rPr lang="en-US" dirty="0" smtClean="0"/>
+              <a:t>together in authority </a:t>
+            </a:r>
+            <a:r>
+              <a:rPr lang="en-US" dirty="0" smtClean="0"/>
+              <a:t>in that kingdom. </a:t>
             </a:r>
           </a:p>
           <a:p>
@@ -1186,7 +1258,11 @@
             </a:pPr>
             <a:r>
               <a:rPr lang="en-US" dirty="0" smtClean="0"/>
-              <a:t>Typically this would be done by either finding out the name of the evil spirit and commanding it to leave by name, or invoking the name of a higher power to command it to leave.</a:t>
+              <a:t>This emphasis on purpose is not to minimize the importance of redemption in any </a:t>
+            </a:r>
+            <a:r>
+              <a:rPr lang="en-US" dirty="0" smtClean="0"/>
+              <a:t>way.</a:t>
             </a:r>
           </a:p>
           <a:p>
@@ -1196,17 +1272,27 @@
             </a:pPr>
             <a:r>
               <a:rPr lang="en-US" dirty="0" smtClean="0"/>
-              <a:t>These exorcists had seen or heard of the powerful works done by Paul in the name of Jesus and desired to apply it to their own handiwork.</a:t>
-            </a:r>
-          </a:p>
-          <a:p>
-            <a:pPr marL="171450" indent="-171450">
-              <a:buFontTx/>
-              <a:buChar char="-"/>
-            </a:pPr>
-            <a:r>
-              <a:rPr lang="en-US" dirty="0" smtClean="0"/>
-              <a:t>The results were certainly not what they had in mind.</a:t>
+              <a:t>In </a:t>
+            </a:r>
+            <a:r>
+              <a:rPr lang="en-US" dirty="0" smtClean="0"/>
+              <a:t>fact, the regeneration </a:t>
+            </a:r>
+            <a:r>
+              <a:rPr lang="en-US" dirty="0" smtClean="0"/>
+              <a:t>that </a:t>
+            </a:r>
+            <a:r>
+              <a:rPr lang="en-US" dirty="0" smtClean="0"/>
+              <a:t>Jesus speaks of here is completely impossible without </a:t>
+            </a:r>
+            <a:r>
+              <a:rPr lang="en-US" dirty="0" smtClean="0"/>
+              <a:t>the plan of redemption</a:t>
+            </a:r>
+            <a:r>
+              <a:rPr lang="en-US" dirty="0" smtClean="0"/>
+              <a:t>.</a:t>
             </a:r>
             <a:endParaRPr lang="en-US" dirty="0"/>
           </a:p>
@@ -1229,7 +1315,7 @@
           <a:p>
             <a:fld id="{94A4D452-108C-47F3-BF7B-19C87D349197}" type="slidenum">
               <a:rPr lang="en-US" smtClean="0"/>
-              <a:t>24</a:t>
+              <a:t>20</a:t>
             </a:fld>
             <a:endParaRPr lang="en-US"/>
           </a:p>
@@ -1298,15 +1384,19 @@
             </a:pPr>
             <a:r>
               <a:rPr lang="en-US" dirty="0" smtClean="0"/>
-              <a:t>Here the name of Jesus was invoked but authority was totally lacking. The results were </a:t>
-            </a:r>
-            <a:r>
-              <a:rPr lang="en-US" dirty="0" err="1" smtClean="0"/>
-              <a:t>devestating</a:t>
-            </a:r>
-            <a:r>
-              <a:rPr lang="en-US" dirty="0" smtClean="0"/>
-              <a:t>. </a:t>
+              <a:t>Redemption</a:t>
+            </a:r>
+            <a:r>
+              <a:rPr lang="en-US" baseline="0" dirty="0" smtClean="0"/>
+              <a:t> is what </a:t>
+            </a:r>
+            <a:r>
+              <a:rPr lang="en-US" dirty="0" smtClean="0"/>
+              <a:t>to </a:t>
+            </a:r>
+            <a:r>
+              <a:rPr lang="en-US" dirty="0" smtClean="0"/>
+              <a:t>the Father's purpose. To present the good news without His purpose is to present an incomplete gospel.</a:t>
             </a:r>
           </a:p>
           <a:p>
@@ -1316,17 +1406,7 @@
             </a:pPr>
             <a:r>
               <a:rPr lang="en-US" dirty="0" smtClean="0"/>
-              <a:t>The problem was not that the authority to cast out demons wasn't available.</a:t>
-            </a:r>
-          </a:p>
-          <a:p>
-            <a:pPr marL="171450" indent="-171450">
-              <a:buFontTx/>
-              <a:buChar char="-"/>
-            </a:pPr>
-            <a:r>
-              <a:rPr lang="en-US" dirty="0" smtClean="0"/>
-              <a:t>In fact, Christ clearly said that this authority extended much further than the twelve.</a:t>
+              <a:t>Just as Christ invited His disciples to follow Him in His earthly ministry, He is inviting us to be a part of what He is doing in His heavenly ministry. </a:t>
             </a:r>
             <a:endParaRPr lang="en-US" dirty="0"/>
           </a:p>
@@ -1349,7 +1429,7 @@
           <a:p>
             <a:fld id="{94A4D452-108C-47F3-BF7B-19C87D349197}" type="slidenum">
               <a:rPr lang="en-US" smtClean="0"/>
-              <a:t>25</a:t>
+              <a:t>21</a:t>
             </a:fld>
             <a:endParaRPr lang="en-US"/>
           </a:p>
@@ -1358,7 +1438,7 @@
     </p:spTree>
     <p:extLst>
       <p:ext uri="{BB962C8B-B14F-4D97-AF65-F5344CB8AC3E}">
-        <p14:creationId xmlns:p14="http://schemas.microsoft.com/office/powerpoint/2010/main" val="2821790612"/>
+        <p14:creationId xmlns:p14="http://schemas.microsoft.com/office/powerpoint/2010/main" val="603523288"/>
       </p:ext>
     </p:extLst>
   </p:cSld>
@@ -1418,7 +1498,7 @@
             </a:pPr>
             <a:r>
               <a:rPr lang="en-US" dirty="0" smtClean="0"/>
-              <a:t>The missing link is the fact that "these signs" follow out of belief. It is only by faith that the authority for this power can be received. </a:t>
+              <a:t>The book of Acts is a record of works done in the name of Jesus.</a:t>
             </a:r>
           </a:p>
           <a:p>
@@ -1428,7 +1508,7 @@
             </a:pPr>
             <a:r>
               <a:rPr lang="en-US" dirty="0" smtClean="0"/>
-              <a:t>This is not a mere belief in the existence of Jesus, which the exorcists no doubt had. It is a firm conviction of who He really is.</a:t>
+              <a:t>We read about preaching, healing, and deliverance, all done "in His name".</a:t>
             </a:r>
           </a:p>
           <a:p>
@@ -1438,7 +1518,7 @@
             </a:pPr>
             <a:r>
               <a:rPr lang="en-US" dirty="0" smtClean="0"/>
-              <a:t>The context of Mark 16 is the resurrection of Christ. Here "believe" means belief in Christ as the resurrected Messiah.</a:t>
+              <a:t>It is the outworking of the authority Christ gave His disciples for proclaiming the good news of the kingdom.</a:t>
             </a:r>
             <a:endParaRPr lang="en-US" dirty="0"/>
           </a:p>
@@ -1461,7 +1541,7 @@
           <a:p>
             <a:fld id="{94A4D452-108C-47F3-BF7B-19C87D349197}" type="slidenum">
               <a:rPr lang="en-US" smtClean="0"/>
-              <a:t>26</a:t>
+              <a:t>22</a:t>
             </a:fld>
             <a:endParaRPr lang="en-US"/>
           </a:p>
@@ -1470,7 +1550,7 @@
     </p:spTree>
     <p:extLst>
       <p:ext uri="{BB962C8B-B14F-4D97-AF65-F5344CB8AC3E}">
-        <p14:creationId xmlns:p14="http://schemas.microsoft.com/office/powerpoint/2010/main" val="2821790612"/>
+        <p14:creationId xmlns:p14="http://schemas.microsoft.com/office/powerpoint/2010/main" val="3678222960"/>
       </p:ext>
     </p:extLst>
   </p:cSld>
@@ -1529,8 +1609,16 @@
               <a:buChar char="-"/>
             </a:pPr>
             <a:r>
-              <a:rPr lang="en-US" baseline="0" dirty="0" smtClean="0"/>
-              <a:t>In Acts chapter 3, Peter illustrates belief in the resurrected Christ as the basis for work done "in His name".</a:t>
+              <a:rPr lang="en-US" dirty="0" smtClean="0"/>
+              <a:t>The term exorcist was applied to those who followed a formulaic approach to casting out </a:t>
+            </a:r>
+            <a:r>
+              <a:rPr lang="en-US" dirty="0" err="1" smtClean="0"/>
+              <a:t>deamons</a:t>
+            </a:r>
+            <a:r>
+              <a:rPr lang="en-US" dirty="0" smtClean="0"/>
+              <a:t> as a profession.</a:t>
             </a:r>
           </a:p>
           <a:p>
@@ -1539,8 +1627,8 @@
               <a:buChar char="-"/>
             </a:pPr>
             <a:r>
-              <a:rPr lang="en-US" baseline="0" dirty="0" smtClean="0"/>
-              <a:t>When entering the temple for prayer with John, they encounter a man lame from birth at the gate.</a:t>
+              <a:rPr lang="en-US" dirty="0" smtClean="0"/>
+              <a:t>Typically this would be done by either finding out the name of the evil spirit and commanding it to leave by name, or invoking the name of a higher power to command it to leave.</a:t>
             </a:r>
           </a:p>
           <a:p>
@@ -1549,8 +1637,8 @@
               <a:buChar char="-"/>
             </a:pPr>
             <a:r>
-              <a:rPr lang="en-US" baseline="0" dirty="0" smtClean="0"/>
-              <a:t>Here the name of Jesus was invoked and the power followed.</a:t>
+              <a:rPr lang="en-US" dirty="0" smtClean="0"/>
+              <a:t>These exorcists had seen or heard of the powerful works done by Paul in the name of Jesus and desired to apply it to their own handiwork.</a:t>
             </a:r>
           </a:p>
           <a:p>
@@ -1558,6 +1646,10 @@
               <a:buFontTx/>
               <a:buChar char="-"/>
             </a:pPr>
+            <a:r>
+              <a:rPr lang="en-US" dirty="0" smtClean="0"/>
+              <a:t>The results were certainly not what they had in mind.</a:t>
+            </a:r>
             <a:endParaRPr lang="en-US" dirty="0"/>
           </a:p>
         </p:txBody>
@@ -1579,7 +1671,7 @@
           <a:p>
             <a:fld id="{94A4D452-108C-47F3-BF7B-19C87D349197}" type="slidenum">
               <a:rPr lang="en-US" smtClean="0"/>
-              <a:t>27</a:t>
+              <a:t>23</a:t>
             </a:fld>
             <a:endParaRPr lang="en-US"/>
           </a:p>
@@ -1648,7 +1740,15 @@
             </a:pPr>
             <a:r>
               <a:rPr lang="en-US" dirty="0" smtClean="0"/>
-              <a:t>Peter goes on to explain the healing to the people at the temple.</a:t>
+              <a:t>Here the name of Jesus was invoked but authority was totally lacking. The results were </a:t>
+            </a:r>
+            <a:r>
+              <a:rPr lang="en-US" dirty="0" err="1" smtClean="0"/>
+              <a:t>devestating</a:t>
+            </a:r>
+            <a:r>
+              <a:rPr lang="en-US" dirty="0" smtClean="0"/>
+              <a:t>. </a:t>
             </a:r>
           </a:p>
           <a:p>
@@ -1658,7 +1758,7 @@
             </a:pPr>
             <a:r>
               <a:rPr lang="en-US" dirty="0" smtClean="0"/>
-              <a:t>It was the power of Christ at work here: His Name stands for His authority. This time, the basis of faith was present. </a:t>
+              <a:t>The problem was not that the authority to cast out demons wasn't available.</a:t>
             </a:r>
           </a:p>
           <a:p>
@@ -1668,14 +1768,8 @@
             </a:pPr>
             <a:r>
               <a:rPr lang="en-US" dirty="0" smtClean="0"/>
-              <a:t>The faith here is not the lame man's, it is Peter's faith in the resurrected Christ, as he clearly explains in the preceding verses.</a:t>
-            </a:r>
-          </a:p>
-          <a:p>
-            <a:pPr marL="171450" indent="-171450">
-              <a:buFontTx/>
-              <a:buChar char="-"/>
-            </a:pPr>
+              <a:t>In fact, Christ clearly said that this authority extended much further than the twelve.</a:t>
+            </a:r>
             <a:endParaRPr lang="en-US" dirty="0"/>
           </a:p>
         </p:txBody>
@@ -1697,7 +1791,7 @@
           <a:p>
             <a:fld id="{94A4D452-108C-47F3-BF7B-19C87D349197}" type="slidenum">
               <a:rPr lang="en-US" smtClean="0"/>
-              <a:t>28</a:t>
+              <a:t>24</a:t>
             </a:fld>
             <a:endParaRPr lang="en-US"/>
           </a:p>
@@ -1766,7 +1860,7 @@
             </a:pPr>
             <a:r>
               <a:rPr lang="en-US" dirty="0" smtClean="0"/>
-              <a:t>Clear link to the Father</a:t>
+              <a:t>This is all encompassing: it covers everything we do in both word and deed.</a:t>
             </a:r>
           </a:p>
           <a:p>
@@ -1776,13 +1870,18 @@
             </a:pPr>
             <a:r>
               <a:rPr lang="en-US" dirty="0" smtClean="0"/>
-              <a:t>Calling God His father takes it to a</a:t>
-            </a:r>
-            <a:r>
-              <a:rPr lang="en-US" baseline="0" dirty="0" smtClean="0"/>
-              <a:t> whole new level</a:t>
-            </a:r>
-            <a:endParaRPr lang="en-US" dirty="0"/>
+              <a:t>If we get this wrong, our words and our actions will be built on the wrong foundation.</a:t>
+            </a:r>
+          </a:p>
+          <a:p>
+            <a:pPr marL="171450" indent="-171450">
+              <a:buFontTx/>
+              <a:buChar char="-"/>
+            </a:pPr>
+            <a:r>
+              <a:rPr lang="en-US" dirty="0" smtClean="0"/>
+              <a:t>Understanding "In His Name" starts with the word "Lord". This is the word for master, or one in authority</a:t>
+            </a:r>
           </a:p>
         </p:txBody>
       </p:sp>
@@ -1803,7 +1902,7 @@
           <a:p>
             <a:fld id="{94A4D452-108C-47F3-BF7B-19C87D349197}" type="slidenum">
               <a:rPr lang="en-US" smtClean="0"/>
-              <a:t>10</a:t>
+              <a:t>7</a:t>
             </a:fld>
             <a:endParaRPr lang="en-US"/>
           </a:p>
@@ -1812,7 +1911,7 @@
     </p:spTree>
     <p:extLst>
       <p:ext uri="{BB962C8B-B14F-4D97-AF65-F5344CB8AC3E}">
-        <p14:creationId xmlns:p14="http://schemas.microsoft.com/office/powerpoint/2010/main" val="2821790612"/>
+        <p14:creationId xmlns:p14="http://schemas.microsoft.com/office/powerpoint/2010/main" val="1111375434"/>
       </p:ext>
     </p:extLst>
   </p:cSld>
@@ -1872,7 +1971,7 @@
             </a:pPr>
             <a:r>
               <a:rPr lang="en-US" dirty="0" smtClean="0"/>
-              <a:t>Trust in the resurrected Christ is central to all of God's purposes.</a:t>
+              <a:t>The missing link is the fact that "these signs" follow out of belief. It is only by faith that the authority for this power can be received. </a:t>
             </a:r>
           </a:p>
           <a:p>
@@ -1882,7 +1981,7 @@
             </a:pPr>
             <a:r>
               <a:rPr lang="en-US" dirty="0" smtClean="0"/>
-              <a:t>God invites to be a part of His purpose, but without a response of trust, there really can be no relationship.</a:t>
+              <a:t>This is not a mere belief in the existence of Jesus, which the exorcists no doubt had. It is a firm conviction of who He really is.</a:t>
             </a:r>
           </a:p>
           <a:p>
@@ -1892,8 +1991,9 @@
             </a:pPr>
             <a:r>
               <a:rPr lang="en-US" dirty="0" smtClean="0"/>
-              <a:t>There isn't power in His name if there is no relationship with Him.</a:t>
-            </a:r>
+              <a:t>The context of Mark 16 is the resurrection of Christ. Here "believe" means belief in Christ as the resurrected Messiah.</a:t>
+            </a:r>
+            <a:endParaRPr lang="en-US" dirty="0"/>
           </a:p>
         </p:txBody>
       </p:sp>
@@ -1914,7 +2014,7 @@
           <a:p>
             <a:fld id="{94A4D452-108C-47F3-BF7B-19C87D349197}" type="slidenum">
               <a:rPr lang="en-US" smtClean="0"/>
-              <a:t>29</a:t>
+              <a:t>25</a:t>
             </a:fld>
             <a:endParaRPr lang="en-US"/>
           </a:p>
@@ -1923,7 +2023,7 @@
     </p:spTree>
     <p:extLst>
       <p:ext uri="{BB962C8B-B14F-4D97-AF65-F5344CB8AC3E}">
-        <p14:creationId xmlns:p14="http://schemas.microsoft.com/office/powerpoint/2010/main" val="3526839619"/>
+        <p14:creationId xmlns:p14="http://schemas.microsoft.com/office/powerpoint/2010/main" val="2821790612"/>
       </p:ext>
     </p:extLst>
   </p:cSld>
@@ -1982,8 +2082,8 @@
               <a:buChar char="-"/>
             </a:pPr>
             <a:r>
-              <a:rPr lang="en-US" dirty="0" smtClean="0"/>
-              <a:t>The phrase "enter the Kingdom" is often used as a way to describe personal salvation.</a:t>
+              <a:rPr lang="en-US" baseline="0" dirty="0" smtClean="0"/>
+              <a:t>In Acts chapter 3, Peter illustrates belief in the resurrected Christ as the basis for work done "in His name".</a:t>
             </a:r>
           </a:p>
           <a:p>
@@ -1992,8 +2092,8 @@
               <a:buChar char="-"/>
             </a:pPr>
             <a:r>
-              <a:rPr lang="en-US" dirty="0" smtClean="0"/>
-              <a:t>When someone puts their trust in Christ, they are said to have "entered the kingdom".</a:t>
+              <a:rPr lang="en-US" baseline="0" dirty="0" smtClean="0"/>
+              <a:t>When entering the temple for prayer with John, they encounter a man lame from birth at the gate.</a:t>
             </a:r>
           </a:p>
           <a:p>
@@ -2002,11 +2102,15 @@
               <a:buChar char="-"/>
             </a:pPr>
             <a:r>
-              <a:rPr lang="en-US" dirty="0" smtClean="0"/>
-              <a:t>But when we look at how this phrase is actually used by Christ, a different picture begins to emerge.</a:t>
-            </a:r>
-          </a:p>
-          <a:p>
+              <a:rPr lang="en-US" baseline="0" dirty="0" smtClean="0"/>
+              <a:t>Here the name of Jesus was invoked and the power followed.</a:t>
+            </a:r>
+          </a:p>
+          <a:p>
+            <a:pPr marL="171450" indent="-171450">
+              <a:buFontTx/>
+              <a:buChar char="-"/>
+            </a:pPr>
             <a:endParaRPr lang="en-US" dirty="0"/>
           </a:p>
         </p:txBody>
@@ -2028,7 +2132,7 @@
           <a:p>
             <a:fld id="{94A4D452-108C-47F3-BF7B-19C87D349197}" type="slidenum">
               <a:rPr lang="en-US" smtClean="0"/>
-              <a:t>30</a:t>
+              <a:t>26</a:t>
             </a:fld>
             <a:endParaRPr lang="en-US"/>
           </a:p>
@@ -2037,7 +2141,7 @@
     </p:spTree>
     <p:extLst>
       <p:ext uri="{BB962C8B-B14F-4D97-AF65-F5344CB8AC3E}">
-        <p14:creationId xmlns:p14="http://schemas.microsoft.com/office/powerpoint/2010/main" val="287686289"/>
+        <p14:creationId xmlns:p14="http://schemas.microsoft.com/office/powerpoint/2010/main" val="2821790612"/>
       </p:ext>
     </p:extLst>
   </p:cSld>
@@ -2097,7 +2201,7 @@
             </a:pPr>
             <a:r>
               <a:rPr lang="en-US" dirty="0" smtClean="0"/>
-              <a:t>Entering the kingdom was not just about identifying Jesus as Lord, it was about doing the will of His Father.</a:t>
+              <a:t>Peter goes on to explain the healing to the people at the temple.</a:t>
             </a:r>
           </a:p>
           <a:p>
@@ -2107,7 +2211,7 @@
             </a:pPr>
             <a:r>
               <a:rPr lang="en-US" dirty="0" smtClean="0"/>
-              <a:t>Above and beyond faith alone, this required works.</a:t>
+              <a:t>It was the power of Christ at work here: His Name stands for His authority. This time, the basis of faith was present. </a:t>
             </a:r>
           </a:p>
           <a:p>
@@ -2117,8 +2221,14 @@
             </a:pPr>
             <a:r>
               <a:rPr lang="en-US" dirty="0" smtClean="0"/>
-              <a:t>This was a warning to those who were believers, not to those who didn't trust Christ in the first place.</a:t>
-            </a:r>
+              <a:t>The faith here is not the lame man's, it is Peter's faith in the resurrected Christ, as he clearly explains in the preceding verses.</a:t>
+            </a:r>
+          </a:p>
+          <a:p>
+            <a:pPr marL="171450" indent="-171450">
+              <a:buFontTx/>
+              <a:buChar char="-"/>
+            </a:pPr>
             <a:endParaRPr lang="en-US" dirty="0"/>
           </a:p>
         </p:txBody>
@@ -2140,7 +2250,7 @@
           <a:p>
             <a:fld id="{94A4D452-108C-47F3-BF7B-19C87D349197}" type="slidenum">
               <a:rPr lang="en-US" smtClean="0"/>
-              <a:t>31</a:t>
+              <a:t>27</a:t>
             </a:fld>
             <a:endParaRPr lang="en-US"/>
           </a:p>
@@ -2209,7 +2319,7 @@
             </a:pPr>
             <a:r>
               <a:rPr lang="en-US" dirty="0" smtClean="0"/>
-              <a:t>There is no indication that the works done here were not genuine. In fact, these were the very signs that were support to follow them that believed.</a:t>
+              <a:t>Trust in the resurrected Christ is central to all of God's purposes.</a:t>
             </a:r>
           </a:p>
           <a:p>
@@ -2219,9 +2329,37 @@
             </a:pPr>
             <a:r>
               <a:rPr lang="en-US" dirty="0" smtClean="0"/>
-              <a:t>And yet, entrance to the kingdom was denied.</a:t>
-            </a:r>
-            <a:endParaRPr lang="en-US" dirty="0"/>
+              <a:t>God invites to be a part of His purpose, but without a response of trust, there really can be no relationship.</a:t>
+            </a:r>
+          </a:p>
+          <a:p>
+            <a:pPr marL="171450" indent="-171450">
+              <a:buFontTx/>
+              <a:buChar char="-"/>
+            </a:pPr>
+            <a:r>
+              <a:rPr lang="en-US" dirty="0" smtClean="0"/>
+              <a:t>There isn't power in His name if there is no relationship with Him</a:t>
+            </a:r>
+            <a:r>
+              <a:rPr lang="en-US" dirty="0" smtClean="0"/>
+              <a:t>.</a:t>
+            </a:r>
+          </a:p>
+          <a:p>
+            <a:pPr marL="171450" indent="-171450">
+              <a:buFontTx/>
+              <a:buChar char="-"/>
+            </a:pPr>
+            <a:r>
+              <a:rPr lang="en-US" dirty="0" smtClean="0"/>
+              <a:t>You</a:t>
+            </a:r>
+            <a:r>
+              <a:rPr lang="en-US" baseline="0" dirty="0" smtClean="0"/>
+              <a:t> can’t use something you don’t have</a:t>
+            </a:r>
+            <a:endParaRPr lang="en-US" dirty="0" smtClean="0"/>
           </a:p>
         </p:txBody>
       </p:sp>
@@ -2242,7 +2380,7 @@
           <a:p>
             <a:fld id="{94A4D452-108C-47F3-BF7B-19C87D349197}" type="slidenum">
               <a:rPr lang="en-US" smtClean="0"/>
-              <a:t>32</a:t>
+              <a:t>28</a:t>
             </a:fld>
             <a:endParaRPr lang="en-US"/>
           </a:p>
@@ -2251,7 +2389,7 @@
     </p:spTree>
     <p:extLst>
       <p:ext uri="{BB962C8B-B14F-4D97-AF65-F5344CB8AC3E}">
-        <p14:creationId xmlns:p14="http://schemas.microsoft.com/office/powerpoint/2010/main" val="2821790612"/>
+        <p14:creationId xmlns:p14="http://schemas.microsoft.com/office/powerpoint/2010/main" val="3526839619"/>
       </p:ext>
     </p:extLst>
   </p:cSld>
@@ -2311,7 +2449,7 @@
             </a:pPr>
             <a:r>
               <a:rPr lang="en-US" dirty="0" smtClean="0"/>
-              <a:t>There is no indication that the works done here were not genuine. In fact, these were the very signs that were support to follow them that believed.</a:t>
+              <a:t>The phrase "enter the Kingdom" is often used as a way to describe personal salvation.</a:t>
             </a:r>
           </a:p>
           <a:p>
@@ -2321,8 +2459,20 @@
             </a:pPr>
             <a:r>
               <a:rPr lang="en-US" dirty="0" smtClean="0"/>
-              <a:t>And yet, entrance to the kingdom was denied.</a:t>
-            </a:r>
+              <a:t>When someone puts their trust in Christ, they are said to have "entered the kingdom".</a:t>
+            </a:r>
+          </a:p>
+          <a:p>
+            <a:pPr marL="171450" indent="-171450">
+              <a:buFontTx/>
+              <a:buChar char="-"/>
+            </a:pPr>
+            <a:r>
+              <a:rPr lang="en-US" dirty="0" smtClean="0"/>
+              <a:t>But when we look at how this phrase is actually used by Christ, a different picture begins to emerge.</a:t>
+            </a:r>
+          </a:p>
+          <a:p>
             <a:endParaRPr lang="en-US" dirty="0"/>
           </a:p>
         </p:txBody>
@@ -2344,7 +2494,7 @@
           <a:p>
             <a:fld id="{94A4D452-108C-47F3-BF7B-19C87D349197}" type="slidenum">
               <a:rPr lang="en-US" smtClean="0"/>
-              <a:t>33</a:t>
+              <a:t>29</a:t>
             </a:fld>
             <a:endParaRPr lang="en-US"/>
           </a:p>
@@ -2353,7 +2503,7 @@
     </p:spTree>
     <p:extLst>
       <p:ext uri="{BB962C8B-B14F-4D97-AF65-F5344CB8AC3E}">
-        <p14:creationId xmlns:p14="http://schemas.microsoft.com/office/powerpoint/2010/main" val="2821790612"/>
+        <p14:creationId xmlns:p14="http://schemas.microsoft.com/office/powerpoint/2010/main" val="287686289"/>
       </p:ext>
     </p:extLst>
   </p:cSld>
@@ -2413,13 +2563,8 @@
             </a:pPr>
             <a:r>
               <a:rPr lang="en-US" dirty="0" smtClean="0"/>
-              <a:t>Again, the example of the builders illustrates the fact that works are in view here, not just faith alone. They are each building something,</a:t>
-            </a:r>
-            <a:r>
-              <a:rPr lang="en-US" baseline="0" dirty="0" smtClean="0"/>
-              <a:t> but on very different foundations.</a:t>
-            </a:r>
-            <a:endParaRPr lang="en-US" dirty="0" smtClean="0"/>
+              <a:t>Entering the kingdom was not just about identifying Jesus as Lord, it was about doing the will of His Father.</a:t>
+            </a:r>
           </a:p>
           <a:p>
             <a:pPr marL="171450" indent="-171450">
@@ -2428,7 +2573,7 @@
             </a:pPr>
             <a:r>
               <a:rPr lang="en-US" dirty="0" smtClean="0"/>
-              <a:t>The question is whether the works will stand when tested.</a:t>
+              <a:t>Above and beyond faith alone, this required works.</a:t>
             </a:r>
           </a:p>
           <a:p>
@@ -2438,7 +2583,7 @@
             </a:pPr>
             <a:r>
               <a:rPr lang="en-US" dirty="0" smtClean="0"/>
-              <a:t>What are the words that Christ is referring to here? Just a few versus earlier in this chapter we get a concise summary.</a:t>
+              <a:t>This was a warning to those who were believers, not to those who didn't trust Christ in the first place.</a:t>
             </a:r>
             <a:endParaRPr lang="en-US" dirty="0"/>
           </a:p>
@@ -2461,7 +2606,7 @@
           <a:p>
             <a:fld id="{94A4D452-108C-47F3-BF7B-19C87D349197}" type="slidenum">
               <a:rPr lang="en-US" smtClean="0"/>
-              <a:t>34</a:t>
+              <a:t>30</a:t>
             </a:fld>
             <a:endParaRPr lang="en-US"/>
           </a:p>
@@ -2530,7 +2675,7 @@
             </a:pPr>
             <a:r>
               <a:rPr lang="en-US" dirty="0" smtClean="0"/>
-              <a:t>Christ didn't come to abolish the law, he came to fulfill it. </a:t>
+              <a:t>There is no indication that the works done here were not genuine. In fact, these were the very signs that were support to follow them that believed.</a:t>
             </a:r>
           </a:p>
           <a:p>
@@ -2540,27 +2685,7 @@
             </a:pPr>
             <a:r>
               <a:rPr lang="en-US" dirty="0" smtClean="0"/>
-              <a:t>He has summed up the law in a nutshell.</a:t>
-            </a:r>
-          </a:p>
-          <a:p>
-            <a:pPr marL="171450" indent="-171450">
-              <a:buFontTx/>
-              <a:buChar char="-"/>
-            </a:pPr>
-            <a:r>
-              <a:rPr lang="en-US" dirty="0" smtClean="0"/>
-              <a:t>Here in Matthew, entering the Kingdom isn't about redemption or initial salvation, it is a reward for faithful service done lawfully.</a:t>
-            </a:r>
-          </a:p>
-          <a:p>
-            <a:pPr marL="171450" indent="-171450">
-              <a:buFontTx/>
-              <a:buChar char="-"/>
-            </a:pPr>
-            <a:r>
-              <a:rPr lang="en-US" dirty="0" smtClean="0"/>
-              <a:t>Those entering the kingdom could look forward to ruling with Christ in a position of authority. </a:t>
+              <a:t>And yet, entrance to the kingdom was denied.</a:t>
             </a:r>
             <a:endParaRPr lang="en-US" dirty="0"/>
           </a:p>
@@ -2583,7 +2708,7 @@
           <a:p>
             <a:fld id="{94A4D452-108C-47F3-BF7B-19C87D349197}" type="slidenum">
               <a:rPr lang="en-US" smtClean="0"/>
-              <a:t>35</a:t>
+              <a:t>31</a:t>
             </a:fld>
             <a:endParaRPr lang="en-US"/>
           </a:p>
@@ -2652,7 +2777,7 @@
             </a:pPr>
             <a:r>
               <a:rPr lang="en-US" dirty="0" smtClean="0"/>
-              <a:t>There can be no faithfulness if there is not first faith.</a:t>
+              <a:t>There is no indication that the works done here were not genuine. In fact, these were the very signs that were support to follow them that believed.</a:t>
             </a:r>
           </a:p>
           <a:p>
@@ -2662,9 +2787,91 @@
             </a:pPr>
             <a:r>
               <a:rPr lang="en-US" dirty="0" smtClean="0"/>
-              <a:t>The faithful servant aligns himself with the will of God.</a:t>
-            </a:r>
-          </a:p>
+              <a:t>And yet, entrance to the kingdom was denied.</a:t>
+            </a:r>
+            <a:endParaRPr lang="en-US" dirty="0"/>
+          </a:p>
+        </p:txBody>
+      </p:sp>
+      <p:sp>
+        <p:nvSpPr>
+          <p:cNvPr id="4" name="Slide Number Placeholder 3"/>
+          <p:cNvSpPr>
+            <a:spLocks noGrp="1"/>
+          </p:cNvSpPr>
+          <p:nvPr>
+            <p:ph type="sldNum" sz="quarter" idx="10"/>
+          </p:nvPr>
+        </p:nvSpPr>
+        <p:spPr/>
+        <p:txBody>
+          <a:bodyPr/>
+          <a:lstStyle/>
+          <a:p>
+            <a:fld id="{94A4D452-108C-47F3-BF7B-19C87D349197}" type="slidenum">
+              <a:rPr lang="en-US" smtClean="0"/>
+              <a:t>32</a:t>
+            </a:fld>
+            <a:endParaRPr lang="en-US"/>
+          </a:p>
+        </p:txBody>
+      </p:sp>
+    </p:spTree>
+    <p:extLst>
+      <p:ext uri="{BB962C8B-B14F-4D97-AF65-F5344CB8AC3E}">
+        <p14:creationId xmlns:p14="http://schemas.microsoft.com/office/powerpoint/2010/main" val="2821790612"/>
+      </p:ext>
+    </p:extLst>
+  </p:cSld>
+  <p:clrMapOvr>
+    <a:masterClrMapping/>
+  </p:clrMapOvr>
+</p:notes>
+</file>
+
+<file path=ppt/notesSlides/notesSlide28.xml><?xml version="1.0" encoding="utf-8"?>
+<p:notes xmlns:a="http://schemas.openxmlformats.org/drawingml/2006/main" xmlns:r="http://schemas.openxmlformats.org/officeDocument/2006/relationships" xmlns:p="http://schemas.openxmlformats.org/presentationml/2006/main">
+  <p:cSld>
+    <p:spTree>
+      <p:nvGrpSpPr>
+        <p:cNvPr id="1" name=""/>
+        <p:cNvGrpSpPr/>
+        <p:nvPr/>
+      </p:nvGrpSpPr>
+      <p:grpSpPr>
+        <a:xfrm>
+          <a:off x="0" y="0"/>
+          <a:ext cx="0" cy="0"/>
+          <a:chOff x="0" y="0"/>
+          <a:chExt cx="0" cy="0"/>
+        </a:xfrm>
+      </p:grpSpPr>
+      <p:sp>
+        <p:nvSpPr>
+          <p:cNvPr id="2" name="Slide Image Placeholder 1"/>
+          <p:cNvSpPr>
+            <a:spLocks noGrp="1" noRot="1" noChangeAspect="1"/>
+          </p:cNvSpPr>
+          <p:nvPr>
+            <p:ph type="sldImg"/>
+          </p:nvPr>
+        </p:nvSpPr>
+        <p:spPr/>
+      </p:sp>
+      <p:sp>
+        <p:nvSpPr>
+          <p:cNvPr id="3" name="Notes Placeholder 2"/>
+          <p:cNvSpPr>
+            <a:spLocks noGrp="1"/>
+          </p:cNvSpPr>
+          <p:nvPr>
+            <p:ph type="body" idx="1"/>
+          </p:nvPr>
+        </p:nvSpPr>
+        <p:spPr/>
+        <p:txBody>
+          <a:bodyPr/>
+          <a:lstStyle/>
           <a:p>
             <a:pPr marL="171450" indent="-171450">
               <a:buFontTx/>
@@ -2672,8 +2879,13 @@
             </a:pPr>
             <a:r>
               <a:rPr lang="en-US" dirty="0" smtClean="0"/>
-              <a:t>This is not possible with efforts of the flesh, it requires the very power of God.</a:t>
-            </a:r>
+              <a:t>Again, the example of the builders illustrates the fact that works are in view here, not just faith alone. They are each building something,</a:t>
+            </a:r>
+            <a:r>
+              <a:rPr lang="en-US" baseline="0" dirty="0" smtClean="0"/>
+              <a:t> but on very different foundations.</a:t>
+            </a:r>
+            <a:endParaRPr lang="en-US" dirty="0" smtClean="0"/>
           </a:p>
           <a:p>
             <a:pPr marL="171450" indent="-171450">
@@ -2682,7 +2894,17 @@
             </a:pPr>
             <a:r>
               <a:rPr lang="en-US" dirty="0" smtClean="0"/>
-              <a:t>This is what Christ meant when he said "With men it is impossible, but not with God: for with God all things are possible."</a:t>
+              <a:t>The question is whether the works will stand when tested.</a:t>
+            </a:r>
+          </a:p>
+          <a:p>
+            <a:pPr marL="171450" indent="-171450">
+              <a:buFontTx/>
+              <a:buChar char="-"/>
+            </a:pPr>
+            <a:r>
+              <a:rPr lang="en-US" dirty="0" smtClean="0"/>
+              <a:t>What are the words that Christ is referring to here? Just a few versus earlier in this chapter we get a concise summary.</a:t>
             </a:r>
             <a:endParaRPr lang="en-US" dirty="0"/>
           </a:p>
@@ -2705,7 +2927,7 @@
           <a:p>
             <a:fld id="{94A4D452-108C-47F3-BF7B-19C87D349197}" type="slidenum">
               <a:rPr lang="en-US" smtClean="0"/>
-              <a:t>36</a:t>
+              <a:t>33</a:t>
             </a:fld>
             <a:endParaRPr lang="en-US"/>
           </a:p>
@@ -2714,7 +2936,129 @@
     </p:spTree>
     <p:extLst>
       <p:ext uri="{BB962C8B-B14F-4D97-AF65-F5344CB8AC3E}">
-        <p14:creationId xmlns:p14="http://schemas.microsoft.com/office/powerpoint/2010/main" val="1358906999"/>
+        <p14:creationId xmlns:p14="http://schemas.microsoft.com/office/powerpoint/2010/main" val="2821790612"/>
+      </p:ext>
+    </p:extLst>
+  </p:cSld>
+  <p:clrMapOvr>
+    <a:masterClrMapping/>
+  </p:clrMapOvr>
+</p:notes>
+</file>
+
+<file path=ppt/notesSlides/notesSlide29.xml><?xml version="1.0" encoding="utf-8"?>
+<p:notes xmlns:a="http://schemas.openxmlformats.org/drawingml/2006/main" xmlns:r="http://schemas.openxmlformats.org/officeDocument/2006/relationships" xmlns:p="http://schemas.openxmlformats.org/presentationml/2006/main">
+  <p:cSld>
+    <p:spTree>
+      <p:nvGrpSpPr>
+        <p:cNvPr id="1" name=""/>
+        <p:cNvGrpSpPr/>
+        <p:nvPr/>
+      </p:nvGrpSpPr>
+      <p:grpSpPr>
+        <a:xfrm>
+          <a:off x="0" y="0"/>
+          <a:ext cx="0" cy="0"/>
+          <a:chOff x="0" y="0"/>
+          <a:chExt cx="0" cy="0"/>
+        </a:xfrm>
+      </p:grpSpPr>
+      <p:sp>
+        <p:nvSpPr>
+          <p:cNvPr id="2" name="Slide Image Placeholder 1"/>
+          <p:cNvSpPr>
+            <a:spLocks noGrp="1" noRot="1" noChangeAspect="1"/>
+          </p:cNvSpPr>
+          <p:nvPr>
+            <p:ph type="sldImg"/>
+          </p:nvPr>
+        </p:nvSpPr>
+        <p:spPr/>
+      </p:sp>
+      <p:sp>
+        <p:nvSpPr>
+          <p:cNvPr id="3" name="Notes Placeholder 2"/>
+          <p:cNvSpPr>
+            <a:spLocks noGrp="1"/>
+          </p:cNvSpPr>
+          <p:nvPr>
+            <p:ph type="body" idx="1"/>
+          </p:nvPr>
+        </p:nvSpPr>
+        <p:spPr/>
+        <p:txBody>
+          <a:bodyPr/>
+          <a:lstStyle/>
+          <a:p>
+            <a:pPr marL="171450" indent="-171450">
+              <a:buFontTx/>
+              <a:buChar char="-"/>
+            </a:pPr>
+            <a:r>
+              <a:rPr lang="en-US" dirty="0" smtClean="0"/>
+              <a:t>Christ didn't come to abolish the law, he came to fulfill it. </a:t>
+            </a:r>
+          </a:p>
+          <a:p>
+            <a:pPr marL="171450" indent="-171450">
+              <a:buFontTx/>
+              <a:buChar char="-"/>
+            </a:pPr>
+            <a:r>
+              <a:rPr lang="en-US" dirty="0" smtClean="0"/>
+              <a:t>He has summed up the law in a nutshell.</a:t>
+            </a:r>
+          </a:p>
+          <a:p>
+            <a:pPr marL="171450" indent="-171450">
+              <a:buFontTx/>
+              <a:buChar char="-"/>
+            </a:pPr>
+            <a:r>
+              <a:rPr lang="en-US" dirty="0" smtClean="0"/>
+              <a:t>Here in Matthew, entering the Kingdom isn't about redemption or initial salvation, it is a reward for faithful service done lawfully.</a:t>
+            </a:r>
+          </a:p>
+          <a:p>
+            <a:pPr marL="171450" indent="-171450">
+              <a:buFontTx/>
+              <a:buChar char="-"/>
+            </a:pPr>
+            <a:r>
+              <a:rPr lang="en-US" dirty="0" smtClean="0"/>
+              <a:t>Those entering the kingdom could look forward to ruling with Christ in a position of authority. </a:t>
+            </a:r>
+            <a:endParaRPr lang="en-US" dirty="0"/>
+          </a:p>
+        </p:txBody>
+      </p:sp>
+      <p:sp>
+        <p:nvSpPr>
+          <p:cNvPr id="4" name="Slide Number Placeholder 3"/>
+          <p:cNvSpPr>
+            <a:spLocks noGrp="1"/>
+          </p:cNvSpPr>
+          <p:nvPr>
+            <p:ph type="sldNum" sz="quarter" idx="10"/>
+          </p:nvPr>
+        </p:nvSpPr>
+        <p:spPr/>
+        <p:txBody>
+          <a:bodyPr/>
+          <a:lstStyle/>
+          <a:p>
+            <a:fld id="{94A4D452-108C-47F3-BF7B-19C87D349197}" type="slidenum">
+              <a:rPr lang="en-US" smtClean="0"/>
+              <a:t>34</a:t>
+            </a:fld>
+            <a:endParaRPr lang="en-US"/>
+          </a:p>
+        </p:txBody>
+      </p:sp>
+    </p:spTree>
+    <p:extLst>
+      <p:ext uri="{BB962C8B-B14F-4D97-AF65-F5344CB8AC3E}">
+        <p14:creationId xmlns:p14="http://schemas.microsoft.com/office/powerpoint/2010/main" val="2821790612"/>
       </p:ext>
     </p:extLst>
   </p:cSld>
@@ -2774,11 +3118,15 @@
             </a:pPr>
             <a:r>
               <a:rPr lang="en-US" dirty="0" smtClean="0"/>
-              <a:t>Tempting</a:t>
+              <a:t>This is clear in Philippians, where Paul writes about every knee bowing</a:t>
             </a:r>
             <a:r>
               <a:rPr lang="en-US" baseline="0" dirty="0" smtClean="0"/>
-              <a:t> to think Jesus had no need to learn from anyone</a:t>
+              <a:t> at </a:t>
+            </a:r>
+            <a:r>
+              <a:rPr lang="en-US" dirty="0" smtClean="0"/>
+              <a:t>the name of Jesus</a:t>
             </a:r>
           </a:p>
           <a:p>
@@ -2787,8 +3135,8 @@
               <a:buChar char="-"/>
             </a:pPr>
             <a:r>
-              <a:rPr lang="en-US" baseline="0" dirty="0" smtClean="0"/>
-              <a:t>Faithful servant and Son He learned everything from His father</a:t>
+              <a:rPr lang="en-US" dirty="0" smtClean="0"/>
+              <a:t>In other words, The name of Jesus is used to represent His authority as Lord.</a:t>
             </a:r>
           </a:p>
           <a:p>
@@ -2797,8 +3145,134 @@
               <a:buChar char="-"/>
             </a:pPr>
             <a:r>
+              <a:rPr lang="en-US" dirty="0" smtClean="0"/>
+              <a:t>The way we are going to start studying “in His name” is by</a:t>
+            </a:r>
+            <a:r>
               <a:rPr lang="en-US" baseline="0" dirty="0" smtClean="0"/>
-              <a:t>All His authority was given from the Father</a:t>
+              <a:t> understanding the Authority of Christ Himself</a:t>
+            </a:r>
+            <a:endParaRPr lang="en-US" dirty="0" smtClean="0"/>
+          </a:p>
+        </p:txBody>
+      </p:sp>
+      <p:sp>
+        <p:nvSpPr>
+          <p:cNvPr id="4" name="Slide Number Placeholder 3"/>
+          <p:cNvSpPr>
+            <a:spLocks noGrp="1"/>
+          </p:cNvSpPr>
+          <p:nvPr>
+            <p:ph type="sldNum" sz="quarter" idx="10"/>
+          </p:nvPr>
+        </p:nvSpPr>
+        <p:spPr/>
+        <p:txBody>
+          <a:bodyPr/>
+          <a:lstStyle/>
+          <a:p>
+            <a:fld id="{94A4D452-108C-47F3-BF7B-19C87D349197}" type="slidenum">
+              <a:rPr lang="en-US" smtClean="0"/>
+              <a:t>8</a:t>
+            </a:fld>
+            <a:endParaRPr lang="en-US"/>
+          </a:p>
+        </p:txBody>
+      </p:sp>
+    </p:spTree>
+    <p:extLst>
+      <p:ext uri="{BB962C8B-B14F-4D97-AF65-F5344CB8AC3E}">
+        <p14:creationId xmlns:p14="http://schemas.microsoft.com/office/powerpoint/2010/main" val="458611417"/>
+      </p:ext>
+    </p:extLst>
+  </p:cSld>
+  <p:clrMapOvr>
+    <a:masterClrMapping/>
+  </p:clrMapOvr>
+</p:notes>
+</file>
+
+<file path=ppt/notesSlides/notesSlide30.xml><?xml version="1.0" encoding="utf-8"?>
+<p:notes xmlns:a="http://schemas.openxmlformats.org/drawingml/2006/main" xmlns:r="http://schemas.openxmlformats.org/officeDocument/2006/relationships" xmlns:p="http://schemas.openxmlformats.org/presentationml/2006/main">
+  <p:cSld>
+    <p:spTree>
+      <p:nvGrpSpPr>
+        <p:cNvPr id="1" name=""/>
+        <p:cNvGrpSpPr/>
+        <p:nvPr/>
+      </p:nvGrpSpPr>
+      <p:grpSpPr>
+        <a:xfrm>
+          <a:off x="0" y="0"/>
+          <a:ext cx="0" cy="0"/>
+          <a:chOff x="0" y="0"/>
+          <a:chExt cx="0" cy="0"/>
+        </a:xfrm>
+      </p:grpSpPr>
+      <p:sp>
+        <p:nvSpPr>
+          <p:cNvPr id="2" name="Slide Image Placeholder 1"/>
+          <p:cNvSpPr>
+            <a:spLocks noGrp="1" noRot="1" noChangeAspect="1"/>
+          </p:cNvSpPr>
+          <p:nvPr>
+            <p:ph type="sldImg"/>
+          </p:nvPr>
+        </p:nvSpPr>
+        <p:spPr/>
+      </p:sp>
+      <p:sp>
+        <p:nvSpPr>
+          <p:cNvPr id="3" name="Notes Placeholder 2"/>
+          <p:cNvSpPr>
+            <a:spLocks noGrp="1"/>
+          </p:cNvSpPr>
+          <p:nvPr>
+            <p:ph type="body" idx="1"/>
+          </p:nvPr>
+        </p:nvSpPr>
+        <p:spPr/>
+        <p:txBody>
+          <a:bodyPr/>
+          <a:lstStyle/>
+          <a:p>
+            <a:pPr marL="171450" indent="-171450">
+              <a:buFontTx/>
+              <a:buChar char="-"/>
+            </a:pPr>
+            <a:r>
+              <a:rPr lang="en-US" dirty="0" smtClean="0"/>
+              <a:t>There can be no faithfulness if there is not first faith.</a:t>
+            </a:r>
+          </a:p>
+          <a:p>
+            <a:pPr marL="171450" indent="-171450">
+              <a:buFontTx/>
+              <a:buChar char="-"/>
+            </a:pPr>
+            <a:r>
+              <a:rPr lang="en-US" dirty="0" smtClean="0"/>
+              <a:t>The faithful servant aligns himself with the will of God.</a:t>
+            </a:r>
+          </a:p>
+          <a:p>
+            <a:pPr marL="171450" indent="-171450">
+              <a:buFontTx/>
+              <a:buChar char="-"/>
+            </a:pPr>
+            <a:r>
+              <a:rPr lang="en-US" dirty="0" smtClean="0"/>
+              <a:t>This is not possible with efforts of the flesh, it requires the very power of God.</a:t>
+            </a:r>
+          </a:p>
+          <a:p>
+            <a:pPr marL="171450" indent="-171450">
+              <a:buFontTx/>
+              <a:buChar char="-"/>
+            </a:pPr>
+            <a:r>
+              <a:rPr lang="en-US" dirty="0" smtClean="0"/>
+              <a:t>This is what Christ meant when he said "With men it is impossible, but not with God: for with God all things are possible."</a:t>
             </a:r>
             <a:endParaRPr lang="en-US" dirty="0"/>
           </a:p>
@@ -2821,7 +3295,441 @@
           <a:p>
             <a:fld id="{94A4D452-108C-47F3-BF7B-19C87D349197}" type="slidenum">
               <a:rPr lang="en-US" smtClean="0"/>
-              <a:t>11</a:t>
+              <a:t>35</a:t>
+            </a:fld>
+            <a:endParaRPr lang="en-US"/>
+          </a:p>
+        </p:txBody>
+      </p:sp>
+    </p:spTree>
+    <p:extLst>
+      <p:ext uri="{BB962C8B-B14F-4D97-AF65-F5344CB8AC3E}">
+        <p14:creationId xmlns:p14="http://schemas.microsoft.com/office/powerpoint/2010/main" val="1358906999"/>
+      </p:ext>
+    </p:extLst>
+  </p:cSld>
+  <p:clrMapOvr>
+    <a:masterClrMapping/>
+  </p:clrMapOvr>
+</p:notes>
+</file>
+
+<file path=ppt/notesSlides/notesSlide31.xml><?xml version="1.0" encoding="utf-8"?>
+<p:notes xmlns:a="http://schemas.openxmlformats.org/drawingml/2006/main" xmlns:r="http://schemas.openxmlformats.org/officeDocument/2006/relationships" xmlns:p="http://schemas.openxmlformats.org/presentationml/2006/main">
+  <p:cSld>
+    <p:spTree>
+      <p:nvGrpSpPr>
+        <p:cNvPr id="1" name=""/>
+        <p:cNvGrpSpPr/>
+        <p:nvPr/>
+      </p:nvGrpSpPr>
+      <p:grpSpPr>
+        <a:xfrm>
+          <a:off x="0" y="0"/>
+          <a:ext cx="0" cy="0"/>
+          <a:chOff x="0" y="0"/>
+          <a:chExt cx="0" cy="0"/>
+        </a:xfrm>
+      </p:grpSpPr>
+      <p:sp>
+        <p:nvSpPr>
+          <p:cNvPr id="2" name="Slide Image Placeholder 1"/>
+          <p:cNvSpPr>
+            <a:spLocks noGrp="1" noRot="1" noChangeAspect="1"/>
+          </p:cNvSpPr>
+          <p:nvPr>
+            <p:ph type="sldImg"/>
+          </p:nvPr>
+        </p:nvSpPr>
+        <p:spPr/>
+      </p:sp>
+      <p:sp>
+        <p:nvSpPr>
+          <p:cNvPr id="3" name="Notes Placeholder 2"/>
+          <p:cNvSpPr>
+            <a:spLocks noGrp="1"/>
+          </p:cNvSpPr>
+          <p:nvPr>
+            <p:ph type="body" idx="1"/>
+          </p:nvPr>
+        </p:nvSpPr>
+        <p:spPr/>
+        <p:txBody>
+          <a:bodyPr/>
+          <a:lstStyle/>
+          <a:p>
+            <a:r>
+              <a:rPr lang="en-US" dirty="0" smtClean="0"/>
+              <a:t>Returning to the theme verse once again, we still have to examine the second part of the verse.</a:t>
+            </a:r>
+            <a:endParaRPr lang="en-US" dirty="0"/>
+          </a:p>
+        </p:txBody>
+      </p:sp>
+      <p:sp>
+        <p:nvSpPr>
+          <p:cNvPr id="4" name="Slide Number Placeholder 3"/>
+          <p:cNvSpPr>
+            <a:spLocks noGrp="1"/>
+          </p:cNvSpPr>
+          <p:nvPr>
+            <p:ph type="sldNum" sz="quarter" idx="10"/>
+          </p:nvPr>
+        </p:nvSpPr>
+        <p:spPr/>
+        <p:txBody>
+          <a:bodyPr/>
+          <a:lstStyle/>
+          <a:p>
+            <a:fld id="{94A4D452-108C-47F3-BF7B-19C87D349197}" type="slidenum">
+              <a:rPr lang="en-US" smtClean="0"/>
+              <a:t>36</a:t>
+            </a:fld>
+            <a:endParaRPr lang="en-US"/>
+          </a:p>
+        </p:txBody>
+      </p:sp>
+    </p:spTree>
+    <p:extLst>
+      <p:ext uri="{BB962C8B-B14F-4D97-AF65-F5344CB8AC3E}">
+        <p14:creationId xmlns:p14="http://schemas.microsoft.com/office/powerpoint/2010/main" val="3254432649"/>
+      </p:ext>
+    </p:extLst>
+  </p:cSld>
+  <p:clrMapOvr>
+    <a:masterClrMapping/>
+  </p:clrMapOvr>
+</p:notes>
+</file>
+
+<file path=ppt/notesSlides/notesSlide32.xml><?xml version="1.0" encoding="utf-8"?>
+<p:notes xmlns:a="http://schemas.openxmlformats.org/drawingml/2006/main" xmlns:r="http://schemas.openxmlformats.org/officeDocument/2006/relationships" xmlns:p="http://schemas.openxmlformats.org/presentationml/2006/main">
+  <p:cSld>
+    <p:spTree>
+      <p:nvGrpSpPr>
+        <p:cNvPr id="1" name=""/>
+        <p:cNvGrpSpPr/>
+        <p:nvPr/>
+      </p:nvGrpSpPr>
+      <p:grpSpPr>
+        <a:xfrm>
+          <a:off x="0" y="0"/>
+          <a:ext cx="0" cy="0"/>
+          <a:chOff x="0" y="0"/>
+          <a:chExt cx="0" cy="0"/>
+        </a:xfrm>
+      </p:grpSpPr>
+      <p:sp>
+        <p:nvSpPr>
+          <p:cNvPr id="2" name="Slide Image Placeholder 1"/>
+          <p:cNvSpPr>
+            <a:spLocks noGrp="1" noRot="1" noChangeAspect="1"/>
+          </p:cNvSpPr>
+          <p:nvPr>
+            <p:ph type="sldImg"/>
+          </p:nvPr>
+        </p:nvSpPr>
+        <p:spPr/>
+      </p:sp>
+      <p:sp>
+        <p:nvSpPr>
+          <p:cNvPr id="3" name="Notes Placeholder 2"/>
+          <p:cNvSpPr>
+            <a:spLocks noGrp="1"/>
+          </p:cNvSpPr>
+          <p:nvPr>
+            <p:ph type="body" idx="1"/>
+          </p:nvPr>
+        </p:nvSpPr>
+        <p:spPr/>
+        <p:txBody>
+          <a:bodyPr/>
+          <a:lstStyle/>
+          <a:p>
+            <a:pPr marL="171450" indent="-171450">
+              <a:buFontTx/>
+              <a:buChar char="-"/>
+            </a:pPr>
+            <a:r>
+              <a:rPr lang="en-US" dirty="0" smtClean="0"/>
+              <a:t>What does giving thanks to God the Father have to do with doing everything "in the name of the Lord Jesus"?</a:t>
+            </a:r>
+          </a:p>
+          <a:p>
+            <a:pPr marL="171450" indent="-171450">
+              <a:buFontTx/>
+              <a:buChar char="-"/>
+            </a:pPr>
+            <a:r>
+              <a:rPr lang="en-US" dirty="0" smtClean="0"/>
+              <a:t>Why does Paul mention this here?</a:t>
+            </a:r>
+          </a:p>
+          <a:p>
+            <a:pPr marL="171450" indent="-171450">
+              <a:buFontTx/>
+              <a:buChar char="-"/>
+            </a:pPr>
+            <a:r>
+              <a:rPr lang="en-US" dirty="0" smtClean="0"/>
+              <a:t>Looking back to the first chapter of Colossians, we find our answer.</a:t>
+            </a:r>
+            <a:endParaRPr lang="en-US" dirty="0"/>
+          </a:p>
+        </p:txBody>
+      </p:sp>
+      <p:sp>
+        <p:nvSpPr>
+          <p:cNvPr id="4" name="Slide Number Placeholder 3"/>
+          <p:cNvSpPr>
+            <a:spLocks noGrp="1"/>
+          </p:cNvSpPr>
+          <p:nvPr>
+            <p:ph type="sldNum" sz="quarter" idx="10"/>
+          </p:nvPr>
+        </p:nvSpPr>
+        <p:spPr/>
+        <p:txBody>
+          <a:bodyPr/>
+          <a:lstStyle/>
+          <a:p>
+            <a:fld id="{94A4D452-108C-47F3-BF7B-19C87D349197}" type="slidenum">
+              <a:rPr lang="en-US" smtClean="0"/>
+              <a:t>37</a:t>
+            </a:fld>
+            <a:endParaRPr lang="en-US"/>
+          </a:p>
+        </p:txBody>
+      </p:sp>
+    </p:spTree>
+    <p:extLst>
+      <p:ext uri="{BB962C8B-B14F-4D97-AF65-F5344CB8AC3E}">
+        <p14:creationId xmlns:p14="http://schemas.microsoft.com/office/powerpoint/2010/main" val="2821790612"/>
+      </p:ext>
+    </p:extLst>
+  </p:cSld>
+  <p:clrMapOvr>
+    <a:masterClrMapping/>
+  </p:clrMapOvr>
+</p:notes>
+</file>
+
+<file path=ppt/notesSlides/notesSlide33.xml><?xml version="1.0" encoding="utf-8"?>
+<p:notes xmlns:a="http://schemas.openxmlformats.org/drawingml/2006/main" xmlns:r="http://schemas.openxmlformats.org/officeDocument/2006/relationships" xmlns:p="http://schemas.openxmlformats.org/presentationml/2006/main">
+  <p:cSld>
+    <p:spTree>
+      <p:nvGrpSpPr>
+        <p:cNvPr id="1" name=""/>
+        <p:cNvGrpSpPr/>
+        <p:nvPr/>
+      </p:nvGrpSpPr>
+      <p:grpSpPr>
+        <a:xfrm>
+          <a:off x="0" y="0"/>
+          <a:ext cx="0" cy="0"/>
+          <a:chOff x="0" y="0"/>
+          <a:chExt cx="0" cy="0"/>
+        </a:xfrm>
+      </p:grpSpPr>
+      <p:sp>
+        <p:nvSpPr>
+          <p:cNvPr id="2" name="Slide Image Placeholder 1"/>
+          <p:cNvSpPr>
+            <a:spLocks noGrp="1" noRot="1" noChangeAspect="1"/>
+          </p:cNvSpPr>
+          <p:nvPr>
+            <p:ph type="sldImg"/>
+          </p:nvPr>
+        </p:nvSpPr>
+        <p:spPr/>
+      </p:sp>
+      <p:sp>
+        <p:nvSpPr>
+          <p:cNvPr id="3" name="Notes Placeholder 2"/>
+          <p:cNvSpPr>
+            <a:spLocks noGrp="1"/>
+          </p:cNvSpPr>
+          <p:nvPr>
+            <p:ph type="body" idx="1"/>
+          </p:nvPr>
+        </p:nvSpPr>
+        <p:spPr/>
+        <p:txBody>
+          <a:bodyPr/>
+          <a:lstStyle/>
+          <a:p>
+            <a:pPr marL="171450" indent="-171450">
+              <a:buFontTx/>
+              <a:buChar char="-"/>
+            </a:pPr>
+            <a:r>
+              <a:rPr lang="en-US" dirty="0" smtClean="0"/>
+              <a:t>It is always God that qualifies those He calls.</a:t>
+            </a:r>
+          </a:p>
+          <a:p>
+            <a:pPr marL="171450" indent="-171450">
+              <a:buFontTx/>
+              <a:buChar char="-"/>
+            </a:pPr>
+            <a:r>
+              <a:rPr lang="en-US" dirty="0" smtClean="0"/>
+              <a:t>He has prepared an inheritance and wants us to be part of it.</a:t>
+            </a:r>
+          </a:p>
+          <a:p>
+            <a:pPr marL="171450" indent="-171450">
+              <a:buFontTx/>
+              <a:buChar char="-"/>
+            </a:pPr>
+            <a:r>
+              <a:rPr lang="en-US" dirty="0" smtClean="0"/>
+              <a:t>Without redemption, this purpose would not be possible.</a:t>
+            </a:r>
+          </a:p>
+          <a:p>
+            <a:pPr marL="171450" indent="-171450">
+              <a:buFontTx/>
+              <a:buChar char="-"/>
+            </a:pPr>
+            <a:r>
+              <a:rPr lang="en-US" dirty="0" smtClean="0"/>
+              <a:t>This is thankfulness for the work He has done to prepare us.</a:t>
+            </a:r>
+            <a:endParaRPr lang="en-US" dirty="0"/>
+          </a:p>
+        </p:txBody>
+      </p:sp>
+      <p:sp>
+        <p:nvSpPr>
+          <p:cNvPr id="4" name="Slide Number Placeholder 3"/>
+          <p:cNvSpPr>
+            <a:spLocks noGrp="1"/>
+          </p:cNvSpPr>
+          <p:nvPr>
+            <p:ph type="sldNum" sz="quarter" idx="10"/>
+          </p:nvPr>
+        </p:nvSpPr>
+        <p:spPr/>
+        <p:txBody>
+          <a:bodyPr/>
+          <a:lstStyle/>
+          <a:p>
+            <a:fld id="{94A4D452-108C-47F3-BF7B-19C87D349197}" type="slidenum">
+              <a:rPr lang="en-US" smtClean="0"/>
+              <a:t>38</a:t>
+            </a:fld>
+            <a:endParaRPr lang="en-US"/>
+          </a:p>
+        </p:txBody>
+      </p:sp>
+    </p:spTree>
+    <p:extLst>
+      <p:ext uri="{BB962C8B-B14F-4D97-AF65-F5344CB8AC3E}">
+        <p14:creationId xmlns:p14="http://schemas.microsoft.com/office/powerpoint/2010/main" val="2821790612"/>
+      </p:ext>
+    </p:extLst>
+  </p:cSld>
+  <p:clrMapOvr>
+    <a:masterClrMapping/>
+  </p:clrMapOvr>
+</p:notes>
+</file>
+
+<file path=ppt/notesSlides/notesSlide34.xml><?xml version="1.0" encoding="utf-8"?>
+<p:notes xmlns:a="http://schemas.openxmlformats.org/drawingml/2006/main" xmlns:r="http://schemas.openxmlformats.org/officeDocument/2006/relationships" xmlns:p="http://schemas.openxmlformats.org/presentationml/2006/main">
+  <p:cSld>
+    <p:spTree>
+      <p:nvGrpSpPr>
+        <p:cNvPr id="1" name=""/>
+        <p:cNvGrpSpPr/>
+        <p:nvPr/>
+      </p:nvGrpSpPr>
+      <p:grpSpPr>
+        <a:xfrm>
+          <a:off x="0" y="0"/>
+          <a:ext cx="0" cy="0"/>
+          <a:chOff x="0" y="0"/>
+          <a:chExt cx="0" cy="0"/>
+        </a:xfrm>
+      </p:grpSpPr>
+      <p:sp>
+        <p:nvSpPr>
+          <p:cNvPr id="2" name="Slide Image Placeholder 1"/>
+          <p:cNvSpPr>
+            <a:spLocks noGrp="1" noRot="1" noChangeAspect="1"/>
+          </p:cNvSpPr>
+          <p:nvPr>
+            <p:ph type="sldImg"/>
+          </p:nvPr>
+        </p:nvSpPr>
+        <p:spPr/>
+      </p:sp>
+      <p:sp>
+        <p:nvSpPr>
+          <p:cNvPr id="3" name="Notes Placeholder 2"/>
+          <p:cNvSpPr>
+            <a:spLocks noGrp="1"/>
+          </p:cNvSpPr>
+          <p:nvPr>
+            <p:ph type="body" idx="1"/>
+          </p:nvPr>
+        </p:nvSpPr>
+        <p:spPr/>
+        <p:txBody>
+          <a:bodyPr/>
+          <a:lstStyle/>
+          <a:p>
+            <a:pPr marL="171450" indent="-171450">
+              <a:buFontTx/>
+              <a:buChar char="-"/>
+            </a:pPr>
+            <a:r>
+              <a:rPr lang="en-US" dirty="0" smtClean="0"/>
+              <a:t>There is a difference between being "made meet" for the inheritance and actually receiving the reward of the inheritance.</a:t>
+            </a:r>
+          </a:p>
+          <a:p>
+            <a:pPr marL="171450" indent="-171450">
+              <a:buFontTx/>
+              <a:buChar char="-"/>
+            </a:pPr>
+            <a:r>
+              <a:rPr lang="en-US" dirty="0" smtClean="0"/>
+              <a:t>The difference is doing everything "in His name".</a:t>
+            </a:r>
+          </a:p>
+          <a:p>
+            <a:pPr marL="171450" indent="-171450">
+              <a:buFontTx/>
+              <a:buChar char="-"/>
+            </a:pPr>
+            <a:r>
+              <a:rPr lang="en-US" dirty="0" smtClean="0"/>
+              <a:t>This really does touch every aspect of life, because in the preceding verses we see the relationships of husbands and wives, children and parents, and servants and masters (or maybe employees and employers).</a:t>
+            </a:r>
+            <a:endParaRPr lang="en-US" dirty="0"/>
+          </a:p>
+        </p:txBody>
+      </p:sp>
+      <p:sp>
+        <p:nvSpPr>
+          <p:cNvPr id="4" name="Slide Number Placeholder 3"/>
+          <p:cNvSpPr>
+            <a:spLocks noGrp="1"/>
+          </p:cNvSpPr>
+          <p:nvPr>
+            <p:ph type="sldNum" sz="quarter" idx="10"/>
+          </p:nvPr>
+        </p:nvSpPr>
+        <p:spPr/>
+        <p:txBody>
+          <a:bodyPr/>
+          <a:lstStyle/>
+          <a:p>
+            <a:fld id="{94A4D452-108C-47F3-BF7B-19C87D349197}" type="slidenum">
+              <a:rPr lang="en-US" smtClean="0"/>
+              <a:t>39</a:t>
             </a:fld>
             <a:endParaRPr lang="en-US"/>
           </a:p>
@@ -2888,7 +3796,30 @@
               <a:buFontTx/>
               <a:buChar char="-"/>
             </a:pPr>
-            <a:endParaRPr lang="en-US" dirty="0"/>
+            <a:r>
+              <a:rPr lang="en-US" dirty="0" smtClean="0"/>
+              <a:t>The authority of Jesus was questioned by the Jewish religious leaders on multiple occasions.</a:t>
+            </a:r>
+          </a:p>
+          <a:p>
+            <a:pPr marL="171450" indent="-171450">
+              <a:buFontTx/>
+              <a:buChar char="-"/>
+            </a:pPr>
+            <a:r>
+              <a:rPr lang="en-US" dirty="0" smtClean="0"/>
+              <a:t>Often, in answer to this, Jesus would respond with questions of His own or by appealing to the witness of others.</a:t>
+            </a:r>
+          </a:p>
+          <a:p>
+            <a:pPr marL="171450" indent="-171450">
+              <a:buFontTx/>
+              <a:buChar char="-"/>
+            </a:pPr>
+            <a:r>
+              <a:rPr lang="en-US" dirty="0" smtClean="0"/>
+              <a:t>But in an encounter recorded in the gospel of John, we find one of the most direct expositions on authority in the words of Christ Himself.</a:t>
+            </a:r>
           </a:p>
         </p:txBody>
       </p:sp>
@@ -2909,7 +3840,7 @@
           <a:p>
             <a:fld id="{94A4D452-108C-47F3-BF7B-19C87D349197}" type="slidenum">
               <a:rPr lang="en-US" smtClean="0"/>
-              <a:t>12</a:t>
+              <a:t>9</a:t>
             </a:fld>
             <a:endParaRPr lang="en-US"/>
           </a:p>
@@ -2918,7 +3849,7 @@
     </p:spTree>
     <p:extLst>
       <p:ext uri="{BB962C8B-B14F-4D97-AF65-F5344CB8AC3E}">
-        <p14:creationId xmlns:p14="http://schemas.microsoft.com/office/powerpoint/2010/main" val="2821790612"/>
+        <p14:creationId xmlns:p14="http://schemas.microsoft.com/office/powerpoint/2010/main" val="2126608291"/>
       </p:ext>
     </p:extLst>
   </p:cSld>
@@ -2976,7 +3907,40 @@
               <a:buFontTx/>
               <a:buChar char="-"/>
             </a:pPr>
-            <a:endParaRPr lang="en-US" dirty="0"/>
+            <a:r>
+              <a:rPr lang="en-US" dirty="0" smtClean="0"/>
+              <a:t>On a journey to Jerusalem, [Jesus finds a lame man][3] by the pool called Bethesda and heals him, commanding him to get up, take his bed mat, and walk.</a:t>
+            </a:r>
+          </a:p>
+          <a:p>
+            <a:pPr marL="171450" indent="-171450">
+              <a:buFontTx/>
+              <a:buChar char="-"/>
+            </a:pPr>
+            <a:r>
+              <a:rPr lang="en-US" dirty="0" smtClean="0"/>
+              <a:t>The catch is that this healing took place on the Sabbath.</a:t>
+            </a:r>
+          </a:p>
+          <a:p>
+            <a:pPr marL="171450" indent="-171450">
+              <a:buFontTx/>
+              <a:buChar char="-"/>
+            </a:pPr>
+            <a:r>
+              <a:rPr lang="en-US" dirty="0" smtClean="0"/>
+              <a:t>When the Jews heard of this they promptly accused Jesus of breaking the Law of the Sabbath - first, by [healing on the Sabbath][5], and second, by commanding the man to [carry his mat on the Sabbath][6].</a:t>
+            </a:r>
+          </a:p>
+          <a:p>
+            <a:pPr marL="171450" indent="-171450">
+              <a:buFontTx/>
+              <a:buChar char="-"/>
+            </a:pPr>
+            <a:r>
+              <a:rPr lang="en-US" dirty="0" smtClean="0"/>
+              <a:t>When confronted about this, Jesus does not enter into a detailed discourse on the law or the Sabbath.</a:t>
+            </a:r>
           </a:p>
         </p:txBody>
       </p:sp>
@@ -2997,7 +3961,7 @@
           <a:p>
             <a:fld id="{94A4D452-108C-47F3-BF7B-19C87D349197}" type="slidenum">
               <a:rPr lang="en-US" smtClean="0"/>
-              <a:t>13</a:t>
+              <a:t>10</a:t>
             </a:fld>
             <a:endParaRPr lang="en-US"/>
           </a:p>
@@ -3006,7 +3970,7 @@
     </p:spTree>
     <p:extLst>
       <p:ext uri="{BB962C8B-B14F-4D97-AF65-F5344CB8AC3E}">
-        <p14:creationId xmlns:p14="http://schemas.microsoft.com/office/powerpoint/2010/main" val="2821790612"/>
+        <p14:creationId xmlns:p14="http://schemas.microsoft.com/office/powerpoint/2010/main" val="1554598966"/>
       </p:ext>
     </p:extLst>
   </p:cSld>
@@ -3060,13 +4024,43 @@
           <a:bodyPr/>
           <a:lstStyle/>
           <a:p>
-            <a:pPr marL="0" indent="0">
+            <a:pPr marL="171450" indent="-171450">
               <a:buFontTx/>
-              <a:buNone/>
-            </a:pPr>
-            <a:r>
-              <a:rPr lang="en-US" dirty="0" smtClean="0"/>
-              <a:t>- These are the words of a faithful servant</a:t>
+              <a:buChar char="-"/>
+            </a:pPr>
+            <a:r>
+              <a:rPr lang="en-US" dirty="0" smtClean="0"/>
+              <a:t>Instead, He simply begins to explain His relationship with His Father.</a:t>
+            </a:r>
+          </a:p>
+          <a:p>
+            <a:pPr marL="171450" indent="-171450">
+              <a:buFontTx/>
+              <a:buChar char="-"/>
+            </a:pPr>
+            <a:r>
+              <a:rPr lang="en-US" dirty="0" smtClean="0"/>
+              <a:t>He makes clear the link to His Father and in doing so identifies Himself as the Son of God.</a:t>
+            </a:r>
+          </a:p>
+          <a:p>
+            <a:pPr marL="171450" indent="-171450">
+              <a:buFontTx/>
+              <a:buChar char="-"/>
+            </a:pPr>
+            <a:r>
+              <a:rPr lang="en-US" dirty="0" smtClean="0"/>
+              <a:t>If His "breaking of the Sabbath" were enough to anger these Jews, calling God His father takes things to a whole new level.</a:t>
+            </a:r>
+          </a:p>
+          <a:p>
+            <a:pPr marL="171450" indent="-171450">
+              <a:buFontTx/>
+              <a:buChar char="-"/>
+            </a:pPr>
+            <a:r>
+              <a:rPr lang="en-US" dirty="0" smtClean="0"/>
+              <a:t>He goes on to speak in detail of this relationship.</a:t>
             </a:r>
             <a:endParaRPr lang="en-US" dirty="0"/>
           </a:p>
@@ -3089,7 +4083,7 @@
           <a:p>
             <a:fld id="{94A4D452-108C-47F3-BF7B-19C87D349197}" type="slidenum">
               <a:rPr lang="en-US" smtClean="0"/>
-              <a:t>15</a:t>
+              <a:t>11</a:t>
             </a:fld>
             <a:endParaRPr lang="en-US"/>
           </a:p>
@@ -3158,9 +4152,8 @@
             </a:pPr>
             <a:r>
               <a:rPr lang="en-US" dirty="0" smtClean="0"/>
-              <a:t>So often the good news of the gospel is presented as an opportunity for us to invite Christ into our lives. This may leave us thinking we have the power to initiate this relationship.</a:t>
-            </a:r>
-            <a:endParaRPr lang="en-US" baseline="0" dirty="0" smtClean="0"/>
+              <a:t>How tempting it is to think that Jesus, being God in flesh, had no need to learn from anyone or answer to anyone.</a:t>
+            </a:r>
           </a:p>
           <a:p>
             <a:pPr marL="171450" indent="-171450">
@@ -3168,16 +4161,8 @@
               <a:buChar char="-"/>
             </a:pPr>
             <a:r>
-              <a:rPr lang="en-US" baseline="0" dirty="0" smtClean="0"/>
-              <a:t>But this is completely </a:t>
-            </a:r>
-            <a:r>
-              <a:rPr lang="en-US" baseline="0" dirty="0" err="1" smtClean="0"/>
-              <a:t>upsidedown</a:t>
-            </a:r>
-            <a:r>
-              <a:rPr lang="en-US" baseline="0" dirty="0" smtClean="0"/>
-              <a:t>. In fact, we are [powerless][1] to do this. </a:t>
+              <a:rPr lang="en-US" dirty="0" smtClean="0"/>
+              <a:t>Here we see that this is not the case. As a faithful servant and son, He learned everything from His Father.</a:t>
             </a:r>
           </a:p>
           <a:p>
@@ -3186,8 +4171,8 @@
               <a:buChar char="-"/>
             </a:pPr>
             <a:r>
-              <a:rPr lang="en-US" baseline="0" dirty="0" smtClean="0"/>
-              <a:t>Our relationship with Christ is not initiated by [us first seeking Him][2]:</a:t>
+              <a:rPr lang="en-US" dirty="0" smtClean="0"/>
+              <a:t>He did nothing that was outside of His Father's plan.</a:t>
             </a:r>
           </a:p>
           <a:p>
@@ -3196,9 +4181,10 @@
               <a:buChar char="-"/>
             </a:pPr>
             <a:r>
-              <a:rPr lang="en-US" baseline="0" dirty="0" smtClean="0"/>
-              <a:t>He is the one that seeks out us. He invites us to become part of His life and purpose.</a:t>
-            </a:r>
+              <a:rPr lang="en-US" dirty="0" smtClean="0"/>
+              <a:t>First and foremost, He did not take the authority He had for Himself: he received it from the Father.</a:t>
+            </a:r>
+            <a:endParaRPr lang="en-US" dirty="0"/>
           </a:p>
         </p:txBody>
       </p:sp>
@@ -3219,7 +4205,7 @@
           <a:p>
             <a:fld id="{94A4D452-108C-47F3-BF7B-19C87D349197}" type="slidenum">
               <a:rPr lang="en-US" smtClean="0"/>
-              <a:t>16</a:t>
+              <a:t>12</a:t>
             </a:fld>
             <a:endParaRPr lang="en-US"/>
           </a:p>
@@ -3228,7 +4214,7 @@
     </p:spTree>
     <p:extLst>
       <p:ext uri="{BB962C8B-B14F-4D97-AF65-F5344CB8AC3E}">
-        <p14:creationId xmlns:p14="http://schemas.microsoft.com/office/powerpoint/2010/main" val="4097618137"/>
+        <p14:creationId xmlns:p14="http://schemas.microsoft.com/office/powerpoint/2010/main" val="2821790612"/>
       </p:ext>
     </p:extLst>
   </p:cSld>
@@ -3282,37 +4268,13 @@
           <a:bodyPr/>
           <a:lstStyle/>
           <a:p>
-            <a:pPr marL="171450" marR="0" indent="-171450" algn="l" defTabSz="914400" rtl="0" eaLnBrk="1" fontAlgn="auto" latinLnBrk="0" hangingPunct="1">
-              <a:lnSpc>
-                <a:spcPct val="100000"/>
-              </a:lnSpc>
-              <a:spcBef>
-                <a:spcPts val="0"/>
-              </a:spcBef>
-              <a:spcAft>
-                <a:spcPts val="0"/>
-              </a:spcAft>
-              <a:buClrTx/>
-              <a:buSzTx/>
-              <a:buFontTx/>
-              <a:buChar char="-"/>
-              <a:tabLst/>
-              <a:defRPr/>
-            </a:pPr>
-            <a:r>
-              <a:rPr lang="en-US" baseline="0" dirty="0" smtClean="0"/>
-              <a:t>This is seen clearly in the example of Christ calling His disciples as He began His earthly ministry.  Walking by the Sea of Galilee, he encountered two brothers that were fishermen.</a:t>
-            </a:r>
-            <a:endParaRPr lang="en-US" dirty="0" smtClean="0"/>
-          </a:p>
-          <a:p>
             <a:pPr marL="171450" indent="-171450">
               <a:buFontTx/>
               <a:buChar char="-"/>
             </a:pPr>
             <a:r>
               <a:rPr lang="en-US" dirty="0" smtClean="0"/>
-              <a:t>Christ is the one who extended the offer. He was the one that found Peter and Andrew, not the other way around. </a:t>
+              <a:t>First and foremost, He did not take the authority He had for Himself: he received it from the Father.</a:t>
             </a:r>
           </a:p>
           <a:p>
@@ -3322,7 +4284,7 @@
             </a:pPr>
             <a:r>
               <a:rPr lang="en-US" dirty="0" smtClean="0"/>
-              <a:t>He hinted at the bigger purpose He had for them: becoming "fishers of men" for His kingdom.</a:t>
+              <a:t>This was the authority for the purpose of Judgment</a:t>
             </a:r>
           </a:p>
           <a:p>
@@ -3332,7 +4294,11 @@
             </a:pPr>
             <a:r>
               <a:rPr lang="en-US" dirty="0" smtClean="0"/>
-              <a:t>We may ponder what exactly went through their minds as they accepted the invitation or what they may or may not have known about Jesus at that instant.</a:t>
+              <a:t>The 4 roles</a:t>
+            </a:r>
+            <a:r>
+              <a:rPr lang="en-US" baseline="0" dirty="0" smtClean="0"/>
+              <a:t> of Christ with Israel: Judge, Prophet, Priest, King</a:t>
             </a:r>
           </a:p>
           <a:p>
@@ -3341,9 +4307,10 @@
               <a:buChar char="-"/>
             </a:pPr>
             <a:r>
-              <a:rPr lang="en-US" dirty="0" smtClean="0"/>
-              <a:t>But we cannot debate the simple fact that they accepted and followed. Their trust in Jesus began here as they took their first steps with Him.</a:t>
-            </a:r>
+              <a:rPr lang="en-US" baseline="0" dirty="0" smtClean="0"/>
+              <a:t>John reveals Christ as the rejected Judge of Israel</a:t>
+            </a:r>
+            <a:endParaRPr lang="en-US" dirty="0"/>
           </a:p>
         </p:txBody>
       </p:sp>
@@ -3364,7 +4331,7 @@
           <a:p>
             <a:fld id="{94A4D452-108C-47F3-BF7B-19C87D349197}" type="slidenum">
               <a:rPr lang="en-US" smtClean="0"/>
-              <a:t>17</a:t>
+              <a:t>13</a:t>
             </a:fld>
             <a:endParaRPr lang="en-US"/>
           </a:p>
@@ -3433,7 +4400,7 @@
             </a:pPr>
             <a:r>
               <a:rPr lang="en-US" dirty="0" smtClean="0"/>
-              <a:t>After finding and gathering the twelve together, Christ gave them the authority for their ministry, much like the Father had given Him authority for His.</a:t>
+              <a:t>The Son always exercises his judgment by faith. That is, it is [based on what He hears][7] from the Father. </a:t>
             </a:r>
           </a:p>
           <a:p>
@@ -3443,7 +4410,15 @@
             </a:pPr>
             <a:r>
               <a:rPr lang="en-US" dirty="0" smtClean="0"/>
-              <a:t>The works that we see the twelve and others doing during the gospels and book of Acts are possible because of the authority given for this purpose. </a:t>
+              <a:t>Unlike the judgment of the Jewish leaders, which was often [based on </a:t>
+            </a:r>
+            <a:r>
+              <a:rPr lang="en-US" dirty="0" err="1" smtClean="0"/>
+              <a:t>thier</a:t>
+            </a:r>
+            <a:r>
+              <a:rPr lang="en-US" dirty="0" smtClean="0"/>
+              <a:t> traditions][11], His judgment was always based solidly on the Word of God in alignment with the Will of God.</a:t>
             </a:r>
             <a:endParaRPr lang="en-US" dirty="0"/>
           </a:p>
@@ -3466,7 +4441,7 @@
           <a:p>
             <a:fld id="{94A4D452-108C-47F3-BF7B-19C87D349197}" type="slidenum">
               <a:rPr lang="en-US" smtClean="0"/>
-              <a:t>18</a:t>
+              <a:t>14</a:t>
             </a:fld>
             <a:endParaRPr lang="en-US"/>
           </a:p>
@@ -3666,7 +4641,7 @@
           <a:p>
             <a:fld id="{1AEC5D3B-7EFF-4D88-BD84-332DA598FC36}" type="datetimeFigureOut">
               <a:rPr lang="en-US" smtClean="0"/>
-              <a:t>9/20/2014</a:t>
+              <a:t>9/21/2014</a:t>
             </a:fld>
             <a:endParaRPr lang="en-US"/>
           </a:p>
@@ -3836,7 +4811,7 @@
           <a:p>
             <a:fld id="{1AEC5D3B-7EFF-4D88-BD84-332DA598FC36}" type="datetimeFigureOut">
               <a:rPr lang="en-US" smtClean="0"/>
-              <a:t>9/20/2014</a:t>
+              <a:t>9/21/2014</a:t>
             </a:fld>
             <a:endParaRPr lang="en-US"/>
           </a:p>
@@ -4016,7 +4991,7 @@
           <a:p>
             <a:fld id="{1AEC5D3B-7EFF-4D88-BD84-332DA598FC36}" type="datetimeFigureOut">
               <a:rPr lang="en-US" smtClean="0"/>
-              <a:t>9/20/2014</a:t>
+              <a:t>9/21/2014</a:t>
             </a:fld>
             <a:endParaRPr lang="en-US"/>
           </a:p>
@@ -4186,7 +5161,7 @@
           <a:p>
             <a:fld id="{1AEC5D3B-7EFF-4D88-BD84-332DA598FC36}" type="datetimeFigureOut">
               <a:rPr lang="en-US" smtClean="0"/>
-              <a:t>9/20/2014</a:t>
+              <a:t>9/21/2014</a:t>
             </a:fld>
             <a:endParaRPr lang="en-US"/>
           </a:p>
@@ -4432,7 +5407,7 @@
           <a:p>
             <a:fld id="{1AEC5D3B-7EFF-4D88-BD84-332DA598FC36}" type="datetimeFigureOut">
               <a:rPr lang="en-US" smtClean="0"/>
-              <a:t>9/20/2014</a:t>
+              <a:t>9/21/2014</a:t>
             </a:fld>
             <a:endParaRPr lang="en-US"/>
           </a:p>
@@ -4720,7 +5695,7 @@
           <a:p>
             <a:fld id="{1AEC5D3B-7EFF-4D88-BD84-332DA598FC36}" type="datetimeFigureOut">
               <a:rPr lang="en-US" smtClean="0"/>
-              <a:t>9/20/2014</a:t>
+              <a:t>9/21/2014</a:t>
             </a:fld>
             <a:endParaRPr lang="en-US"/>
           </a:p>
@@ -5142,7 +6117,7 @@
           <a:p>
             <a:fld id="{1AEC5D3B-7EFF-4D88-BD84-332DA598FC36}" type="datetimeFigureOut">
               <a:rPr lang="en-US" smtClean="0"/>
-              <a:t>9/20/2014</a:t>
+              <a:t>9/21/2014</a:t>
             </a:fld>
             <a:endParaRPr lang="en-US"/>
           </a:p>
@@ -5260,7 +6235,7 @@
           <a:p>
             <a:fld id="{1AEC5D3B-7EFF-4D88-BD84-332DA598FC36}" type="datetimeFigureOut">
               <a:rPr lang="en-US" smtClean="0"/>
-              <a:t>9/20/2014</a:t>
+              <a:t>9/21/2014</a:t>
             </a:fld>
             <a:endParaRPr lang="en-US"/>
           </a:p>
@@ -5355,7 +6330,7 @@
           <a:p>
             <a:fld id="{1AEC5D3B-7EFF-4D88-BD84-332DA598FC36}" type="datetimeFigureOut">
               <a:rPr lang="en-US" smtClean="0"/>
-              <a:t>9/20/2014</a:t>
+              <a:t>9/21/2014</a:t>
             </a:fld>
             <a:endParaRPr lang="en-US"/>
           </a:p>
@@ -5632,7 +6607,7 @@
           <a:p>
             <a:fld id="{1AEC5D3B-7EFF-4D88-BD84-332DA598FC36}" type="datetimeFigureOut">
               <a:rPr lang="en-US" smtClean="0"/>
-              <a:t>9/20/2014</a:t>
+              <a:t>9/21/2014</a:t>
             </a:fld>
             <a:endParaRPr lang="en-US"/>
           </a:p>
@@ -5885,7 +6860,7 @@
           <a:p>
             <a:fld id="{1AEC5D3B-7EFF-4D88-BD84-332DA598FC36}" type="datetimeFigureOut">
               <a:rPr lang="en-US" smtClean="0"/>
-              <a:t>9/20/2014</a:t>
+              <a:t>9/21/2014</a:t>
             </a:fld>
             <a:endParaRPr lang="en-US"/>
           </a:p>
@@ -6098,7 +7073,7 @@
           <a:p>
             <a:fld id="{1AEC5D3B-7EFF-4D88-BD84-332DA598FC36}" type="datetimeFigureOut">
               <a:rPr lang="en-US" smtClean="0"/>
-              <a:t>9/20/2014</a:t>
+              <a:t>9/21/2014</a:t>
             </a:fld>
             <a:endParaRPr lang="en-US"/>
           </a:p>
@@ -6511,7 +7486,11 @@
           <a:bodyPr/>
           <a:lstStyle/>
           <a:p>
-            <a:endParaRPr lang="en-US"/>
+            <a:r>
+              <a:rPr lang="en-US" dirty="0" smtClean="0"/>
+              <a:t>What does it mean to do something in the name of the Lord Jesus?</a:t>
+            </a:r>
+            <a:endParaRPr lang="en-US" dirty="0"/>
           </a:p>
         </p:txBody>
       </p:sp>
@@ -6547,50 +7526,39 @@
       </p:grpSpPr>
       <p:sp>
         <p:nvSpPr>
-          <p:cNvPr id="2" name="Title 1"/>
-          <p:cNvSpPr>
-            <a:spLocks noGrp="1"/>
-          </p:cNvSpPr>
-          <p:nvPr>
-            <p:ph type="title"/>
-          </p:nvPr>
-        </p:nvSpPr>
-        <p:spPr/>
-        <p:txBody>
-          <a:bodyPr/>
-          <a:lstStyle/>
-          <a:p>
-            <a:r>
-              <a:rPr lang="en-US" dirty="0" smtClean="0"/>
-              <a:t>John 15:17</a:t>
-            </a:r>
-            <a:endParaRPr lang="en-US" dirty="0"/>
-          </a:p>
-        </p:txBody>
-      </p:sp>
-      <p:sp>
-        <p:nvSpPr>
-          <p:cNvPr id="3" name="Content Placeholder 2"/>
-          <p:cNvSpPr>
-            <a:spLocks noGrp="1"/>
-          </p:cNvSpPr>
-          <p:nvPr>
-            <p:ph idx="1"/>
-          </p:nvPr>
-        </p:nvSpPr>
-        <p:spPr/>
-        <p:txBody>
-          <a:bodyPr/>
-          <a:lstStyle/>
-          <a:p>
-            <a:endParaRPr lang="en-US"/>
+          <p:cNvPr id="2" name="TextBox 1"/>
+          <p:cNvSpPr txBox="1"/>
+          <p:nvPr/>
+        </p:nvSpPr>
+        <p:spPr>
+          <a:xfrm>
+            <a:off x="990600" y="1905000"/>
+            <a:ext cx="6858000" cy="1569660"/>
+          </a:xfrm>
+          <a:prstGeom prst="rect">
+            <a:avLst/>
+          </a:prstGeom>
+          <a:noFill/>
+        </p:spPr>
+        <p:txBody>
+          <a:bodyPr wrap="square" rtlCol="0">
+            <a:spAutoFit/>
+          </a:bodyPr>
+          <a:lstStyle/>
+          <a:p>
+            <a:pPr algn="ctr"/>
+            <a:r>
+              <a:rPr lang="en-US" sz="4800" dirty="0" smtClean="0"/>
+              <a:t>The healing by the pool of Bethesda (John 5)</a:t>
+            </a:r>
+            <a:endParaRPr lang="en-US" sz="4800" dirty="0"/>
           </a:p>
         </p:txBody>
       </p:sp>
     </p:spTree>
     <p:extLst>
       <p:ext uri="{BB962C8B-B14F-4D97-AF65-F5344CB8AC3E}">
-        <p14:creationId xmlns:p14="http://schemas.microsoft.com/office/powerpoint/2010/main" val="383433146"/>
+        <p14:creationId xmlns:p14="http://schemas.microsoft.com/office/powerpoint/2010/main" val="2938438120"/>
       </p:ext>
     </p:extLst>
   </p:cSld>
@@ -6634,7 +7602,7 @@
           <a:p>
             <a:r>
               <a:rPr lang="en-US" dirty="0" smtClean="0"/>
-              <a:t>John 5:19-20</a:t>
+              <a:t>John 15:17</a:t>
             </a:r>
             <a:endParaRPr lang="en-US" dirty="0"/>
           </a:p>
@@ -6655,14 +7623,29 @@
           <a:bodyPr/>
           <a:lstStyle/>
           <a:p>
-            <a:endParaRPr lang="en-US"/>
+            <a:pPr marL="0" indent="0">
+              <a:buNone/>
+            </a:pPr>
+            <a:r>
+              <a:rPr lang="en-US" dirty="0"/>
+              <a:t>But Jesus answered them, My Father </a:t>
+            </a:r>
+            <a:r>
+              <a:rPr lang="en-US" dirty="0" err="1"/>
+              <a:t>worketh</a:t>
+            </a:r>
+            <a:r>
+              <a:rPr lang="en-US" dirty="0"/>
+              <a:t> hitherto, and I work.</a:t>
+            </a:r>
+            <a:endParaRPr lang="en-US" dirty="0"/>
           </a:p>
         </p:txBody>
       </p:sp>
     </p:spTree>
     <p:extLst>
       <p:ext uri="{BB962C8B-B14F-4D97-AF65-F5344CB8AC3E}">
-        <p14:creationId xmlns:p14="http://schemas.microsoft.com/office/powerpoint/2010/main" val="3616570709"/>
+        <p14:creationId xmlns:p14="http://schemas.microsoft.com/office/powerpoint/2010/main" val="383433146"/>
       </p:ext>
     </p:extLst>
   </p:cSld>
@@ -6706,7 +7689,7 @@
           <a:p>
             <a:r>
               <a:rPr lang="en-US" dirty="0" smtClean="0"/>
-              <a:t>John 5:22-27</a:t>
+              <a:t>John 5:19-20</a:t>
             </a:r>
             <a:endParaRPr lang="en-US" dirty="0"/>
           </a:p>
@@ -6724,17 +7707,66 @@
         </p:nvSpPr>
         <p:spPr/>
         <p:txBody>
-          <a:bodyPr/>
-          <a:lstStyle/>
-          <a:p>
-            <a:endParaRPr lang="en-US"/>
+          <a:bodyPr>
+            <a:normAutofit/>
+          </a:bodyPr>
+          <a:lstStyle/>
+          <a:p>
+            <a:pPr marL="0" indent="0">
+              <a:buNone/>
+            </a:pPr>
+            <a:r>
+              <a:rPr lang="en-US" dirty="0"/>
+              <a:t>Then answered Jesus and said unto them, Verily, verily, I say unto you, The Son can do nothing of himself, but what he </a:t>
+            </a:r>
+            <a:r>
+              <a:rPr lang="en-US" dirty="0" err="1"/>
+              <a:t>seeth</a:t>
+            </a:r>
+            <a:r>
+              <a:rPr lang="en-US" dirty="0"/>
+              <a:t> the Father do: for what things </a:t>
+            </a:r>
+            <a:r>
+              <a:rPr lang="en-US" dirty="0" err="1"/>
+              <a:t>soever</a:t>
+            </a:r>
+            <a:r>
+              <a:rPr lang="en-US" dirty="0"/>
+              <a:t> he doeth, these also doeth the Son </a:t>
+            </a:r>
+            <a:r>
+              <a:rPr lang="en-US" dirty="0" smtClean="0"/>
+              <a:t>likewise. For </a:t>
+            </a:r>
+            <a:r>
+              <a:rPr lang="en-US" dirty="0"/>
+              <a:t>the Father </a:t>
+            </a:r>
+            <a:r>
+              <a:rPr lang="en-US" dirty="0" err="1"/>
+              <a:t>loveth</a:t>
+            </a:r>
+            <a:r>
+              <a:rPr lang="en-US" dirty="0"/>
+              <a:t> the Son, and </a:t>
+            </a:r>
+            <a:r>
+              <a:rPr lang="en-US" dirty="0" err="1"/>
+              <a:t>sheweth</a:t>
+            </a:r>
+            <a:r>
+              <a:rPr lang="en-US" dirty="0"/>
+              <a:t> him all things that himself doeth: and he will shew him greater works than these, that ye may marvel.</a:t>
+            </a:r>
+            <a:endParaRPr lang="en-US" dirty="0"/>
           </a:p>
         </p:txBody>
       </p:sp>
     </p:spTree>
     <p:extLst>
       <p:ext uri="{BB962C8B-B14F-4D97-AF65-F5344CB8AC3E}">
-        <p14:creationId xmlns:p14="http://schemas.microsoft.com/office/powerpoint/2010/main" val="1427527885"/>
+        <p14:creationId xmlns:p14="http://schemas.microsoft.com/office/powerpoint/2010/main" val="3616570709"/>
       </p:ext>
     </p:extLst>
   </p:cSld>
@@ -6778,7 +7810,7 @@
           <a:p>
             <a:r>
               <a:rPr lang="en-US" dirty="0" smtClean="0"/>
-              <a:t>John 5:30</a:t>
+              <a:t>John 5:22-27</a:t>
             </a:r>
             <a:endParaRPr lang="en-US" dirty="0"/>
           </a:p>
@@ -6799,14 +7831,29 @@
           <a:bodyPr/>
           <a:lstStyle/>
           <a:p>
-            <a:endParaRPr lang="en-US"/>
+            <a:pPr marL="0" indent="0">
+              <a:buNone/>
+            </a:pPr>
+            <a:r>
+              <a:rPr lang="en-US" dirty="0"/>
+              <a:t>For the Father </a:t>
+            </a:r>
+            <a:r>
+              <a:rPr lang="en-US" dirty="0" err="1"/>
+              <a:t>judgeth</a:t>
+            </a:r>
+            <a:r>
+              <a:rPr lang="en-US" dirty="0"/>
+              <a:t> no man, but hath committed all judgment unto the Son … And hath given him authority to execute judgment also, because he is the Son of man.</a:t>
+            </a:r>
+            <a:endParaRPr lang="en-US" dirty="0"/>
           </a:p>
         </p:txBody>
       </p:sp>
     </p:spTree>
     <p:extLst>
       <p:ext uri="{BB962C8B-B14F-4D97-AF65-F5344CB8AC3E}">
-        <p14:creationId xmlns:p14="http://schemas.microsoft.com/office/powerpoint/2010/main" val="2320188985"/>
+        <p14:creationId xmlns:p14="http://schemas.microsoft.com/office/powerpoint/2010/main" val="1427527885"/>
       </p:ext>
     </p:extLst>
   </p:cSld>
@@ -6835,53 +7882,57 @@
       </p:grpSpPr>
       <p:sp>
         <p:nvSpPr>
-          <p:cNvPr id="2" name="TextBox 1"/>
-          <p:cNvSpPr txBox="1"/>
-          <p:nvPr/>
-        </p:nvSpPr>
-        <p:spPr>
-          <a:xfrm>
-            <a:off x="990600" y="1905000"/>
-            <a:ext cx="6858000" cy="2308324"/>
-          </a:xfrm>
-          <a:prstGeom prst="rect">
-            <a:avLst/>
-          </a:prstGeom>
-          <a:noFill/>
-        </p:spPr>
-        <p:txBody>
-          <a:bodyPr wrap="square" rtlCol="0">
-            <a:spAutoFit/>
-          </a:bodyPr>
-          <a:lstStyle/>
-          <a:p>
-            <a:pPr algn="ctr"/>
-            <a:r>
-              <a:rPr lang="en-US" sz="4800" dirty="0" smtClean="0"/>
-              <a:t>Purpose</a:t>
-            </a:r>
-          </a:p>
-          <a:p>
-            <a:pPr algn="ctr"/>
-            <a:r>
-              <a:rPr lang="en-US" sz="4800" dirty="0" smtClean="0"/>
-              <a:t>Trust</a:t>
-            </a:r>
-          </a:p>
-          <a:p>
-            <a:pPr algn="ctr"/>
-            <a:r>
-              <a:rPr lang="en-US" sz="4800" dirty="0" smtClean="0"/>
-              <a:t>Faithfulness</a:t>
-            </a:r>
-            <a:endParaRPr lang="en-US" sz="4800" dirty="0"/>
+          <p:cNvPr id="2" name="Title 1"/>
+          <p:cNvSpPr>
+            <a:spLocks noGrp="1"/>
+          </p:cNvSpPr>
+          <p:nvPr>
+            <p:ph type="title"/>
+          </p:nvPr>
+        </p:nvSpPr>
+        <p:spPr/>
+        <p:txBody>
+          <a:bodyPr/>
+          <a:lstStyle/>
+          <a:p>
+            <a:r>
+              <a:rPr lang="en-US" dirty="0" smtClean="0"/>
+              <a:t>John 5:30</a:t>
+            </a:r>
+            <a:endParaRPr lang="en-US" dirty="0"/>
+          </a:p>
+        </p:txBody>
+      </p:sp>
+      <p:sp>
+        <p:nvSpPr>
+          <p:cNvPr id="3" name="Content Placeholder 2"/>
+          <p:cNvSpPr>
+            <a:spLocks noGrp="1"/>
+          </p:cNvSpPr>
+          <p:nvPr>
+            <p:ph idx="1"/>
+          </p:nvPr>
+        </p:nvSpPr>
+        <p:spPr/>
+        <p:txBody>
+          <a:bodyPr/>
+          <a:lstStyle/>
+          <a:p>
+            <a:pPr marL="0" indent="0">
+              <a:buNone/>
+            </a:pPr>
+            <a:r>
+              <a:rPr lang="en-US" dirty="0"/>
+              <a:t>I can of mine own self do nothing: as I hear, I judge: and my judgment is just; because I seek not mine own will, but the will of the Father which hath sent me.</a:t>
+            </a:r>
+            <a:endParaRPr lang="en-US" dirty="0"/>
           </a:p>
         </p:txBody>
       </p:sp>
     </p:spTree>
     <p:extLst>
       <p:ext uri="{BB962C8B-B14F-4D97-AF65-F5344CB8AC3E}">
-        <p14:creationId xmlns:p14="http://schemas.microsoft.com/office/powerpoint/2010/main" val="3670430495"/>
+        <p14:creationId xmlns:p14="http://schemas.microsoft.com/office/powerpoint/2010/main" val="2320188985"/>
       </p:ext>
     </p:extLst>
   </p:cSld>
@@ -6910,57 +7961,53 @@
       </p:grpSpPr>
       <p:sp>
         <p:nvSpPr>
-          <p:cNvPr id="2" name="Title 1"/>
-          <p:cNvSpPr>
-            <a:spLocks noGrp="1"/>
-          </p:cNvSpPr>
-          <p:nvPr>
-            <p:ph type="title"/>
-          </p:nvPr>
-        </p:nvSpPr>
-        <p:spPr/>
-        <p:txBody>
-          <a:bodyPr/>
-          <a:lstStyle/>
-          <a:p>
-            <a:r>
-              <a:rPr lang="en-US" dirty="0" smtClean="0"/>
-              <a:t>John 5:43</a:t>
-            </a:r>
-            <a:endParaRPr lang="en-US" dirty="0"/>
-          </a:p>
-        </p:txBody>
-      </p:sp>
-      <p:sp>
-        <p:nvSpPr>
-          <p:cNvPr id="3" name="Content Placeholder 2"/>
-          <p:cNvSpPr>
-            <a:spLocks noGrp="1"/>
-          </p:cNvSpPr>
-          <p:nvPr>
-            <p:ph idx="1"/>
-          </p:nvPr>
-        </p:nvSpPr>
-        <p:spPr/>
-        <p:txBody>
-          <a:bodyPr/>
-          <a:lstStyle/>
-          <a:p>
-            <a:pPr marL="0" indent="0">
-              <a:buNone/>
-            </a:pPr>
-            <a:r>
-              <a:rPr lang="en-US" dirty="0" smtClean="0"/>
-              <a:t>I have come in my Father’s name</a:t>
-            </a:r>
-            <a:endParaRPr lang="en-US" dirty="0"/>
+          <p:cNvPr id="2" name="TextBox 1"/>
+          <p:cNvSpPr txBox="1"/>
+          <p:nvPr/>
+        </p:nvSpPr>
+        <p:spPr>
+          <a:xfrm>
+            <a:off x="990600" y="1905000"/>
+            <a:ext cx="6858000" cy="2308324"/>
+          </a:xfrm>
+          <a:prstGeom prst="rect">
+            <a:avLst/>
+          </a:prstGeom>
+          <a:noFill/>
+        </p:spPr>
+        <p:txBody>
+          <a:bodyPr wrap="square" rtlCol="0">
+            <a:spAutoFit/>
+          </a:bodyPr>
+          <a:lstStyle/>
+          <a:p>
+            <a:pPr algn="ctr"/>
+            <a:r>
+              <a:rPr lang="en-US" sz="4800" dirty="0" smtClean="0"/>
+              <a:t>Purpose</a:t>
+            </a:r>
+          </a:p>
+          <a:p>
+            <a:pPr algn="ctr"/>
+            <a:r>
+              <a:rPr lang="en-US" sz="4800" dirty="0" smtClean="0"/>
+              <a:t>Trust</a:t>
+            </a:r>
+          </a:p>
+          <a:p>
+            <a:pPr algn="ctr"/>
+            <a:r>
+              <a:rPr lang="en-US" sz="4800" dirty="0" smtClean="0"/>
+              <a:t>Faithfulness</a:t>
+            </a:r>
+            <a:endParaRPr lang="en-US" sz="4800" dirty="0"/>
           </a:p>
         </p:txBody>
       </p:sp>
     </p:spTree>
     <p:extLst>
       <p:ext uri="{BB962C8B-B14F-4D97-AF65-F5344CB8AC3E}">
-        <p14:creationId xmlns:p14="http://schemas.microsoft.com/office/powerpoint/2010/main" val="1823423464"/>
+        <p14:creationId xmlns:p14="http://schemas.microsoft.com/office/powerpoint/2010/main" val="3670430495"/>
       </p:ext>
     </p:extLst>
   </p:cSld>
@@ -7004,7 +8051,7 @@
           <a:p>
             <a:r>
               <a:rPr lang="en-US" dirty="0" smtClean="0"/>
-              <a:t>Purpose</a:t>
+              <a:t>John 5:43</a:t>
             </a:r>
             <a:endParaRPr lang="en-US" dirty="0"/>
           </a:p>
@@ -7012,22 +8059,35 @@
       </p:sp>
       <p:sp>
         <p:nvSpPr>
-          <p:cNvPr id="3" name="Text Placeholder 2"/>
-          <p:cNvSpPr>
-            <a:spLocks noGrp="1"/>
-          </p:cNvSpPr>
-          <p:nvPr>
-            <p:ph type="body" idx="1"/>
-          </p:nvPr>
-        </p:nvSpPr>
-        <p:spPr/>
-        <p:txBody>
-          <a:bodyPr/>
-          <a:lstStyle/>
-          <a:p>
-            <a:r>
-              <a:rPr lang="en-US" dirty="0" smtClean="0"/>
-              <a:t>The Sea of Galilee and the Good News</a:t>
+          <p:cNvPr id="3" name="Content Placeholder 2"/>
+          <p:cNvSpPr>
+            <a:spLocks noGrp="1"/>
+          </p:cNvSpPr>
+          <p:nvPr>
+            <p:ph idx="1"/>
+          </p:nvPr>
+        </p:nvSpPr>
+        <p:spPr/>
+        <p:txBody>
+          <a:bodyPr/>
+          <a:lstStyle/>
+          <a:p>
+            <a:pPr marL="0" indent="0" algn="ctr">
+              <a:buNone/>
+            </a:pPr>
+            <a:endParaRPr lang="en-US" dirty="0" smtClean="0"/>
+          </a:p>
+          <a:p>
+            <a:pPr marL="0" indent="0" algn="ctr">
+              <a:buNone/>
+            </a:pPr>
+            <a:r>
+              <a:rPr lang="en-US" dirty="0" smtClean="0"/>
+              <a:t>I </a:t>
+            </a:r>
+            <a:r>
+              <a:rPr lang="en-US" dirty="0" smtClean="0"/>
+              <a:t>have come in my Father’s name</a:t>
             </a:r>
             <a:endParaRPr lang="en-US" dirty="0"/>
           </a:p>
@@ -7036,7 +8096,7 @@
     </p:spTree>
     <p:extLst>
       <p:ext uri="{BB962C8B-B14F-4D97-AF65-F5344CB8AC3E}">
-        <p14:creationId xmlns:p14="http://schemas.microsoft.com/office/powerpoint/2010/main" val="2799112763"/>
+        <p14:creationId xmlns:p14="http://schemas.microsoft.com/office/powerpoint/2010/main" val="1823423464"/>
       </p:ext>
     </p:extLst>
   </p:cSld>
@@ -7080,7 +8140,7 @@
           <a:p>
             <a:r>
               <a:rPr lang="en-US" dirty="0" smtClean="0"/>
-              <a:t>Matt 4:19-20</a:t>
+              <a:t>Purpose</a:t>
             </a:r>
             <a:endParaRPr lang="en-US" dirty="0"/>
           </a:p>
@@ -7088,33 +8148,22 @@
       </p:sp>
       <p:sp>
         <p:nvSpPr>
-          <p:cNvPr id="3" name="Content Placeholder 2"/>
-          <p:cNvSpPr>
-            <a:spLocks noGrp="1"/>
-          </p:cNvSpPr>
-          <p:nvPr>
-            <p:ph idx="1"/>
-          </p:nvPr>
-        </p:nvSpPr>
-        <p:spPr/>
-        <p:txBody>
-          <a:bodyPr/>
-          <a:lstStyle/>
-          <a:p>
-            <a:pPr marL="0" indent="0">
-              <a:buNone/>
-            </a:pPr>
-            <a:r>
-              <a:rPr lang="en-US" dirty="0" smtClean="0"/>
-              <a:t>And he </a:t>
-            </a:r>
-            <a:r>
-              <a:rPr lang="en-US" dirty="0" err="1" smtClean="0"/>
-              <a:t>saith</a:t>
-            </a:r>
-            <a:r>
-              <a:rPr lang="en-US" dirty="0" smtClean="0"/>
-              <a:t> unto them, Follow me, and I will make you fishers of men. And they straightway left [their] nets, and followed him.</a:t>
+          <p:cNvPr id="3" name="Text Placeholder 2"/>
+          <p:cNvSpPr>
+            <a:spLocks noGrp="1"/>
+          </p:cNvSpPr>
+          <p:nvPr>
+            <p:ph type="body" idx="1"/>
+          </p:nvPr>
+        </p:nvSpPr>
+        <p:spPr/>
+        <p:txBody>
+          <a:bodyPr/>
+          <a:lstStyle/>
+          <a:p>
+            <a:r>
+              <a:rPr lang="en-US" dirty="0" smtClean="0"/>
+              <a:t>The Sea of Galilee and the Good News</a:t>
             </a:r>
             <a:endParaRPr lang="en-US" dirty="0"/>
           </a:p>
@@ -7123,7 +8172,7 @@
     </p:spTree>
     <p:extLst>
       <p:ext uri="{BB962C8B-B14F-4D97-AF65-F5344CB8AC3E}">
-        <p14:creationId xmlns:p14="http://schemas.microsoft.com/office/powerpoint/2010/main" val="1403077398"/>
+        <p14:creationId xmlns:p14="http://schemas.microsoft.com/office/powerpoint/2010/main" val="2799112763"/>
       </p:ext>
     </p:extLst>
   </p:cSld>
@@ -7167,7 +8216,7 @@
           <a:p>
             <a:r>
               <a:rPr lang="en-US" dirty="0" smtClean="0"/>
-              <a:t>Matt 10:1</a:t>
+              <a:t>Matt 4:19-20</a:t>
             </a:r>
             <a:endParaRPr lang="en-US" dirty="0"/>
           </a:p>
@@ -7193,7 +8242,15 @@
             </a:pPr>
             <a:r>
               <a:rPr lang="en-US" dirty="0" smtClean="0"/>
-              <a:t>And when he had called unto [him] his twelve disciples, he gave them power [against] unclean spirits, to cast them out, and to heal all manner of sickness and all manner of disease.</a:t>
+              <a:t>And he </a:t>
+            </a:r>
+            <a:r>
+              <a:rPr lang="en-US" dirty="0" err="1" smtClean="0"/>
+              <a:t>saith</a:t>
+            </a:r>
+            <a:r>
+              <a:rPr lang="en-US" dirty="0" smtClean="0"/>
+              <a:t> unto them, Follow me, and I will make you fishers of men. And they straightway left [their] nets, and followed him.</a:t>
             </a:r>
             <a:endParaRPr lang="en-US" dirty="0"/>
           </a:p>
@@ -7202,7 +8259,7 @@
     </p:spTree>
     <p:extLst>
       <p:ext uri="{BB962C8B-B14F-4D97-AF65-F5344CB8AC3E}">
-        <p14:creationId xmlns:p14="http://schemas.microsoft.com/office/powerpoint/2010/main" val="345204770"/>
+        <p14:creationId xmlns:p14="http://schemas.microsoft.com/office/powerpoint/2010/main" val="1403077398"/>
       </p:ext>
     </p:extLst>
   </p:cSld>
@@ -7246,7 +8303,7 @@
           <a:p>
             <a:r>
               <a:rPr lang="en-US" dirty="0" smtClean="0"/>
-              <a:t>Matt 19:28</a:t>
+              <a:t>Matt 10:1</a:t>
             </a:r>
             <a:endParaRPr lang="en-US" dirty="0"/>
           </a:p>
@@ -7272,7 +8329,7 @@
             </a:pPr>
             <a:r>
               <a:rPr lang="en-US" dirty="0" smtClean="0"/>
-              <a:t>And Jesus said unto them, Verily I say unto you, That ye which have followed me, in the regeneration when the Son of man shall sit in the throne of his glory, ye also shall sit upon twelve thrones, judging the twelve tribes of Israel.</a:t>
+              <a:t>And when he had called unto [him] his twelve disciples, he gave them power [against] unclean spirits, to cast them out, and to heal all manner of sickness and all manner of disease.</a:t>
             </a:r>
             <a:endParaRPr lang="en-US" dirty="0"/>
           </a:p>
@@ -7281,7 +8338,7 @@
     </p:spTree>
     <p:extLst>
       <p:ext uri="{BB962C8B-B14F-4D97-AF65-F5344CB8AC3E}">
-        <p14:creationId xmlns:p14="http://schemas.microsoft.com/office/powerpoint/2010/main" val="1333164880"/>
+        <p14:creationId xmlns:p14="http://schemas.microsoft.com/office/powerpoint/2010/main" val="345204770"/>
       </p:ext>
     </p:extLst>
   </p:cSld>
@@ -7310,33 +8367,123 @@
       </p:grpSpPr>
       <p:sp>
         <p:nvSpPr>
-          <p:cNvPr id="2" name="TextBox 1"/>
-          <p:cNvSpPr txBox="1"/>
+          <p:cNvPr id="3" name="AutoShape 2" descr="data:image/jpeg;base64,/9j/4AAQSkZJRgABAQAAAQABAAD/2wCEAAkGBxQTEhUUExQUFhUWGBgYFxgXGBoYGBgcGBwYFxUYFxcYHCggHBolHBcYITEhJSkrLi4uFx8zODMsNygtLisBCgoKDg0OGxAQGywkHSQsLSwsLCwsLCwsLCwvLS8sLCwsLCwsLCwsLC00LCwsLCwsLSwsLCwtLCwsLCwsLCwsLP/AABEIAMIBAwMBIgACEQEDEQH/xAAbAAABBQEBAAAAAAAAAAAAAAADAAIEBQYBB//EAEsQAAECAwQGBgQLBQcEAwAAAAECEQADIQQSMfAFBkFRYXETIoGRscEHMkKhFCNSYnJzgpLR4fEkM7KzwhUlNENjk6I1U3TSRKPi/8QAGQEAAwEBAQAAAAAAAAAAAAAAAQIDAAQF/8QALxEAAgECBAMIAQUBAQAAAAAAAAECAxESITFBUYHwBBMiMmGRsdEzI3GhweHxUv/aAAwDAQACEQMRAD8A2Ui4qWm7gAKgMQ7PEuVLcP3eER9HSeokGtBswbPZzizkACmezwjmRVnZKmanuznfDpaS77dnD8fy5mEhjRqHzGRBkge7OeEFAGqST+mc7hDpaTs/TIzsgiFcM0z2QV+GXyYYAFcumAzzz4RxIbOc7zhIV2+EDK32ZruzWMYFLGFKMNg8s7KwRAGWzkx2WaAMcBw2ZEFu0w8M8IJlocRMAzjnyfCO9OnOe2OhHDwrnyhGWN2/dnjBADmzUt2p/iEOvDIzk74ctFBTana3tCHdHwznxjbG3OXxDFKY74MiVwGaRzo4wQV/nD0lLfl2/nHE12U74fc4Zx8YxjgZ2znCEWFI4EcBnL/nDijgPHlGMDQQ6mbHfwHnHBM3Q9KWKqDEbBgwhwlgbBBYERlTOGc5asBMwPh4ViWUwy5whRgd5O7OawCYzvdiSRDQIBgKkvsjklLAU2Z90SDt3c4YsUGGAjbA3G3wTgYAC4wrXntiRsgCElvy4wNg7gFo3D3xERKIP6525MT5qS1KwEymZ8YUYyelpcrplupi9QHpQRyO6asoM5ZdWIwfcIUSbLLQ1FhUCBgzBgBuDbM+8xOlmKzRZF1DYADjsbHOFItEtFSDCA1O0QQYUgQEHSmCAck74fMUBiw5kQNEVOsmmPg1nVO6qlMSkHakBwO2naqKQi5OxOc1FXZcrbaQM0jvRiMXM1zR8BNply2WXCkLcgKSEukHaklaWbeaO8X+gdLC0WdM5CSlKnYLVdZiygCMQCCx5cYd02lcWNaMnYtpQDDkIOGiEiYWIKQLrAkmmAwLOSx3YweQp6Gh7wQcCDnwhbMdNBwAYZcjqmBoBTEksA+Affhln4ipYgYA0Lu78BujYWbEr2OzMO1P8Qh12OzZVBzTx9oR2cW2OTgINsgXzGMxhEwKZPo7JIcDqqc1oKMKuWZ4aqe2Jlg7QV1G8GkbCzY4hQqsdeI5tA2GXw+M7tkPE6qg1U8aYA1URx2PGws2OIcQr0QzpFGF+V9/8t8FTPwo7jqsQUk7QFZpyLbC0BTi9wkvFXPyEEJiKibUkXVC8HuqdnYYAb4kzKDaa7IzTCmjhUIGqBia7tcLY3VuQ5bBt0Mm2gAPRvlKISk8AcT3QMLNjjqFUh4GpEARpBBLBcv77ctkUus2sabOuVLKevM9Vx1U4gqOwkm6kczhtKpSbsLKtGKuX12jg4w1CaB9wiv0TazMReIAIUUFqBXVvim0h/HjFihNByELKOHIeEsSuNKS0RxhEowJIbjj4mE2H3BpDVhhYnhB1NtiKsV/Xln9YASj0kgGYohtm7cOMKGW650inTt3keUKJOxRFhodglB2MM58Is0IGMVug0kS0Oa3fzz79kW7RRE2PRBRSOIDw5oZCiIoWxYtGN9JCgJBUsK6MyyAQCesfVBIwc3caUjbMwgE6Qk9UgEKcKBwUCC4IwLxWnLC7kqtPHGx5BNtCDopN5KwAFS3YsZt8zEhxQesjFsI03TJXoizlIYBEwF/lJCgs/ec9sbZOjpVzoxLQJZcGWABLINS6B1T3RQa3y0osoSlISkdIAkAJADKoAKAR0QqY5L9/s5qlHBCTvt9EHV21LmaKClqKjfAc49UpCXO2gA7Imam6TN9UolwwmSq/wCWtgtI3hKylQ3CYw3RWaqK/uhP1n9Se7O+KHVq0LlyJc8hxJmzUn50sUmoO/qLoPmJh8OJSXqyWJxnGXornpunlNJm/TRx2I7orfRzaVqsxvEm7MmpD7AJimA5RL0xMvWaYXfroqMDRBBHMEGu+K/0Yj9mV9dO/mK2xJ5Uuf8ARdO9fl/Zr5qqD6Sf4hHJ3rDt8IU2g7U/xCFNxHb4RFM6GZHVeYelnp2AWYgNtK5oJ7kjuik1hsVqnWhabLMlyynpVrMwUKUlIDdU163CLnVNPxs/lZf450FsIHwyeCQHROAJIAcrltUx1O6lJrrQ4Uk4wT61M3ZNV9KJWhUybIKEqSVgXXKQXUB1cWBjQa42ycoiVITfWQm6klgVKIAKz8lI6x4A8I0/Sg0FwkvS+DmkYzWOYqRPlziWlquovbETEEhBV81aWAODoI2wkG5S8WuxSpGMYeHS+ZVjUvSRF74ai9XqhCQl3ZgSnDmI0Wh5dos9imicoGc05RKaJTdlm4z4qNy9Qe1so9zo3SCZiSpND/mI2pPyk8OHm952n62eZV/i5v8AKmQrlK+GRSMIWxRKjVRXVmc5G/5SouNZJ5TZ5qkllJlzSk7QRKmMRuim1RPVmc5PD2lRa60j9kn/AFU7+VM74M/ycwUvxcig1VnpRInLmeomTLUr6KUzCfcIr54tNuBVKmIk9QLKlJv3EkOEy0UBPElu+k7VqzibZrRLOC5EtG71kzE49sZ3VLSy7NNNnmpaZKdBSfbQN3EBuwA74tZ3lbU57+GGLT/oVepWkUKSU2wLSSLxUkUHtHo2LtuBBMTdd0y+ksEgBa1pUbpu3lqCUpYBvlKHAC4TQB43VjtCVJBSXSfVP9J4wSbZ0qIUU9ZIICsFAFnAUKsWDjAtEO9knnsdPcxlG0dyu0XY+iloQWdIKltUX19YgHaA5HK7E9LFI5CHKQwpnmYZLDgPuEQk7nRFWyGLpA5QoHiTdgKE9UYbYXYbcHNZvCIlrznPGkTFIpEa1opnzz7hChMXpSZ8avrEV3p3DeHhRItthBWojB+P/tCiLLo0OjU9RH5b9+e9hFsEue6KuwUCSBscP7vH37zFoDWLIix8sVdoIITwnrDCjiYHMFRzHnD1J4w1Qwcbd3AwyAx8ZfXf/DDnN4bFRp2jL68f4cDjN47DFaHnRDtP431uim1X/wCjp+sP8QgepFmEzR08N1kWiYsDgyQfcD3CDaqj+5kfWH+Id8S/RaGs85VKT5j/AETj2YH7MXeUW/U5kk5Wf/k7ou2vo9ck1VZ1pl12y3CpJ+4QnmgxN9GCv2Zf107+YqKfS9lVZ7UpKR1JqbiuST0slXY0xP24ufRcP2VX1s7b/qK2ecCqvBdbu4aLbq2eqVv5NZNVTtTs+cIUxVR2+EK1FgNvWTTkQS3YCeyOTVChG47OEcqR2MyWqKvjJ/KzbW9udFXpawz51pmJkTJcspM1ajMQVuEqSAAEkMetFjqcfjJ/KzbvlzoPo7/GWn6ufx9uXsjsbalJrrQ4Uk4wT6yZB0Hq5bZVolzJ02UtCSolKJd1R6pAYlTCpB7I1ls0eibKMuYkKCgQoGoL1UOIflgCGIDWChEfpA916+58SHwdtkcspyk7nbGnCKsjzky52j56UFSjLJaTMNTv6Cadpb1Ve0BsIjVWu0ibZJi0inRzrwxuKEpbgcC/vG+kzWSwJnSFoV7SVAH5JSkrQocUqSCN1d5ii0C6rNbE75RIHFSJgPgO6LYsUL7o5sOCphWjD6oK6s3nJ8Vb4ttaj+yT/qp38qZFNqYoFE0/Uq7HUXi81nR+yzvqp2z/AEpndAqfk5jUvw8ih1HV1JmP7uR/XBdeNUk2tPSSupaEVSsUvNgCR47PdA9R26Oa+yXIxr8uNjLWFYP2hjzaNVbjNtdaBoRUqaT6zZ5dqjrItKlSpyWmJpOlkesML6Rv/LYRHpFnmAihJBAKTvScK7T+W+MD6QLClFvss1AAVMC0rbFTJNT2eXCNZq4p5El900Y7EzCBTsGTDVbSipC0Lxm4FpMhktVByEEWKGkMT6o5COU7NxKMRg7CjxJBgUs0bnAegdwZJbdES2ZznvaLBQpEK1nP4Z9+ChRibWshagysTgDHIn2qfdWoXTQ/JV5KbuhRFl7misYBCauLoY8qZ/WLAGKjRq+olt2cc9giyQqKrQhYK7w9BhJTDgkQwByA8cmbPpeRgiIbMGHPyMMgM7xjKa9uLOCyiAZjkAkB3Z7ooI1rRFWpI23Q5DmYUh3dV3rbDD05WdydWKlGzMJquCNDJ6qi0wkgBRIAVUkAPFj6JQ9mnUNZyyHo4OBYxsJSQa9YF6i8oYcjt98NNpCNwDmqlAORTFRc4N2Q7qYk4k401GSl6FHrXZiZQmMSZVFUJNzEGmLUr9LdEf0Xk/BCWLGbOIcNQzFkGtY06WUSS4IIFFHcFDA/Ohi56UPUAAgFSlMH3XlOSWgObccAVTUZ4zmkFrZfR+vc+Lwxd1Y0+TnDEW7XxCApCzJlzGKVOtlh6FpRqFHvjeBYUCCMDWvcQRzxEAnqALklg1SoAB/nGr02HbGhNLJoFSnizTsZnUazzLi5sxBR0syWpCVBliUjqyypJ9UqUVqY4BuyutWnRZ7ZOVR3mIKVJUQylBWz6I743SGIIbcqhNdxvDHCOzAwxXWgAWrb9qnlDKrm753A6F0rO1jGWfXG+tCBLkm8pKWCFv1lAecS9Z9Yl2WcykpTJuhitPxRIqrriiVA7CdgMaLpwzuSAQC0xSmJISzA8cIEqcgUdKTtHSAHjeD1PN42PO9gd34bYufSMYddun+LkdEpagzSHmzGViBdJIHGg4xqNA2JUqTcI66jfmhwQKACU+Hqs/NR2gxKFpRh0iC+AExIdsPVbGJklWIAAYt3gK84E5u1krBp0le97s80k6QmaNXdW6UJdKJqkkypkseqFqFEzAAAUqILg7CYm2jXiVPlqlIMlRWhSOoszFAKBSbqUksWJ2RuFTElTUBOHWuqIbcC5HOCSkuPWVyBA3A1AB2H3w3fbtZiqhtGWRmNXZc6TZ7RMTKIJlpElM0XStSAu6FJUxAJIFW27KxR2b0glDJtKkJmDFNoT0a0naz3aY98eiJWkHY+BxJ5P5Q4SkmoJGBDYcKGggd7m21qM6GSUXaxgwmbb5iJktCWSkpStiJSApitQJPXUWHqknqgdUEmNvo+zJQhKUuUISEpJxO9RO16e/fDTNSSxIUTRlLDkYvc292EOOkEjFUsHb8YnthZylLKwacIwzuSVLx5QyWrqjkIjKt6D7cv/cTB0Gjbqb9gO6JNNIupJvIaYDL9XIiSzwGUkXc7zC7Dbi6SATlgnPLPdvMGVEaZnOe54ASh0g3SK6r4VYHYIUNtskGYouak/J8znZCiD1HRZWIMhLYNnHPZE5JwMVstbJApRIyM+UGQslvMxVClkiZDxNiJeaOCfBBYnCZCmzDTn+MREzxHJk4UqMfxhkwNE9K4y2uk0CXLdmeYS+DUd+EXwmmMlr+p7OB82d4Rfsz/AFF1szm7Wv0ny+Ud9HGkCnpbIo1lF5bnGWpylt7VB7Ima8q+IThjO84wOi7eqT8EtiqdUJmn5SFG5ePJYfnG214mPIQd/S7Xjow2rJrR/TOZzv2dp6r7Raej9Z/s+z/Vp2/NTELXW3hKJaSWvKCi52rUESx/yaCajH+7pG8y0DDeEh+P5RQ6wgWrSEiRikzheHzLODMV2XwkdsSpZTcnsWrZwjBb5Gg1CthNnEsmslS5XIIN6V/9a0d0S9aFfs8w/PR5RntU5vRWudKPtJCwPnSldFNP3JiPuxe60fuJn00eUHDavzBixdnv6DNTba8m6cZa1I+yv4yX2AkoHKLTS9ruIWqnUSW+krqpzxjF6mTDLXLST++kIbitKRMR7uleLfWq0EoRLS96asEON7IluNzkHsjOC73015a/ZlUfc+unPT6YtUT1Jv0pO35xiIqwdPap6SsoCb6qAEllJDV5xJ1VAAnJDsFygOQWQI5YJg+GWgEiqZgq1XUmlYeTac2utCcYpxpp9ZMejVMOCZk0gFyLssOAcH4xqEqNX2nDdQDyftiOLWDQVPAp/GCS5rh+fuLHDlHLOcn5jtpwhHymG0ioybeVF/8AJmnsHRLA/wBk/ejddIQFitCWqNtfEtGL13ltNkr2HpJZ4khM1P8ADN74vJmlQmyCeo4Sb5o9ZQKlOeYaLTWKEXyOem8FSceZn9HaxTlT3K1dF06kJTRujSsyweNAVOa1jarnXZa39m9soHqKciI8dss1SFyZRf8AcKc71Ay37fWPbG/1s0q2j5swFjMkhq1vLTcoOBKc4vWgrq3XVxOz1HaV/wB+vYyOrQM1EyZtXLtU8/aSsJL8CtHdBdSbB08qWkrKAmSVkpAJoUhq/SMWOrcgIs9p3Is/RDtSoEf8Ud8RvRvOASh1BL2dQBJaro2xSUn4rbJEYwTwX3bfyX51ST7UyeobQBLD8HbsjUpJqd5w7APKI4tiTQNswUn8YMiY4fCpHcSPKOGcpS8x6NOEI+VHb8BSun5w6YoQKUaCJ7FTpUTEe0TDn889gg6zEecscM1/PLQoShtq1X1M7Pw8w8ch9pIvHrN7vKOxFrMc0yLOi6DcRgPZH4Q5NnTTqJHJIEHlB0x1KKCPUsuB5acuIL4Kl2ajbXO7fDhZkfIT3CDN1uw+IgoTGsuAyvxI3wNHyR4eEDXY0hmDV3kbDxieBDJgw5+RgWXAbPiAFmT8lPdGL9I6QJKG2if5RvmjB+kz91K4if8A0xSiljXWxHtF+7fL5Rn7LowTdDWVbYJmS102KmLunsJH3oarSRnaOkXv3skzZM2pNZYSEmu9N098an0d2UTNFSUK9WYlaDXA3lFJbYf/AM9mAtVkXJnT0qoCk3hsvodKj2gp5xWlZ29P7I1rxv6/KZ6FqXMCNGSFnBEm+anYgMCDQu/uEUepUhU22T5zE9DLSgEAnrzVdLM7bstA+3xiTZJ3R6Fswes5EpI+ilN4+8f8oBqtq+ufITPTPTI6YlQSEElQCihC1KStLlQQCKUDCrQqUVDPf+iknJ1Mtl8/4G0+gWfSUqYaIMxLt8meDJX2Bagr7MX+tf8AhVlq35YOGNHw4xldatW1y5N5U/pRMeXeCSkpJBILlato4YRf6UtfTaMTP/73RLIZrqiAJiTxvhUNZYovl7CZqE4v9/cp56TLsthtKR+7AB3no1FQT2pC09sW9nAtWkSoVlyQS4wLdVPepSlD6EEsFm6XRSJYBKxLMxIAcm6tVBvJw+1ErUXR5kynWhSVzVUSRdKUS0sgEGoreIGPXG4wjksPrpyHUHjXDXnoQNUEXhPJ/wC5K37VndEJOik2i12hK1rQlBmLdF0migK30q2ExP1Hqif9ZJ4e2YdoX/HW36M3a3tp27IduzlbrQSKvGCfWTJFg1TlypiZgXaFFBcBXRMSxxuywWrvEaOUilQHqe8kt74kNCaOeUsWp1xgo5IyWv8AZnsxWBWWqWvkAsImH7k1fdGdtlqH9kql+0ZyZI5TFpWun0DMEb/TtgE6RMln/MQuX/uJUgN9op7o8ZNtUsSElwlR6c8CmWpDH/f/AOEWpLFG3qjmrPBK/FP7LbSFhIski07rUpJPzJieh/mpTBtPWwL0fZpVLyrVcV9BDz1D+X3RpdL6KUrRJlJHXFn6QD/U/focfWIZ+J4x50u0X50gg/F9HNmjmRKS/wB1Q7oaPj9xJru/a3sb7RdmbRs1W1fTLxaiU9H2h0inGMvqJotNpRLlrWtCRJK3RdehSPaSoN1jsj0M2QosBQRVNmrQessOvHiPfGJ9Fdbv/ir47ZezbAjK6k0NOCTjF9ZGnsmp0pC0TL9pUUKSoJPRAEguAWlg4jeI0sqSwqK1OJOJejxJCY60QlLFqdMYYdCN0Q3Q0WcbA3AYd0SrsK7C5DZ8SGqzp3A86+MCmSU/JHdnPGJ5TApqaZznfBsuAufEpZ1nTePVHcrypCiZMlOcfcfItCg4Y8CLcr6kvoqPy/D8v1ggFB3QNBoK7BnPg8GWcIDLJZHW63Z5iCgQP2uw+I2wUQBkcuxyYnDn5GCNHJuzn5GMNY6UxhfSFo+bNRJEqWtf78G4kliopuvudjU0pG8MRFFCXqpgS5dTA7au22DCTi7oWpTU1ZlFqDoyZJ0dKkzklExAN5Jum6XvJqksWocYoNfNCTVrE2TLWszUkLCAVMtPVq2ANA5b1TG6k22UKBQ8ca7Nu8mDKCGKnLHFiRuGzbQDe8NGbi7oWdOM42Z5TpjRFt+B2SzIs8wzZVlCWAdImKcEGY9wNdTiqPStX7AmRIlyk+rLQmWNtJaRLB7br9sFmT5YLFShwKiPcS8Gk2hBokjcNg4AbO7dAcm0lwDGCUm+JT612EzbPOQkOpkzEgAlRKCLwA2m6AKfKjJ2HR9oGi5kpUmaLtoJlpuKvKQsiYo3GvACYtYqNj4R6UuWCzvTcSMeUAnFCKlSqMT1iwG8klh5wY1GklzBKjGTbe6sVOqlgUizSULBQtMsOH6ybylmo7R3cItEyiLhV6z1xIHVWWBLMA+LCCSpqAHD15knbzIZq4NwhCalZGNCWIcBwN44GEbZRRSMlqTY5kuXOvoWh5kpr6SgllVYKApXGKm1m2SLXaFyZC1X1LBKpE2YkpJBoUMNmLmPQ50pADqvHdVRNKuBv4xU6waQXJs650pJUUXWvKN0kqCSSHcpSC5FHpXaKqo23lr1xISpRjFZvw9cDMyNN6RKk3rNQqD/ALNPTQ0PWK2FNpwjdyEsVAYBX9Ke+MidaZqrD8KQhPSoX0S09bogaG/dBci6oUfEitHi61W0p08lExrpUpSVpckBQdRKSasd2x+ECadrtW2DTcb2Tb3z4eyLa0JN0tjiNlRUV5x5Lb9XZotSpfRzChc1VxYQSno5ywoG8AwCUqY7rsexRGVKYgBRAL0Dc6OIWnUcb2Gq0lO1wUxDhdKPQN8li1K4gx5BYtXZqJyJCpUxhMMpKglRSZKpgCVhYDN0YScaMY9plywAw4nvLn3mGiRuKgMWo3vDxoVHG9jVKKna5X6UklcieEhysKSkY1DIA+8OzGPLdWLLbrIlBTZ5gWJfRqC7PMmJrdJHVI2pFXIxj2Qyhdu1bmXoXx5xwyBvVt9o7e2NGphDOliad9OuB54nWDSCcbJe4CzWhJLYB7xbujfSE1UB8re/spPZjDpMsFIJKq19YwWXLADDPbtMCUr7BhC29+v2GkQoe0chR7DFJiNOGfdnJiUqI08ZznseCBogTJDl29wPvf8AKFCnGpr7k+dYUURzO1yQhWFB+Of1oIkqDtn9YCPVHJ4kboRlo6HG6w5HxEFEM9rs8xBRAGRyGzNnPyMEBhk04c/IwBh0eb+lVXVs4LFLWhRSagkKls4wcOeTx6UI8y9LGFn+jaf4pe6LUPOutmc/a/xPl8opNB6ji2WKXaEdDfmJKuhMsA0JDCY+LDcMdmMH9HGmJkm2y7Ita1SZwUZYXUoWhJVddVQkpemwgcX1/ov/AOl2Pfspzf3OH7Iwuhk39MWW5UfCZ6w3yAiaX5VT3iGUnKEr7COChUjh3uAs+i02vSBkquAzOmWZikBZ6ikgBixL3sX2RI05qvN0epE2RNSm8SETZQuAqFbk2W5ChTAvgcGgupx/veX9C0cfalRsfSWsCzVxNoS3ZKU54xRyfeYdiSgu5xrXP5ZdanaZ+F2WVOIAKki8kF7qgVIWnfRaFgcAIzfpLto6GXLLETFlahiCEMhAL7CSDzES/RkhSNHoLF1KtCk02Knzbnfj2xVaRki16XTINZcpN08paConn0qkjsiVNJTb4F67coKPGyLLUmYJ9hRKXgETbIujsE0lueMpSKcYqPR5M+D2ifZSAk1WABdHSSTdmM21SD3S456OZ5ROtNmUWV1ZoDt1pZ6GcTwAMruh2uJ+C2+RbAGSopmK4XepPFNvRqPaYfDnKHt8/BPFlCpyfPL+GaL0gaQuWVYf960oYEEK68ym0FACftRWfBfgmg1C6xmJClgMkJE5SXJ2C6gh+I4xH1qki06QkWNNUJ9f7fxk12/00pA5xvpcq86gWegDUYUFNzuftRNtRjH3+iqTnKT5fZgrdZV2bQoBSQqatC5hwuBSwsXgcOqhCCN6o02p+jzJs0lCgQpjNWCMDMdkniAW+z33XweruXOLsQRsDZ7YJKlXXqSTiT5bhw83MTlNtW9blY0knf0sPgUzFPM+EFeBzPWTzOzhCIox8KOvCeMEaYUdhRjApHqjlD3hln9UcuXuh5gsVaHSYGow+GmMZjHgE85zmlaCDqiNPOffn9IIhFWuuGe2OxHnKqa57vzhQ1zlcsyxUMOWc7ObQU0aI0hThPIduc1NJS9nOAdK0Og9bsPlBBAva7D4jbBRAGR0wyb7PPyMPaGTPZ5+RjBCR5l6V/8A4w+baeHtSt8emx5d6WjWzfQtPH2pcV7P511sc/avxPrdGf1Y0npBEmXZ7OTMlhJSgy5CiqtCRMvFI3XmpvFY3epGqvwSYmbOYz1JuBILpkoPWIcBitRQkHZ1WDsSTejFJOibL1lACUzBhxxId67DtjVhAFxtqq1x6pqd+GWgSndWSsh40rSxN3Z4Km1TZVqE2QpImJE1ICkFbhRSSQEqBpdFRvi0s2kJ2kLRIs9otCUld8pITcSwF6ZdFXmECl5RwfeCTUhR/tZBTj0VobbiqUK98M9JejjItPTSAxU1pk7hMSXWluJFR/qNHS342ks7ZPkcUYvu4uT8N81z+z1eVLlyJaQAEypaQw3S5KXT72PbGL9HV5S7Va1NeJCRzWTNne4IMWGsunQvRnSpcC0IlIQ5ekwdIri/R0L7R34iw+j60z0JnoSAJqQofHrQSCBdN1JYUAiMYrA7vV/BepJ96rJuyenrl9l7pI/BdNIJoiasA0xTaR0Z7OlIP2Y0evOj+msa6C9KPSijUqmcP4j3dvm2m9UbRYpd5YCb5ZKhMVMIWASn1sMH7I9VTpAT7EqcKCbZVzWcU6SWkkEYghQUOyGlk4yT6QsfFGcGrf6Zr0aWZazOtSzeWAmShR2qITePYBLHfHpEtAAAGApGK9GH+EH/AJC9n+mO6NuIjW87XXA6ezr9NPn75ihQjHIkXOwJeKeZ8DBHhiz1k8z4QQMfCjsKAYTQhCjkYIKR6qeWcYcTDZB6o5c/fD4YTYYTCeHEQ1owBijEeea57+zLlokqEAniuc5pXAikJcxjt9/kIUR7QrrH8CfAtHYNzlk8yZZD1U02DPlkxMXsiHZ0kJQ52DOfdWJqRAOiGiGoPWHLzEGEC9ocj4jZBRAY6HCGTBhz8jDxDJhw5+RjDBI8t9LdVWUVcptAAxJJVKAAAxO4CPUoEmURQKbFqCjl4anPC7iVYY44Sg1A0fMkaNkyZqbsxEsBaXBukpBYtR64RoCPU5j+Ex0oZJ5HH8o4pDhNWIqKPsI84Qc8f9HtlUvSPSJDolS5iVqeiVLXKCEn5xuqpwMaT0ryAJEqYfYnKQ5bCYm/3OkCN70W80d2AA5P21jipNThUgkEAilH7m7or3vjxke4Xd931xPE7Quaqx6OsTNMurKE7xMmrRZlNu6NL8lR7NZLEhKQkJBSgCWhwCyUgBh7x2QUySfarvuhxyyYLLQwYZep7YWU7pLgPCnaTb3t/Bl9frCF2OeAALgTOFPkUmH7njFNqNMKtEzyf8oWqWhTgulSRNpwClFP2Y9Amyn2tiN4ILOCOyA9EQoAEAMqgSGxTs5P3wVPw29bglS8Tl6WMf6LSPgaTQvPW1fmNT3xuBA0SG24OwAAFeAzWCws5YpNj04YIqPAUJoUcBhRxNDF4p5nwgkDmDrJ5nwjAYQxxo7CjBE8chQgYxgUj1Ryhxhsj1Ry5Q8wRdjjxwmORx4wongNoznPiYM8RrQrOc9jwQXKa0odR/8AV/fCiNb0q6RXWUOTNgN4hRJydzhkszQSqhJ4YxJBiHKSyEgYNnOESErOe/P40ip2Q0HK9bsPlBgYjElxhhy2juh/RnfnsgDhxDZmzn+MMSl/azs84ZNGFdvln9KRg3JUdERm45znZD+j45z+MAa4Sb6p5GEjAQCYihrsznzjiQcM5/TFzGMShCiMx455Z2YOY6QeOc5GOCSI6IjMeOc+eDCHpSrlnPid0AIbugZ9YYeqfFO2GMeOc5MMTL6wrsPDaO7y7zBQGS45Aej4/pn8IcJQ55z4QAjlpjgRl470YhgB4ZznCMYfcOSc4wOYjrJ5nbwh3W4Z8IYsl08z4QUBhRLO8Ry4RtENIVvGc+XGOFKt8Aw8pO8Ry6XznPZDa8BCCjwGc+PCCYbZwboqMM1ztgjHhAZCjdFRhv8AwghUdrZwjCoaQeEMIO8d35w43s5zhxgSph3jxxy/4AQRWEER54znO+kPM3lnPnQYgUXwzn8zsEFCMrLSnrHrgcCR51hRy1WR1qxx+UR7mhQji7nG5ZlpYcE/RiUr1Ox4UKKM6qflG+0n6PmIIrAx2FAY6AHz/qbwDQInrDmPFX4DujkKMgyJkk9VPIQ8bYUKAE5NFDyh6cBChRjHTChQowwhHRChRmYRgZPXH0T4phQoyMOhwhQoxhCGpwjkKMYdDJmI7YUKMBnRAFnrd3vJfwEKFBAClnD7P9R8RBJhw7fcCR74UKMAFLoU8v6R+J74kH1TChRgIbP9U8x4iAIFe3+pvCFCgoDEMB2e+pjm08o5ChkTkV1uPXV2eAjkKFHPLVnHLVn/2Q=="/>
+          <p:cNvSpPr>
+            <a:spLocks noChangeAspect="1" noChangeArrowheads="1"/>
+          </p:cNvSpPr>
           <p:nvPr/>
         </p:nvSpPr>
-        <p:spPr>
+        <p:spPr bwMode="auto">
           <a:xfrm>
-            <a:off x="2057400" y="1371600"/>
-            <a:ext cx="4648200" cy="369332"/>
+            <a:off x="155575" y="-144463"/>
+            <a:ext cx="304800" cy="304801"/>
           </a:xfrm>
           <a:prstGeom prst="rect">
             <a:avLst/>
           </a:prstGeom>
           <a:noFill/>
+          <a:extLst>
+            <a:ext uri="{909E8E84-426E-40DD-AFC4-6F175D3DCCD1}">
+              <a14:hiddenFill xmlns:a14="http://schemas.microsoft.com/office/drawing/2010/main">
+                <a:solidFill>
+                  <a:srgbClr val="FFFFFF"/>
+                </a:solidFill>
+              </a14:hiddenFill>
+            </a:ext>
+          </a:extLst>
         </p:spPr>
         <p:txBody>
-          <a:bodyPr wrap="square" rtlCol="0">
-            <a:spAutoFit/>
+          <a:bodyPr vert="horz" wrap="square" lIns="91440" tIns="45720" rIns="91440" bIns="45720" numCol="1" anchor="t" anchorCtr="0" compatLnSpc="1">
+            <a:prstTxWarp prst="textNoShape">
+              <a:avLst/>
+            </a:prstTxWarp>
           </a:bodyPr>
           <a:lstStyle/>
           <a:p>
-            <a:r>
-              <a:rPr lang="en-US" dirty="0" smtClean="0"/>
-              <a:t>Images</a:t>
-            </a:r>
-          </a:p>
-        </p:txBody>
-      </p:sp>
+            <a:endParaRPr lang="en-US"/>
+          </a:p>
+        </p:txBody>
+      </p:sp>
+      <p:sp>
+        <p:nvSpPr>
+          <p:cNvPr id="5" name="AutoShape 4" descr="data:image/jpeg;base64,/9j/4AAQSkZJRgABAQAAAQABAAD/2wCEAAkGBxQTEhUUExQUFhUWGBgYFxgXGBoYGBgcGBwYFxUYFxcYHCggHBolHBcYITEhJSkrLi4uFx8zODMsNygtLisBCgoKDg0OGxAQGywkHSQsLSwsLCwsLCwsLCwvLS8sLCwsLCwsLCwsLC00LCwsLCwsLSwsLCwtLCwsLCwsLCwsLP/AABEIAMIBAwMBIgACEQEDEQH/xAAbAAABBQEBAAAAAAAAAAAAAAADAAIEBQYBB//EAEsQAAECAwQGBgQLBQcEAwAAAAECEQADIQQSMfAFBkFRYXETIoGRscEHMkKhFCNSYnJzgpLR4fEkM7KzwhUlNENjk6I1U3TSRKPi/8QAGQEAAwEBAQAAAAAAAAAAAAAAAQIDAAQF/8QALxEAAgECBAMIAQUBAQAAAAAAAAECAxESITFBUYHwBBMiMmGRsdEzI3GhweHxUv/aAAwDAQACEQMRAD8A2Ui4qWm7gAKgMQ7PEuVLcP3eER9HSeokGtBswbPZzizkACmezwjmRVnZKmanuznfDpaS77dnD8fy5mEhjRqHzGRBkge7OeEFAGqST+mc7hDpaTs/TIzsgiFcM0z2QV+GXyYYAFcumAzzz4RxIbOc7zhIV2+EDK32ZruzWMYFLGFKMNg8s7KwRAGWzkx2WaAMcBw2ZEFu0w8M8IJlocRMAzjnyfCO9OnOe2OhHDwrnyhGWN2/dnjBADmzUt2p/iEOvDIzk74ctFBTana3tCHdHwznxjbG3OXxDFKY74MiVwGaRzo4wQV/nD0lLfl2/nHE12U74fc4Zx8YxjgZ2znCEWFI4EcBnL/nDijgPHlGMDQQ6mbHfwHnHBM3Q9KWKqDEbBgwhwlgbBBYERlTOGc5asBMwPh4ViWUwy5whRgd5O7OawCYzvdiSRDQIBgKkvsjklLAU2Z90SDt3c4YsUGGAjbA3G3wTgYAC4wrXntiRsgCElvy4wNg7gFo3D3xERKIP6525MT5qS1KwEymZ8YUYyelpcrplupi9QHpQRyO6asoM5ZdWIwfcIUSbLLQ1FhUCBgzBgBuDbM+8xOlmKzRZF1DYADjsbHOFItEtFSDCA1O0QQYUgQEHSmCAck74fMUBiw5kQNEVOsmmPg1nVO6qlMSkHakBwO2naqKQi5OxOc1FXZcrbaQM0jvRiMXM1zR8BNply2WXCkLcgKSEukHaklaWbeaO8X+gdLC0WdM5CSlKnYLVdZiygCMQCCx5cYd02lcWNaMnYtpQDDkIOGiEiYWIKQLrAkmmAwLOSx3YweQp6Gh7wQcCDnwhbMdNBwAYZcjqmBoBTEksA+Affhln4ipYgYA0Lu78BujYWbEr2OzMO1P8Qh12OzZVBzTx9oR2cW2OTgINsgXzGMxhEwKZPo7JIcDqqc1oKMKuWZ4aqe2Jlg7QV1G8GkbCzY4hQqsdeI5tA2GXw+M7tkPE6qg1U8aYA1URx2PGws2OIcQr0QzpFGF+V9/8t8FTPwo7jqsQUk7QFZpyLbC0BTi9wkvFXPyEEJiKibUkXVC8HuqdnYYAb4kzKDaa7IzTCmjhUIGqBia7tcLY3VuQ5bBt0Mm2gAPRvlKISk8AcT3QMLNjjqFUh4GpEARpBBLBcv77ctkUus2sabOuVLKevM9Vx1U4gqOwkm6kczhtKpSbsLKtGKuX12jg4w1CaB9wiv0TazMReIAIUUFqBXVvim0h/HjFihNByELKOHIeEsSuNKS0RxhEowJIbjj4mE2H3BpDVhhYnhB1NtiKsV/Xln9YASj0kgGYohtm7cOMKGW650inTt3keUKJOxRFhodglB2MM58Is0IGMVug0kS0Oa3fzz79kW7RRE2PRBRSOIDw5oZCiIoWxYtGN9JCgJBUsK6MyyAQCesfVBIwc3caUjbMwgE6Qk9UgEKcKBwUCC4IwLxWnLC7kqtPHGx5BNtCDopN5KwAFS3YsZt8zEhxQesjFsI03TJXoizlIYBEwF/lJCgs/ec9sbZOjpVzoxLQJZcGWABLINS6B1T3RQa3y0osoSlISkdIAkAJADKoAKAR0QqY5L9/s5qlHBCTvt9EHV21LmaKClqKjfAc49UpCXO2gA7Imam6TN9UolwwmSq/wCWtgtI3hKylQ3CYw3RWaqK/uhP1n9Se7O+KHVq0LlyJc8hxJmzUn50sUmoO/qLoPmJh8OJSXqyWJxnGXornpunlNJm/TRx2I7orfRzaVqsxvEm7MmpD7AJimA5RL0xMvWaYXfroqMDRBBHMEGu+K/0Yj9mV9dO/mK2xJ5Uuf8ARdO9fl/Zr5qqD6Sf4hHJ3rDt8IU2g7U/xCFNxHb4RFM6GZHVeYelnp2AWYgNtK5oJ7kjuik1hsVqnWhabLMlyynpVrMwUKUlIDdU163CLnVNPxs/lZf450FsIHwyeCQHROAJIAcrltUx1O6lJrrQ4Uk4wT61M3ZNV9KJWhUybIKEqSVgXXKQXUB1cWBjQa42ycoiVITfWQm6klgVKIAKz8lI6x4A8I0/Sg0FwkvS+DmkYzWOYqRPlziWlquovbETEEhBV81aWAODoI2wkG5S8WuxSpGMYeHS+ZVjUvSRF74ai9XqhCQl3ZgSnDmI0Wh5dos9imicoGc05RKaJTdlm4z4qNy9Qe1so9zo3SCZiSpND/mI2pPyk8OHm952n62eZV/i5v8AKmQrlK+GRSMIWxRKjVRXVmc5G/5SouNZJ5TZ5qkllJlzSk7QRKmMRuim1RPVmc5PD2lRa60j9kn/AFU7+VM74M/ycwUvxcig1VnpRInLmeomTLUr6KUzCfcIr54tNuBVKmIk9QLKlJv3EkOEy0UBPElu+k7VqzibZrRLOC5EtG71kzE49sZ3VLSy7NNNnmpaZKdBSfbQN3EBuwA74tZ3lbU57+GGLT/oVepWkUKSU2wLSSLxUkUHtHo2LtuBBMTdd0y+ksEgBa1pUbpu3lqCUpYBvlKHAC4TQB43VjtCVJBSXSfVP9J4wSbZ0qIUU9ZIICsFAFnAUKsWDjAtEO9knnsdPcxlG0dyu0XY+iloQWdIKltUX19YgHaA5HK7E9LFI5CHKQwpnmYZLDgPuEQk7nRFWyGLpA5QoHiTdgKE9UYbYXYbcHNZvCIlrznPGkTFIpEa1opnzz7hChMXpSZ8avrEV3p3DeHhRItthBWojB+P/tCiLLo0OjU9RH5b9+e9hFsEue6KuwUCSBscP7vH37zFoDWLIix8sVdoIITwnrDCjiYHMFRzHnD1J4w1Qwcbd3AwyAx8ZfXf/DDnN4bFRp2jL68f4cDjN47DFaHnRDtP431uim1X/wCjp+sP8QgepFmEzR08N1kWiYsDgyQfcD3CDaqj+5kfWH+Id8S/RaGs85VKT5j/AETj2YH7MXeUW/U5kk5Wf/k7ou2vo9ck1VZ1pl12y3CpJ+4QnmgxN9GCv2Zf107+YqKfS9lVZ7UpKR1JqbiuST0slXY0xP24ufRcP2VX1s7b/qK2ecCqvBdbu4aLbq2eqVv5NZNVTtTs+cIUxVR2+EK1FgNvWTTkQS3YCeyOTVChG47OEcqR2MyWqKvjJ/KzbW9udFXpawz51pmJkTJcspM1ajMQVuEqSAAEkMetFjqcfjJ/KzbvlzoPo7/GWn6ufx9uXsjsbalJrrQ4Uk4wT6yZB0Hq5bZVolzJ02UtCSolKJd1R6pAYlTCpB7I1ls0eibKMuYkKCgQoGoL1UOIflgCGIDWChEfpA916+58SHwdtkcspyk7nbGnCKsjzky52j56UFSjLJaTMNTv6Cadpb1Ve0BsIjVWu0ibZJi0inRzrwxuKEpbgcC/vG+kzWSwJnSFoV7SVAH5JSkrQocUqSCN1d5ii0C6rNbE75RIHFSJgPgO6LYsUL7o5sOCphWjD6oK6s3nJ8Vb4ttaj+yT/qp38qZFNqYoFE0/Uq7HUXi81nR+yzvqp2z/AEpndAqfk5jUvw8ih1HV1JmP7uR/XBdeNUk2tPSSupaEVSsUvNgCR47PdA9R26Oa+yXIxr8uNjLWFYP2hjzaNVbjNtdaBoRUqaT6zZ5dqjrItKlSpyWmJpOlkesML6Rv/LYRHpFnmAihJBAKTvScK7T+W+MD6QLClFvss1AAVMC0rbFTJNT2eXCNZq4p5El900Y7EzCBTsGTDVbSipC0Lxm4FpMhktVByEEWKGkMT6o5COU7NxKMRg7CjxJBgUs0bnAegdwZJbdES2ZznvaLBQpEK1nP4Z9+ChRibWshagysTgDHIn2qfdWoXTQ/JV5KbuhRFl7misYBCauLoY8qZ/WLAGKjRq+olt2cc9giyQqKrQhYK7w9BhJTDgkQwByA8cmbPpeRgiIbMGHPyMMgM7xjKa9uLOCyiAZjkAkB3Z7ooI1rRFWpI23Q5DmYUh3dV3rbDD05WdydWKlGzMJquCNDJ6qi0wkgBRIAVUkAPFj6JQ9mnUNZyyHo4OBYxsJSQa9YF6i8oYcjt98NNpCNwDmqlAORTFRc4N2Q7qYk4k401GSl6FHrXZiZQmMSZVFUJNzEGmLUr9LdEf0Xk/BCWLGbOIcNQzFkGtY06WUSS4IIFFHcFDA/Ohi56UPUAAgFSlMH3XlOSWgObccAVTUZ4zmkFrZfR+vc+Lwxd1Y0+TnDEW7XxCApCzJlzGKVOtlh6FpRqFHvjeBYUCCMDWvcQRzxEAnqALklg1SoAB/nGr02HbGhNLJoFSnizTsZnUazzLi5sxBR0syWpCVBliUjqyypJ9UqUVqY4BuyutWnRZ7ZOVR3mIKVJUQylBWz6I743SGIIbcqhNdxvDHCOzAwxXWgAWrb9qnlDKrm753A6F0rO1jGWfXG+tCBLkm8pKWCFv1lAecS9Z9Yl2WcykpTJuhitPxRIqrriiVA7CdgMaLpwzuSAQC0xSmJISzA8cIEqcgUdKTtHSAHjeD1PN42PO9gd34bYufSMYddun+LkdEpagzSHmzGViBdJIHGg4xqNA2JUqTcI66jfmhwQKACU+Hqs/NR2gxKFpRh0iC+AExIdsPVbGJklWIAAYt3gK84E5u1krBp0le97s80k6QmaNXdW6UJdKJqkkypkseqFqFEzAAAUqILg7CYm2jXiVPlqlIMlRWhSOoszFAKBSbqUksWJ2RuFTElTUBOHWuqIbcC5HOCSkuPWVyBA3A1AB2H3w3fbtZiqhtGWRmNXZc6TZ7RMTKIJlpElM0XStSAu6FJUxAJIFW27KxR2b0glDJtKkJmDFNoT0a0naz3aY98eiJWkHY+BxJ5P5Q4SkmoJGBDYcKGggd7m21qM6GSUXaxgwmbb5iJktCWSkpStiJSApitQJPXUWHqknqgdUEmNvo+zJQhKUuUISEpJxO9RO16e/fDTNSSxIUTRlLDkYvc292EOOkEjFUsHb8YnthZylLKwacIwzuSVLx5QyWrqjkIjKt6D7cv/cTB0Gjbqb9gO6JNNIupJvIaYDL9XIiSzwGUkXc7zC7Dbi6SATlgnPLPdvMGVEaZnOe54ASh0g3SK6r4VYHYIUNtskGYouak/J8znZCiD1HRZWIMhLYNnHPZE5JwMVstbJApRIyM+UGQslvMxVClkiZDxNiJeaOCfBBYnCZCmzDTn+MREzxHJk4UqMfxhkwNE9K4y2uk0CXLdmeYS+DUd+EXwmmMlr+p7OB82d4Rfsz/AFF1szm7Wv0ny+Ud9HGkCnpbIo1lF5bnGWpylt7VB7Ima8q+IThjO84wOi7eqT8EtiqdUJmn5SFG5ePJYfnG214mPIQd/S7Xjow2rJrR/TOZzv2dp6r7Raej9Z/s+z/Vp2/NTELXW3hKJaSWvKCi52rUESx/yaCajH+7pG8y0DDeEh+P5RQ6wgWrSEiRikzheHzLODMV2XwkdsSpZTcnsWrZwjBb5Gg1CthNnEsmslS5XIIN6V/9a0d0S9aFfs8w/PR5RntU5vRWudKPtJCwPnSldFNP3JiPuxe60fuJn00eUHDavzBixdnv6DNTba8m6cZa1I+yv4yX2AkoHKLTS9ruIWqnUSW+krqpzxjF6mTDLXLST++kIbitKRMR7uleLfWq0EoRLS96asEON7IluNzkHsjOC73015a/ZlUfc+unPT6YtUT1Jv0pO35xiIqwdPap6SsoCb6qAEllJDV5xJ1VAAnJDsFygOQWQI5YJg+GWgEiqZgq1XUmlYeTac2utCcYpxpp9ZMejVMOCZk0gFyLssOAcH4xqEqNX2nDdQDyftiOLWDQVPAp/GCS5rh+fuLHDlHLOcn5jtpwhHymG0ioybeVF/8AJmnsHRLA/wBk/ejddIQFitCWqNtfEtGL13ltNkr2HpJZ4khM1P8ADN74vJmlQmyCeo4Sb5o9ZQKlOeYaLTWKEXyOem8FSceZn9HaxTlT3K1dF06kJTRujSsyweNAVOa1jarnXZa39m9soHqKciI8dss1SFyZRf8AcKc71Ay37fWPbG/1s0q2j5swFjMkhq1vLTcoOBKc4vWgrq3XVxOz1HaV/wB+vYyOrQM1EyZtXLtU8/aSsJL8CtHdBdSbB08qWkrKAmSVkpAJoUhq/SMWOrcgIs9p3Is/RDtSoEf8Ud8RvRvOASh1BL2dQBJaro2xSUn4rbJEYwTwX3bfyX51ST7UyeobQBLD8HbsjUpJqd5w7APKI4tiTQNswUn8YMiY4fCpHcSPKOGcpS8x6NOEI+VHb8BSun5w6YoQKUaCJ7FTpUTEe0TDn889gg6zEecscM1/PLQoShtq1X1M7Pw8w8ch9pIvHrN7vKOxFrMc0yLOi6DcRgPZH4Q5NnTTqJHJIEHlB0x1KKCPUsuB5acuIL4Kl2ajbXO7fDhZkfIT3CDN1uw+IgoTGsuAyvxI3wNHyR4eEDXY0hmDV3kbDxieBDJgw5+RgWXAbPiAFmT8lPdGL9I6QJKG2if5RvmjB+kz91K4if8A0xSiljXWxHtF+7fL5Rn7LowTdDWVbYJmS102KmLunsJH3oarSRnaOkXv3skzZM2pNZYSEmu9N098an0d2UTNFSUK9WYlaDXA3lFJbYf/AM9mAtVkXJnT0qoCk3hsvodKj2gp5xWlZ29P7I1rxv6/KZ6FqXMCNGSFnBEm+anYgMCDQu/uEUepUhU22T5zE9DLSgEAnrzVdLM7bstA+3xiTZJ3R6Fswes5EpI+ilN4+8f8oBqtq+ufITPTPTI6YlQSEElQCihC1KStLlQQCKUDCrQqUVDPf+iknJ1Mtl8/4G0+gWfSUqYaIMxLt8meDJX2Bagr7MX+tf8AhVlq35YOGNHw4xldatW1y5N5U/pRMeXeCSkpJBILlato4YRf6UtfTaMTP/73RLIZrqiAJiTxvhUNZYovl7CZqE4v9/cp56TLsthtKR+7AB3no1FQT2pC09sW9nAtWkSoVlyQS4wLdVPepSlD6EEsFm6XRSJYBKxLMxIAcm6tVBvJw+1ErUXR5kynWhSVzVUSRdKUS0sgEGoreIGPXG4wjksPrpyHUHjXDXnoQNUEXhPJ/wC5K37VndEJOik2i12hK1rQlBmLdF0migK30q2ExP1Hqif9ZJ4e2YdoX/HW36M3a3tp27IduzlbrQSKvGCfWTJFg1TlypiZgXaFFBcBXRMSxxuywWrvEaOUilQHqe8kt74kNCaOeUsWp1xgo5IyWv8AZnsxWBWWqWvkAsImH7k1fdGdtlqH9kql+0ZyZI5TFpWun0DMEb/TtgE6RMln/MQuX/uJUgN9op7o8ZNtUsSElwlR6c8CmWpDH/f/AOEWpLFG3qjmrPBK/FP7LbSFhIski07rUpJPzJieh/mpTBtPWwL0fZpVLyrVcV9BDz1D+X3RpdL6KUrRJlJHXFn6QD/U/focfWIZ+J4x50u0X50gg/F9HNmjmRKS/wB1Q7oaPj9xJru/a3sb7RdmbRs1W1fTLxaiU9H2h0inGMvqJotNpRLlrWtCRJK3RdehSPaSoN1jsj0M2QosBQRVNmrQessOvHiPfGJ9Fdbv/ir47ZezbAjK6k0NOCTjF9ZGnsmp0pC0TL9pUUKSoJPRAEguAWlg4jeI0sqSwqK1OJOJejxJCY60QlLFqdMYYdCN0Q3Q0WcbA3AYd0SrsK7C5DZ8SGqzp3A86+MCmSU/JHdnPGJ5TApqaZznfBsuAufEpZ1nTePVHcrypCiZMlOcfcfItCg4Y8CLcr6kvoqPy/D8v1ggFB3QNBoK7BnPg8GWcIDLJZHW63Z5iCgQP2uw+I2wUQBkcuxyYnDn5GCNHJuzn5GMNY6UxhfSFo+bNRJEqWtf78G4kliopuvudjU0pG8MRFFCXqpgS5dTA7au22DCTi7oWpTU1ZlFqDoyZJ0dKkzklExAN5Jum6XvJqksWocYoNfNCTVrE2TLWszUkLCAVMtPVq2ANA5b1TG6k22UKBQ8ca7Nu8mDKCGKnLHFiRuGzbQDe8NGbi7oWdOM42Z5TpjRFt+B2SzIs8wzZVlCWAdImKcEGY9wNdTiqPStX7AmRIlyk+rLQmWNtJaRLB7br9sFmT5YLFShwKiPcS8Gk2hBokjcNg4AbO7dAcm0lwDGCUm+JT612EzbPOQkOpkzEgAlRKCLwA2m6AKfKjJ2HR9oGi5kpUmaLtoJlpuKvKQsiYo3GvACYtYqNj4R6UuWCzvTcSMeUAnFCKlSqMT1iwG8klh5wY1GklzBKjGTbe6sVOqlgUizSULBQtMsOH6ybylmo7R3cItEyiLhV6z1xIHVWWBLMA+LCCSpqAHD15knbzIZq4NwhCalZGNCWIcBwN44GEbZRRSMlqTY5kuXOvoWh5kpr6SgllVYKApXGKm1m2SLXaFyZC1X1LBKpE2YkpJBoUMNmLmPQ50pADqvHdVRNKuBv4xU6waQXJs650pJUUXWvKN0kqCSSHcpSC5FHpXaKqo23lr1xISpRjFZvw9cDMyNN6RKk3rNQqD/ALNPTQ0PWK2FNpwjdyEsVAYBX9Ke+MidaZqrD8KQhPSoX0S09bogaG/dBci6oUfEitHi61W0p08lExrpUpSVpckBQdRKSasd2x+ECadrtW2DTcb2Tb3z4eyLa0JN0tjiNlRUV5x5Lb9XZotSpfRzChc1VxYQSno5ywoG8AwCUqY7rsexRGVKYgBRAL0Dc6OIWnUcb2Gq0lO1wUxDhdKPQN8li1K4gx5BYtXZqJyJCpUxhMMpKglRSZKpgCVhYDN0YScaMY9plywAw4nvLn3mGiRuKgMWo3vDxoVHG9jVKKna5X6UklcieEhysKSkY1DIA+8OzGPLdWLLbrIlBTZ5gWJfRqC7PMmJrdJHVI2pFXIxj2Qyhdu1bmXoXx5xwyBvVt9o7e2NGphDOliad9OuB54nWDSCcbJe4CzWhJLYB7xbujfSE1UB8re/spPZjDpMsFIJKq19YwWXLADDPbtMCUr7BhC29+v2GkQoe0chR7DFJiNOGfdnJiUqI08ZznseCBogTJDl29wPvf8AKFCnGpr7k+dYUURzO1yQhWFB+Of1oIkqDtn9YCPVHJ4kboRlo6HG6w5HxEFEM9rs8xBRAGRyGzNnPyMEBhk04c/IwBh0eb+lVXVs4LFLWhRSagkKls4wcOeTx6UI8y9LGFn+jaf4pe6LUPOutmc/a/xPl8opNB6ji2WKXaEdDfmJKuhMsA0JDCY+LDcMdmMH9HGmJkm2y7Ita1SZwUZYXUoWhJVddVQkpemwgcX1/ov/AOl2Pfspzf3OH7Iwuhk39MWW5UfCZ6w3yAiaX5VT3iGUnKEr7COChUjh3uAs+i02vSBkquAzOmWZikBZ6ikgBixL3sX2RI05qvN0epE2RNSm8SETZQuAqFbk2W5ChTAvgcGgupx/veX9C0cfalRsfSWsCzVxNoS3ZKU54xRyfeYdiSgu5xrXP5ZdanaZ+F2WVOIAKki8kF7qgVIWnfRaFgcAIzfpLto6GXLLETFlahiCEMhAL7CSDzES/RkhSNHoLF1KtCk02Knzbnfj2xVaRki16XTINZcpN08paConn0qkjsiVNJTb4F67coKPGyLLUmYJ9hRKXgETbIujsE0lueMpSKcYqPR5M+D2ifZSAk1WABdHSSTdmM21SD3S456OZ5ROtNmUWV1ZoDt1pZ6GcTwAMruh2uJ+C2+RbAGSopmK4XepPFNvRqPaYfDnKHt8/BPFlCpyfPL+GaL0gaQuWVYf960oYEEK68ym0FACftRWfBfgmg1C6xmJClgMkJE5SXJ2C6gh+I4xH1qki06QkWNNUJ9f7fxk12/00pA5xvpcq86gWegDUYUFNzuftRNtRjH3+iqTnKT5fZgrdZV2bQoBSQqatC5hwuBSwsXgcOqhCCN6o02p+jzJs0lCgQpjNWCMDMdkniAW+z33XweruXOLsQRsDZ7YJKlXXqSTiT5bhw83MTlNtW9blY0knf0sPgUzFPM+EFeBzPWTzOzhCIox8KOvCeMEaYUdhRjApHqjlD3hln9UcuXuh5gsVaHSYGow+GmMZjHgE85zmlaCDqiNPOffn9IIhFWuuGe2OxHnKqa57vzhQ1zlcsyxUMOWc7ObQU0aI0hThPIduc1NJS9nOAdK0Og9bsPlBBAva7D4jbBRAGR0wyb7PPyMPaGTPZ5+RjBCR5l6V/8A4w+baeHtSt8emx5d6WjWzfQtPH2pcV7P511sc/avxPrdGf1Y0npBEmXZ7OTMlhJSgy5CiqtCRMvFI3XmpvFY3epGqvwSYmbOYz1JuBILpkoPWIcBitRQkHZ1WDsSTejFJOibL1lACUzBhxxId67DtjVhAFxtqq1x6pqd+GWgSndWSsh40rSxN3Z4Km1TZVqE2QpImJE1ICkFbhRSSQEqBpdFRvi0s2kJ2kLRIs9otCUld8pITcSwF6ZdFXmECl5RwfeCTUhR/tZBTj0VobbiqUK98M9JejjItPTSAxU1pk7hMSXWluJFR/qNHS342ks7ZPkcUYvu4uT8N81z+z1eVLlyJaQAEypaQw3S5KXT72PbGL9HV5S7Va1NeJCRzWTNne4IMWGsunQvRnSpcC0IlIQ5ekwdIri/R0L7R34iw+j60z0JnoSAJqQofHrQSCBdN1JYUAiMYrA7vV/BepJ96rJuyenrl9l7pI/BdNIJoiasA0xTaR0Z7OlIP2Y0evOj+msa6C9KPSijUqmcP4j3dvm2m9UbRYpd5YCb5ZKhMVMIWASn1sMH7I9VTpAT7EqcKCbZVzWcU6SWkkEYghQUOyGlk4yT6QsfFGcGrf6Zr0aWZazOtSzeWAmShR2qITePYBLHfHpEtAAAGApGK9GH+EH/AJC9n+mO6NuIjW87XXA6ezr9NPn75ihQjHIkXOwJeKeZ8DBHhiz1k8z4QQMfCjsKAYTQhCjkYIKR6qeWcYcTDZB6o5c/fD4YTYYTCeHEQ1owBijEeea57+zLlokqEAniuc5pXAikJcxjt9/kIUR7QrrH8CfAtHYNzlk8yZZD1U02DPlkxMXsiHZ0kJQ52DOfdWJqRAOiGiGoPWHLzEGEC9ocj4jZBRAY6HCGTBhz8jDxDJhw5+RjDBI8t9LdVWUVcptAAxJJVKAAAxO4CPUoEmURQKbFqCjl4anPC7iVYY44Sg1A0fMkaNkyZqbsxEsBaXBukpBYtR64RoCPU5j+Ex0oZJ5HH8o4pDhNWIqKPsI84Qc8f9HtlUvSPSJDolS5iVqeiVLXKCEn5xuqpwMaT0ryAJEqYfYnKQ5bCYm/3OkCN70W80d2AA5P21jipNThUgkEAilH7m7or3vjxke4Xd931xPE7Quaqx6OsTNMurKE7xMmrRZlNu6NL8lR7NZLEhKQkJBSgCWhwCyUgBh7x2QUySfarvuhxyyYLLQwYZep7YWU7pLgPCnaTb3t/Bl9frCF2OeAALgTOFPkUmH7njFNqNMKtEzyf8oWqWhTgulSRNpwClFP2Y9Amyn2tiN4ILOCOyA9EQoAEAMqgSGxTs5P3wVPw29bglS8Tl6WMf6LSPgaTQvPW1fmNT3xuBA0SG24OwAAFeAzWCws5YpNj04YIqPAUJoUcBhRxNDF4p5nwgkDmDrJ5nwjAYQxxo7CjBE8chQgYxgUj1Ryhxhsj1Ry5Q8wRdjjxwmORx4wongNoznPiYM8RrQrOc9jwQXKa0odR/8AV/fCiNb0q6RXWUOTNgN4hRJydzhkszQSqhJ4YxJBiHKSyEgYNnOESErOe/P40ip2Q0HK9bsPlBgYjElxhhy2juh/RnfnsgDhxDZmzn+MMSl/azs84ZNGFdvln9KRg3JUdERm45znZD+j45z+MAa4Sb6p5GEjAQCYihrsznzjiQcM5/TFzGMShCiMx455Z2YOY6QeOc5GOCSI6IjMeOc+eDCHpSrlnPid0AIbugZ9YYeqfFO2GMeOc5MMTL6wrsPDaO7y7zBQGS45Aej4/pn8IcJQ55z4QAjlpjgRl470YhgB4ZznCMYfcOSc4wOYjrJ5nbwh3W4Z8IYsl08z4QUBhRLO8Ry4RtENIVvGc+XGOFKt8Aw8pO8Ry6XznPZDa8BCCjwGc+PCCYbZwboqMM1ztgjHhAZCjdFRhv8AwghUdrZwjCoaQeEMIO8d35w43s5zhxgSph3jxxy/4AQRWEER54znO+kPM3lnPnQYgUXwzn8zsEFCMrLSnrHrgcCR51hRy1WR1qxx+UR7mhQji7nG5ZlpYcE/RiUr1Ox4UKKM6qflG+0n6PmIIrAx2FAY6AHz/qbwDQInrDmPFX4DujkKMgyJkk9VPIQ8bYUKAE5NFDyh6cBChRjHTChQowwhHRChRmYRgZPXH0T4phQoyMOhwhQoxhCGpwjkKMYdDJmI7YUKMBnRAFnrd3vJfwEKFBAClnD7P9R8RBJhw7fcCR74UKMAFLoU8v6R+J74kH1TChRgIbP9U8x4iAIFe3+pvCFCgoDEMB2e+pjm08o5ChkTkV1uPXV2eAjkKFHPLVnHLVn/2Q=="/>
+          <p:cNvSpPr>
+            <a:spLocks noChangeAspect="1" noChangeArrowheads="1"/>
+          </p:cNvSpPr>
+          <p:nvPr/>
+        </p:nvSpPr>
+        <p:spPr bwMode="auto">
+          <a:xfrm>
+            <a:off x="307975" y="7937"/>
+            <a:ext cx="304800" cy="304801"/>
+          </a:xfrm>
+          <a:prstGeom prst="rect">
+            <a:avLst/>
+          </a:prstGeom>
+          <a:noFill/>
+          <a:extLst>
+            <a:ext uri="{909E8E84-426E-40DD-AFC4-6F175D3DCCD1}">
+              <a14:hiddenFill xmlns:a14="http://schemas.microsoft.com/office/drawing/2010/main">
+                <a:solidFill>
+                  <a:srgbClr val="FFFFFF"/>
+                </a:solidFill>
+              </a14:hiddenFill>
+            </a:ext>
+          </a:extLst>
+        </p:spPr>
+        <p:txBody>
+          <a:bodyPr vert="horz" wrap="square" lIns="91440" tIns="45720" rIns="91440" bIns="45720" numCol="1" anchor="t" anchorCtr="0" compatLnSpc="1">
+            <a:prstTxWarp prst="textNoShape">
+              <a:avLst/>
+            </a:prstTxWarp>
+          </a:bodyPr>
+          <a:lstStyle/>
+          <a:p>
+            <a:endParaRPr lang="en-US"/>
+          </a:p>
+        </p:txBody>
+      </p:sp>
+      <p:pic>
+        <p:nvPicPr>
+          <p:cNvPr id="1030" name="Picture 6" descr="http://b.vimeocdn.com/ts/262/907/262907414_640.jpg"/>
+          <p:cNvPicPr>
+            <a:picLocks noChangeAspect="1" noChangeArrowheads="1"/>
+          </p:cNvPicPr>
+          <p:nvPr/>
+        </p:nvPicPr>
+        <p:blipFill>
+          <a:blip r:embed="rId2">
+            <a:extLst>
+              <a:ext uri="{28A0092B-C50C-407E-A947-70E740481C1C}">
+                <a14:useLocalDpi xmlns:a14="http://schemas.microsoft.com/office/drawing/2010/main" val="0"/>
+              </a:ext>
+            </a:extLst>
+          </a:blip>
+          <a:srcRect/>
+          <a:stretch>
+            <a:fillRect/>
+          </a:stretch>
+        </p:blipFill>
+        <p:spPr bwMode="auto">
+          <a:xfrm>
+            <a:off x="1600200" y="990600"/>
+            <a:ext cx="6096000" cy="4572000"/>
+          </a:xfrm>
+          <a:prstGeom prst="rect">
+            <a:avLst/>
+          </a:prstGeom>
+          <a:noFill/>
+          <a:extLst>
+            <a:ext uri="{909E8E84-426E-40DD-AFC4-6F175D3DCCD1}">
+              <a14:hiddenFill xmlns:a14="http://schemas.microsoft.com/office/drawing/2010/main">
+                <a:solidFill>
+                  <a:srgbClr val="FFFFFF"/>
+                </a:solidFill>
+              </a14:hiddenFill>
+            </a:ext>
+          </a:extLst>
+        </p:spPr>
+      </p:pic>
     </p:spTree>
     <p:extLst>
       <p:ext uri="{BB962C8B-B14F-4D97-AF65-F5344CB8AC3E}">
@@ -7383,12 +8530,8 @@
           <a:lstStyle/>
           <a:p>
             <a:r>
-              <a:rPr lang="en-US" dirty="0" err="1" smtClean="0"/>
-              <a:t>Eph</a:t>
-            </a:r>
-            <a:r>
-              <a:rPr lang="en-US" dirty="0" smtClean="0"/>
-              <a:t> 1:7-10</a:t>
+              <a:rPr lang="en-US" dirty="0" smtClean="0"/>
+              <a:t>Matt 19:28</a:t>
             </a:r>
             <a:endParaRPr lang="en-US" dirty="0"/>
           </a:p>
@@ -7406,9 +8549,7 @@
         </p:nvSpPr>
         <p:spPr/>
         <p:txBody>
-          <a:bodyPr>
-            <a:normAutofit/>
-          </a:bodyPr>
+          <a:bodyPr/>
           <a:lstStyle/>
           <a:p>
             <a:pPr marL="0" indent="0">
@@ -7416,7 +8557,7 @@
             </a:pPr>
             <a:r>
               <a:rPr lang="en-US" dirty="0" smtClean="0"/>
-              <a:t>In whom we have redemption through his blood, the forgiveness of sins, according to the riches of his grace; Wherein he hath abounded toward us in all wisdom and prudence; Having made known unto us the mystery of his will, according to his good pleasure which he hath purposed in himself:</a:t>
+              <a:t>And Jesus said unto them, Verily I say unto you, That ye which have followed me, in the regeneration when the Son of man shall sit in the throne of his glory, ye also shall sit upon twelve thrones, judging the twelve tribes of Israel.</a:t>
             </a:r>
             <a:endParaRPr lang="en-US" dirty="0"/>
           </a:p>
@@ -7425,7 +8566,7 @@
     </p:spTree>
     <p:extLst>
       <p:ext uri="{BB962C8B-B14F-4D97-AF65-F5344CB8AC3E}">
-        <p14:creationId xmlns:p14="http://schemas.microsoft.com/office/powerpoint/2010/main" val="491562740"/>
+        <p14:creationId xmlns:p14="http://schemas.microsoft.com/office/powerpoint/2010/main" val="1333164880"/>
       </p:ext>
     </p:extLst>
   </p:cSld>
@@ -7454,63 +8595,43 @@
       </p:grpSpPr>
       <p:sp>
         <p:nvSpPr>
-          <p:cNvPr id="2" name="Title 1"/>
-          <p:cNvSpPr>
-            <a:spLocks noGrp="1"/>
-          </p:cNvSpPr>
-          <p:nvPr>
-            <p:ph type="title"/>
-          </p:nvPr>
-        </p:nvSpPr>
-        <p:spPr/>
-        <p:txBody>
-          <a:bodyPr/>
-          <a:lstStyle/>
-          <a:p>
-            <a:r>
-              <a:rPr lang="en-US" dirty="0" err="1" smtClean="0"/>
-              <a:t>Eph</a:t>
-            </a:r>
-            <a:r>
-              <a:rPr lang="en-US" dirty="0" smtClean="0"/>
-              <a:t> 1:7-10</a:t>
-            </a:r>
-            <a:endParaRPr lang="en-US" dirty="0"/>
-          </a:p>
-        </p:txBody>
-      </p:sp>
-      <p:sp>
-        <p:nvSpPr>
-          <p:cNvPr id="3" name="Content Placeholder 2"/>
-          <p:cNvSpPr>
-            <a:spLocks noGrp="1"/>
-          </p:cNvSpPr>
-          <p:nvPr>
-            <p:ph idx="1"/>
-          </p:nvPr>
-        </p:nvSpPr>
-        <p:spPr/>
-        <p:txBody>
-          <a:bodyPr>
-            <a:normAutofit/>
+          <p:cNvPr id="2" name="TextBox 1"/>
+          <p:cNvSpPr txBox="1"/>
+          <p:nvPr/>
+        </p:nvSpPr>
+        <p:spPr>
+          <a:xfrm>
+            <a:off x="990600" y="1905000"/>
+            <a:ext cx="6858000" cy="830997"/>
+          </a:xfrm>
+          <a:prstGeom prst="rect">
+            <a:avLst/>
+          </a:prstGeom>
+          <a:noFill/>
+        </p:spPr>
+        <p:txBody>
+          <a:bodyPr wrap="square" rtlCol="0">
+            <a:spAutoFit/>
           </a:bodyPr>
           <a:lstStyle/>
           <a:p>
-            <a:pPr marL="0" indent="0">
-              <a:buNone/>
-            </a:pPr>
-            <a:r>
-              <a:rPr lang="en-US" dirty="0" smtClean="0"/>
-              <a:t>That in the dispensation of the fullness of times he might gather together in one all things in Christ, both which are in heaven, and which are on earth; [even] in him:</a:t>
-            </a:r>
-            <a:endParaRPr lang="en-US" dirty="0"/>
+            <a:pPr algn="ctr"/>
+            <a:r>
+              <a:rPr lang="en-US" sz="4800" dirty="0" smtClean="0"/>
+              <a:t>Redemption =&gt; </a:t>
+            </a:r>
+            <a:r>
+              <a:rPr lang="en-US" sz="4800" dirty="0" smtClean="0"/>
+              <a:t>Purpose</a:t>
+            </a:r>
+            <a:endParaRPr lang="en-US" sz="4800" dirty="0"/>
           </a:p>
         </p:txBody>
       </p:sp>
     </p:spTree>
     <p:extLst>
       <p:ext uri="{BB962C8B-B14F-4D97-AF65-F5344CB8AC3E}">
-        <p14:creationId xmlns:p14="http://schemas.microsoft.com/office/powerpoint/2010/main" val="3425982037"/>
+        <p14:creationId xmlns:p14="http://schemas.microsoft.com/office/powerpoint/2010/main" val="3151329551"/>
       </p:ext>
     </p:extLst>
   </p:cSld>
@@ -7539,46 +8660,54 @@
       </p:grpSpPr>
       <p:sp>
         <p:nvSpPr>
-          <p:cNvPr id="2" name="TextBox 1"/>
-          <p:cNvSpPr txBox="1"/>
-          <p:nvPr/>
-        </p:nvSpPr>
-        <p:spPr>
-          <a:xfrm>
-            <a:off x="990600" y="1905000"/>
-            <a:ext cx="6858000" cy="1569660"/>
-          </a:xfrm>
-          <a:prstGeom prst="rect">
-            <a:avLst/>
-          </a:prstGeom>
-          <a:noFill/>
-        </p:spPr>
-        <p:txBody>
-          <a:bodyPr wrap="square" rtlCol="0">
-            <a:spAutoFit/>
-          </a:bodyPr>
-          <a:lstStyle/>
-          <a:p>
-            <a:pPr algn="ctr"/>
-            <a:r>
-              <a:rPr lang="en-US" sz="4800" dirty="0" smtClean="0"/>
-              <a:t>Redemption, Forgiveness</a:t>
-            </a:r>
-          </a:p>
-          <a:p>
-            <a:pPr algn="ctr"/>
-            <a:r>
-              <a:rPr lang="en-US" sz="4800" dirty="0" smtClean="0"/>
-              <a:t>Grace =&gt; Purpose</a:t>
-            </a:r>
-            <a:endParaRPr lang="en-US" sz="4800" dirty="0"/>
+          <p:cNvPr id="2" name="Title 1"/>
+          <p:cNvSpPr>
+            <a:spLocks noGrp="1"/>
+          </p:cNvSpPr>
+          <p:nvPr>
+            <p:ph type="title"/>
+          </p:nvPr>
+        </p:nvSpPr>
+        <p:spPr/>
+        <p:txBody>
+          <a:bodyPr/>
+          <a:lstStyle/>
+          <a:p>
+            <a:r>
+              <a:rPr lang="en-US" dirty="0" smtClean="0"/>
+              <a:t>Trust</a:t>
+            </a:r>
+            <a:endParaRPr lang="en-US" dirty="0"/>
+          </a:p>
+        </p:txBody>
+      </p:sp>
+      <p:sp>
+        <p:nvSpPr>
+          <p:cNvPr id="3" name="Text Placeholder 2"/>
+          <p:cNvSpPr>
+            <a:spLocks noGrp="1"/>
+          </p:cNvSpPr>
+          <p:nvPr>
+            <p:ph type="body" idx="1"/>
+          </p:nvPr>
+        </p:nvSpPr>
+        <p:spPr/>
+        <p:txBody>
+          <a:bodyPr/>
+          <a:lstStyle/>
+          <a:p>
+            <a:r>
+              <a:rPr lang="en-US" dirty="0" smtClean="0"/>
+              <a:t>Illustrations from the book of Acts</a:t>
+            </a:r>
+            <a:endParaRPr lang="en-US" dirty="0"/>
           </a:p>
         </p:txBody>
       </p:sp>
     </p:spTree>
     <p:extLst>
       <p:ext uri="{BB962C8B-B14F-4D97-AF65-F5344CB8AC3E}">
-        <p14:creationId xmlns:p14="http://schemas.microsoft.com/office/powerpoint/2010/main" val="3151329551"/>
+        <p14:creationId xmlns:p14="http://schemas.microsoft.com/office/powerpoint/2010/main" val="2799112763"/>
       </p:ext>
     </p:extLst>
   </p:cSld>
@@ -7622,7 +8751,7 @@
           <a:p>
             <a:r>
               <a:rPr lang="en-US" dirty="0" smtClean="0"/>
-              <a:t>Trust</a:t>
+              <a:t>Acts 19:13-14</a:t>
             </a:r>
             <a:endParaRPr lang="en-US" dirty="0"/>
           </a:p>
@@ -7630,22 +8759,41 @@
       </p:sp>
       <p:sp>
         <p:nvSpPr>
-          <p:cNvPr id="3" name="Text Placeholder 2"/>
-          <p:cNvSpPr>
-            <a:spLocks noGrp="1"/>
-          </p:cNvSpPr>
-          <p:nvPr>
-            <p:ph type="body" idx="1"/>
-          </p:nvPr>
-        </p:nvSpPr>
-        <p:spPr/>
-        <p:txBody>
-          <a:bodyPr/>
-          <a:lstStyle/>
-          <a:p>
-            <a:r>
-              <a:rPr lang="en-US" dirty="0" smtClean="0"/>
-              <a:t>Illustrations from the book of Acts</a:t>
+          <p:cNvPr id="3" name="Content Placeholder 2"/>
+          <p:cNvSpPr>
+            <a:spLocks noGrp="1"/>
+          </p:cNvSpPr>
+          <p:nvPr>
+            <p:ph idx="1"/>
+          </p:nvPr>
+        </p:nvSpPr>
+        <p:spPr/>
+        <p:txBody>
+          <a:bodyPr/>
+          <a:lstStyle/>
+          <a:p>
+            <a:pPr marL="0" indent="0">
+              <a:buNone/>
+            </a:pPr>
+            <a:r>
+              <a:rPr lang="en-US" dirty="0" smtClean="0"/>
+              <a:t>Then certain of the vagabond Jews, exorcists, took upon them to call over them which had evil spirits the name of the Lord Jesus, saying, We adjure you by Jesus whom Paul </a:t>
+            </a:r>
+            <a:r>
+              <a:rPr lang="en-US" dirty="0" err="1" smtClean="0"/>
+              <a:t>preacheth</a:t>
+            </a:r>
+            <a:r>
+              <a:rPr lang="en-US" dirty="0" smtClean="0"/>
+              <a:t>. And there were seven sons of [one] </a:t>
+            </a:r>
+            <a:r>
+              <a:rPr lang="en-US" dirty="0" err="1" smtClean="0"/>
+              <a:t>Sceva</a:t>
+            </a:r>
+            <a:r>
+              <a:rPr lang="en-US" dirty="0" smtClean="0"/>
+              <a:t>, a Jew, [and] chief of the priests, which did so.</a:t>
             </a:r>
             <a:endParaRPr lang="en-US" dirty="0"/>
           </a:p>
@@ -7654,7 +8802,7 @@
     </p:spTree>
     <p:extLst>
       <p:ext uri="{BB962C8B-B14F-4D97-AF65-F5344CB8AC3E}">
-        <p14:creationId xmlns:p14="http://schemas.microsoft.com/office/powerpoint/2010/main" val="2799112763"/>
+        <p14:creationId xmlns:p14="http://schemas.microsoft.com/office/powerpoint/2010/main" val="3970663117"/>
       </p:ext>
     </p:extLst>
   </p:cSld>
@@ -7698,7 +8846,7 @@
           <a:p>
             <a:r>
               <a:rPr lang="en-US" dirty="0" smtClean="0"/>
-              <a:t>Acts 19:13-14</a:t>
+              <a:t>Acts 19:15-16</a:t>
             </a:r>
             <a:endParaRPr lang="en-US" dirty="0"/>
           </a:p>
@@ -7724,23 +8872,16 @@
             </a:pPr>
             <a:r>
               <a:rPr lang="en-US" dirty="0" smtClean="0"/>
-              <a:t>Then certain of the vagabond Jews, exorcists, took upon them to call over them which had evil spirits the name of the Lord Jesus, saying, We adjure you by Jesus whom Paul </a:t>
-            </a:r>
-            <a:r>
-              <a:rPr lang="en-US" dirty="0" err="1" smtClean="0"/>
-              <a:t>preacheth</a:t>
-            </a:r>
-            <a:r>
-              <a:rPr lang="en-US" dirty="0" smtClean="0"/>
-              <a:t>. And there were seven sons of [one] </a:t>
-            </a:r>
-            <a:r>
-              <a:rPr lang="en-US" dirty="0" err="1" smtClean="0"/>
-              <a:t>Sceva</a:t>
-            </a:r>
-            <a:r>
-              <a:rPr lang="en-US" dirty="0" smtClean="0"/>
-              <a:t>, a Jew, [and] chief of the priests, which did so.</a:t>
+              <a:t>And the evil spirit answered and said, Jesus I know, and Paul I know; but who are ye?</a:t>
+            </a:r>
+          </a:p>
+          <a:p>
+            <a:pPr marL="0" indent="0">
+              <a:buNone/>
+            </a:pPr>
+            <a:r>
+              <a:rPr lang="en-US" dirty="0" smtClean="0"/>
+              <a:t>And the man in whom the evil spirit was leaped on them, and overcame them, and prevailed against them, so that they fled out of that house naked and wounded.</a:t>
             </a:r>
             <a:endParaRPr lang="en-US" dirty="0"/>
           </a:p>
@@ -7749,7 +8890,7 @@
     </p:spTree>
     <p:extLst>
       <p:ext uri="{BB962C8B-B14F-4D97-AF65-F5344CB8AC3E}">
-        <p14:creationId xmlns:p14="http://schemas.microsoft.com/office/powerpoint/2010/main" val="3970663117"/>
+        <p14:creationId xmlns:p14="http://schemas.microsoft.com/office/powerpoint/2010/main" val="2316535511"/>
       </p:ext>
     </p:extLst>
   </p:cSld>
@@ -7793,7 +8934,7 @@
           <a:p>
             <a:r>
               <a:rPr lang="en-US" dirty="0" smtClean="0"/>
-              <a:t>Acts 19:15-16</a:t>
+              <a:t>Mark 16:17-18</a:t>
             </a:r>
             <a:endParaRPr lang="en-US" dirty="0"/>
           </a:p>
@@ -7819,16 +8960,7 @@
             </a:pPr>
             <a:r>
               <a:rPr lang="en-US" dirty="0" smtClean="0"/>
-              <a:t>And the evil spirit answered and said, Jesus I know, and Paul I know; but who are ye?</a:t>
-            </a:r>
-          </a:p>
-          <a:p>
-            <a:pPr marL="0" indent="0">
-              <a:buNone/>
-            </a:pPr>
-            <a:r>
-              <a:rPr lang="en-US" dirty="0" smtClean="0"/>
-              <a:t>And the man in whom the evil spirit was leaped on them, and overcame them, and prevailed against them, so that they fled out of that house naked and wounded.</a:t>
+              <a:t>And these signs shall follow them that believe; In my name shall they cast out devils; they shall speak with new tongues; They shall take up serpents; and if they drink any deadly thing, it shall not hurt them; they shall lay hands on the sick, and they shall recover.</a:t>
             </a:r>
             <a:endParaRPr lang="en-US" dirty="0"/>
           </a:p>
@@ -7837,7 +8969,7 @@
     </p:spTree>
     <p:extLst>
       <p:ext uri="{BB962C8B-B14F-4D97-AF65-F5344CB8AC3E}">
-        <p14:creationId xmlns:p14="http://schemas.microsoft.com/office/powerpoint/2010/main" val="2316535511"/>
+        <p14:creationId xmlns:p14="http://schemas.microsoft.com/office/powerpoint/2010/main" val="2596458952"/>
       </p:ext>
     </p:extLst>
   </p:cSld>
@@ -7881,7 +9013,7 @@
           <a:p>
             <a:r>
               <a:rPr lang="en-US" dirty="0" smtClean="0"/>
-              <a:t>Mark 16:17-18</a:t>
+              <a:t>Acts 3:6</a:t>
             </a:r>
             <a:endParaRPr lang="en-US" dirty="0"/>
           </a:p>
@@ -7907,7 +9039,7 @@
             </a:pPr>
             <a:r>
               <a:rPr lang="en-US" dirty="0" smtClean="0"/>
-              <a:t>And these signs shall follow them that believe; In my name shall they cast out devils; they shall speak with new tongues; They shall take up serpents; and if they drink any deadly thing, it shall not hurt them; they shall lay hands on the sick, and they shall recover.</a:t>
+              <a:t>Then Peter said, Silver and gold have I none; but such as I have give I thee: In the name of Jesus Christ of Nazareth rise up and walk.</a:t>
             </a:r>
             <a:endParaRPr lang="en-US" dirty="0"/>
           </a:p>
@@ -7916,7 +9048,7 @@
     </p:spTree>
     <p:extLst>
       <p:ext uri="{BB962C8B-B14F-4D97-AF65-F5344CB8AC3E}">
-        <p14:creationId xmlns:p14="http://schemas.microsoft.com/office/powerpoint/2010/main" val="2596458952"/>
+        <p14:creationId xmlns:p14="http://schemas.microsoft.com/office/powerpoint/2010/main" val="1629505051"/>
       </p:ext>
     </p:extLst>
   </p:cSld>
@@ -7960,7 +9092,7 @@
           <a:p>
             <a:r>
               <a:rPr lang="en-US" dirty="0" smtClean="0"/>
-              <a:t>Acts 3:6</a:t>
+              <a:t>Acts 3:16</a:t>
             </a:r>
             <a:endParaRPr lang="en-US" dirty="0"/>
           </a:p>
@@ -7986,7 +9118,7 @@
             </a:pPr>
             <a:r>
               <a:rPr lang="en-US" dirty="0" smtClean="0"/>
-              <a:t>Then Peter said, Silver and gold have I none; but such as I have give I thee: In the name of Jesus Christ of Nazareth rise up and walk.</a:t>
+              <a:t>And his name through faith in his name hath made this man strong, whom ye see and know: yea, the faith which is by him hath given him this perfect soundness in the presence of you all.</a:t>
             </a:r>
             <a:endParaRPr lang="en-US" dirty="0"/>
           </a:p>
@@ -7995,7 +9127,7 @@
     </p:spTree>
     <p:extLst>
       <p:ext uri="{BB962C8B-B14F-4D97-AF65-F5344CB8AC3E}">
-        <p14:creationId xmlns:p14="http://schemas.microsoft.com/office/powerpoint/2010/main" val="1629505051"/>
+        <p14:creationId xmlns:p14="http://schemas.microsoft.com/office/powerpoint/2010/main" val="1697589986"/>
       </p:ext>
     </p:extLst>
   </p:cSld>
@@ -8024,57 +9156,46 @@
       </p:grpSpPr>
       <p:sp>
         <p:nvSpPr>
-          <p:cNvPr id="2" name="Title 1"/>
-          <p:cNvSpPr>
-            <a:spLocks noGrp="1"/>
-          </p:cNvSpPr>
-          <p:nvPr>
-            <p:ph type="title"/>
-          </p:nvPr>
-        </p:nvSpPr>
-        <p:spPr/>
-        <p:txBody>
-          <a:bodyPr/>
-          <a:lstStyle/>
-          <a:p>
-            <a:r>
-              <a:rPr lang="en-US" dirty="0" smtClean="0"/>
-              <a:t>Acts 3:16</a:t>
-            </a:r>
-            <a:endParaRPr lang="en-US" dirty="0"/>
-          </a:p>
-        </p:txBody>
-      </p:sp>
-      <p:sp>
-        <p:nvSpPr>
-          <p:cNvPr id="3" name="Content Placeholder 2"/>
-          <p:cNvSpPr>
-            <a:spLocks noGrp="1"/>
-          </p:cNvSpPr>
-          <p:nvPr>
-            <p:ph idx="1"/>
-          </p:nvPr>
-        </p:nvSpPr>
-        <p:spPr/>
-        <p:txBody>
-          <a:bodyPr/>
-          <a:lstStyle/>
-          <a:p>
-            <a:pPr marL="0" indent="0">
-              <a:buNone/>
-            </a:pPr>
-            <a:r>
-              <a:rPr lang="en-US" dirty="0" smtClean="0"/>
-              <a:t>And his name through faith in his name hath made this man strong, whom ye see and know: yea, the faith which is by him hath given him this perfect soundness in the presence of you all.</a:t>
-            </a:r>
-            <a:endParaRPr lang="en-US" dirty="0"/>
+          <p:cNvPr id="2" name="TextBox 1"/>
+          <p:cNvSpPr txBox="1"/>
+          <p:nvPr/>
+        </p:nvSpPr>
+        <p:spPr>
+          <a:xfrm>
+            <a:off x="990600" y="1905000"/>
+            <a:ext cx="6858000" cy="1569660"/>
+          </a:xfrm>
+          <a:prstGeom prst="rect">
+            <a:avLst/>
+          </a:prstGeom>
+          <a:noFill/>
+        </p:spPr>
+        <p:txBody>
+          <a:bodyPr wrap="square" rtlCol="0">
+            <a:spAutoFit/>
+          </a:bodyPr>
+          <a:lstStyle/>
+          <a:p>
+            <a:pPr algn="ctr"/>
+            <a:r>
+              <a:rPr lang="en-US" sz="4800" dirty="0" smtClean="0"/>
+              <a:t>Trust in the</a:t>
+            </a:r>
+          </a:p>
+          <a:p>
+            <a:pPr algn="ctr"/>
+            <a:r>
+              <a:rPr lang="en-US" sz="4800" dirty="0" smtClean="0"/>
+              <a:t>Resurrected Christ</a:t>
+            </a:r>
+            <a:endParaRPr lang="en-US" sz="4800" dirty="0"/>
           </a:p>
         </p:txBody>
       </p:sp>
     </p:spTree>
     <p:extLst>
       <p:ext uri="{BB962C8B-B14F-4D97-AF65-F5344CB8AC3E}">
-        <p14:creationId xmlns:p14="http://schemas.microsoft.com/office/powerpoint/2010/main" val="1697589986"/>
+        <p14:creationId xmlns:p14="http://schemas.microsoft.com/office/powerpoint/2010/main" val="3699939512"/>
       </p:ext>
     </p:extLst>
   </p:cSld>
@@ -8103,46 +9224,54 @@
       </p:grpSpPr>
       <p:sp>
         <p:nvSpPr>
-          <p:cNvPr id="2" name="TextBox 1"/>
-          <p:cNvSpPr txBox="1"/>
-          <p:nvPr/>
-        </p:nvSpPr>
-        <p:spPr>
-          <a:xfrm>
-            <a:off x="990600" y="1905000"/>
-            <a:ext cx="6858000" cy="1569660"/>
-          </a:xfrm>
-          <a:prstGeom prst="rect">
-            <a:avLst/>
-          </a:prstGeom>
-          <a:noFill/>
-        </p:spPr>
-        <p:txBody>
-          <a:bodyPr wrap="square" rtlCol="0">
-            <a:spAutoFit/>
-          </a:bodyPr>
-          <a:lstStyle/>
-          <a:p>
-            <a:pPr algn="ctr"/>
-            <a:r>
-              <a:rPr lang="en-US" sz="4800" dirty="0" smtClean="0"/>
-              <a:t>Trust in the</a:t>
-            </a:r>
-          </a:p>
-          <a:p>
-            <a:pPr algn="ctr"/>
-            <a:r>
-              <a:rPr lang="en-US" sz="4800" dirty="0" smtClean="0"/>
-              <a:t>Resurrected Christ</a:t>
-            </a:r>
-            <a:endParaRPr lang="en-US" sz="4800" dirty="0"/>
+          <p:cNvPr id="2" name="Title 1"/>
+          <p:cNvSpPr>
+            <a:spLocks noGrp="1"/>
+          </p:cNvSpPr>
+          <p:nvPr>
+            <p:ph type="title"/>
+          </p:nvPr>
+        </p:nvSpPr>
+        <p:spPr/>
+        <p:txBody>
+          <a:bodyPr/>
+          <a:lstStyle/>
+          <a:p>
+            <a:r>
+              <a:rPr lang="en-US" dirty="0" smtClean="0"/>
+              <a:t>Faithfulness</a:t>
+            </a:r>
+            <a:endParaRPr lang="en-US" dirty="0"/>
+          </a:p>
+        </p:txBody>
+      </p:sp>
+      <p:sp>
+        <p:nvSpPr>
+          <p:cNvPr id="3" name="Text Placeholder 2"/>
+          <p:cNvSpPr>
+            <a:spLocks noGrp="1"/>
+          </p:cNvSpPr>
+          <p:nvPr>
+            <p:ph type="body" idx="1"/>
+          </p:nvPr>
+        </p:nvSpPr>
+        <p:spPr/>
+        <p:txBody>
+          <a:bodyPr/>
+          <a:lstStyle/>
+          <a:p>
+            <a:r>
+              <a:rPr lang="en-US" dirty="0" smtClean="0"/>
+              <a:t>And entering the Kingdom</a:t>
+            </a:r>
+            <a:endParaRPr lang="en-US" dirty="0"/>
           </a:p>
         </p:txBody>
       </p:sp>
     </p:spTree>
     <p:extLst>
       <p:ext uri="{BB962C8B-B14F-4D97-AF65-F5344CB8AC3E}">
-        <p14:creationId xmlns:p14="http://schemas.microsoft.com/office/powerpoint/2010/main" val="3699939512"/>
+        <p14:creationId xmlns:p14="http://schemas.microsoft.com/office/powerpoint/2010/main" val="440725052"/>
       </p:ext>
     </p:extLst>
   </p:cSld>
@@ -8169,52 +9298,51 @@
           <a:chExt cx="0" cy="0"/>
         </a:xfrm>
       </p:grpSpPr>
-      <p:sp>
-        <p:nvSpPr>
-          <p:cNvPr id="2" name="Title 1"/>
-          <p:cNvSpPr>
-            <a:spLocks noGrp="1"/>
-          </p:cNvSpPr>
-          <p:nvPr>
-            <p:ph type="title"/>
-          </p:nvPr>
-        </p:nvSpPr>
-        <p:spPr/>
-        <p:txBody>
-          <a:bodyPr/>
-          <a:lstStyle/>
-          <a:p>
-            <a:r>
-              <a:rPr lang="en-US" dirty="0" smtClean="0"/>
-              <a:t>Col 3:17</a:t>
-            </a:r>
-            <a:endParaRPr lang="en-US" dirty="0"/>
-          </a:p>
-        </p:txBody>
-      </p:sp>
-      <p:sp>
-        <p:nvSpPr>
-          <p:cNvPr id="3" name="Content Placeholder 2"/>
-          <p:cNvSpPr>
-            <a:spLocks noGrp="1"/>
-          </p:cNvSpPr>
-          <p:nvPr>
-            <p:ph idx="1"/>
-          </p:nvPr>
-        </p:nvSpPr>
-        <p:spPr/>
-        <p:txBody>
-          <a:bodyPr/>
-          <a:lstStyle/>
-          <a:p>
-            <a:endParaRPr lang="en-US"/>
-          </a:p>
-        </p:txBody>
-      </p:sp>
+      <p:pic>
+        <p:nvPicPr>
+          <p:cNvPr id="2050" name="Picture 2" descr="http://sd.keepcalm-o-matic.co.uk/i/be-healed-in-jesus-name.png"/>
+          <p:cNvPicPr>
+            <a:picLocks noChangeAspect="1" noChangeArrowheads="1"/>
+          </p:cNvPicPr>
+          <p:nvPr/>
+        </p:nvPicPr>
+        <p:blipFill>
+          <a:blip r:embed="rId2">
+            <a:extLst>
+              <a:ext uri="{28A0092B-C50C-407E-A947-70E740481C1C}">
+                <a14:useLocalDpi xmlns:a14="http://schemas.microsoft.com/office/drawing/2010/main" val="0"/>
+              </a:ext>
+            </a:extLst>
+          </a:blip>
+          <a:srcRect/>
+          <a:stretch>
+            <a:fillRect/>
+          </a:stretch>
+        </p:blipFill>
+        <p:spPr bwMode="auto">
+          <a:xfrm>
+            <a:off x="2438400" y="609600"/>
+            <a:ext cx="4572000" cy="5334000"/>
+          </a:xfrm>
+          <a:prstGeom prst="rect">
+            <a:avLst/>
+          </a:prstGeom>
+          <a:noFill/>
+          <a:extLst>
+            <a:ext uri="{909E8E84-426E-40DD-AFC4-6F175D3DCCD1}">
+              <a14:hiddenFill xmlns:a14="http://schemas.microsoft.com/office/drawing/2010/main">
+                <a:solidFill>
+                  <a:srgbClr val="FFFFFF"/>
+                </a:solidFill>
+              </a14:hiddenFill>
+            </a:ext>
+          </a:extLst>
+        </p:spPr>
+      </p:pic>
     </p:spTree>
     <p:extLst>
       <p:ext uri="{BB962C8B-B14F-4D97-AF65-F5344CB8AC3E}">
-        <p14:creationId xmlns:p14="http://schemas.microsoft.com/office/powerpoint/2010/main" val="4110059169"/>
+        <p14:creationId xmlns:p14="http://schemas.microsoft.com/office/powerpoint/2010/main" val="2865315357"/>
       </p:ext>
     </p:extLst>
   </p:cSld>
@@ -8258,7 +9386,7 @@
           <a:p>
             <a:r>
               <a:rPr lang="en-US" dirty="0" smtClean="0"/>
-              <a:t>Faithfulness</a:t>
+              <a:t>Matthew 7:21</a:t>
             </a:r>
             <a:endParaRPr lang="en-US" dirty="0"/>
           </a:p>
@@ -8266,22 +9394,33 @@
       </p:sp>
       <p:sp>
         <p:nvSpPr>
-          <p:cNvPr id="3" name="Text Placeholder 2"/>
-          <p:cNvSpPr>
-            <a:spLocks noGrp="1"/>
-          </p:cNvSpPr>
-          <p:nvPr>
-            <p:ph type="body" idx="1"/>
-          </p:nvPr>
-        </p:nvSpPr>
-        <p:spPr/>
-        <p:txBody>
-          <a:bodyPr/>
-          <a:lstStyle/>
-          <a:p>
-            <a:r>
-              <a:rPr lang="en-US" dirty="0" smtClean="0"/>
-              <a:t>And entering the Kingdom</a:t>
+          <p:cNvPr id="3" name="Content Placeholder 2"/>
+          <p:cNvSpPr>
+            <a:spLocks noGrp="1"/>
+          </p:cNvSpPr>
+          <p:nvPr>
+            <p:ph idx="1"/>
+          </p:nvPr>
+        </p:nvSpPr>
+        <p:spPr/>
+        <p:txBody>
+          <a:bodyPr/>
+          <a:lstStyle/>
+          <a:p>
+            <a:pPr marL="0" indent="0">
+              <a:buNone/>
+            </a:pPr>
+            <a:r>
+              <a:rPr lang="en-US" dirty="0" smtClean="0"/>
+              <a:t>Not every one that </a:t>
+            </a:r>
+            <a:r>
+              <a:rPr lang="en-US" dirty="0" err="1" smtClean="0"/>
+              <a:t>saith</a:t>
+            </a:r>
+            <a:r>
+              <a:rPr lang="en-US" dirty="0" smtClean="0"/>
+              <a:t> unto me, Lord, Lord, shall enter into the kingdom of heaven; but he that doeth the will of my Father which is in heaven.</a:t>
             </a:r>
             <a:endParaRPr lang="en-US" dirty="0"/>
           </a:p>
@@ -8290,7 +9429,7 @@
     </p:spTree>
     <p:extLst>
       <p:ext uri="{BB962C8B-B14F-4D97-AF65-F5344CB8AC3E}">
-        <p14:creationId xmlns:p14="http://schemas.microsoft.com/office/powerpoint/2010/main" val="440725052"/>
+        <p14:creationId xmlns:p14="http://schemas.microsoft.com/office/powerpoint/2010/main" val="982294350"/>
       </p:ext>
     </p:extLst>
   </p:cSld>
@@ -8334,7 +9473,7 @@
           <a:p>
             <a:r>
               <a:rPr lang="en-US" dirty="0" smtClean="0"/>
-              <a:t>Matthew 7:21</a:t>
+              <a:t>Matthew 7:22-23</a:t>
             </a:r>
             <a:endParaRPr lang="en-US" dirty="0"/>
           </a:p>
@@ -8360,15 +9499,7 @@
             </a:pPr>
             <a:r>
               <a:rPr lang="en-US" dirty="0" smtClean="0"/>
-              <a:t>Not every one that </a:t>
-            </a:r>
-            <a:r>
-              <a:rPr lang="en-US" dirty="0" err="1" smtClean="0"/>
-              <a:t>saith</a:t>
-            </a:r>
-            <a:r>
-              <a:rPr lang="en-US" dirty="0" smtClean="0"/>
-              <a:t> unto me, Lord, Lord, shall enter into the kingdom of heaven; but he that doeth the will of my Father which is in heaven.</a:t>
+              <a:t>Many will say to me in that day, Lord, Lord, have we not prophesied in thy name? and in thy name have cast out devils? and in thy name done many wonderful works? And then will I profess unto them, I never knew you: depart from me, ye that work iniquity.</a:t>
             </a:r>
             <a:endParaRPr lang="en-US" dirty="0"/>
           </a:p>
@@ -8377,7 +9508,7 @@
     </p:spTree>
     <p:extLst>
       <p:ext uri="{BB962C8B-B14F-4D97-AF65-F5344CB8AC3E}">
-        <p14:creationId xmlns:p14="http://schemas.microsoft.com/office/powerpoint/2010/main" val="982294350"/>
+        <p14:creationId xmlns:p14="http://schemas.microsoft.com/office/powerpoint/2010/main" val="3573244221"/>
       </p:ext>
     </p:extLst>
   </p:cSld>
@@ -8421,7 +9552,7 @@
           <a:p>
             <a:r>
               <a:rPr lang="en-US" dirty="0" smtClean="0"/>
-              <a:t>Matthew 7:22-23</a:t>
+              <a:t>Matthew 7:24-25</a:t>
             </a:r>
             <a:endParaRPr lang="en-US" dirty="0"/>
           </a:p>
@@ -8447,7 +9578,24 @@
             </a:pPr>
             <a:r>
               <a:rPr lang="en-US" dirty="0" smtClean="0"/>
-              <a:t>Many will say to me in that day, Lord, Lord, have we not prophesied in thy name? and in thy name have cast out devils? and in thy name done many wonderful works? And then will I profess unto them, I never knew you: depart from me, ye that work iniquity.</a:t>
+              <a:t>Therefore whosoever </a:t>
+            </a:r>
+            <a:r>
+              <a:rPr lang="en-US" dirty="0" err="1" smtClean="0"/>
+              <a:t>heareth</a:t>
+            </a:r>
+            <a:r>
+              <a:rPr lang="en-US" dirty="0" smtClean="0"/>
+              <a:t> these sayings of mine, and doeth them, I will liken him unto a wise man, which built his house upon a rock:</a:t>
+            </a:r>
+          </a:p>
+          <a:p>
+            <a:pPr marL="0" indent="0">
+              <a:buNone/>
+            </a:pPr>
+            <a:r>
+              <a:rPr lang="en-US" dirty="0" smtClean="0"/>
+              <a:t>And the rain descended, and the floods came, and the winds blew, and beat upon that house; and it fell not: for it was founded upon a rock.</a:t>
             </a:r>
             <a:endParaRPr lang="en-US" dirty="0"/>
           </a:p>
@@ -8456,7 +9604,7 @@
     </p:spTree>
     <p:extLst>
       <p:ext uri="{BB962C8B-B14F-4D97-AF65-F5344CB8AC3E}">
-        <p14:creationId xmlns:p14="http://schemas.microsoft.com/office/powerpoint/2010/main" val="3573244221"/>
+        <p14:creationId xmlns:p14="http://schemas.microsoft.com/office/powerpoint/2010/main" val="3226818726"/>
       </p:ext>
     </p:extLst>
   </p:cSld>
@@ -8500,7 +9648,7 @@
           <a:p>
             <a:r>
               <a:rPr lang="en-US" dirty="0" smtClean="0"/>
-              <a:t>Matthew 7:24-25</a:t>
+              <a:t>Matthew 7:26-27</a:t>
             </a:r>
             <a:endParaRPr lang="en-US" dirty="0"/>
           </a:p>
@@ -8526,7 +9674,7 @@
             </a:pPr>
             <a:r>
               <a:rPr lang="en-US" dirty="0" smtClean="0"/>
-              <a:t>Therefore whosoever </a:t>
+              <a:t>And every one that </a:t>
             </a:r>
             <a:r>
               <a:rPr lang="en-US" dirty="0" err="1" smtClean="0"/>
@@ -8534,16 +9682,7 @@
             </a:r>
             <a:r>
               <a:rPr lang="en-US" dirty="0" smtClean="0"/>
-              <a:t> these sayings of mine, and doeth them, I will liken him unto a wise man, which built his house upon a rock:</a:t>
-            </a:r>
-          </a:p>
-          <a:p>
-            <a:pPr marL="0" indent="0">
-              <a:buNone/>
-            </a:pPr>
-            <a:r>
-              <a:rPr lang="en-US" dirty="0" smtClean="0"/>
-              <a:t>And the rain descended, and the floods came, and the winds blew, and beat upon that house; and it fell not: for it was founded upon a rock.</a:t>
+              <a:t> these sayings of mine, and doeth them not, shall be likened unto a foolish man, which built his house upon the sand: And the rain descended, and the floods came, and the winds blew, and beat upon that house; and it fell: and great was the fall of it.</a:t>
             </a:r>
             <a:endParaRPr lang="en-US" dirty="0"/>
           </a:p>
@@ -8552,7 +9691,7 @@
     </p:spTree>
     <p:extLst>
       <p:ext uri="{BB962C8B-B14F-4D97-AF65-F5344CB8AC3E}">
-        <p14:creationId xmlns:p14="http://schemas.microsoft.com/office/powerpoint/2010/main" val="3226818726"/>
+        <p14:creationId xmlns:p14="http://schemas.microsoft.com/office/powerpoint/2010/main" val="538464729"/>
       </p:ext>
     </p:extLst>
   </p:cSld>
@@ -8596,7 +9735,7 @@
           <a:p>
             <a:r>
               <a:rPr lang="en-US" dirty="0" smtClean="0"/>
-              <a:t>Matthew 7:26-27</a:t>
+              <a:t>Matthew 7:12</a:t>
             </a:r>
             <a:endParaRPr lang="en-US" dirty="0"/>
           </a:p>
@@ -8622,15 +9761,7 @@
             </a:pPr>
             <a:r>
               <a:rPr lang="en-US" dirty="0" smtClean="0"/>
-              <a:t>And every one that </a:t>
-            </a:r>
-            <a:r>
-              <a:rPr lang="en-US" dirty="0" err="1" smtClean="0"/>
-              <a:t>heareth</a:t>
-            </a:r>
-            <a:r>
-              <a:rPr lang="en-US" dirty="0" smtClean="0"/>
-              <a:t> these sayings of mine, and doeth them not, shall be likened unto a foolish man, which built his house upon the sand: And the rain descended, and the floods came, and the winds blew, and beat upon that house; and it fell: and great was the fall of it.</a:t>
+              <a:t>Therefore all things whatsoever ye would that men should do to you, do ye even so to them: for this is the law and the prophets.</a:t>
             </a:r>
             <a:endParaRPr lang="en-US" dirty="0"/>
           </a:p>
@@ -8639,7 +9770,7 @@
     </p:spTree>
     <p:extLst>
       <p:ext uri="{BB962C8B-B14F-4D97-AF65-F5344CB8AC3E}">
-        <p14:creationId xmlns:p14="http://schemas.microsoft.com/office/powerpoint/2010/main" val="538464729"/>
+        <p14:creationId xmlns:p14="http://schemas.microsoft.com/office/powerpoint/2010/main" val="1754024335"/>
       </p:ext>
     </p:extLst>
   </p:cSld>
@@ -8668,57 +9799,39 @@
       </p:grpSpPr>
       <p:sp>
         <p:nvSpPr>
-          <p:cNvPr id="2" name="Title 1"/>
-          <p:cNvSpPr>
-            <a:spLocks noGrp="1"/>
-          </p:cNvSpPr>
-          <p:nvPr>
-            <p:ph type="title"/>
-          </p:nvPr>
-        </p:nvSpPr>
-        <p:spPr/>
-        <p:txBody>
-          <a:bodyPr/>
-          <a:lstStyle/>
-          <a:p>
-            <a:r>
-              <a:rPr lang="en-US" dirty="0" smtClean="0"/>
-              <a:t>Matthew 7:12</a:t>
-            </a:r>
-            <a:endParaRPr lang="en-US" dirty="0"/>
-          </a:p>
-        </p:txBody>
-      </p:sp>
-      <p:sp>
-        <p:nvSpPr>
-          <p:cNvPr id="3" name="Content Placeholder 2"/>
-          <p:cNvSpPr>
-            <a:spLocks noGrp="1"/>
-          </p:cNvSpPr>
-          <p:nvPr>
-            <p:ph idx="1"/>
-          </p:nvPr>
-        </p:nvSpPr>
-        <p:spPr/>
-        <p:txBody>
-          <a:bodyPr/>
-          <a:lstStyle/>
-          <a:p>
-            <a:pPr marL="0" indent="0">
-              <a:buNone/>
-            </a:pPr>
-            <a:r>
-              <a:rPr lang="en-US" dirty="0" smtClean="0"/>
-              <a:t>Therefore all things whatsoever ye would that men should do to you, do ye even so to them: for this is the law and the prophets.</a:t>
-            </a:r>
-            <a:endParaRPr lang="en-US" dirty="0"/>
+          <p:cNvPr id="2" name="TextBox 1"/>
+          <p:cNvSpPr txBox="1"/>
+          <p:nvPr/>
+        </p:nvSpPr>
+        <p:spPr>
+          <a:xfrm>
+            <a:off x="990600" y="1905000"/>
+            <a:ext cx="6858000" cy="830997"/>
+          </a:xfrm>
+          <a:prstGeom prst="rect">
+            <a:avLst/>
+          </a:prstGeom>
+          <a:noFill/>
+        </p:spPr>
+        <p:txBody>
+          <a:bodyPr wrap="square" rtlCol="0">
+            <a:spAutoFit/>
+          </a:bodyPr>
+          <a:lstStyle/>
+          <a:p>
+            <a:pPr algn="ctr"/>
+            <a:r>
+              <a:rPr lang="en-US" sz="4800" dirty="0" smtClean="0"/>
+              <a:t>Trust =&gt; Faithfulness</a:t>
+            </a:r>
+            <a:endParaRPr lang="en-US" sz="4800" dirty="0"/>
           </a:p>
         </p:txBody>
       </p:sp>
     </p:spTree>
     <p:extLst>
       <p:ext uri="{BB962C8B-B14F-4D97-AF65-F5344CB8AC3E}">
-        <p14:creationId xmlns:p14="http://schemas.microsoft.com/office/powerpoint/2010/main" val="1754024335"/>
+        <p14:creationId xmlns:p14="http://schemas.microsoft.com/office/powerpoint/2010/main" val="1560627560"/>
       </p:ext>
     </p:extLst>
   </p:cSld>
@@ -8747,39 +9860,54 @@
       </p:grpSpPr>
       <p:sp>
         <p:nvSpPr>
-          <p:cNvPr id="2" name="TextBox 1"/>
-          <p:cNvSpPr txBox="1"/>
-          <p:nvPr/>
-        </p:nvSpPr>
-        <p:spPr>
-          <a:xfrm>
-            <a:off x="990600" y="1905000"/>
-            <a:ext cx="6858000" cy="830997"/>
-          </a:xfrm>
-          <a:prstGeom prst="rect">
-            <a:avLst/>
-          </a:prstGeom>
-          <a:noFill/>
-        </p:spPr>
-        <p:txBody>
-          <a:bodyPr wrap="square" rtlCol="0">
-            <a:spAutoFit/>
-          </a:bodyPr>
-          <a:lstStyle/>
-          <a:p>
-            <a:pPr algn="ctr"/>
-            <a:r>
-              <a:rPr lang="en-US" sz="4800" dirty="0" smtClean="0"/>
-              <a:t>Trust =&gt; Faithfulness</a:t>
-            </a:r>
-            <a:endParaRPr lang="en-US" sz="4800" dirty="0"/>
+          <p:cNvPr id="2" name="Title 1"/>
+          <p:cNvSpPr>
+            <a:spLocks noGrp="1"/>
+          </p:cNvSpPr>
+          <p:nvPr>
+            <p:ph type="title"/>
+          </p:nvPr>
+        </p:nvSpPr>
+        <p:spPr/>
+        <p:txBody>
+          <a:bodyPr/>
+          <a:lstStyle/>
+          <a:p>
+            <a:r>
+              <a:rPr lang="en-US" dirty="0" smtClean="0"/>
+              <a:t>In His Name</a:t>
+            </a:r>
+            <a:endParaRPr lang="en-US" dirty="0"/>
+          </a:p>
+        </p:txBody>
+      </p:sp>
+      <p:sp>
+        <p:nvSpPr>
+          <p:cNvPr id="3" name="Text Placeholder 2"/>
+          <p:cNvSpPr>
+            <a:spLocks noGrp="1"/>
+          </p:cNvSpPr>
+          <p:nvPr>
+            <p:ph type="body" idx="1"/>
+          </p:nvPr>
+        </p:nvSpPr>
+        <p:spPr/>
+        <p:txBody>
+          <a:bodyPr/>
+          <a:lstStyle/>
+          <a:p>
+            <a:r>
+              <a:rPr lang="en-US" dirty="0" smtClean="0"/>
+              <a:t>Purpose, Trust, Faithfulness</a:t>
+            </a:r>
+            <a:endParaRPr lang="en-US" dirty="0"/>
           </a:p>
         </p:txBody>
       </p:sp>
     </p:spTree>
     <p:extLst>
       <p:ext uri="{BB962C8B-B14F-4D97-AF65-F5344CB8AC3E}">
-        <p14:creationId xmlns:p14="http://schemas.microsoft.com/office/powerpoint/2010/main" val="1560627560"/>
+        <p14:creationId xmlns:p14="http://schemas.microsoft.com/office/powerpoint/2010/main" val="4244529749"/>
       </p:ext>
     </p:extLst>
   </p:cSld>
@@ -8823,7 +9951,7 @@
           <a:p>
             <a:r>
               <a:rPr lang="en-US" dirty="0" smtClean="0"/>
-              <a:t>In His Name</a:t>
+              <a:t>Col 3:17</a:t>
             </a:r>
             <a:endParaRPr lang="en-US" dirty="0"/>
           </a:p>
@@ -8831,22 +9959,25 @@
       </p:sp>
       <p:sp>
         <p:nvSpPr>
-          <p:cNvPr id="3" name="Text Placeholder 2"/>
-          <p:cNvSpPr>
-            <a:spLocks noGrp="1"/>
-          </p:cNvSpPr>
-          <p:nvPr>
-            <p:ph type="body" idx="1"/>
-          </p:nvPr>
-        </p:nvSpPr>
-        <p:spPr/>
-        <p:txBody>
-          <a:bodyPr/>
-          <a:lstStyle/>
-          <a:p>
-            <a:r>
-              <a:rPr lang="en-US" dirty="0" smtClean="0"/>
-              <a:t>Purpose, Trust, Faithfulness</a:t>
+          <p:cNvPr id="3" name="Content Placeholder 2"/>
+          <p:cNvSpPr>
+            <a:spLocks noGrp="1"/>
+          </p:cNvSpPr>
+          <p:nvPr>
+            <p:ph idx="1"/>
+          </p:nvPr>
+        </p:nvSpPr>
+        <p:spPr/>
+        <p:txBody>
+          <a:bodyPr/>
+          <a:lstStyle/>
+          <a:p>
+            <a:pPr marL="0" indent="0">
+              <a:buNone/>
+            </a:pPr>
+            <a:r>
+              <a:rPr lang="en-US" dirty="0"/>
+              <a:t>And whatsoever ye do in word or deed, [do] all in the name of the Lord Jesus, giving thanks to God and the Father by him.</a:t>
             </a:r>
             <a:endParaRPr lang="en-US" dirty="0"/>
           </a:p>
@@ -8855,7 +9986,197 @@
     </p:spTree>
     <p:extLst>
       <p:ext uri="{BB962C8B-B14F-4D97-AF65-F5344CB8AC3E}">
-        <p14:creationId xmlns:p14="http://schemas.microsoft.com/office/powerpoint/2010/main" val="4244529749"/>
+        <p14:creationId xmlns:p14="http://schemas.microsoft.com/office/powerpoint/2010/main" val="1555448953"/>
+      </p:ext>
+    </p:extLst>
+  </p:cSld>
+  <p:clrMapOvr>
+    <a:masterClrMapping/>
+  </p:clrMapOvr>
+</p:sld>
+</file>
+
+<file path=ppt/slides/slide38.xml><?xml version="1.0" encoding="utf-8"?>
+<p:sld xmlns:a="http://schemas.openxmlformats.org/drawingml/2006/main" xmlns:r="http://schemas.openxmlformats.org/officeDocument/2006/relationships" xmlns:p="http://schemas.openxmlformats.org/presentationml/2006/main">
+  <p:cSld>
+    <p:spTree>
+      <p:nvGrpSpPr>
+        <p:cNvPr id="1" name=""/>
+        <p:cNvGrpSpPr/>
+        <p:nvPr/>
+      </p:nvGrpSpPr>
+      <p:grpSpPr>
+        <a:xfrm>
+          <a:off x="0" y="0"/>
+          <a:ext cx="0" cy="0"/>
+          <a:chOff x="0" y="0"/>
+          <a:chExt cx="0" cy="0"/>
+        </a:xfrm>
+      </p:grpSpPr>
+      <p:sp>
+        <p:nvSpPr>
+          <p:cNvPr id="2" name="Title 1"/>
+          <p:cNvSpPr>
+            <a:spLocks noGrp="1"/>
+          </p:cNvSpPr>
+          <p:nvPr>
+            <p:ph type="title"/>
+          </p:nvPr>
+        </p:nvSpPr>
+        <p:spPr/>
+        <p:txBody>
+          <a:bodyPr/>
+          <a:lstStyle/>
+          <a:p>
+            <a:r>
+              <a:rPr lang="en-US" dirty="0" smtClean="0"/>
+              <a:t>Col 1:12-14</a:t>
+            </a:r>
+            <a:endParaRPr lang="en-US" dirty="0"/>
+          </a:p>
+        </p:txBody>
+      </p:sp>
+      <p:sp>
+        <p:nvSpPr>
+          <p:cNvPr id="3" name="Content Placeholder 2"/>
+          <p:cNvSpPr>
+            <a:spLocks noGrp="1"/>
+          </p:cNvSpPr>
+          <p:nvPr>
+            <p:ph idx="1"/>
+          </p:nvPr>
+        </p:nvSpPr>
+        <p:spPr/>
+        <p:txBody>
+          <a:bodyPr/>
+          <a:lstStyle/>
+          <a:p>
+            <a:pPr marL="0" indent="0">
+              <a:buNone/>
+            </a:pPr>
+            <a:r>
+              <a:rPr lang="en-US" dirty="0"/>
+              <a:t>Giving thanks unto the Father, which hath made us meet to be partakers of the inheritance of the saints in </a:t>
+            </a:r>
+            <a:r>
+              <a:rPr lang="en-US" dirty="0" smtClean="0"/>
+              <a:t>light: Who </a:t>
+            </a:r>
+            <a:r>
+              <a:rPr lang="en-US" dirty="0"/>
+              <a:t>hath delivered us from the power of darkness, and hath translated [us] into the kingdom of his dear </a:t>
+            </a:r>
+            <a:r>
+              <a:rPr lang="en-US" dirty="0" smtClean="0"/>
+              <a:t>Son: In </a:t>
+            </a:r>
+            <a:r>
+              <a:rPr lang="en-US" dirty="0"/>
+              <a:t>whom we have redemption through his blood, [even] the forgiveness of sins:</a:t>
+            </a:r>
+            <a:endParaRPr lang="en-US" dirty="0"/>
+          </a:p>
+        </p:txBody>
+      </p:sp>
+    </p:spTree>
+    <p:extLst>
+      <p:ext uri="{BB962C8B-B14F-4D97-AF65-F5344CB8AC3E}">
+        <p14:creationId xmlns:p14="http://schemas.microsoft.com/office/powerpoint/2010/main" val="3374220443"/>
+      </p:ext>
+    </p:extLst>
+  </p:cSld>
+  <p:clrMapOvr>
+    <a:masterClrMapping/>
+  </p:clrMapOvr>
+</p:sld>
+</file>
+
+<file path=ppt/slides/slide39.xml><?xml version="1.0" encoding="utf-8"?>
+<p:sld xmlns:a="http://schemas.openxmlformats.org/drawingml/2006/main" xmlns:r="http://schemas.openxmlformats.org/officeDocument/2006/relationships" xmlns:p="http://schemas.openxmlformats.org/presentationml/2006/main">
+  <p:cSld>
+    <p:spTree>
+      <p:nvGrpSpPr>
+        <p:cNvPr id="1" name=""/>
+        <p:cNvGrpSpPr/>
+        <p:nvPr/>
+      </p:nvGrpSpPr>
+      <p:grpSpPr>
+        <a:xfrm>
+          <a:off x="0" y="0"/>
+          <a:ext cx="0" cy="0"/>
+          <a:chOff x="0" y="0"/>
+          <a:chExt cx="0" cy="0"/>
+        </a:xfrm>
+      </p:grpSpPr>
+      <p:sp>
+        <p:nvSpPr>
+          <p:cNvPr id="2" name="Title 1"/>
+          <p:cNvSpPr>
+            <a:spLocks noGrp="1"/>
+          </p:cNvSpPr>
+          <p:nvPr>
+            <p:ph type="title"/>
+          </p:nvPr>
+        </p:nvSpPr>
+        <p:spPr/>
+        <p:txBody>
+          <a:bodyPr/>
+          <a:lstStyle/>
+          <a:p>
+            <a:r>
+              <a:rPr lang="en-US" dirty="0" smtClean="0"/>
+              <a:t>Col 3:23-25</a:t>
+            </a:r>
+            <a:endParaRPr lang="en-US" dirty="0"/>
+          </a:p>
+        </p:txBody>
+      </p:sp>
+      <p:sp>
+        <p:nvSpPr>
+          <p:cNvPr id="3" name="Content Placeholder 2"/>
+          <p:cNvSpPr>
+            <a:spLocks noGrp="1"/>
+          </p:cNvSpPr>
+          <p:nvPr>
+            <p:ph idx="1"/>
+          </p:nvPr>
+        </p:nvSpPr>
+        <p:spPr/>
+        <p:txBody>
+          <a:bodyPr/>
+          <a:lstStyle/>
+          <a:p>
+            <a:pPr marL="0" indent="0">
+              <a:buNone/>
+            </a:pPr>
+            <a:r>
+              <a:rPr lang="en-US" dirty="0"/>
+              <a:t>And whatsoever ye do, do [it] heartily, as to the Lord, and not unto </a:t>
+            </a:r>
+            <a:r>
+              <a:rPr lang="en-US" dirty="0" smtClean="0"/>
+              <a:t>men; Knowing </a:t>
+            </a:r>
+            <a:r>
+              <a:rPr lang="en-US" dirty="0"/>
+              <a:t>that of the Lord ye shall receive the reward of the inheritance: for ye serve the Lord </a:t>
+            </a:r>
+            <a:r>
+              <a:rPr lang="en-US" dirty="0" smtClean="0"/>
+              <a:t>Christ. But </a:t>
+            </a:r>
+            <a:r>
+              <a:rPr lang="en-US" dirty="0"/>
+              <a:t>he that doeth wrong shall receive for the wrong which he hath done: and there is no respect of persons.</a:t>
+            </a:r>
+            <a:endParaRPr lang="en-US" dirty="0"/>
+          </a:p>
+        </p:txBody>
+      </p:sp>
+    </p:spTree>
+    <p:extLst>
+      <p:ext uri="{BB962C8B-B14F-4D97-AF65-F5344CB8AC3E}">
+        <p14:creationId xmlns:p14="http://schemas.microsoft.com/office/powerpoint/2010/main" val="1654841213"/>
       </p:ext>
     </p:extLst>
   </p:cSld>
@@ -8882,52 +10203,51 @@
           <a:chExt cx="0" cy="0"/>
         </a:xfrm>
       </p:grpSpPr>
-      <p:sp>
-        <p:nvSpPr>
-          <p:cNvPr id="2" name="Title 1"/>
-          <p:cNvSpPr>
-            <a:spLocks noGrp="1"/>
-          </p:cNvSpPr>
-          <p:nvPr>
-            <p:ph type="title"/>
-          </p:nvPr>
-        </p:nvSpPr>
-        <p:spPr/>
-        <p:txBody>
-          <a:bodyPr/>
-          <a:lstStyle/>
-          <a:p>
-            <a:r>
-              <a:rPr lang="en-US" dirty="0" smtClean="0"/>
-              <a:t>Phil 2:10</a:t>
-            </a:r>
-            <a:endParaRPr lang="en-US" dirty="0"/>
-          </a:p>
-        </p:txBody>
-      </p:sp>
-      <p:sp>
-        <p:nvSpPr>
-          <p:cNvPr id="3" name="Content Placeholder 2"/>
-          <p:cNvSpPr>
-            <a:spLocks noGrp="1"/>
-          </p:cNvSpPr>
-          <p:nvPr>
-            <p:ph idx="1"/>
-          </p:nvPr>
-        </p:nvSpPr>
-        <p:spPr/>
-        <p:txBody>
-          <a:bodyPr/>
-          <a:lstStyle/>
-          <a:p>
-            <a:endParaRPr lang="en-US"/>
-          </a:p>
-        </p:txBody>
-      </p:sp>
+      <p:pic>
+        <p:nvPicPr>
+          <p:cNvPr id="5122" name="Picture 2" descr="http://jstonemusic.com/haha123/eweb/uploadfile/20120717114836621.jpg"/>
+          <p:cNvPicPr>
+            <a:picLocks noChangeAspect="1" noChangeArrowheads="1"/>
+          </p:cNvPicPr>
+          <p:nvPr/>
+        </p:nvPicPr>
+        <p:blipFill>
+          <a:blip r:embed="rId2">
+            <a:extLst>
+              <a:ext uri="{28A0092B-C50C-407E-A947-70E740481C1C}">
+                <a14:useLocalDpi xmlns:a14="http://schemas.microsoft.com/office/drawing/2010/main" val="0"/>
+              </a:ext>
+            </a:extLst>
+          </a:blip>
+          <a:srcRect/>
+          <a:stretch>
+            <a:fillRect/>
+          </a:stretch>
+        </p:blipFill>
+        <p:spPr bwMode="auto">
+          <a:xfrm>
+            <a:off x="2438400" y="914400"/>
+            <a:ext cx="4762500" cy="4762500"/>
+          </a:xfrm>
+          <a:prstGeom prst="rect">
+            <a:avLst/>
+          </a:prstGeom>
+          <a:noFill/>
+          <a:extLst>
+            <a:ext uri="{909E8E84-426E-40DD-AFC4-6F175D3DCCD1}">
+              <a14:hiddenFill xmlns:a14="http://schemas.microsoft.com/office/drawing/2010/main">
+                <a:solidFill>
+                  <a:srgbClr val="FFFFFF"/>
+                </a:solidFill>
+              </a14:hiddenFill>
+            </a:ext>
+          </a:extLst>
+        </p:spPr>
+      </p:pic>
     </p:spTree>
     <p:extLst>
       <p:ext uri="{BB962C8B-B14F-4D97-AF65-F5344CB8AC3E}">
-        <p14:creationId xmlns:p14="http://schemas.microsoft.com/office/powerpoint/2010/main" val="2133951979"/>
+        <p14:creationId xmlns:p14="http://schemas.microsoft.com/office/powerpoint/2010/main" val="3664276301"/>
       </p:ext>
     </p:extLst>
   </p:cSld>
@@ -8954,41 +10274,51 @@
           <a:chExt cx="0" cy="0"/>
         </a:xfrm>
       </p:grpSpPr>
-      <p:sp>
-        <p:nvSpPr>
-          <p:cNvPr id="2" name="TextBox 1"/>
-          <p:cNvSpPr txBox="1"/>
+      <p:pic>
+        <p:nvPicPr>
+          <p:cNvPr id="4098" name="Picture 2" descr="https://encrypted-tbn3.gstatic.com/images?q=tbn:ANd9GcQXCqobxHCdeKlzRSeyhnUfZ7DU7w5wmIgEgq8t96pQWoMAiFfLnQ"/>
+          <p:cNvPicPr>
+            <a:picLocks noChangeAspect="1" noChangeArrowheads="1"/>
+          </p:cNvPicPr>
           <p:nvPr/>
-        </p:nvSpPr>
-        <p:spPr>
+        </p:nvPicPr>
+        <p:blipFill>
+          <a:blip r:embed="rId2">
+            <a:extLst>
+              <a:ext uri="{28A0092B-C50C-407E-A947-70E740481C1C}">
+                <a14:useLocalDpi xmlns:a14="http://schemas.microsoft.com/office/drawing/2010/main" val="0"/>
+              </a:ext>
+            </a:extLst>
+          </a:blip>
+          <a:srcRect/>
+          <a:stretch>
+            <a:fillRect/>
+          </a:stretch>
+        </p:blipFill>
+        <p:spPr bwMode="auto">
           <a:xfrm>
-            <a:off x="990600" y="1905000"/>
-            <a:ext cx="6858000" cy="1569660"/>
+            <a:off x="1371600" y="1676400"/>
+            <a:ext cx="6304985" cy="2514600"/>
           </a:xfrm>
           <a:prstGeom prst="rect">
             <a:avLst/>
           </a:prstGeom>
           <a:noFill/>
+          <a:extLst>
+            <a:ext uri="{909E8E84-426E-40DD-AFC4-6F175D3DCCD1}">
+              <a14:hiddenFill xmlns:a14="http://schemas.microsoft.com/office/drawing/2010/main">
+                <a:solidFill>
+                  <a:srgbClr val="FFFFFF"/>
+                </a:solidFill>
+              </a14:hiddenFill>
+            </a:ext>
+          </a:extLst>
         </p:spPr>
-        <p:txBody>
-          <a:bodyPr wrap="square" rtlCol="0">
-            <a:spAutoFit/>
-          </a:bodyPr>
-          <a:lstStyle/>
-          <a:p>
-            <a:pPr algn="ctr"/>
-            <a:r>
-              <a:rPr lang="en-US" sz="4800" dirty="0" smtClean="0"/>
-              <a:t>His Name is used to represent His Authority</a:t>
-            </a:r>
-            <a:endParaRPr lang="en-US" sz="4800" dirty="0"/>
-          </a:p>
-        </p:txBody>
-      </p:sp>
+      </p:pic>
     </p:spTree>
     <p:extLst>
       <p:ext uri="{BB962C8B-B14F-4D97-AF65-F5344CB8AC3E}">
-        <p14:creationId xmlns:p14="http://schemas.microsoft.com/office/powerpoint/2010/main" val="1974855499"/>
+        <p14:creationId xmlns:p14="http://schemas.microsoft.com/office/powerpoint/2010/main" val="3460907917"/>
       </p:ext>
     </p:extLst>
   </p:cSld>
@@ -9015,52 +10345,51 @@
           <a:chExt cx="0" cy="0"/>
         </a:xfrm>
       </p:grpSpPr>
-      <p:sp>
-        <p:nvSpPr>
-          <p:cNvPr id="2" name="Title 1"/>
-          <p:cNvSpPr>
-            <a:spLocks noGrp="1"/>
-          </p:cNvSpPr>
-          <p:nvPr>
-            <p:ph type="title"/>
-          </p:nvPr>
-        </p:nvSpPr>
-        <p:spPr/>
-        <p:txBody>
-          <a:bodyPr/>
-          <a:lstStyle/>
-          <a:p>
-            <a:r>
-              <a:rPr lang="en-US" dirty="0" smtClean="0"/>
-              <a:t>Phil 2:5-7</a:t>
-            </a:r>
-            <a:endParaRPr lang="en-US" dirty="0"/>
-          </a:p>
-        </p:txBody>
-      </p:sp>
-      <p:sp>
-        <p:nvSpPr>
-          <p:cNvPr id="3" name="Content Placeholder 2"/>
-          <p:cNvSpPr>
-            <a:spLocks noGrp="1"/>
-          </p:cNvSpPr>
-          <p:nvPr>
-            <p:ph idx="1"/>
-          </p:nvPr>
-        </p:nvSpPr>
-        <p:spPr/>
-        <p:txBody>
-          <a:bodyPr/>
-          <a:lstStyle/>
-          <a:p>
-            <a:endParaRPr lang="en-US"/>
-          </a:p>
-        </p:txBody>
-      </p:sp>
+      <p:pic>
+        <p:nvPicPr>
+          <p:cNvPr id="3074" name="Picture 2" descr="http://inhisnamehr.com/wp-content/uploads/2013/01/In-HIS-Name-HR-site1.jpg"/>
+          <p:cNvPicPr>
+            <a:picLocks noChangeAspect="1" noChangeArrowheads="1"/>
+          </p:cNvPicPr>
+          <p:nvPr/>
+        </p:nvPicPr>
+        <p:blipFill>
+          <a:blip r:embed="rId2">
+            <a:extLst>
+              <a:ext uri="{28A0092B-C50C-407E-A947-70E740481C1C}">
+                <a14:useLocalDpi xmlns:a14="http://schemas.microsoft.com/office/drawing/2010/main" val="0"/>
+              </a:ext>
+            </a:extLst>
+          </a:blip>
+          <a:srcRect/>
+          <a:stretch>
+            <a:fillRect/>
+          </a:stretch>
+        </p:blipFill>
+        <p:spPr bwMode="auto">
+          <a:xfrm>
+            <a:off x="1828800" y="2362200"/>
+            <a:ext cx="5563479" cy="1600200"/>
+          </a:xfrm>
+          <a:prstGeom prst="rect">
+            <a:avLst/>
+          </a:prstGeom>
+          <a:noFill/>
+          <a:extLst>
+            <a:ext uri="{909E8E84-426E-40DD-AFC4-6F175D3DCCD1}">
+              <a14:hiddenFill xmlns:a14="http://schemas.microsoft.com/office/drawing/2010/main">
+                <a:solidFill>
+                  <a:srgbClr val="FFFFFF"/>
+                </a:solidFill>
+              </a14:hiddenFill>
+            </a:ext>
+          </a:extLst>
+        </p:spPr>
+      </p:pic>
     </p:spTree>
     <p:extLst>
       <p:ext uri="{BB962C8B-B14F-4D97-AF65-F5344CB8AC3E}">
-        <p14:creationId xmlns:p14="http://schemas.microsoft.com/office/powerpoint/2010/main" val="2103114927"/>
+        <p14:creationId xmlns:p14="http://schemas.microsoft.com/office/powerpoint/2010/main" val="880316612"/>
       </p:ext>
     </p:extLst>
   </p:cSld>
@@ -9089,39 +10418,57 @@
       </p:grpSpPr>
       <p:sp>
         <p:nvSpPr>
-          <p:cNvPr id="2" name="TextBox 1"/>
-          <p:cNvSpPr txBox="1"/>
-          <p:nvPr/>
-        </p:nvSpPr>
-        <p:spPr>
-          <a:xfrm>
-            <a:off x="990600" y="1905000"/>
-            <a:ext cx="6858000" cy="1569660"/>
-          </a:xfrm>
-          <a:prstGeom prst="rect">
-            <a:avLst/>
-          </a:prstGeom>
-          <a:noFill/>
-        </p:spPr>
-        <p:txBody>
-          <a:bodyPr wrap="square" rtlCol="0">
-            <a:spAutoFit/>
-          </a:bodyPr>
-          <a:lstStyle/>
-          <a:p>
-            <a:pPr algn="ctr"/>
-            <a:r>
-              <a:rPr lang="en-US" sz="4800" dirty="0" smtClean="0"/>
-              <a:t>The humble servant precedes the exalted Lord</a:t>
-            </a:r>
-            <a:endParaRPr lang="en-US" sz="4800" dirty="0"/>
+          <p:cNvPr id="2" name="Title 1"/>
+          <p:cNvSpPr>
+            <a:spLocks noGrp="1"/>
+          </p:cNvSpPr>
+          <p:nvPr>
+            <p:ph type="title"/>
+          </p:nvPr>
+        </p:nvSpPr>
+        <p:spPr/>
+        <p:txBody>
+          <a:bodyPr/>
+          <a:lstStyle/>
+          <a:p>
+            <a:r>
+              <a:rPr lang="en-US" dirty="0" smtClean="0"/>
+              <a:t>Col 3:17</a:t>
+            </a:r>
+            <a:endParaRPr lang="en-US" dirty="0"/>
+          </a:p>
+        </p:txBody>
+      </p:sp>
+      <p:sp>
+        <p:nvSpPr>
+          <p:cNvPr id="3" name="Content Placeholder 2"/>
+          <p:cNvSpPr>
+            <a:spLocks noGrp="1"/>
+          </p:cNvSpPr>
+          <p:nvPr>
+            <p:ph idx="1"/>
+          </p:nvPr>
+        </p:nvSpPr>
+        <p:spPr/>
+        <p:txBody>
+          <a:bodyPr/>
+          <a:lstStyle/>
+          <a:p>
+            <a:pPr marL="0" indent="0">
+              <a:buNone/>
+            </a:pPr>
+            <a:r>
+              <a:rPr lang="en-US" dirty="0"/>
+              <a:t>And whatsoever ye do in word or deed, [do] all in the name of the Lord Jesus, giving thanks to God and the Father by him.</a:t>
+            </a:r>
+            <a:endParaRPr lang="en-US" dirty="0"/>
           </a:p>
         </p:txBody>
       </p:sp>
     </p:spTree>
     <p:extLst>
       <p:ext uri="{BB962C8B-B14F-4D97-AF65-F5344CB8AC3E}">
-        <p14:creationId xmlns:p14="http://schemas.microsoft.com/office/powerpoint/2010/main" val="713671558"/>
+        <p14:creationId xmlns:p14="http://schemas.microsoft.com/office/powerpoint/2010/main" val="4110059169"/>
       </p:ext>
     </p:extLst>
   </p:cSld>
@@ -9165,7 +10512,7 @@
           <a:p>
             <a:r>
               <a:rPr lang="en-US" dirty="0" smtClean="0"/>
-              <a:t>The Father and the Son</a:t>
+              <a:t>Phil 2:10</a:t>
             </a:r>
             <a:endParaRPr lang="en-US" dirty="0"/>
           </a:p>
@@ -9173,22 +10520,25 @@
       </p:sp>
       <p:sp>
         <p:nvSpPr>
-          <p:cNvPr id="3" name="Text Placeholder 2"/>
-          <p:cNvSpPr>
-            <a:spLocks noGrp="1"/>
-          </p:cNvSpPr>
-          <p:nvPr>
-            <p:ph type="body" idx="1"/>
-          </p:nvPr>
-        </p:nvSpPr>
-        <p:spPr/>
-        <p:txBody>
-          <a:bodyPr/>
-          <a:lstStyle/>
-          <a:p>
-            <a:r>
-              <a:rPr lang="en-US" dirty="0" smtClean="0"/>
-              <a:t>The authority of Christ</a:t>
+          <p:cNvPr id="3" name="Content Placeholder 2"/>
+          <p:cNvSpPr>
+            <a:spLocks noGrp="1"/>
+          </p:cNvSpPr>
+          <p:nvPr>
+            <p:ph idx="1"/>
+          </p:nvPr>
+        </p:nvSpPr>
+        <p:spPr/>
+        <p:txBody>
+          <a:bodyPr/>
+          <a:lstStyle/>
+          <a:p>
+            <a:pPr marL="0" indent="0">
+              <a:buNone/>
+            </a:pPr>
+            <a:r>
+              <a:rPr lang="en-US" dirty="0"/>
+              <a:t>That at the name of Jesus every knee should bow, of [things] in heaven, and [things] in earth, and [things] under the earth;</a:t>
             </a:r>
             <a:endParaRPr lang="en-US" dirty="0"/>
           </a:p>
@@ -9197,7 +10547,7 @@
     </p:spTree>
     <p:extLst>
       <p:ext uri="{BB962C8B-B14F-4D97-AF65-F5344CB8AC3E}">
-        <p14:creationId xmlns:p14="http://schemas.microsoft.com/office/powerpoint/2010/main" val="1208890568"/>
+        <p14:creationId xmlns:p14="http://schemas.microsoft.com/office/powerpoint/2010/main" val="2133951979"/>
       </p:ext>
     </p:extLst>
   </p:cSld>
@@ -9226,39 +10576,62 @@
       </p:grpSpPr>
       <p:sp>
         <p:nvSpPr>
-          <p:cNvPr id="2" name="TextBox 1"/>
-          <p:cNvSpPr txBox="1"/>
-          <p:nvPr/>
-        </p:nvSpPr>
-        <p:spPr>
-          <a:xfrm>
-            <a:off x="990600" y="1905000"/>
-            <a:ext cx="6858000" cy="1569660"/>
-          </a:xfrm>
-          <a:prstGeom prst="rect">
-            <a:avLst/>
-          </a:prstGeom>
-          <a:noFill/>
-        </p:spPr>
-        <p:txBody>
-          <a:bodyPr wrap="square" rtlCol="0">
-            <a:spAutoFit/>
-          </a:bodyPr>
-          <a:lstStyle/>
-          <a:p>
-            <a:pPr algn="ctr"/>
-            <a:r>
-              <a:rPr lang="en-US" sz="4800" dirty="0" smtClean="0"/>
-              <a:t>The healing by the pool of Bethesda (John 5)</a:t>
-            </a:r>
-            <a:endParaRPr lang="en-US" sz="4800" dirty="0"/>
+          <p:cNvPr id="2" name="Title 1"/>
+          <p:cNvSpPr>
+            <a:spLocks noGrp="1"/>
+          </p:cNvSpPr>
+          <p:nvPr>
+            <p:ph type="title"/>
+          </p:nvPr>
+        </p:nvSpPr>
+        <p:spPr/>
+        <p:txBody>
+          <a:bodyPr/>
+          <a:lstStyle/>
+          <a:p>
+            <a:r>
+              <a:rPr lang="en-US" dirty="0" smtClean="0"/>
+              <a:t>The Father and the Son</a:t>
+            </a:r>
+            <a:endParaRPr lang="en-US" dirty="0"/>
+          </a:p>
+        </p:txBody>
+      </p:sp>
+      <p:sp>
+        <p:nvSpPr>
+          <p:cNvPr id="3" name="Text Placeholder 2"/>
+          <p:cNvSpPr>
+            <a:spLocks noGrp="1"/>
+          </p:cNvSpPr>
+          <p:nvPr>
+            <p:ph type="body" idx="1"/>
+          </p:nvPr>
+        </p:nvSpPr>
+        <p:spPr/>
+        <p:txBody>
+          <a:bodyPr/>
+          <a:lstStyle/>
+          <a:p>
+            <a:r>
+              <a:rPr lang="en-US" dirty="0" smtClean="0"/>
+              <a:t>The </a:t>
+            </a:r>
+            <a:r>
+              <a:rPr lang="en-US" dirty="0" smtClean="0"/>
+              <a:t>Authority </a:t>
+            </a:r>
+            <a:r>
+              <a:rPr lang="en-US" dirty="0" smtClean="0"/>
+              <a:t>of Christ</a:t>
+            </a:r>
+            <a:endParaRPr lang="en-US" dirty="0"/>
           </a:p>
         </p:txBody>
       </p:sp>
     </p:spTree>
     <p:extLst>
       <p:ext uri="{BB962C8B-B14F-4D97-AF65-F5344CB8AC3E}">
-        <p14:creationId xmlns:p14="http://schemas.microsoft.com/office/powerpoint/2010/main" val="1616038071"/>
+        <p14:creationId xmlns:p14="http://schemas.microsoft.com/office/powerpoint/2010/main" val="1208890568"/>
       </p:ext>
     </p:extLst>
   </p:cSld>

--- a/presentations/InHisName.pptx
+++ b/presentations/InHisName.pptx
@@ -5,7 +5,7 @@
     <p:sldMasterId id="2147483648" r:id="rId1"/>
   </p:sldMasterIdLst>
   <p:notesMasterIdLst>
-    <p:notesMasterId r:id="rId41"/>
+    <p:notesMasterId r:id="rId42"/>
   </p:notesMasterIdLst>
   <p:sldIdLst>
     <p:sldId id="256" r:id="rId2"/>
@@ -47,6 +47,7 @@
     <p:sldId id="298" r:id="rId38"/>
     <p:sldId id="299" r:id="rId39"/>
     <p:sldId id="300" r:id="rId40"/>
+    <p:sldId id="306" r:id="rId41"/>
   </p:sldIdLst>
   <p:sldSz cx="9144000" cy="6858000" type="screen4x3"/>
   <p:notesSz cx="6858000" cy="9144000"/>
@@ -1392,11 +1393,11 @@
             </a:r>
             <a:r>
               <a:rPr lang="en-US" dirty="0" smtClean="0"/>
-              <a:t>to </a:t>
-            </a:r>
-            <a:r>
-              <a:rPr lang="en-US" dirty="0" smtClean="0"/>
-              <a:t>the Father's purpose. To present the good news without His purpose is to present an incomplete gospel.</a:t>
+              <a:t>enables the </a:t>
+            </a:r>
+            <a:r>
+              <a:rPr lang="en-US" dirty="0" smtClean="0"/>
+              <a:t>Father's purpose. To present the good news without His purpose is to present an incomplete gospel.</a:t>
             </a:r>
           </a:p>
           <a:p>
@@ -1518,7 +1519,25 @@
             </a:pPr>
             <a:r>
               <a:rPr lang="en-US" dirty="0" smtClean="0"/>
-              <a:t>It is the outworking of the authority Christ gave His disciples for proclaiming the good news of the kingdom.</a:t>
+              <a:t>It is the outworking of the authority Christ gave His disciples for proclaiming the good news of the kingdom</a:t>
+            </a:r>
+            <a:r>
+              <a:rPr lang="en-US" dirty="0" smtClean="0"/>
+              <a:t>.</a:t>
+            </a:r>
+          </a:p>
+          <a:p>
+            <a:pPr marL="171450" indent="-171450">
+              <a:buFontTx/>
+              <a:buChar char="-"/>
+            </a:pPr>
+            <a:r>
+              <a:rPr lang="en-US" dirty="0" smtClean="0"/>
+              <a:t>Look at an incident that stands out in great</a:t>
+            </a:r>
+            <a:r>
+              <a:rPr lang="en-US" baseline="0" dirty="0" smtClean="0"/>
+              <a:t> contrast to the rest of the book</a:t>
             </a:r>
             <a:endParaRPr lang="en-US" dirty="0"/>
           </a:p>
@@ -2221,14 +2240,16 @@
             </a:pPr>
             <a:r>
               <a:rPr lang="en-US" dirty="0" smtClean="0"/>
-              <a:t>The faith here is not the lame man's, it is Peter's faith in the resurrected Christ, as he clearly explains in the preceding verses.</a:t>
-            </a:r>
-          </a:p>
-          <a:p>
-            <a:pPr marL="171450" indent="-171450">
-              <a:buFontTx/>
-              <a:buChar char="-"/>
-            </a:pPr>
+              <a:t>Faith was the link in the chain that made it possible - the </a:t>
+            </a:r>
+            <a:r>
+              <a:rPr lang="en-US" dirty="0" smtClean="0"/>
+              <a:t>faith here is not the lame man's, it is Peter's faith in the resurrected </a:t>
+            </a:r>
+            <a:r>
+              <a:rPr lang="en-US" dirty="0" smtClean="0"/>
+              <a:t>Christ.</a:t>
+            </a:r>
             <a:endParaRPr lang="en-US" dirty="0"/>
           </a:p>
         </p:txBody>
@@ -2685,9 +2706,40 @@
             </a:pPr>
             <a:r>
               <a:rPr lang="en-US" dirty="0" smtClean="0"/>
-              <a:t>And yet, entrance to the kingdom was denied.</a:t>
-            </a:r>
-            <a:endParaRPr lang="en-US" dirty="0"/>
+              <a:t>And yet, entrance to the kingdom was denied</a:t>
+            </a:r>
+            <a:r>
+              <a:rPr lang="en-US" dirty="0" smtClean="0"/>
+              <a:t>.</a:t>
+            </a:r>
+          </a:p>
+          <a:p>
+            <a:pPr marL="171450" marR="0" indent="-171450" algn="l" defTabSz="914400" rtl="0" eaLnBrk="1" fontAlgn="auto" latinLnBrk="0" hangingPunct="1">
+              <a:lnSpc>
+                <a:spcPct val="100000"/>
+              </a:lnSpc>
+              <a:spcBef>
+                <a:spcPts val="0"/>
+              </a:spcBef>
+              <a:spcAft>
+                <a:spcPts val="0"/>
+              </a:spcAft>
+              <a:buClrTx/>
+              <a:buSzTx/>
+              <a:buFontTx/>
+              <a:buChar char="-"/>
+              <a:tabLst/>
+              <a:defRPr/>
+            </a:pPr>
+            <a:r>
+              <a:rPr lang="en-US" dirty="0" smtClean="0"/>
+              <a:t>Christ goes on to explain with the lesson</a:t>
+            </a:r>
+            <a:r>
+              <a:rPr lang="en-US" baseline="0" dirty="0" smtClean="0"/>
+              <a:t> of the builders</a:t>
+            </a:r>
+            <a:endParaRPr lang="en-US" dirty="0" smtClean="0"/>
           </a:p>
         </p:txBody>
       </p:sp>
@@ -2775,21 +2827,7 @@
               <a:buFontTx/>
               <a:buChar char="-"/>
             </a:pPr>
-            <a:r>
-              <a:rPr lang="en-US" dirty="0" smtClean="0"/>
-              <a:t>There is no indication that the works done here were not genuine. In fact, these were the very signs that were support to follow them that believed.</a:t>
-            </a:r>
-          </a:p>
-          <a:p>
-            <a:pPr marL="171450" indent="-171450">
-              <a:buFontTx/>
-              <a:buChar char="-"/>
-            </a:pPr>
-            <a:r>
-              <a:rPr lang="en-US" dirty="0" smtClean="0"/>
-              <a:t>And yet, entrance to the kingdom was denied.</a:t>
-            </a:r>
-            <a:endParaRPr lang="en-US" dirty="0"/>
+            <a:endParaRPr lang="en-US" dirty="0" smtClean="0"/>
           </a:p>
         </p:txBody>
       </p:sp>
@@ -3739,6 +3777,132 @@
     <p:extLst>
       <p:ext uri="{BB962C8B-B14F-4D97-AF65-F5344CB8AC3E}">
         <p14:creationId xmlns:p14="http://schemas.microsoft.com/office/powerpoint/2010/main" val="2821790612"/>
+      </p:ext>
+    </p:extLst>
+  </p:cSld>
+  <p:clrMapOvr>
+    <a:masterClrMapping/>
+  </p:clrMapOvr>
+</p:notes>
+</file>
+
+<file path=ppt/notesSlides/notesSlide35.xml><?xml version="1.0" encoding="utf-8"?>
+<p:notes xmlns:a="http://schemas.openxmlformats.org/drawingml/2006/main" xmlns:r="http://schemas.openxmlformats.org/officeDocument/2006/relationships" xmlns:p="http://schemas.openxmlformats.org/presentationml/2006/main">
+  <p:cSld>
+    <p:spTree>
+      <p:nvGrpSpPr>
+        <p:cNvPr id="1" name=""/>
+        <p:cNvGrpSpPr/>
+        <p:nvPr/>
+      </p:nvGrpSpPr>
+      <p:grpSpPr>
+        <a:xfrm>
+          <a:off x="0" y="0"/>
+          <a:ext cx="0" cy="0"/>
+          <a:chOff x="0" y="0"/>
+          <a:chExt cx="0" cy="0"/>
+        </a:xfrm>
+      </p:grpSpPr>
+      <p:sp>
+        <p:nvSpPr>
+          <p:cNvPr id="2" name="Slide Image Placeholder 1"/>
+          <p:cNvSpPr>
+            <a:spLocks noGrp="1" noRot="1" noChangeAspect="1"/>
+          </p:cNvSpPr>
+          <p:nvPr>
+            <p:ph type="sldImg"/>
+          </p:nvPr>
+        </p:nvSpPr>
+        <p:spPr/>
+      </p:sp>
+      <p:sp>
+        <p:nvSpPr>
+          <p:cNvPr id="3" name="Notes Placeholder 2"/>
+          <p:cNvSpPr>
+            <a:spLocks noGrp="1"/>
+          </p:cNvSpPr>
+          <p:nvPr>
+            <p:ph type="body" idx="1"/>
+          </p:nvPr>
+        </p:nvSpPr>
+        <p:spPr/>
+        <p:txBody>
+          <a:bodyPr/>
+          <a:lstStyle/>
+          <a:p>
+            <a:pPr marL="171450" indent="-171450">
+              <a:buFontTx/>
+              <a:buChar char="-"/>
+            </a:pPr>
+            <a:r>
+              <a:rPr lang="en-US" baseline="0" dirty="0" smtClean="0"/>
+              <a:t>Doing all things “in His name” means bringing the very character and authority of Christ into everything we do. </a:t>
+            </a:r>
+          </a:p>
+          <a:p>
+            <a:pPr marL="171450" indent="-171450">
+              <a:buFontTx/>
+              <a:buChar char="-"/>
+            </a:pPr>
+            <a:r>
+              <a:rPr lang="en-US" baseline="0" dirty="0" smtClean="0"/>
+              <a:t>If we are truly so close to Him that we can be called the members of His body, and His purpose is to fill all things, doesn’t that make sense?</a:t>
+            </a:r>
+          </a:p>
+          <a:p>
+            <a:pPr marL="171450" indent="-171450">
+              <a:buFontTx/>
+              <a:buChar char="-"/>
+            </a:pPr>
+            <a:r>
+              <a:rPr lang="en-US" dirty="0" smtClean="0"/>
+              <a:t>This bar is incredibly high, but</a:t>
+            </a:r>
+            <a:r>
+              <a:rPr lang="en-US" baseline="0" dirty="0" smtClean="0"/>
+              <a:t> thanks be to the Father, he has qualified us for this.</a:t>
+            </a:r>
+          </a:p>
+          <a:p>
+            <a:pPr marL="171450" indent="-171450">
+              <a:buFontTx/>
+              <a:buChar char="-"/>
+            </a:pPr>
+            <a:r>
+              <a:rPr lang="en-US" baseline="0" dirty="0" smtClean="0"/>
+              <a:t>The incredible power that raised Christ from the dead and set Him far above all heavens makes this possible.</a:t>
+            </a:r>
+            <a:endParaRPr lang="en-US" dirty="0"/>
+          </a:p>
+        </p:txBody>
+      </p:sp>
+      <p:sp>
+        <p:nvSpPr>
+          <p:cNvPr id="4" name="Slide Number Placeholder 3"/>
+          <p:cNvSpPr>
+            <a:spLocks noGrp="1"/>
+          </p:cNvSpPr>
+          <p:nvPr>
+            <p:ph type="sldNum" sz="quarter" idx="10"/>
+          </p:nvPr>
+        </p:nvSpPr>
+        <p:spPr/>
+        <p:txBody>
+          <a:bodyPr/>
+          <a:lstStyle/>
+          <a:p>
+            <a:fld id="{94A4D452-108C-47F3-BF7B-19C87D349197}" type="slidenum">
+              <a:rPr lang="en-US" smtClean="0"/>
+              <a:t>40</a:t>
+            </a:fld>
+            <a:endParaRPr lang="en-US"/>
+          </a:p>
+        </p:txBody>
+      </p:sp>
+    </p:spTree>
+    <p:extLst>
+      <p:ext uri="{BB962C8B-B14F-4D97-AF65-F5344CB8AC3E}">
+        <p14:creationId xmlns:p14="http://schemas.microsoft.com/office/powerpoint/2010/main" val="1358906999"/>
       </p:ext>
     </p:extLst>
   </p:cSld>
@@ -10248,6 +10412,67 @@
     <p:extLst>
       <p:ext uri="{BB962C8B-B14F-4D97-AF65-F5344CB8AC3E}">
         <p14:creationId xmlns:p14="http://schemas.microsoft.com/office/powerpoint/2010/main" val="3664276301"/>
+      </p:ext>
+    </p:extLst>
+  </p:cSld>
+  <p:clrMapOvr>
+    <a:masterClrMapping/>
+  </p:clrMapOvr>
+</p:sld>
+</file>
+
+<file path=ppt/slides/slide40.xml><?xml version="1.0" encoding="utf-8"?>
+<p:sld xmlns:a="http://schemas.openxmlformats.org/drawingml/2006/main" xmlns:r="http://schemas.openxmlformats.org/officeDocument/2006/relationships" xmlns:p="http://schemas.openxmlformats.org/presentationml/2006/main">
+  <p:cSld>
+    <p:spTree>
+      <p:nvGrpSpPr>
+        <p:cNvPr id="1" name=""/>
+        <p:cNvGrpSpPr/>
+        <p:nvPr/>
+      </p:nvGrpSpPr>
+      <p:grpSpPr>
+        <a:xfrm>
+          <a:off x="0" y="0"/>
+          <a:ext cx="0" cy="0"/>
+          <a:chOff x="0" y="0"/>
+          <a:chExt cx="0" cy="0"/>
+        </a:xfrm>
+      </p:grpSpPr>
+      <p:sp>
+        <p:nvSpPr>
+          <p:cNvPr id="2" name="TextBox 1"/>
+          <p:cNvSpPr txBox="1"/>
+          <p:nvPr/>
+        </p:nvSpPr>
+        <p:spPr>
+          <a:xfrm>
+            <a:off x="990600" y="1905000"/>
+            <a:ext cx="6858000" cy="830997"/>
+          </a:xfrm>
+          <a:prstGeom prst="rect">
+            <a:avLst/>
+          </a:prstGeom>
+          <a:noFill/>
+        </p:spPr>
+        <p:txBody>
+          <a:bodyPr wrap="square" rtlCol="0">
+            <a:spAutoFit/>
+          </a:bodyPr>
+          <a:lstStyle/>
+          <a:p>
+            <a:pPr algn="ctr"/>
+            <a:r>
+              <a:rPr lang="en-US" sz="4800" dirty="0" smtClean="0"/>
+              <a:t>In His Name</a:t>
+            </a:r>
+            <a:endParaRPr lang="en-US" sz="4800" dirty="0"/>
+          </a:p>
+        </p:txBody>
+      </p:sp>
+    </p:spTree>
+    <p:extLst>
+      <p:ext uri="{BB962C8B-B14F-4D97-AF65-F5344CB8AC3E}">
+        <p14:creationId xmlns:p14="http://schemas.microsoft.com/office/powerpoint/2010/main" val="764282933"/>
       </p:ext>
     </p:extLst>
   </p:cSld>

--- a/presentations/InHisName.pptx
+++ b/presentations/InHisName.pptx
@@ -638,19 +638,13 @@
           <a:bodyPr/>
           <a:lstStyle/>
           <a:p>
-            <a:r>
-              <a:rPr lang="en-US" dirty="0" smtClean="0"/>
-              <a:t>This close relationship between the Father and the Son illustrates three essential aspects of any relationship:</a:t>
-            </a:r>
-          </a:p>
-          <a:p>
             <a:pPr marL="171450" indent="-171450">
               <a:buFontTx/>
               <a:buChar char="-"/>
             </a:pPr>
             <a:r>
               <a:rPr lang="en-US" dirty="0" smtClean="0"/>
-              <a:t>Purpose - the Father gave the Son authority to judge</a:t>
+              <a:t>On a journey to Jerusalem, [Jesus finds a lame man][3] by the pool called Bethesda and heals him, commanding him to get up, take his bed mat, and walk.</a:t>
             </a:r>
           </a:p>
           <a:p>
@@ -660,7 +654,7 @@
             </a:pPr>
             <a:r>
               <a:rPr lang="en-US" dirty="0" smtClean="0"/>
-              <a:t>Trust - the Son executed His authority through faith in the Father's Word</a:t>
+              <a:t>The catch is that this healing took place on the Sabbath.</a:t>
             </a:r>
           </a:p>
           <a:p>
@@ -670,9 +664,18 @@
             </a:pPr>
             <a:r>
               <a:rPr lang="en-US" dirty="0" smtClean="0"/>
-              <a:t>Faithfulness - the Son lived in perfect obedience to the Father's will</a:t>
-            </a:r>
-            <a:endParaRPr lang="en-US" dirty="0"/>
+              <a:t>When the Jews heard of this they promptly accused Jesus of breaking the Law of the Sabbath - first, by [healing on the Sabbath][5], and second, by commanding the man to [carry his mat on the Sabbath][6].</a:t>
+            </a:r>
+          </a:p>
+          <a:p>
+            <a:pPr marL="171450" indent="-171450">
+              <a:buFontTx/>
+              <a:buChar char="-"/>
+            </a:pPr>
+            <a:r>
+              <a:rPr lang="en-US" dirty="0" smtClean="0"/>
+              <a:t>When confronted about this, Jesus does not enter into a detailed discourse on the law or the Sabbath.</a:t>
+            </a:r>
           </a:p>
         </p:txBody>
       </p:sp>
@@ -693,7 +696,7 @@
           <a:p>
             <a:fld id="{94A4D452-108C-47F3-BF7B-19C87D349197}" type="slidenum">
               <a:rPr lang="en-US" smtClean="0"/>
-              <a:t>15</a:t>
+              <a:t>10</a:t>
             </a:fld>
             <a:endParaRPr lang="en-US"/>
           </a:p>
@@ -702,7 +705,7 @@
     </p:spTree>
     <p:extLst>
       <p:ext uri="{BB962C8B-B14F-4D97-AF65-F5344CB8AC3E}">
-        <p14:creationId xmlns:p14="http://schemas.microsoft.com/office/powerpoint/2010/main" val="3593858496"/>
+        <p14:creationId xmlns:p14="http://schemas.microsoft.com/office/powerpoint/2010/main" val="1554598966"/>
       </p:ext>
     </p:extLst>
   </p:cSld>
@@ -762,7 +765,7 @@
             </a:pPr>
             <a:r>
               <a:rPr lang="en-US" dirty="0" smtClean="0"/>
-              <a:t>These are the words of a faithful servant.</a:t>
+              <a:t>Instead, He simply begins to explain His relationship with His Father.</a:t>
             </a:r>
           </a:p>
           <a:p>
@@ -772,7 +775,27 @@
             </a:pPr>
             <a:r>
               <a:rPr lang="en-US" dirty="0" smtClean="0"/>
-              <a:t>For Christ, this meant nothing less than fulfilling the purpose the Father had given to Him.</a:t>
+              <a:t>He makes clear the link to His Father and in doing so identifies Himself as the Son of God.</a:t>
+            </a:r>
+          </a:p>
+          <a:p>
+            <a:pPr marL="171450" indent="-171450">
+              <a:buFontTx/>
+              <a:buChar char="-"/>
+            </a:pPr>
+            <a:r>
+              <a:rPr lang="en-US" dirty="0" smtClean="0"/>
+              <a:t>If His "breaking of the Sabbath" were enough to anger these Jews, calling God His father takes things to a whole new level.</a:t>
+            </a:r>
+          </a:p>
+          <a:p>
+            <a:pPr marL="171450" indent="-171450">
+              <a:buFontTx/>
+              <a:buChar char="-"/>
+            </a:pPr>
+            <a:r>
+              <a:rPr lang="en-US" dirty="0" smtClean="0"/>
+              <a:t>He goes on to speak in detail of this relationship.</a:t>
             </a:r>
             <a:endParaRPr lang="en-US" dirty="0"/>
           </a:p>
@@ -795,7 +818,7 @@
           <a:p>
             <a:fld id="{94A4D452-108C-47F3-BF7B-19C87D349197}" type="slidenum">
               <a:rPr lang="en-US" smtClean="0"/>
-              <a:t>16</a:t>
+              <a:t>11</a:t>
             </a:fld>
             <a:endParaRPr lang="en-US"/>
           </a:p>
@@ -864,9 +887,8 @@
             </a:pPr>
             <a:r>
               <a:rPr lang="en-US" dirty="0" smtClean="0"/>
-              <a:t>So often the good news of the gospel is presented as an opportunity for us to invite Christ into our lives. This may leave us thinking we have the power to initiate this relationship.</a:t>
-            </a:r>
-            <a:endParaRPr lang="en-US" baseline="0" dirty="0" smtClean="0"/>
+              <a:t>How tempting it is to think that Jesus, being God in flesh, had no need to learn from anyone or answer to anyone.</a:t>
+            </a:r>
           </a:p>
           <a:p>
             <a:pPr marL="171450" indent="-171450">
@@ -874,16 +896,8 @@
               <a:buChar char="-"/>
             </a:pPr>
             <a:r>
-              <a:rPr lang="en-US" baseline="0" dirty="0" smtClean="0"/>
-              <a:t>But this is completely </a:t>
-            </a:r>
-            <a:r>
-              <a:rPr lang="en-US" baseline="0" dirty="0" err="1" smtClean="0"/>
-              <a:t>upsidedown</a:t>
-            </a:r>
-            <a:r>
-              <a:rPr lang="en-US" baseline="0" dirty="0" smtClean="0"/>
-              <a:t>. In fact, we are [powerless][1] to do this. </a:t>
+              <a:rPr lang="en-US" dirty="0" smtClean="0"/>
+              <a:t>Here we see that this is not the case. As a faithful servant and son, He learned everything from His Father.</a:t>
             </a:r>
           </a:p>
           <a:p>
@@ -892,19 +906,14 @@
               <a:buChar char="-"/>
             </a:pPr>
             <a:r>
-              <a:rPr lang="en-US" baseline="0" dirty="0" smtClean="0"/>
-              <a:t>Our relationship with Christ is not initiated by [us first seeking Him][2]:</a:t>
-            </a:r>
-          </a:p>
-          <a:p>
-            <a:pPr marL="171450" indent="-171450">
-              <a:buFontTx/>
-              <a:buChar char="-"/>
-            </a:pPr>
-            <a:r>
-              <a:rPr lang="en-US" baseline="0" dirty="0" smtClean="0"/>
-              <a:t>He is the one that seeks out us. He invites us to become part of His life and purpose.</a:t>
-            </a:r>
+              <a:rPr lang="en-US" dirty="0" smtClean="0"/>
+              <a:t>He did nothing that was outside of His Father's </a:t>
+            </a:r>
+            <a:r>
+              <a:rPr lang="en-US" dirty="0" smtClean="0"/>
+              <a:t>plan.</a:t>
+            </a:r>
+            <a:endParaRPr lang="en-US" dirty="0" smtClean="0"/>
           </a:p>
         </p:txBody>
       </p:sp>
@@ -925,7 +934,7 @@
           <a:p>
             <a:fld id="{94A4D452-108C-47F3-BF7B-19C87D349197}" type="slidenum">
               <a:rPr lang="en-US" smtClean="0"/>
-              <a:t>17</a:t>
+              <a:t>12</a:t>
             </a:fld>
             <a:endParaRPr lang="en-US"/>
           </a:p>
@@ -934,7 +943,7 @@
     </p:spTree>
     <p:extLst>
       <p:ext uri="{BB962C8B-B14F-4D97-AF65-F5344CB8AC3E}">
-        <p14:creationId xmlns:p14="http://schemas.microsoft.com/office/powerpoint/2010/main" val="4097618137"/>
+        <p14:creationId xmlns:p14="http://schemas.microsoft.com/office/powerpoint/2010/main" val="2821790612"/>
       </p:ext>
     </p:extLst>
   </p:cSld>
@@ -988,37 +997,13 @@
           <a:bodyPr/>
           <a:lstStyle/>
           <a:p>
-            <a:pPr marL="171450" marR="0" indent="-171450" algn="l" defTabSz="914400" rtl="0" eaLnBrk="1" fontAlgn="auto" latinLnBrk="0" hangingPunct="1">
-              <a:lnSpc>
-                <a:spcPct val="100000"/>
-              </a:lnSpc>
-              <a:spcBef>
-                <a:spcPts val="0"/>
-              </a:spcBef>
-              <a:spcAft>
-                <a:spcPts val="0"/>
-              </a:spcAft>
-              <a:buClrTx/>
-              <a:buSzTx/>
-              <a:buFontTx/>
-              <a:buChar char="-"/>
-              <a:tabLst/>
-              <a:defRPr/>
-            </a:pPr>
-            <a:r>
-              <a:rPr lang="en-US" baseline="0" dirty="0" smtClean="0"/>
-              <a:t>This is seen clearly in the example of Christ calling His disciples as He began His earthly ministry.  Walking by the Sea of Galilee, he encountered two brothers that were fishermen.</a:t>
-            </a:r>
-            <a:endParaRPr lang="en-US" dirty="0" smtClean="0"/>
-          </a:p>
-          <a:p>
             <a:pPr marL="171450" indent="-171450">
               <a:buFontTx/>
               <a:buChar char="-"/>
             </a:pPr>
             <a:r>
               <a:rPr lang="en-US" dirty="0" smtClean="0"/>
-              <a:t>Christ is the one who extended the offer. He was the one that found Peter and Andrew, not the other way around. </a:t>
+              <a:t>First and foremost, He did not take the authority He had for Himself: he received it from the Father.</a:t>
             </a:r>
           </a:p>
           <a:p>
@@ -1028,7 +1013,7 @@
             </a:pPr>
             <a:r>
               <a:rPr lang="en-US" dirty="0" smtClean="0"/>
-              <a:t>He hinted at the bigger purpose He had for them: becoming "fishers of men" for His kingdom.</a:t>
+              <a:t>This was the authority for the purpose of Judgment</a:t>
             </a:r>
           </a:p>
           <a:p>
@@ -1038,7 +1023,11 @@
             </a:pPr>
             <a:r>
               <a:rPr lang="en-US" dirty="0" smtClean="0"/>
-              <a:t>We may ponder what exactly went through their minds as they accepted the invitation or what they may or may not have known about Jesus at that instant.</a:t>
+              <a:t>The 4 roles</a:t>
+            </a:r>
+            <a:r>
+              <a:rPr lang="en-US" baseline="0" dirty="0" smtClean="0"/>
+              <a:t> of Christ with Israel: Judge, Prophet, Priest, King</a:t>
             </a:r>
           </a:p>
           <a:p>
@@ -1047,9 +1036,10 @@
               <a:buChar char="-"/>
             </a:pPr>
             <a:r>
-              <a:rPr lang="en-US" dirty="0" smtClean="0"/>
-              <a:t>But we cannot debate the simple fact that they accepted and followed. Their trust in Jesus began here as they took their first steps with Him.</a:t>
-            </a:r>
+              <a:rPr lang="en-US" baseline="0" dirty="0" smtClean="0"/>
+              <a:t>John reveals Christ as the rejected Judge of Israel</a:t>
+            </a:r>
+            <a:endParaRPr lang="en-US" dirty="0"/>
           </a:p>
         </p:txBody>
       </p:sp>
@@ -1070,7 +1060,7 @@
           <a:p>
             <a:fld id="{94A4D452-108C-47F3-BF7B-19C87D349197}" type="slidenum">
               <a:rPr lang="en-US" smtClean="0"/>
-              <a:t>18</a:t>
+              <a:t>13</a:t>
             </a:fld>
             <a:endParaRPr lang="en-US"/>
           </a:p>
@@ -1139,7 +1129,7 @@
             </a:pPr>
             <a:r>
               <a:rPr lang="en-US" dirty="0" smtClean="0"/>
-              <a:t>After finding and gathering the twelve together, Christ gave them the authority for their ministry, much like the Father had given Him authority for His.</a:t>
+              <a:t>The Son always exercises his judgment by faith. That is, it is [based on what He hears][7] from the Father. </a:t>
             </a:r>
           </a:p>
           <a:p>
@@ -1149,7 +1139,15 @@
             </a:pPr>
             <a:r>
               <a:rPr lang="en-US" dirty="0" smtClean="0"/>
-              <a:t>The works that we see the twelve and others doing during the gospels and book of Acts are possible because of the authority given for this purpose. </a:t>
+              <a:t>Unlike the judgment of the Jewish leaders, which was often [based on </a:t>
+            </a:r>
+            <a:r>
+              <a:rPr lang="en-US" dirty="0" err="1" smtClean="0"/>
+              <a:t>thier</a:t>
+            </a:r>
+            <a:r>
+              <a:rPr lang="en-US" dirty="0" smtClean="0"/>
+              <a:t> traditions][11], His judgment was always based solidly on the Word of God in alignment with the Will of God.</a:t>
             </a:r>
             <a:endParaRPr lang="en-US" dirty="0"/>
           </a:p>
@@ -1172,7 +1170,7 @@
           <a:p>
             <a:fld id="{94A4D452-108C-47F3-BF7B-19C87D349197}" type="slidenum">
               <a:rPr lang="en-US" smtClean="0"/>
-              <a:t>19</a:t>
+              <a:t>14</a:t>
             </a:fld>
             <a:endParaRPr lang="en-US"/>
           </a:p>
@@ -1235,21 +1233,19 @@
           <a:bodyPr/>
           <a:lstStyle/>
           <a:p>
+            <a:r>
+              <a:rPr lang="en-US" dirty="0" smtClean="0"/>
+              <a:t>This close relationship between the Father and the Son illustrates three essential aspects of any relationship:</a:t>
+            </a:r>
+          </a:p>
+          <a:p>
             <a:pPr marL="171450" indent="-171450">
               <a:buFontTx/>
               <a:buChar char="-"/>
             </a:pPr>
             <a:r>
               <a:rPr lang="en-US" dirty="0" smtClean="0"/>
-              <a:t>The authority in proclaiming the kingdom that He shared with His disciples was in anticipation of the future realization of that kingdom on earth, when they would rule </a:t>
-            </a:r>
-            <a:r>
-              <a:rPr lang="en-US" dirty="0" smtClean="0"/>
-              <a:t>together in authority </a:t>
-            </a:r>
-            <a:r>
-              <a:rPr lang="en-US" dirty="0" smtClean="0"/>
-              <a:t>in that kingdom. </a:t>
+              <a:t>Purpose - the Father gave the Son authority to judge</a:t>
             </a:r>
           </a:p>
           <a:p>
@@ -1259,11 +1255,7 @@
             </a:pPr>
             <a:r>
               <a:rPr lang="en-US" dirty="0" smtClean="0"/>
-              <a:t>This emphasis on purpose is not to minimize the importance of redemption in any </a:t>
-            </a:r>
-            <a:r>
-              <a:rPr lang="en-US" dirty="0" smtClean="0"/>
-              <a:t>way.</a:t>
+              <a:t>Trust - the Son executed His authority through faith in the Father's Word</a:t>
             </a:r>
           </a:p>
           <a:p>
@@ -1273,27 +1265,7 @@
             </a:pPr>
             <a:r>
               <a:rPr lang="en-US" dirty="0" smtClean="0"/>
-              <a:t>In </a:t>
-            </a:r>
-            <a:r>
-              <a:rPr lang="en-US" dirty="0" smtClean="0"/>
-              <a:t>fact, the regeneration </a:t>
-            </a:r>
-            <a:r>
-              <a:rPr lang="en-US" dirty="0" smtClean="0"/>
-              <a:t>that </a:t>
-            </a:r>
-            <a:r>
-              <a:rPr lang="en-US" dirty="0" smtClean="0"/>
-              <a:t>Jesus speaks of here is completely impossible without </a:t>
-            </a:r>
-            <a:r>
-              <a:rPr lang="en-US" dirty="0" smtClean="0"/>
-              <a:t>the plan of redemption</a:t>
-            </a:r>
-            <a:r>
-              <a:rPr lang="en-US" dirty="0" smtClean="0"/>
-              <a:t>.</a:t>
+              <a:t>Faithfulness - the Son lived in perfect obedience to the Father's will</a:t>
             </a:r>
             <a:endParaRPr lang="en-US" dirty="0"/>
           </a:p>
@@ -1316,7 +1288,7 @@
           <a:p>
             <a:fld id="{94A4D452-108C-47F3-BF7B-19C87D349197}" type="slidenum">
               <a:rPr lang="en-US" smtClean="0"/>
-              <a:t>20</a:t>
+              <a:t>15</a:t>
             </a:fld>
             <a:endParaRPr lang="en-US"/>
           </a:p>
@@ -1325,7 +1297,7 @@
     </p:spTree>
     <p:extLst>
       <p:ext uri="{BB962C8B-B14F-4D97-AF65-F5344CB8AC3E}">
-        <p14:creationId xmlns:p14="http://schemas.microsoft.com/office/powerpoint/2010/main" val="2821790612"/>
+        <p14:creationId xmlns:p14="http://schemas.microsoft.com/office/powerpoint/2010/main" val="3593858496"/>
       </p:ext>
     </p:extLst>
   </p:cSld>
@@ -1379,25 +1351,32 @@
           <a:bodyPr/>
           <a:lstStyle/>
           <a:p>
+            <a:pPr marL="0" indent="0">
+              <a:buFontTx/>
+              <a:buNone/>
+            </a:pPr>
+            <a:r>
+              <a:rPr lang="en-US" dirty="0" smtClean="0"/>
+              <a:t>Christ</a:t>
+            </a:r>
+            <a:r>
+              <a:rPr lang="en-US" baseline="0" dirty="0" smtClean="0"/>
+              <a:t> summarized His ministry:</a:t>
+            </a:r>
+            <a:endParaRPr lang="en-US" dirty="0" smtClean="0"/>
+          </a:p>
+          <a:p>
             <a:pPr marL="171450" indent="-171450">
               <a:buFontTx/>
               <a:buChar char="-"/>
             </a:pPr>
             <a:r>
               <a:rPr lang="en-US" dirty="0" smtClean="0"/>
-              <a:t>Redemption</a:t>
-            </a:r>
-            <a:r>
-              <a:rPr lang="en-US" baseline="0" dirty="0" smtClean="0"/>
-              <a:t> is what </a:t>
-            </a:r>
-            <a:r>
-              <a:rPr lang="en-US" dirty="0" smtClean="0"/>
-              <a:t>enables the </a:t>
-            </a:r>
-            <a:r>
-              <a:rPr lang="en-US" dirty="0" smtClean="0"/>
-              <a:t>Father's purpose. To present the good news without His purpose is to present an incomplete gospel.</a:t>
+              <a:t>These </a:t>
+            </a:r>
+            <a:r>
+              <a:rPr lang="en-US" dirty="0" smtClean="0"/>
+              <a:t>are the words of a faithful servant.</a:t>
             </a:r>
           </a:p>
           <a:p>
@@ -1407,7 +1386,7 @@
             </a:pPr>
             <a:r>
               <a:rPr lang="en-US" dirty="0" smtClean="0"/>
-              <a:t>Just as Christ invited His disciples to follow Him in His earthly ministry, He is inviting us to be a part of what He is doing in His heavenly ministry. </a:t>
+              <a:t>For Christ, this meant nothing less than fulfilling the purpose the Father had given to Him.</a:t>
             </a:r>
             <a:endParaRPr lang="en-US" dirty="0"/>
           </a:p>
@@ -1430,7 +1409,7 @@
           <a:p>
             <a:fld id="{94A4D452-108C-47F3-BF7B-19C87D349197}" type="slidenum">
               <a:rPr lang="en-US" smtClean="0"/>
-              <a:t>21</a:t>
+              <a:t>16</a:t>
             </a:fld>
             <a:endParaRPr lang="en-US"/>
           </a:p>
@@ -1439,7 +1418,7 @@
     </p:spTree>
     <p:extLst>
       <p:ext uri="{BB962C8B-B14F-4D97-AF65-F5344CB8AC3E}">
-        <p14:creationId xmlns:p14="http://schemas.microsoft.com/office/powerpoint/2010/main" val="603523288"/>
+        <p14:creationId xmlns:p14="http://schemas.microsoft.com/office/powerpoint/2010/main" val="2821790612"/>
       </p:ext>
     </p:extLst>
   </p:cSld>
@@ -1499,8 +1478,9 @@
             </a:pPr>
             <a:r>
               <a:rPr lang="en-US" dirty="0" smtClean="0"/>
-              <a:t>The book of Acts is a record of works done in the name of Jesus.</a:t>
-            </a:r>
+              <a:t>So often the good news of the gospel is presented as an opportunity for us to invite Christ into our lives. This may leave us thinking we have the power to initiate this relationship.</a:t>
+            </a:r>
+            <a:endParaRPr lang="en-US" baseline="0" dirty="0" smtClean="0"/>
           </a:p>
           <a:p>
             <a:pPr marL="171450" indent="-171450">
@@ -1508,8 +1488,16 @@
               <a:buChar char="-"/>
             </a:pPr>
             <a:r>
-              <a:rPr lang="en-US" dirty="0" smtClean="0"/>
-              <a:t>We read about preaching, healing, and deliverance, all done "in His name".</a:t>
+              <a:rPr lang="en-US" baseline="0" dirty="0" smtClean="0"/>
+              <a:t>But this is completely </a:t>
+            </a:r>
+            <a:r>
+              <a:rPr lang="en-US" baseline="0" dirty="0" smtClean="0"/>
+              <a:t>backwards. </a:t>
+            </a:r>
+            <a:r>
+              <a:rPr lang="en-US" baseline="0" dirty="0" smtClean="0"/>
+              <a:t>In fact, we are [powerless][1] to do this. </a:t>
             </a:r>
           </a:p>
           <a:p>
@@ -1518,12 +1506,8 @@
               <a:buChar char="-"/>
             </a:pPr>
             <a:r>
-              <a:rPr lang="en-US" dirty="0" smtClean="0"/>
-              <a:t>It is the outworking of the authority Christ gave His disciples for proclaiming the good news of the kingdom</a:t>
-            </a:r>
-            <a:r>
-              <a:rPr lang="en-US" dirty="0" smtClean="0"/>
-              <a:t>.</a:t>
+              <a:rPr lang="en-US" baseline="0" dirty="0" smtClean="0"/>
+              <a:t>Our relationship with Christ is not initiated by [us first seeking Him][2]:</a:t>
             </a:r>
           </a:p>
           <a:p>
@@ -1532,14 +1516,9 @@
               <a:buChar char="-"/>
             </a:pPr>
             <a:r>
-              <a:rPr lang="en-US" dirty="0" smtClean="0"/>
-              <a:t>Look at an incident that stands out in great</a:t>
-            </a:r>
-            <a:r>
               <a:rPr lang="en-US" baseline="0" dirty="0" smtClean="0"/>
-              <a:t> contrast to the rest of the book</a:t>
-            </a:r>
-            <a:endParaRPr lang="en-US" dirty="0"/>
+              <a:t>He is the one that seeks out us. He invites us to become part of His life and purpose.</a:t>
+            </a:r>
           </a:p>
         </p:txBody>
       </p:sp>
@@ -1560,7 +1539,7 @@
           <a:p>
             <a:fld id="{94A4D452-108C-47F3-BF7B-19C87D349197}" type="slidenum">
               <a:rPr lang="en-US" smtClean="0"/>
-              <a:t>22</a:t>
+              <a:t>17</a:t>
             </a:fld>
             <a:endParaRPr lang="en-US"/>
           </a:p>
@@ -1569,7 +1548,7 @@
     </p:spTree>
     <p:extLst>
       <p:ext uri="{BB962C8B-B14F-4D97-AF65-F5344CB8AC3E}">
-        <p14:creationId xmlns:p14="http://schemas.microsoft.com/office/powerpoint/2010/main" val="3678222960"/>
+        <p14:creationId xmlns:p14="http://schemas.microsoft.com/office/powerpoint/2010/main" val="4097618137"/>
       </p:ext>
     </p:extLst>
   </p:cSld>
@@ -1623,21 +1602,37 @@
           <a:bodyPr/>
           <a:lstStyle/>
           <a:p>
+            <a:pPr marL="171450" marR="0" indent="-171450" algn="l" defTabSz="914400" rtl="0" eaLnBrk="1" fontAlgn="auto" latinLnBrk="0" hangingPunct="1">
+              <a:lnSpc>
+                <a:spcPct val="100000"/>
+              </a:lnSpc>
+              <a:spcBef>
+                <a:spcPts val="0"/>
+              </a:spcBef>
+              <a:spcAft>
+                <a:spcPts val="0"/>
+              </a:spcAft>
+              <a:buClrTx/>
+              <a:buSzTx/>
+              <a:buFontTx/>
+              <a:buChar char="-"/>
+              <a:tabLst/>
+              <a:defRPr/>
+            </a:pPr>
+            <a:r>
+              <a:rPr lang="en-US" baseline="0" dirty="0" smtClean="0"/>
+              <a:t>This is seen clearly in the example of Christ calling His disciples as He began His earthly ministry.  Walking by the Sea of Galilee, he encountered two brothers that were fishermen.</a:t>
+            </a:r>
+            <a:endParaRPr lang="en-US" dirty="0" smtClean="0"/>
+          </a:p>
+          <a:p>
             <a:pPr marL="171450" indent="-171450">
               <a:buFontTx/>
               <a:buChar char="-"/>
             </a:pPr>
             <a:r>
               <a:rPr lang="en-US" dirty="0" smtClean="0"/>
-              <a:t>The term exorcist was applied to those who followed a formulaic approach to casting out </a:t>
-            </a:r>
-            <a:r>
-              <a:rPr lang="en-US" dirty="0" err="1" smtClean="0"/>
-              <a:t>deamons</a:t>
-            </a:r>
-            <a:r>
-              <a:rPr lang="en-US" dirty="0" smtClean="0"/>
-              <a:t> as a profession.</a:t>
+              <a:t>Christ is the one who extended the offer. He was the one that found Peter and Andrew, not the other way around. </a:t>
             </a:r>
           </a:p>
           <a:p>
@@ -1647,7 +1642,7 @@
             </a:pPr>
             <a:r>
               <a:rPr lang="en-US" dirty="0" smtClean="0"/>
-              <a:t>Typically this would be done by either finding out the name of the evil spirit and commanding it to leave by name, or invoking the name of a higher power to command it to leave.</a:t>
+              <a:t>He hinted at the bigger purpose He had for them: becoming "fishers of men" for His kingdom.</a:t>
             </a:r>
           </a:p>
           <a:p>
@@ -1657,7 +1652,7 @@
             </a:pPr>
             <a:r>
               <a:rPr lang="en-US" dirty="0" smtClean="0"/>
-              <a:t>These exorcists had seen or heard of the powerful works done by Paul in the name of Jesus and desired to apply it to their own handiwork.</a:t>
+              <a:t>We may ponder what exactly went through their minds as they accepted the invitation or what they may or may not have known about Jesus at that instant.</a:t>
             </a:r>
           </a:p>
           <a:p>
@@ -1667,9 +1662,8 @@
             </a:pPr>
             <a:r>
               <a:rPr lang="en-US" dirty="0" smtClean="0"/>
-              <a:t>The results were certainly not what they had in mind.</a:t>
-            </a:r>
-            <a:endParaRPr lang="en-US" dirty="0"/>
+              <a:t>But we cannot debate the simple fact that they accepted and followed. Their trust in Jesus began here as they took their first steps with Him.</a:t>
+            </a:r>
           </a:p>
         </p:txBody>
       </p:sp>
@@ -1690,7 +1684,7 @@
           <a:p>
             <a:fld id="{94A4D452-108C-47F3-BF7B-19C87D349197}" type="slidenum">
               <a:rPr lang="en-US" smtClean="0"/>
-              <a:t>23</a:t>
+              <a:t>18</a:t>
             </a:fld>
             <a:endParaRPr lang="en-US"/>
           </a:p>
@@ -1759,15 +1753,7 @@
             </a:pPr>
             <a:r>
               <a:rPr lang="en-US" dirty="0" smtClean="0"/>
-              <a:t>Here the name of Jesus was invoked but authority was totally lacking. The results were </a:t>
-            </a:r>
-            <a:r>
-              <a:rPr lang="en-US" dirty="0" err="1" smtClean="0"/>
-              <a:t>devestating</a:t>
-            </a:r>
-            <a:r>
-              <a:rPr lang="en-US" dirty="0" smtClean="0"/>
-              <a:t>. </a:t>
+              <a:t>After finding and gathering the twelve together, Christ gave them the authority for their ministry, much like the Father had given Him authority for His.</a:t>
             </a:r>
           </a:p>
           <a:p>
@@ -1777,17 +1763,7 @@
             </a:pPr>
             <a:r>
               <a:rPr lang="en-US" dirty="0" smtClean="0"/>
-              <a:t>The problem was not that the authority to cast out demons wasn't available.</a:t>
-            </a:r>
-          </a:p>
-          <a:p>
-            <a:pPr marL="171450" indent="-171450">
-              <a:buFontTx/>
-              <a:buChar char="-"/>
-            </a:pPr>
-            <a:r>
-              <a:rPr lang="en-US" dirty="0" smtClean="0"/>
-              <a:t>In fact, Christ clearly said that this authority extended much further than the twelve.</a:t>
+              <a:t>The works that we see the twelve and others doing during the gospels and book of Acts are possible because of the authority given for this purpose. </a:t>
             </a:r>
             <a:endParaRPr lang="en-US" dirty="0"/>
           </a:p>
@@ -1810,7 +1786,7 @@
           <a:p>
             <a:fld id="{94A4D452-108C-47F3-BF7B-19C87D349197}" type="slidenum">
               <a:rPr lang="en-US" smtClean="0"/>
-              <a:t>24</a:t>
+              <a:t>19</a:t>
             </a:fld>
             <a:endParaRPr lang="en-US"/>
           </a:p>
@@ -1873,34 +1849,7 @@
           <a:bodyPr/>
           <a:lstStyle/>
           <a:p>
-            <a:pPr marL="171450" indent="-171450">
-              <a:buFontTx/>
-              <a:buChar char="-"/>
-            </a:pPr>
-            <a:r>
-              <a:rPr lang="en-US" dirty="0" smtClean="0"/>
-              <a:t>This is all encompassing: it covers everything we do in both word and deed.</a:t>
-            </a:r>
-          </a:p>
-          <a:p>
-            <a:pPr marL="171450" indent="-171450">
-              <a:buFontTx/>
-              <a:buChar char="-"/>
-            </a:pPr>
-            <a:r>
-              <a:rPr lang="en-US" dirty="0" smtClean="0"/>
-              <a:t>If we get this wrong, our words and our actions will be built on the wrong foundation.</a:t>
-            </a:r>
-          </a:p>
-          <a:p>
-            <a:pPr marL="171450" indent="-171450">
-              <a:buFontTx/>
-              <a:buChar char="-"/>
-            </a:pPr>
-            <a:r>
-              <a:rPr lang="en-US" dirty="0" smtClean="0"/>
-              <a:t>Understanding "In His Name" starts with the word "Lord". This is the word for master, or one in authority</a:t>
-            </a:r>
+            <a:endParaRPr lang="en-US"/>
           </a:p>
         </p:txBody>
       </p:sp>
@@ -1921,7 +1870,7 @@
           <a:p>
             <a:fld id="{94A4D452-108C-47F3-BF7B-19C87D349197}" type="slidenum">
               <a:rPr lang="en-US" smtClean="0"/>
-              <a:t>7</a:t>
+              <a:t>2</a:t>
             </a:fld>
             <a:endParaRPr lang="en-US"/>
           </a:p>
@@ -1930,7 +1879,7 @@
     </p:spTree>
     <p:extLst>
       <p:ext uri="{BB962C8B-B14F-4D97-AF65-F5344CB8AC3E}">
-        <p14:creationId xmlns:p14="http://schemas.microsoft.com/office/powerpoint/2010/main" val="1111375434"/>
+        <p14:creationId xmlns:p14="http://schemas.microsoft.com/office/powerpoint/2010/main" val="2083297384"/>
       </p:ext>
     </p:extLst>
   </p:cSld>
@@ -1990,7 +1939,7 @@
             </a:pPr>
             <a:r>
               <a:rPr lang="en-US" dirty="0" smtClean="0"/>
-              <a:t>The missing link is the fact that "these signs" follow out of belief. It is only by faith that the authority for this power can be received. </a:t>
+              <a:t>The authority in proclaiming the kingdom that He shared with His disciples was in anticipation of the future realization of that kingdom on earth, when they would rule together in authority in that kingdom. </a:t>
             </a:r>
           </a:p>
           <a:p>
@@ -2000,7 +1949,7 @@
             </a:pPr>
             <a:r>
               <a:rPr lang="en-US" dirty="0" smtClean="0"/>
-              <a:t>This is not a mere belief in the existence of Jesus, which the exorcists no doubt had. It is a firm conviction of who He really is.</a:t>
+              <a:t>This emphasis on purpose is not to minimize the importance of redemption in any way.</a:t>
             </a:r>
           </a:p>
           <a:p>
@@ -2010,7 +1959,7 @@
             </a:pPr>
             <a:r>
               <a:rPr lang="en-US" dirty="0" smtClean="0"/>
-              <a:t>The context of Mark 16 is the resurrection of Christ. Here "believe" means belief in Christ as the resurrected Messiah.</a:t>
+              <a:t>In fact, the regeneration that Jesus speaks of here is completely impossible without the plan of redemption.</a:t>
             </a:r>
             <a:endParaRPr lang="en-US" dirty="0"/>
           </a:p>
@@ -2033,7 +1982,7 @@
           <a:p>
             <a:fld id="{94A4D452-108C-47F3-BF7B-19C87D349197}" type="slidenum">
               <a:rPr lang="en-US" smtClean="0"/>
-              <a:t>25</a:t>
+              <a:t>20</a:t>
             </a:fld>
             <a:endParaRPr lang="en-US"/>
           </a:p>
@@ -2101,8 +2050,16 @@
               <a:buChar char="-"/>
             </a:pPr>
             <a:r>
+              <a:rPr lang="en-US" dirty="0" smtClean="0"/>
+              <a:t>Redemption</a:t>
+            </a:r>
+            <a:r>
               <a:rPr lang="en-US" baseline="0" dirty="0" smtClean="0"/>
-              <a:t>In Acts chapter 3, Peter illustrates belief in the resurrected Christ as the basis for work done "in His name".</a:t>
+              <a:t> is what </a:t>
+            </a:r>
+            <a:r>
+              <a:rPr lang="en-US" dirty="0" smtClean="0"/>
+              <a:t>enables the Father's purpose. To present the good news without His purpose is to present an incomplete gospel.</a:t>
             </a:r>
           </a:p>
           <a:p>
@@ -2111,25 +2068,9 @@
               <a:buChar char="-"/>
             </a:pPr>
             <a:r>
-              <a:rPr lang="en-US" baseline="0" dirty="0" smtClean="0"/>
-              <a:t>When entering the temple for prayer with John, they encounter a man lame from birth at the gate.</a:t>
-            </a:r>
-          </a:p>
-          <a:p>
-            <a:pPr marL="171450" indent="-171450">
-              <a:buFontTx/>
-              <a:buChar char="-"/>
-            </a:pPr>
-            <a:r>
-              <a:rPr lang="en-US" baseline="0" dirty="0" smtClean="0"/>
-              <a:t>Here the name of Jesus was invoked and the power followed.</a:t>
-            </a:r>
-          </a:p>
-          <a:p>
-            <a:pPr marL="171450" indent="-171450">
-              <a:buFontTx/>
-              <a:buChar char="-"/>
-            </a:pPr>
+              <a:rPr lang="en-US" dirty="0" smtClean="0"/>
+              <a:t>Just as Christ invited His disciples to follow Him in His earthly ministry, He is inviting us to be a part of what He is doing in His heavenly ministry. </a:t>
+            </a:r>
             <a:endParaRPr lang="en-US" dirty="0"/>
           </a:p>
         </p:txBody>
@@ -2151,7 +2092,7 @@
           <a:p>
             <a:fld id="{94A4D452-108C-47F3-BF7B-19C87D349197}" type="slidenum">
               <a:rPr lang="en-US" smtClean="0"/>
-              <a:t>26</a:t>
+              <a:t>21</a:t>
             </a:fld>
             <a:endParaRPr lang="en-US"/>
           </a:p>
@@ -2160,7 +2101,7 @@
     </p:spTree>
     <p:extLst>
       <p:ext uri="{BB962C8B-B14F-4D97-AF65-F5344CB8AC3E}">
-        <p14:creationId xmlns:p14="http://schemas.microsoft.com/office/powerpoint/2010/main" val="2821790612"/>
+        <p14:creationId xmlns:p14="http://schemas.microsoft.com/office/powerpoint/2010/main" val="603523288"/>
       </p:ext>
     </p:extLst>
   </p:cSld>
@@ -2220,7 +2161,7 @@
             </a:pPr>
             <a:r>
               <a:rPr lang="en-US" dirty="0" smtClean="0"/>
-              <a:t>Peter goes on to explain the healing to the people at the temple.</a:t>
+              <a:t>The book of Acts is a record of works done in the name of Jesus.</a:t>
             </a:r>
           </a:p>
           <a:p>
@@ -2230,7 +2171,7 @@
             </a:pPr>
             <a:r>
               <a:rPr lang="en-US" dirty="0" smtClean="0"/>
-              <a:t>It was the power of Christ at work here: His Name stands for His authority. This time, the basis of faith was present. </a:t>
+              <a:t>We read about preaching, healing, and deliverance, all done "in His name".</a:t>
             </a:r>
           </a:p>
           <a:p>
@@ -2240,15 +2181,21 @@
             </a:pPr>
             <a:r>
               <a:rPr lang="en-US" dirty="0" smtClean="0"/>
-              <a:t>Faith was the link in the chain that made it possible - the </a:t>
-            </a:r>
-            <a:r>
-              <a:rPr lang="en-US" dirty="0" smtClean="0"/>
-              <a:t>faith here is not the lame man's, it is Peter's faith in the resurrected </a:t>
-            </a:r>
-            <a:r>
-              <a:rPr lang="en-US" dirty="0" smtClean="0"/>
-              <a:t>Christ.</a:t>
+              <a:t>It is the outworking of the authority Christ gave His disciples for proclaiming the good news of the kingdom.</a:t>
+            </a:r>
+          </a:p>
+          <a:p>
+            <a:pPr marL="171450" indent="-171450">
+              <a:buFontTx/>
+              <a:buChar char="-"/>
+            </a:pPr>
+            <a:r>
+              <a:rPr lang="en-US" dirty="0" smtClean="0"/>
+              <a:t>Look at an incident that stands out in great</a:t>
+            </a:r>
+            <a:r>
+              <a:rPr lang="en-US" baseline="0" dirty="0" smtClean="0"/>
+              <a:t> contrast to the rest of the book</a:t>
             </a:r>
             <a:endParaRPr lang="en-US" dirty="0"/>
           </a:p>
@@ -2271,7 +2218,7 @@
           <a:p>
             <a:fld id="{94A4D452-108C-47F3-BF7B-19C87D349197}" type="slidenum">
               <a:rPr lang="en-US" smtClean="0"/>
-              <a:t>27</a:t>
+              <a:t>22</a:t>
             </a:fld>
             <a:endParaRPr lang="en-US"/>
           </a:p>
@@ -2280,7 +2227,7 @@
     </p:spTree>
     <p:extLst>
       <p:ext uri="{BB962C8B-B14F-4D97-AF65-F5344CB8AC3E}">
-        <p14:creationId xmlns:p14="http://schemas.microsoft.com/office/powerpoint/2010/main" val="2821790612"/>
+        <p14:creationId xmlns:p14="http://schemas.microsoft.com/office/powerpoint/2010/main" val="3678222960"/>
       </p:ext>
     </p:extLst>
   </p:cSld>
@@ -2340,7 +2287,15 @@
             </a:pPr>
             <a:r>
               <a:rPr lang="en-US" dirty="0" smtClean="0"/>
-              <a:t>Trust in the resurrected Christ is central to all of God's purposes.</a:t>
+              <a:t>The term exorcist was applied to those who followed a formulaic approach to casting out </a:t>
+            </a:r>
+            <a:r>
+              <a:rPr lang="en-US" dirty="0" err="1" smtClean="0"/>
+              <a:t>deamons</a:t>
+            </a:r>
+            <a:r>
+              <a:rPr lang="en-US" dirty="0" smtClean="0"/>
+              <a:t> as a profession.</a:t>
             </a:r>
           </a:p>
           <a:p>
@@ -2350,7 +2305,7 @@
             </a:pPr>
             <a:r>
               <a:rPr lang="en-US" dirty="0" smtClean="0"/>
-              <a:t>God invites to be a part of His purpose, but without a response of trust, there really can be no relationship.</a:t>
+              <a:t>Typically this would be done by either finding out the name of the evil spirit and commanding it to leave by name, or invoking the name of a higher power to command it to leave.</a:t>
             </a:r>
           </a:p>
           <a:p>
@@ -2360,11 +2315,7 @@
             </a:pPr>
             <a:r>
               <a:rPr lang="en-US" dirty="0" smtClean="0"/>
-              <a:t>There isn't power in His name if there is no relationship with Him</a:t>
-            </a:r>
-            <a:r>
-              <a:rPr lang="en-US" dirty="0" smtClean="0"/>
-              <a:t>.</a:t>
+              <a:t>These exorcists had seen or heard of the powerful works done by Paul in the name of Jesus and desired to apply it to their own handiwork.</a:t>
             </a:r>
           </a:p>
           <a:p>
@@ -2374,13 +2325,9 @@
             </a:pPr>
             <a:r>
               <a:rPr lang="en-US" dirty="0" smtClean="0"/>
-              <a:t>You</a:t>
-            </a:r>
-            <a:r>
-              <a:rPr lang="en-US" baseline="0" dirty="0" smtClean="0"/>
-              <a:t> can’t use something you don’t have</a:t>
-            </a:r>
-            <a:endParaRPr lang="en-US" dirty="0" smtClean="0"/>
+              <a:t>The results were certainly not what they had in mind.</a:t>
+            </a:r>
+            <a:endParaRPr lang="en-US" dirty="0"/>
           </a:p>
         </p:txBody>
       </p:sp>
@@ -2401,7 +2348,7 @@
           <a:p>
             <a:fld id="{94A4D452-108C-47F3-BF7B-19C87D349197}" type="slidenum">
               <a:rPr lang="en-US" smtClean="0"/>
-              <a:t>28</a:t>
+              <a:t>23</a:t>
             </a:fld>
             <a:endParaRPr lang="en-US"/>
           </a:p>
@@ -2410,7 +2357,7 @@
     </p:spTree>
     <p:extLst>
       <p:ext uri="{BB962C8B-B14F-4D97-AF65-F5344CB8AC3E}">
-        <p14:creationId xmlns:p14="http://schemas.microsoft.com/office/powerpoint/2010/main" val="3526839619"/>
+        <p14:creationId xmlns:p14="http://schemas.microsoft.com/office/powerpoint/2010/main" val="2821790612"/>
       </p:ext>
     </p:extLst>
   </p:cSld>
@@ -2470,7 +2417,15 @@
             </a:pPr>
             <a:r>
               <a:rPr lang="en-US" dirty="0" smtClean="0"/>
-              <a:t>The phrase "enter the Kingdom" is often used as a way to describe personal salvation.</a:t>
+              <a:t>Here the name of Jesus was invoked but authority was totally lacking. The results were </a:t>
+            </a:r>
+            <a:r>
+              <a:rPr lang="en-US" dirty="0" err="1" smtClean="0"/>
+              <a:t>devestating</a:t>
+            </a:r>
+            <a:r>
+              <a:rPr lang="en-US" dirty="0" smtClean="0"/>
+              <a:t>. </a:t>
             </a:r>
           </a:p>
           <a:p>
@@ -2480,7 +2435,7 @@
             </a:pPr>
             <a:r>
               <a:rPr lang="en-US" dirty="0" smtClean="0"/>
-              <a:t>When someone puts their trust in Christ, they are said to have "entered the kingdom".</a:t>
+              <a:t>The problem was not that the authority to cast out demons wasn't available.</a:t>
             </a:r>
           </a:p>
           <a:p>
@@ -2490,10 +2445,8 @@
             </a:pPr>
             <a:r>
               <a:rPr lang="en-US" dirty="0" smtClean="0"/>
-              <a:t>But when we look at how this phrase is actually used by Christ, a different picture begins to emerge.</a:t>
-            </a:r>
-          </a:p>
-          <a:p>
+              <a:t>In fact, Christ clearly said that this authority extended much further than the twelve.</a:t>
+            </a:r>
             <a:endParaRPr lang="en-US" dirty="0"/>
           </a:p>
         </p:txBody>
@@ -2515,7 +2468,7 @@
           <a:p>
             <a:fld id="{94A4D452-108C-47F3-BF7B-19C87D349197}" type="slidenum">
               <a:rPr lang="en-US" smtClean="0"/>
-              <a:t>29</a:t>
+              <a:t>24</a:t>
             </a:fld>
             <a:endParaRPr lang="en-US"/>
           </a:p>
@@ -2524,7 +2477,7 @@
     </p:spTree>
     <p:extLst>
       <p:ext uri="{BB962C8B-B14F-4D97-AF65-F5344CB8AC3E}">
-        <p14:creationId xmlns:p14="http://schemas.microsoft.com/office/powerpoint/2010/main" val="287686289"/>
+        <p14:creationId xmlns:p14="http://schemas.microsoft.com/office/powerpoint/2010/main" val="2821790612"/>
       </p:ext>
     </p:extLst>
   </p:cSld>
@@ -2584,7 +2537,7 @@
             </a:pPr>
             <a:r>
               <a:rPr lang="en-US" dirty="0" smtClean="0"/>
-              <a:t>Entering the kingdom was not just about identifying Jesus as Lord, it was about doing the will of His Father.</a:t>
+              <a:t>The missing link is the fact that "these signs" follow out of belief. It is only by faith that the authority for this power can be received. </a:t>
             </a:r>
           </a:p>
           <a:p>
@@ -2594,7 +2547,7 @@
             </a:pPr>
             <a:r>
               <a:rPr lang="en-US" dirty="0" smtClean="0"/>
-              <a:t>Above and beyond faith alone, this required works.</a:t>
+              <a:t>This is not a mere belief in the existence of Jesus, which the exorcists no doubt had. It is a firm conviction of who He really is.</a:t>
             </a:r>
           </a:p>
           <a:p>
@@ -2604,7 +2557,7 @@
             </a:pPr>
             <a:r>
               <a:rPr lang="en-US" dirty="0" smtClean="0"/>
-              <a:t>This was a warning to those who were believers, not to those who didn't trust Christ in the first place.</a:t>
+              <a:t>The context of Mark 16 is the resurrection of Christ. Here "believe" means belief in Christ as the resurrected Messiah.</a:t>
             </a:r>
             <a:endParaRPr lang="en-US" dirty="0"/>
           </a:p>
@@ -2627,7 +2580,7 @@
           <a:p>
             <a:fld id="{94A4D452-108C-47F3-BF7B-19C87D349197}" type="slidenum">
               <a:rPr lang="en-US" smtClean="0"/>
-              <a:t>30</a:t>
+              <a:t>25</a:t>
             </a:fld>
             <a:endParaRPr lang="en-US"/>
           </a:p>
@@ -2695,8 +2648,8 @@
               <a:buChar char="-"/>
             </a:pPr>
             <a:r>
-              <a:rPr lang="en-US" dirty="0" smtClean="0"/>
-              <a:t>There is no indication that the works done here were not genuine. In fact, these were the very signs that were support to follow them that believed.</a:t>
+              <a:rPr lang="en-US" baseline="0" dirty="0" smtClean="0"/>
+              <a:t>In Acts chapter 3, Peter illustrates belief in the resurrected Christ as the basis for work done "in His name".</a:t>
             </a:r>
           </a:p>
           <a:p>
@@ -2705,41 +2658,41 @@
               <a:buChar char="-"/>
             </a:pPr>
             <a:r>
-              <a:rPr lang="en-US" dirty="0" smtClean="0"/>
-              <a:t>And yet, entrance to the kingdom was denied</a:t>
-            </a:r>
-            <a:r>
-              <a:rPr lang="en-US" dirty="0" smtClean="0"/>
-              <a:t>.</a:t>
-            </a:r>
-          </a:p>
-          <a:p>
-            <a:pPr marL="171450" marR="0" indent="-171450" algn="l" defTabSz="914400" rtl="0" eaLnBrk="1" fontAlgn="auto" latinLnBrk="0" hangingPunct="1">
-              <a:lnSpc>
-                <a:spcPct val="100000"/>
-              </a:lnSpc>
-              <a:spcBef>
-                <a:spcPts val="0"/>
-              </a:spcBef>
-              <a:spcAft>
-                <a:spcPts val="0"/>
-              </a:spcAft>
-              <a:buClrTx/>
-              <a:buSzTx/>
+              <a:rPr lang="en-US" baseline="0" dirty="0" smtClean="0"/>
+              <a:t>When entering the temple for prayer with John, they encounter a man lame from birth at the gate.</a:t>
+            </a:r>
+          </a:p>
+          <a:p>
+            <a:pPr marL="171450" indent="-171450">
               <a:buFontTx/>
               <a:buChar char="-"/>
-              <a:tabLst/>
-              <a:defRPr/>
-            </a:pPr>
-            <a:r>
-              <a:rPr lang="en-US" dirty="0" smtClean="0"/>
-              <a:t>Christ goes on to explain with the lesson</a:t>
-            </a:r>
+            </a:pPr>
             <a:r>
               <a:rPr lang="en-US" baseline="0" dirty="0" smtClean="0"/>
-              <a:t> of the builders</a:t>
-            </a:r>
-            <a:endParaRPr lang="en-US" dirty="0" smtClean="0"/>
+              <a:t>Here the name of Jesus was invoked and the power followed</a:t>
+            </a:r>
+            <a:r>
+              <a:rPr lang="en-US" baseline="0" dirty="0" smtClean="0"/>
+              <a:t>.</a:t>
+            </a:r>
+          </a:p>
+          <a:p>
+            <a:pPr marL="171450" indent="-171450">
+              <a:buFontTx/>
+              <a:buChar char="-"/>
+            </a:pPr>
+            <a:r>
+              <a:rPr lang="en-US" baseline="0" dirty="0" smtClean="0"/>
+              <a:t>What’s different this time?</a:t>
+            </a:r>
+            <a:endParaRPr lang="en-US" baseline="0" dirty="0" smtClean="0"/>
+          </a:p>
+          <a:p>
+            <a:pPr marL="171450" indent="-171450">
+              <a:buFontTx/>
+              <a:buChar char="-"/>
+            </a:pPr>
+            <a:endParaRPr lang="en-US" dirty="0"/>
           </a:p>
         </p:txBody>
       </p:sp>
@@ -2760,7 +2713,7 @@
           <a:p>
             <a:fld id="{94A4D452-108C-47F3-BF7B-19C87D349197}" type="slidenum">
               <a:rPr lang="en-US" smtClean="0"/>
-              <a:t>31</a:t>
+              <a:t>26</a:t>
             </a:fld>
             <a:endParaRPr lang="en-US"/>
           </a:p>
@@ -2827,7 +2780,31 @@
               <a:buFontTx/>
               <a:buChar char="-"/>
             </a:pPr>
-            <a:endParaRPr lang="en-US" dirty="0" smtClean="0"/>
+            <a:r>
+              <a:rPr lang="en-US" dirty="0" smtClean="0"/>
+              <a:t>Peter goes on to explain the healing to the people at the temple.</a:t>
+            </a:r>
+          </a:p>
+          <a:p>
+            <a:pPr marL="171450" indent="-171450">
+              <a:buFontTx/>
+              <a:buChar char="-"/>
+            </a:pPr>
+            <a:r>
+              <a:rPr lang="en-US" dirty="0" smtClean="0"/>
+              <a:t>It was the power of Christ at work here: His Name stands for His authority. This time, the basis of faith was present. </a:t>
+            </a:r>
+          </a:p>
+          <a:p>
+            <a:pPr marL="171450" indent="-171450">
+              <a:buFontTx/>
+              <a:buChar char="-"/>
+            </a:pPr>
+            <a:r>
+              <a:rPr lang="en-US" dirty="0" smtClean="0"/>
+              <a:t>Faith was the link in the chain that made it possible - the faith here is not the lame man's, it is Peter's faith in the resurrected Christ.</a:t>
+            </a:r>
+            <a:endParaRPr lang="en-US" dirty="0"/>
           </a:p>
         </p:txBody>
       </p:sp>
@@ -2848,7 +2825,7 @@
           <a:p>
             <a:fld id="{94A4D452-108C-47F3-BF7B-19C87D349197}" type="slidenum">
               <a:rPr lang="en-US" smtClean="0"/>
-              <a:t>32</a:t>
+              <a:t>27</a:t>
             </a:fld>
             <a:endParaRPr lang="en-US"/>
           </a:p>
@@ -2917,13 +2894,8 @@
             </a:pPr>
             <a:r>
               <a:rPr lang="en-US" dirty="0" smtClean="0"/>
-              <a:t>Again, the example of the builders illustrates the fact that works are in view here, not just faith alone. They are each building something,</a:t>
-            </a:r>
-            <a:r>
-              <a:rPr lang="en-US" baseline="0" dirty="0" smtClean="0"/>
-              <a:t> but on very different foundations.</a:t>
-            </a:r>
-            <a:endParaRPr lang="en-US" dirty="0" smtClean="0"/>
+              <a:t>Trust in the resurrected Christ is central to all of God's purposes.</a:t>
+            </a:r>
           </a:p>
           <a:p>
             <a:pPr marL="171450" indent="-171450">
@@ -2932,7 +2904,7 @@
             </a:pPr>
             <a:r>
               <a:rPr lang="en-US" dirty="0" smtClean="0"/>
-              <a:t>The question is whether the works will stand when tested.</a:t>
+              <a:t>God invites to be a part of His purpose, but without a response of trust, there really can be no relationship.</a:t>
             </a:r>
           </a:p>
           <a:p>
@@ -2942,9 +2914,23 @@
             </a:pPr>
             <a:r>
               <a:rPr lang="en-US" dirty="0" smtClean="0"/>
-              <a:t>What are the words that Christ is referring to here? Just a few versus earlier in this chapter we get a concise summary.</a:t>
-            </a:r>
-            <a:endParaRPr lang="en-US" dirty="0"/>
+              <a:t>There isn't power in His name if there is no relationship with Him.</a:t>
+            </a:r>
+          </a:p>
+          <a:p>
+            <a:pPr marL="171450" indent="-171450">
+              <a:buFontTx/>
+              <a:buChar char="-"/>
+            </a:pPr>
+            <a:r>
+              <a:rPr lang="en-US" dirty="0" smtClean="0"/>
+              <a:t>You</a:t>
+            </a:r>
+            <a:r>
+              <a:rPr lang="en-US" baseline="0" dirty="0" smtClean="0"/>
+              <a:t> can’t use something you don’t have</a:t>
+            </a:r>
+            <a:endParaRPr lang="en-US" dirty="0" smtClean="0"/>
           </a:p>
         </p:txBody>
       </p:sp>
@@ -2965,7 +2951,7 @@
           <a:p>
             <a:fld id="{94A4D452-108C-47F3-BF7B-19C87D349197}" type="slidenum">
               <a:rPr lang="en-US" smtClean="0"/>
-              <a:t>33</a:t>
+              <a:t>28</a:t>
             </a:fld>
             <a:endParaRPr lang="en-US"/>
           </a:p>
@@ -2974,7 +2960,7 @@
     </p:spTree>
     <p:extLst>
       <p:ext uri="{BB962C8B-B14F-4D97-AF65-F5344CB8AC3E}">
-        <p14:creationId xmlns:p14="http://schemas.microsoft.com/office/powerpoint/2010/main" val="2821790612"/>
+        <p14:creationId xmlns:p14="http://schemas.microsoft.com/office/powerpoint/2010/main" val="3526839619"/>
       </p:ext>
     </p:extLst>
   </p:cSld>
@@ -3034,7 +3020,7 @@
             </a:pPr>
             <a:r>
               <a:rPr lang="en-US" dirty="0" smtClean="0"/>
-              <a:t>Christ didn't come to abolish the law, he came to fulfill it. </a:t>
+              <a:t>The phrase "enter the Kingdom" is often used as a way to describe personal salvation.</a:t>
             </a:r>
           </a:p>
           <a:p>
@@ -3044,7 +3030,7 @@
             </a:pPr>
             <a:r>
               <a:rPr lang="en-US" dirty="0" smtClean="0"/>
-              <a:t>He has summed up the law in a nutshell.</a:t>
+              <a:t>When someone puts their trust in Christ, they are said to have "entered the kingdom".</a:t>
             </a:r>
           </a:p>
           <a:p>
@@ -3054,18 +3040,10 @@
             </a:pPr>
             <a:r>
               <a:rPr lang="en-US" dirty="0" smtClean="0"/>
-              <a:t>Here in Matthew, entering the Kingdom isn't about redemption or initial salvation, it is a reward for faithful service done lawfully.</a:t>
-            </a:r>
-          </a:p>
-          <a:p>
-            <a:pPr marL="171450" indent="-171450">
-              <a:buFontTx/>
-              <a:buChar char="-"/>
-            </a:pPr>
-            <a:r>
-              <a:rPr lang="en-US" dirty="0" smtClean="0"/>
-              <a:t>Those entering the kingdom could look forward to ruling with Christ in a position of authority. </a:t>
-            </a:r>
+              <a:t>But when we look at how this phrase is actually used by Christ, a different picture begins to emerge.</a:t>
+            </a:r>
+          </a:p>
+          <a:p>
             <a:endParaRPr lang="en-US" dirty="0"/>
           </a:p>
         </p:txBody>
@@ -3087,7 +3065,7 @@
           <a:p>
             <a:fld id="{94A4D452-108C-47F3-BF7B-19C87D349197}" type="slidenum">
               <a:rPr lang="en-US" smtClean="0"/>
-              <a:t>34</a:t>
+              <a:t>29</a:t>
             </a:fld>
             <a:endParaRPr lang="en-US"/>
           </a:p>
@@ -3096,7 +3074,7 @@
     </p:spTree>
     <p:extLst>
       <p:ext uri="{BB962C8B-B14F-4D97-AF65-F5344CB8AC3E}">
-        <p14:creationId xmlns:p14="http://schemas.microsoft.com/office/powerpoint/2010/main" val="2821790612"/>
+        <p14:creationId xmlns:p14="http://schemas.microsoft.com/office/powerpoint/2010/main" val="287686289"/>
       </p:ext>
     </p:extLst>
   </p:cSld>
@@ -3150,47 +3128,7 @@
           <a:bodyPr/>
           <a:lstStyle/>
           <a:p>
-            <a:pPr marL="171450" indent="-171450">
-              <a:buFontTx/>
-              <a:buChar char="-"/>
-            </a:pPr>
-            <a:r>
-              <a:rPr lang="en-US" dirty="0" smtClean="0"/>
-              <a:t>This is clear in Philippians, where Paul writes about every knee bowing</a:t>
-            </a:r>
-            <a:r>
-              <a:rPr lang="en-US" baseline="0" dirty="0" smtClean="0"/>
-              <a:t> at </a:t>
-            </a:r>
-            <a:r>
-              <a:rPr lang="en-US" dirty="0" smtClean="0"/>
-              <a:t>the name of Jesus</a:t>
-            </a:r>
-          </a:p>
-          <a:p>
-            <a:pPr marL="171450" indent="-171450">
-              <a:buFontTx/>
-              <a:buChar char="-"/>
-            </a:pPr>
-            <a:r>
-              <a:rPr lang="en-US" dirty="0" smtClean="0"/>
-              <a:t>In other words, The name of Jesus is used to represent His authority as Lord.</a:t>
-            </a:r>
-          </a:p>
-          <a:p>
-            <a:pPr marL="171450" indent="-171450">
-              <a:buFontTx/>
-              <a:buChar char="-"/>
-            </a:pPr>
-            <a:r>
-              <a:rPr lang="en-US" dirty="0" smtClean="0"/>
-              <a:t>The way we are going to start studying “in His name” is by</a:t>
-            </a:r>
-            <a:r>
-              <a:rPr lang="en-US" baseline="0" dirty="0" smtClean="0"/>
-              <a:t> understanding the Authority of Christ Himself</a:t>
-            </a:r>
-            <a:endParaRPr lang="en-US" dirty="0" smtClean="0"/>
+            <a:endParaRPr lang="en-US"/>
           </a:p>
         </p:txBody>
       </p:sp>
@@ -3211,7 +3149,7 @@
           <a:p>
             <a:fld id="{94A4D452-108C-47F3-BF7B-19C87D349197}" type="slidenum">
               <a:rPr lang="en-US" smtClean="0"/>
-              <a:t>8</a:t>
+              <a:t>3</a:t>
             </a:fld>
             <a:endParaRPr lang="en-US"/>
           </a:p>
@@ -3220,7 +3158,7 @@
     </p:spTree>
     <p:extLst>
       <p:ext uri="{BB962C8B-B14F-4D97-AF65-F5344CB8AC3E}">
-        <p14:creationId xmlns:p14="http://schemas.microsoft.com/office/powerpoint/2010/main" val="458611417"/>
+        <p14:creationId xmlns:p14="http://schemas.microsoft.com/office/powerpoint/2010/main" val="3747522228"/>
       </p:ext>
     </p:extLst>
   </p:cSld>
@@ -3280,7 +3218,7 @@
             </a:pPr>
             <a:r>
               <a:rPr lang="en-US" dirty="0" smtClean="0"/>
-              <a:t>There can be no faithfulness if there is not first faith.</a:t>
+              <a:t>Entering the kingdom was not just about identifying Jesus as Lord, it was about doing the will of His Father.</a:t>
             </a:r>
           </a:p>
           <a:p>
@@ -3290,7 +3228,7 @@
             </a:pPr>
             <a:r>
               <a:rPr lang="en-US" dirty="0" smtClean="0"/>
-              <a:t>The faithful servant aligns himself with the will of God.</a:t>
+              <a:t>Above and beyond faith alone, this required works.</a:t>
             </a:r>
           </a:p>
           <a:p>
@@ -3300,17 +3238,7 @@
             </a:pPr>
             <a:r>
               <a:rPr lang="en-US" dirty="0" smtClean="0"/>
-              <a:t>This is not possible with efforts of the flesh, it requires the very power of God.</a:t>
-            </a:r>
-          </a:p>
-          <a:p>
-            <a:pPr marL="171450" indent="-171450">
-              <a:buFontTx/>
-              <a:buChar char="-"/>
-            </a:pPr>
-            <a:r>
-              <a:rPr lang="en-US" dirty="0" smtClean="0"/>
-              <a:t>This is what Christ meant when he said "With men it is impossible, but not with God: for with God all things are possible."</a:t>
+              <a:t>This was a warning to those who were believers, not to those who didn't trust Christ in the first place.</a:t>
             </a:r>
             <a:endParaRPr lang="en-US" dirty="0"/>
           </a:p>
@@ -3333,7 +3261,7 @@
           <a:p>
             <a:fld id="{94A4D452-108C-47F3-BF7B-19C87D349197}" type="slidenum">
               <a:rPr lang="en-US" smtClean="0"/>
-              <a:t>35</a:t>
+              <a:t>30</a:t>
             </a:fld>
             <a:endParaRPr lang="en-US"/>
           </a:p>
@@ -3342,7 +3270,7 @@
     </p:spTree>
     <p:extLst>
       <p:ext uri="{BB962C8B-B14F-4D97-AF65-F5344CB8AC3E}">
-        <p14:creationId xmlns:p14="http://schemas.microsoft.com/office/powerpoint/2010/main" val="1358906999"/>
+        <p14:creationId xmlns:p14="http://schemas.microsoft.com/office/powerpoint/2010/main" val="2821790612"/>
       </p:ext>
     </p:extLst>
   </p:cSld>
@@ -3396,11 +3324,52 @@
           <a:bodyPr/>
           <a:lstStyle/>
           <a:p>
-            <a:r>
-              <a:rPr lang="en-US" dirty="0" smtClean="0"/>
-              <a:t>Returning to the theme verse once again, we still have to examine the second part of the verse.</a:t>
-            </a:r>
-            <a:endParaRPr lang="en-US" dirty="0"/>
+            <a:pPr marL="171450" indent="-171450">
+              <a:buFontTx/>
+              <a:buChar char="-"/>
+            </a:pPr>
+            <a:r>
+              <a:rPr lang="en-US" dirty="0" smtClean="0"/>
+              <a:t>There is no indication that the works done here were not genuine. In fact, these were the very signs that were support to follow them that believed.</a:t>
+            </a:r>
+          </a:p>
+          <a:p>
+            <a:pPr marL="171450" indent="-171450">
+              <a:buFontTx/>
+              <a:buChar char="-"/>
+            </a:pPr>
+            <a:r>
+              <a:rPr lang="en-US" dirty="0" smtClean="0"/>
+              <a:t>And yet, entrance to the kingdom was denied.</a:t>
+            </a:r>
+          </a:p>
+          <a:p>
+            <a:pPr marL="171450" marR="0" indent="-171450" algn="l" defTabSz="914400" rtl="0" eaLnBrk="1" fontAlgn="auto" latinLnBrk="0" hangingPunct="1">
+              <a:lnSpc>
+                <a:spcPct val="100000"/>
+              </a:lnSpc>
+              <a:spcBef>
+                <a:spcPts val="0"/>
+              </a:spcBef>
+              <a:spcAft>
+                <a:spcPts val="0"/>
+              </a:spcAft>
+              <a:buClrTx/>
+              <a:buSzTx/>
+              <a:buFontTx/>
+              <a:buChar char="-"/>
+              <a:tabLst/>
+              <a:defRPr/>
+            </a:pPr>
+            <a:r>
+              <a:rPr lang="en-US" dirty="0" smtClean="0"/>
+              <a:t>Christ goes on to explain with the lesson</a:t>
+            </a:r>
+            <a:r>
+              <a:rPr lang="en-US" baseline="0" dirty="0" smtClean="0"/>
+              <a:t> of the builders</a:t>
+            </a:r>
+            <a:endParaRPr lang="en-US" dirty="0" smtClean="0"/>
           </a:p>
         </p:txBody>
       </p:sp>
@@ -3421,7 +3390,7 @@
           <a:p>
             <a:fld id="{94A4D452-108C-47F3-BF7B-19C87D349197}" type="slidenum">
               <a:rPr lang="en-US" smtClean="0"/>
-              <a:t>36</a:t>
+              <a:t>31</a:t>
             </a:fld>
             <a:endParaRPr lang="en-US"/>
           </a:p>
@@ -3430,7 +3399,7 @@
     </p:spTree>
     <p:extLst>
       <p:ext uri="{BB962C8B-B14F-4D97-AF65-F5344CB8AC3E}">
-        <p14:creationId xmlns:p14="http://schemas.microsoft.com/office/powerpoint/2010/main" val="3254432649"/>
+        <p14:creationId xmlns:p14="http://schemas.microsoft.com/office/powerpoint/2010/main" val="2821790612"/>
       </p:ext>
     </p:extLst>
   </p:cSld>
@@ -3488,31 +3457,7 @@
               <a:buFontTx/>
               <a:buChar char="-"/>
             </a:pPr>
-            <a:r>
-              <a:rPr lang="en-US" dirty="0" smtClean="0"/>
-              <a:t>What does giving thanks to God the Father have to do with doing everything "in the name of the Lord Jesus"?</a:t>
-            </a:r>
-          </a:p>
-          <a:p>
-            <a:pPr marL="171450" indent="-171450">
-              <a:buFontTx/>
-              <a:buChar char="-"/>
-            </a:pPr>
-            <a:r>
-              <a:rPr lang="en-US" dirty="0" smtClean="0"/>
-              <a:t>Why does Paul mention this here?</a:t>
-            </a:r>
-          </a:p>
-          <a:p>
-            <a:pPr marL="171450" indent="-171450">
-              <a:buFontTx/>
-              <a:buChar char="-"/>
-            </a:pPr>
-            <a:r>
-              <a:rPr lang="en-US" dirty="0" smtClean="0"/>
-              <a:t>Looking back to the first chapter of Colossians, we find our answer.</a:t>
-            </a:r>
-            <a:endParaRPr lang="en-US" dirty="0"/>
+            <a:endParaRPr lang="en-US" dirty="0" smtClean="0"/>
           </a:p>
         </p:txBody>
       </p:sp>
@@ -3533,7 +3478,7 @@
           <a:p>
             <a:fld id="{94A4D452-108C-47F3-BF7B-19C87D349197}" type="slidenum">
               <a:rPr lang="en-US" smtClean="0"/>
-              <a:t>37</a:t>
+              <a:t>32</a:t>
             </a:fld>
             <a:endParaRPr lang="en-US"/>
           </a:p>
@@ -3602,8 +3547,13 @@
             </a:pPr>
             <a:r>
               <a:rPr lang="en-US" dirty="0" smtClean="0"/>
-              <a:t>It is always God that qualifies those He calls.</a:t>
-            </a:r>
+              <a:t>Again, the example of the builders illustrates the fact that works are in view here, not just faith alone. They are each building something,</a:t>
+            </a:r>
+            <a:r>
+              <a:rPr lang="en-US" baseline="0" dirty="0" smtClean="0"/>
+              <a:t> but on very different foundations.</a:t>
+            </a:r>
+            <a:endParaRPr lang="en-US" dirty="0" smtClean="0"/>
           </a:p>
           <a:p>
             <a:pPr marL="171450" indent="-171450">
@@ -3612,7 +3562,7 @@
             </a:pPr>
             <a:r>
               <a:rPr lang="en-US" dirty="0" smtClean="0"/>
-              <a:t>He has prepared an inheritance and wants us to be part of it.</a:t>
+              <a:t>The question is whether the works will stand when tested.</a:t>
             </a:r>
           </a:p>
           <a:p>
@@ -3622,17 +3572,7 @@
             </a:pPr>
             <a:r>
               <a:rPr lang="en-US" dirty="0" smtClean="0"/>
-              <a:t>Without redemption, this purpose would not be possible.</a:t>
-            </a:r>
-          </a:p>
-          <a:p>
-            <a:pPr marL="171450" indent="-171450">
-              <a:buFontTx/>
-              <a:buChar char="-"/>
-            </a:pPr>
-            <a:r>
-              <a:rPr lang="en-US" dirty="0" smtClean="0"/>
-              <a:t>This is thankfulness for the work He has done to prepare us.</a:t>
+              <a:t>What are the words that Christ is referring to here? Just a few versus earlier in this chapter we get a concise summary.</a:t>
             </a:r>
             <a:endParaRPr lang="en-US" dirty="0"/>
           </a:p>
@@ -3655,7 +3595,7 @@
           <a:p>
             <a:fld id="{94A4D452-108C-47F3-BF7B-19C87D349197}" type="slidenum">
               <a:rPr lang="en-US" smtClean="0"/>
-              <a:t>38</a:t>
+              <a:t>33</a:t>
             </a:fld>
             <a:endParaRPr lang="en-US"/>
           </a:p>
@@ -3724,7 +3664,15 @@
             </a:pPr>
             <a:r>
               <a:rPr lang="en-US" dirty="0" smtClean="0"/>
-              <a:t>There is a difference between being "made meet" for the inheritance and actually receiving the reward of the inheritance.</a:t>
+              <a:t>Christ didn't come to abolish the law, he came to fulfill it. </a:t>
+            </a:r>
+            <a:r>
+              <a:rPr lang="en-US" dirty="0" smtClean="0"/>
+              <a:t>He </a:t>
+            </a:r>
+            <a:r>
+              <a:rPr lang="en-US" dirty="0" smtClean="0"/>
+              <a:t>has summed up the law in a nutshell.</a:t>
             </a:r>
           </a:p>
           <a:p>
@@ -3734,7 +3682,7 @@
             </a:pPr>
             <a:r>
               <a:rPr lang="en-US" dirty="0" smtClean="0"/>
-              <a:t>The difference is doing everything "in His name".</a:t>
+              <a:t>Here in Matthew, entering the Kingdom isn't about redemption or initial salvation, it is a reward for faithful service done lawfully.</a:t>
             </a:r>
           </a:p>
           <a:p>
@@ -3744,7 +3692,7 @@
             </a:pPr>
             <a:r>
               <a:rPr lang="en-US" dirty="0" smtClean="0"/>
-              <a:t>This really does touch every aspect of life, because in the preceding verses we see the relationships of husbands and wives, children and parents, and servants and masters (or maybe employees and employers).</a:t>
+              <a:t>Those entering the kingdom could look forward to ruling with Christ in a position of authority. </a:t>
             </a:r>
             <a:endParaRPr lang="en-US" dirty="0"/>
           </a:p>
@@ -3767,7 +3715,7 @@
           <a:p>
             <a:fld id="{94A4D452-108C-47F3-BF7B-19C87D349197}" type="slidenum">
               <a:rPr lang="en-US" smtClean="0"/>
-              <a:t>39</a:t>
+              <a:t>34</a:t>
             </a:fld>
             <a:endParaRPr lang="en-US"/>
           </a:p>
@@ -3835,8 +3783,8 @@
               <a:buChar char="-"/>
             </a:pPr>
             <a:r>
-              <a:rPr lang="en-US" baseline="0" dirty="0" smtClean="0"/>
-              <a:t>Doing all things “in His name” means bringing the very character and authority of Christ into everything we do. </a:t>
+              <a:rPr lang="en-US" dirty="0" smtClean="0"/>
+              <a:t>There can be no faithfulness if there is not first faith.</a:t>
             </a:r>
           </a:p>
           <a:p>
@@ -3845,8 +3793,8 @@
               <a:buChar char="-"/>
             </a:pPr>
             <a:r>
-              <a:rPr lang="en-US" baseline="0" dirty="0" smtClean="0"/>
-              <a:t>If we are truly so close to Him that we can be called the members of His body, and His purpose is to fill all things, doesn’t that make sense?</a:t>
+              <a:rPr lang="en-US" dirty="0" smtClean="0"/>
+              <a:t>The faithful servant aligns himself with the will of God.</a:t>
             </a:r>
           </a:p>
           <a:p>
@@ -3856,11 +3804,7 @@
             </a:pPr>
             <a:r>
               <a:rPr lang="en-US" dirty="0" smtClean="0"/>
-              <a:t>This bar is incredibly high, but</a:t>
-            </a:r>
-            <a:r>
-              <a:rPr lang="en-US" baseline="0" dirty="0" smtClean="0"/>
-              <a:t> thanks be to the Father, he has qualified us for this.</a:t>
+              <a:t>This is not possible with efforts of the flesh, it requires the very power of God.</a:t>
             </a:r>
           </a:p>
           <a:p>
@@ -3869,8 +3813,8 @@
               <a:buChar char="-"/>
             </a:pPr>
             <a:r>
-              <a:rPr lang="en-US" baseline="0" dirty="0" smtClean="0"/>
-              <a:t>The incredible power that raised Christ from the dead and set Him far above all heavens makes this possible.</a:t>
+              <a:rPr lang="en-US" dirty="0" smtClean="0"/>
+              <a:t>This is what Christ meant when he said "With men it is impossible, but not with God: for with God all things are possible."</a:t>
             </a:r>
             <a:endParaRPr lang="en-US" dirty="0"/>
           </a:p>
@@ -3893,7 +3837,7 @@
           <a:p>
             <a:fld id="{94A4D452-108C-47F3-BF7B-19C87D349197}" type="slidenum">
               <a:rPr lang="en-US" smtClean="0"/>
-              <a:t>40</a:t>
+              <a:t>35</a:t>
             </a:fld>
             <a:endParaRPr lang="en-US"/>
           </a:p>
@@ -3903,6 +3847,480 @@
     <p:extLst>
       <p:ext uri="{BB962C8B-B14F-4D97-AF65-F5344CB8AC3E}">
         <p14:creationId xmlns:p14="http://schemas.microsoft.com/office/powerpoint/2010/main" val="1358906999"/>
+      </p:ext>
+    </p:extLst>
+  </p:cSld>
+  <p:clrMapOvr>
+    <a:masterClrMapping/>
+  </p:clrMapOvr>
+</p:notes>
+</file>
+
+<file path=ppt/notesSlides/notesSlide36.xml><?xml version="1.0" encoding="utf-8"?>
+<p:notes xmlns:a="http://schemas.openxmlformats.org/drawingml/2006/main" xmlns:r="http://schemas.openxmlformats.org/officeDocument/2006/relationships" xmlns:p="http://schemas.openxmlformats.org/presentationml/2006/main">
+  <p:cSld>
+    <p:spTree>
+      <p:nvGrpSpPr>
+        <p:cNvPr id="1" name=""/>
+        <p:cNvGrpSpPr/>
+        <p:nvPr/>
+      </p:nvGrpSpPr>
+      <p:grpSpPr>
+        <a:xfrm>
+          <a:off x="0" y="0"/>
+          <a:ext cx="0" cy="0"/>
+          <a:chOff x="0" y="0"/>
+          <a:chExt cx="0" cy="0"/>
+        </a:xfrm>
+      </p:grpSpPr>
+      <p:sp>
+        <p:nvSpPr>
+          <p:cNvPr id="2" name="Slide Image Placeholder 1"/>
+          <p:cNvSpPr>
+            <a:spLocks noGrp="1" noRot="1" noChangeAspect="1"/>
+          </p:cNvSpPr>
+          <p:nvPr>
+            <p:ph type="sldImg"/>
+          </p:nvPr>
+        </p:nvSpPr>
+        <p:spPr/>
+      </p:sp>
+      <p:sp>
+        <p:nvSpPr>
+          <p:cNvPr id="3" name="Notes Placeholder 2"/>
+          <p:cNvSpPr>
+            <a:spLocks noGrp="1"/>
+          </p:cNvSpPr>
+          <p:nvPr>
+            <p:ph type="body" idx="1"/>
+          </p:nvPr>
+        </p:nvSpPr>
+        <p:spPr/>
+        <p:txBody>
+          <a:bodyPr/>
+          <a:lstStyle/>
+          <a:p>
+            <a:r>
+              <a:rPr lang="en-US" dirty="0" smtClean="0"/>
+              <a:t>Returning to the theme verse once again, we still have to examine the second part of the verse.</a:t>
+            </a:r>
+            <a:endParaRPr lang="en-US" dirty="0"/>
+          </a:p>
+        </p:txBody>
+      </p:sp>
+      <p:sp>
+        <p:nvSpPr>
+          <p:cNvPr id="4" name="Slide Number Placeholder 3"/>
+          <p:cNvSpPr>
+            <a:spLocks noGrp="1"/>
+          </p:cNvSpPr>
+          <p:nvPr>
+            <p:ph type="sldNum" sz="quarter" idx="10"/>
+          </p:nvPr>
+        </p:nvSpPr>
+        <p:spPr/>
+        <p:txBody>
+          <a:bodyPr/>
+          <a:lstStyle/>
+          <a:p>
+            <a:fld id="{94A4D452-108C-47F3-BF7B-19C87D349197}" type="slidenum">
+              <a:rPr lang="en-US" smtClean="0"/>
+              <a:t>36</a:t>
+            </a:fld>
+            <a:endParaRPr lang="en-US"/>
+          </a:p>
+        </p:txBody>
+      </p:sp>
+    </p:spTree>
+    <p:extLst>
+      <p:ext uri="{BB962C8B-B14F-4D97-AF65-F5344CB8AC3E}">
+        <p14:creationId xmlns:p14="http://schemas.microsoft.com/office/powerpoint/2010/main" val="3254432649"/>
+      </p:ext>
+    </p:extLst>
+  </p:cSld>
+  <p:clrMapOvr>
+    <a:masterClrMapping/>
+  </p:clrMapOvr>
+</p:notes>
+</file>
+
+<file path=ppt/notesSlides/notesSlide37.xml><?xml version="1.0" encoding="utf-8"?>
+<p:notes xmlns:a="http://schemas.openxmlformats.org/drawingml/2006/main" xmlns:r="http://schemas.openxmlformats.org/officeDocument/2006/relationships" xmlns:p="http://schemas.openxmlformats.org/presentationml/2006/main">
+  <p:cSld>
+    <p:spTree>
+      <p:nvGrpSpPr>
+        <p:cNvPr id="1" name=""/>
+        <p:cNvGrpSpPr/>
+        <p:nvPr/>
+      </p:nvGrpSpPr>
+      <p:grpSpPr>
+        <a:xfrm>
+          <a:off x="0" y="0"/>
+          <a:ext cx="0" cy="0"/>
+          <a:chOff x="0" y="0"/>
+          <a:chExt cx="0" cy="0"/>
+        </a:xfrm>
+      </p:grpSpPr>
+      <p:sp>
+        <p:nvSpPr>
+          <p:cNvPr id="2" name="Slide Image Placeholder 1"/>
+          <p:cNvSpPr>
+            <a:spLocks noGrp="1" noRot="1" noChangeAspect="1"/>
+          </p:cNvSpPr>
+          <p:nvPr>
+            <p:ph type="sldImg"/>
+          </p:nvPr>
+        </p:nvSpPr>
+        <p:spPr/>
+      </p:sp>
+      <p:sp>
+        <p:nvSpPr>
+          <p:cNvPr id="3" name="Notes Placeholder 2"/>
+          <p:cNvSpPr>
+            <a:spLocks noGrp="1"/>
+          </p:cNvSpPr>
+          <p:nvPr>
+            <p:ph type="body" idx="1"/>
+          </p:nvPr>
+        </p:nvSpPr>
+        <p:spPr/>
+        <p:txBody>
+          <a:bodyPr/>
+          <a:lstStyle/>
+          <a:p>
+            <a:pPr marL="171450" indent="-171450">
+              <a:buFontTx/>
+              <a:buChar char="-"/>
+            </a:pPr>
+            <a:r>
+              <a:rPr lang="en-US" dirty="0" smtClean="0"/>
+              <a:t>What does giving thanks to God the Father have to do with doing everything "in the name of the Lord Jesus"?</a:t>
+            </a:r>
+          </a:p>
+          <a:p>
+            <a:pPr marL="171450" indent="-171450">
+              <a:buFontTx/>
+              <a:buChar char="-"/>
+            </a:pPr>
+            <a:r>
+              <a:rPr lang="en-US" dirty="0" smtClean="0"/>
+              <a:t>Why does Paul mention this here?</a:t>
+            </a:r>
+          </a:p>
+          <a:p>
+            <a:pPr marL="171450" indent="-171450">
+              <a:buFontTx/>
+              <a:buChar char="-"/>
+            </a:pPr>
+            <a:r>
+              <a:rPr lang="en-US" dirty="0" smtClean="0"/>
+              <a:t>Looking back to the first chapter of Colossians, we find our answer.</a:t>
+            </a:r>
+            <a:endParaRPr lang="en-US" dirty="0"/>
+          </a:p>
+        </p:txBody>
+      </p:sp>
+      <p:sp>
+        <p:nvSpPr>
+          <p:cNvPr id="4" name="Slide Number Placeholder 3"/>
+          <p:cNvSpPr>
+            <a:spLocks noGrp="1"/>
+          </p:cNvSpPr>
+          <p:nvPr>
+            <p:ph type="sldNum" sz="quarter" idx="10"/>
+          </p:nvPr>
+        </p:nvSpPr>
+        <p:spPr/>
+        <p:txBody>
+          <a:bodyPr/>
+          <a:lstStyle/>
+          <a:p>
+            <a:fld id="{94A4D452-108C-47F3-BF7B-19C87D349197}" type="slidenum">
+              <a:rPr lang="en-US" smtClean="0"/>
+              <a:t>37</a:t>
+            </a:fld>
+            <a:endParaRPr lang="en-US"/>
+          </a:p>
+        </p:txBody>
+      </p:sp>
+    </p:spTree>
+    <p:extLst>
+      <p:ext uri="{BB962C8B-B14F-4D97-AF65-F5344CB8AC3E}">
+        <p14:creationId xmlns:p14="http://schemas.microsoft.com/office/powerpoint/2010/main" val="2821790612"/>
+      </p:ext>
+    </p:extLst>
+  </p:cSld>
+  <p:clrMapOvr>
+    <a:masterClrMapping/>
+  </p:clrMapOvr>
+</p:notes>
+</file>
+
+<file path=ppt/notesSlides/notesSlide38.xml><?xml version="1.0" encoding="utf-8"?>
+<p:notes xmlns:a="http://schemas.openxmlformats.org/drawingml/2006/main" xmlns:r="http://schemas.openxmlformats.org/officeDocument/2006/relationships" xmlns:p="http://schemas.openxmlformats.org/presentationml/2006/main">
+  <p:cSld>
+    <p:spTree>
+      <p:nvGrpSpPr>
+        <p:cNvPr id="1" name=""/>
+        <p:cNvGrpSpPr/>
+        <p:nvPr/>
+      </p:nvGrpSpPr>
+      <p:grpSpPr>
+        <a:xfrm>
+          <a:off x="0" y="0"/>
+          <a:ext cx="0" cy="0"/>
+          <a:chOff x="0" y="0"/>
+          <a:chExt cx="0" cy="0"/>
+        </a:xfrm>
+      </p:grpSpPr>
+      <p:sp>
+        <p:nvSpPr>
+          <p:cNvPr id="2" name="Slide Image Placeholder 1"/>
+          <p:cNvSpPr>
+            <a:spLocks noGrp="1" noRot="1" noChangeAspect="1"/>
+          </p:cNvSpPr>
+          <p:nvPr>
+            <p:ph type="sldImg"/>
+          </p:nvPr>
+        </p:nvSpPr>
+        <p:spPr/>
+      </p:sp>
+      <p:sp>
+        <p:nvSpPr>
+          <p:cNvPr id="3" name="Notes Placeholder 2"/>
+          <p:cNvSpPr>
+            <a:spLocks noGrp="1"/>
+          </p:cNvSpPr>
+          <p:nvPr>
+            <p:ph type="body" idx="1"/>
+          </p:nvPr>
+        </p:nvSpPr>
+        <p:spPr/>
+        <p:txBody>
+          <a:bodyPr/>
+          <a:lstStyle/>
+          <a:p>
+            <a:pPr marL="171450" indent="-171450">
+              <a:buFontTx/>
+              <a:buChar char="-"/>
+            </a:pPr>
+            <a:r>
+              <a:rPr lang="en-US" dirty="0" smtClean="0"/>
+              <a:t>It is always God that qualifies those He </a:t>
+            </a:r>
+            <a:r>
+              <a:rPr lang="en-US" dirty="0" smtClean="0"/>
+              <a:t>calls.</a:t>
+            </a:r>
+            <a:r>
+              <a:rPr lang="en-US" baseline="0" dirty="0" smtClean="0"/>
+              <a:t> </a:t>
+            </a:r>
+            <a:r>
+              <a:rPr lang="en-US" dirty="0" smtClean="0"/>
+              <a:t>He </a:t>
+            </a:r>
+            <a:r>
+              <a:rPr lang="en-US" dirty="0" smtClean="0"/>
+              <a:t>has prepared an inheritance and wants us to be part of it.</a:t>
+            </a:r>
+          </a:p>
+          <a:p>
+            <a:pPr marL="171450" indent="-171450">
+              <a:buFontTx/>
+              <a:buChar char="-"/>
+            </a:pPr>
+            <a:r>
+              <a:rPr lang="en-US" dirty="0" smtClean="0"/>
+              <a:t>Without redemption, this purpose would not be possible.</a:t>
+            </a:r>
+          </a:p>
+          <a:p>
+            <a:pPr marL="171450" indent="-171450">
+              <a:buFontTx/>
+              <a:buChar char="-"/>
+            </a:pPr>
+            <a:r>
+              <a:rPr lang="en-US" dirty="0" smtClean="0"/>
+              <a:t>This is thankfulness for the work He has done to prepare us</a:t>
+            </a:r>
+            <a:r>
+              <a:rPr lang="en-US" dirty="0" smtClean="0"/>
+              <a:t>.</a:t>
+            </a:r>
+          </a:p>
+          <a:p>
+            <a:pPr marL="171450" indent="-171450">
+              <a:buFontTx/>
+              <a:buChar char="-"/>
+            </a:pPr>
+            <a:r>
+              <a:rPr lang="en-US" dirty="0" smtClean="0"/>
+              <a:t>This is the first time inheritance appears in Colossians, but there is another occurrence later in the book</a:t>
+            </a:r>
+            <a:endParaRPr lang="en-US" dirty="0"/>
+          </a:p>
+        </p:txBody>
+      </p:sp>
+      <p:sp>
+        <p:nvSpPr>
+          <p:cNvPr id="4" name="Slide Number Placeholder 3"/>
+          <p:cNvSpPr>
+            <a:spLocks noGrp="1"/>
+          </p:cNvSpPr>
+          <p:nvPr>
+            <p:ph type="sldNum" sz="quarter" idx="10"/>
+          </p:nvPr>
+        </p:nvSpPr>
+        <p:spPr/>
+        <p:txBody>
+          <a:bodyPr/>
+          <a:lstStyle/>
+          <a:p>
+            <a:fld id="{94A4D452-108C-47F3-BF7B-19C87D349197}" type="slidenum">
+              <a:rPr lang="en-US" smtClean="0"/>
+              <a:t>38</a:t>
+            </a:fld>
+            <a:endParaRPr lang="en-US"/>
+          </a:p>
+        </p:txBody>
+      </p:sp>
+    </p:spTree>
+    <p:extLst>
+      <p:ext uri="{BB962C8B-B14F-4D97-AF65-F5344CB8AC3E}">
+        <p14:creationId xmlns:p14="http://schemas.microsoft.com/office/powerpoint/2010/main" val="2821790612"/>
+      </p:ext>
+    </p:extLst>
+  </p:cSld>
+  <p:clrMapOvr>
+    <a:masterClrMapping/>
+  </p:clrMapOvr>
+</p:notes>
+</file>
+
+<file path=ppt/notesSlides/notesSlide39.xml><?xml version="1.0" encoding="utf-8"?>
+<p:notes xmlns:a="http://schemas.openxmlformats.org/drawingml/2006/main" xmlns:r="http://schemas.openxmlformats.org/officeDocument/2006/relationships" xmlns:p="http://schemas.openxmlformats.org/presentationml/2006/main">
+  <p:cSld>
+    <p:spTree>
+      <p:nvGrpSpPr>
+        <p:cNvPr id="1" name=""/>
+        <p:cNvGrpSpPr/>
+        <p:nvPr/>
+      </p:nvGrpSpPr>
+      <p:grpSpPr>
+        <a:xfrm>
+          <a:off x="0" y="0"/>
+          <a:ext cx="0" cy="0"/>
+          <a:chOff x="0" y="0"/>
+          <a:chExt cx="0" cy="0"/>
+        </a:xfrm>
+      </p:grpSpPr>
+      <p:sp>
+        <p:nvSpPr>
+          <p:cNvPr id="2" name="Slide Image Placeholder 1"/>
+          <p:cNvSpPr>
+            <a:spLocks noGrp="1" noRot="1" noChangeAspect="1"/>
+          </p:cNvSpPr>
+          <p:nvPr>
+            <p:ph type="sldImg"/>
+          </p:nvPr>
+        </p:nvSpPr>
+        <p:spPr/>
+      </p:sp>
+      <p:sp>
+        <p:nvSpPr>
+          <p:cNvPr id="3" name="Notes Placeholder 2"/>
+          <p:cNvSpPr>
+            <a:spLocks noGrp="1"/>
+          </p:cNvSpPr>
+          <p:nvPr>
+            <p:ph type="body" idx="1"/>
+          </p:nvPr>
+        </p:nvSpPr>
+        <p:spPr/>
+        <p:txBody>
+          <a:bodyPr/>
+          <a:lstStyle/>
+          <a:p>
+            <a:pPr marL="171450" indent="-171450">
+              <a:buFontTx/>
+              <a:buChar char="-"/>
+            </a:pPr>
+            <a:r>
+              <a:rPr lang="en-US" dirty="0" smtClean="0"/>
+              <a:t>There </a:t>
+            </a:r>
+            <a:r>
+              <a:rPr lang="en-US" dirty="0" smtClean="0"/>
+              <a:t>is a difference between being "made meet" for the inheritance and actually receiving the reward of the inheritance</a:t>
+            </a:r>
+            <a:r>
+              <a:rPr lang="en-US" dirty="0" smtClean="0"/>
+              <a:t>.</a:t>
+            </a:r>
+          </a:p>
+          <a:p>
+            <a:pPr marL="171450" indent="-171450">
+              <a:buFontTx/>
+              <a:buChar char="-"/>
+            </a:pPr>
+            <a:r>
+              <a:rPr lang="en-US" dirty="0" smtClean="0"/>
+              <a:t>Receiving the reward requires works. It is the</a:t>
+            </a:r>
+            <a:r>
+              <a:rPr lang="en-US" baseline="0" dirty="0" smtClean="0"/>
+              <a:t> result of faithful service.</a:t>
+            </a:r>
+          </a:p>
+          <a:p>
+            <a:pPr marL="171450" indent="-171450">
+              <a:buFontTx/>
+              <a:buChar char="-"/>
+            </a:pPr>
+            <a:r>
+              <a:rPr lang="en-US" baseline="0" dirty="0" smtClean="0"/>
+              <a:t>What links being qualified for the </a:t>
+            </a:r>
+            <a:r>
+              <a:rPr lang="en-US" baseline="0" dirty="0" err="1" smtClean="0"/>
+              <a:t>inheritence</a:t>
+            </a:r>
+            <a:r>
+              <a:rPr lang="en-US" baseline="0" dirty="0" smtClean="0"/>
+              <a:t> (by the Father) and receiving the reward?</a:t>
+            </a:r>
+            <a:endParaRPr lang="en-US" dirty="0" smtClean="0"/>
+          </a:p>
+        </p:txBody>
+      </p:sp>
+      <p:sp>
+        <p:nvSpPr>
+          <p:cNvPr id="4" name="Slide Number Placeholder 3"/>
+          <p:cNvSpPr>
+            <a:spLocks noGrp="1"/>
+          </p:cNvSpPr>
+          <p:nvPr>
+            <p:ph type="sldNum" sz="quarter" idx="10"/>
+          </p:nvPr>
+        </p:nvSpPr>
+        <p:spPr/>
+        <p:txBody>
+          <a:bodyPr/>
+          <a:lstStyle/>
+          <a:p>
+            <a:fld id="{94A4D452-108C-47F3-BF7B-19C87D349197}" type="slidenum">
+              <a:rPr lang="en-US" smtClean="0"/>
+              <a:t>39</a:t>
+            </a:fld>
+            <a:endParaRPr lang="en-US"/>
+          </a:p>
+        </p:txBody>
+      </p:sp>
+    </p:spTree>
+    <p:extLst>
+      <p:ext uri="{BB962C8B-B14F-4D97-AF65-F5344CB8AC3E}">
+        <p14:creationId xmlns:p14="http://schemas.microsoft.com/office/powerpoint/2010/main" val="2821790612"/>
       </p:ext>
     </p:extLst>
   </p:cSld>
@@ -3956,13 +4374,97 @@
           <a:bodyPr/>
           <a:lstStyle/>
           <a:p>
+            <a:endParaRPr lang="en-US"/>
+          </a:p>
+        </p:txBody>
+      </p:sp>
+      <p:sp>
+        <p:nvSpPr>
+          <p:cNvPr id="4" name="Slide Number Placeholder 3"/>
+          <p:cNvSpPr>
+            <a:spLocks noGrp="1"/>
+          </p:cNvSpPr>
+          <p:nvPr>
+            <p:ph type="sldNum" sz="quarter" idx="10"/>
+          </p:nvPr>
+        </p:nvSpPr>
+        <p:spPr/>
+        <p:txBody>
+          <a:bodyPr/>
+          <a:lstStyle/>
+          <a:p>
+            <a:fld id="{94A4D452-108C-47F3-BF7B-19C87D349197}" type="slidenum">
+              <a:rPr lang="en-US" smtClean="0"/>
+              <a:t>4</a:t>
+            </a:fld>
+            <a:endParaRPr lang="en-US"/>
+          </a:p>
+        </p:txBody>
+      </p:sp>
+    </p:spTree>
+    <p:extLst>
+      <p:ext uri="{BB962C8B-B14F-4D97-AF65-F5344CB8AC3E}">
+        <p14:creationId xmlns:p14="http://schemas.microsoft.com/office/powerpoint/2010/main" val="3525834274"/>
+      </p:ext>
+    </p:extLst>
+  </p:cSld>
+  <p:clrMapOvr>
+    <a:masterClrMapping/>
+  </p:clrMapOvr>
+</p:notes>
+</file>
+
+<file path=ppt/notesSlides/notesSlide40.xml><?xml version="1.0" encoding="utf-8"?>
+<p:notes xmlns:a="http://schemas.openxmlformats.org/drawingml/2006/main" xmlns:r="http://schemas.openxmlformats.org/officeDocument/2006/relationships" xmlns:p="http://schemas.openxmlformats.org/presentationml/2006/main">
+  <p:cSld>
+    <p:spTree>
+      <p:nvGrpSpPr>
+        <p:cNvPr id="1" name=""/>
+        <p:cNvGrpSpPr/>
+        <p:nvPr/>
+      </p:nvGrpSpPr>
+      <p:grpSpPr>
+        <a:xfrm>
+          <a:off x="0" y="0"/>
+          <a:ext cx="0" cy="0"/>
+          <a:chOff x="0" y="0"/>
+          <a:chExt cx="0" cy="0"/>
+        </a:xfrm>
+      </p:grpSpPr>
+      <p:sp>
+        <p:nvSpPr>
+          <p:cNvPr id="2" name="Slide Image Placeholder 1"/>
+          <p:cNvSpPr>
+            <a:spLocks noGrp="1" noRot="1" noChangeAspect="1"/>
+          </p:cNvSpPr>
+          <p:nvPr>
+            <p:ph type="sldImg"/>
+          </p:nvPr>
+        </p:nvSpPr>
+        <p:spPr/>
+      </p:sp>
+      <p:sp>
+        <p:nvSpPr>
+          <p:cNvPr id="3" name="Notes Placeholder 2"/>
+          <p:cNvSpPr>
+            <a:spLocks noGrp="1"/>
+          </p:cNvSpPr>
+          <p:nvPr>
+            <p:ph type="body" idx="1"/>
+          </p:nvPr>
+        </p:nvSpPr>
+        <p:spPr/>
+        <p:txBody>
+          <a:bodyPr/>
+          <a:lstStyle/>
+          <a:p>
             <a:pPr marL="171450" indent="-171450">
               <a:buFontTx/>
               <a:buChar char="-"/>
             </a:pPr>
             <a:r>
               <a:rPr lang="en-US" dirty="0" smtClean="0"/>
-              <a:t>The authority of Jesus was questioned by the Jewish religious leaders on multiple occasions.</a:t>
+              <a:t>The difference is doing everything "in His name".</a:t>
             </a:r>
           </a:p>
           <a:p>
@@ -3972,8 +4474,9 @@
             </a:pPr>
             <a:r>
               <a:rPr lang="en-US" dirty="0" smtClean="0"/>
-              <a:t>Often, in answer to this, Jesus would respond with questions of His own or by appealing to the witness of others.</a:t>
-            </a:r>
+              <a:t>This really does touch every aspect of life, because in the preceding verses we see the relationships of husbands and wives, children and parents, and servants and masters (or maybe employees and employers).</a:t>
+            </a:r>
+            <a:endParaRPr lang="en-US" baseline="0" dirty="0" smtClean="0"/>
           </a:p>
           <a:p>
             <a:pPr marL="171450" indent="-171450">
@@ -3981,8 +4484,44 @@
               <a:buChar char="-"/>
             </a:pPr>
             <a:r>
-              <a:rPr lang="en-US" dirty="0" smtClean="0"/>
-              <a:t>But in an encounter recorded in the gospel of John, we find one of the most direct expositions on authority in the words of Christ Himself.</a:t>
+              <a:rPr lang="en-US" baseline="0" dirty="0" smtClean="0"/>
+              <a:t>Doing </a:t>
+            </a:r>
+            <a:r>
+              <a:rPr lang="en-US" baseline="0" dirty="0" smtClean="0"/>
+              <a:t>all things “in His name” means </a:t>
+            </a:r>
+            <a:r>
+              <a:rPr lang="en-US" baseline="0" dirty="0" smtClean="0"/>
+              <a:t>letting the very </a:t>
+            </a:r>
+            <a:r>
+              <a:rPr lang="en-US" baseline="0" dirty="0" smtClean="0"/>
+              <a:t>character and authority of Christ </a:t>
+            </a:r>
+            <a:r>
+              <a:rPr lang="en-US" baseline="0" dirty="0" smtClean="0"/>
+              <a:t>fill every area of our lives. This is very different that trying to merely “apply” it to the things we do.</a:t>
+            </a:r>
+          </a:p>
+          <a:p>
+            <a:pPr marL="171450" indent="-171450">
+              <a:buFontTx/>
+              <a:buChar char="-"/>
+            </a:pPr>
+            <a:r>
+              <a:rPr lang="en-US" baseline="0" dirty="0" smtClean="0"/>
+              <a:t>The basis is always His Purpose and His Calling. When we become a part of that, He fills us according to that purpose and it overflows into everything we do.</a:t>
+            </a:r>
+          </a:p>
+          <a:p>
+            <a:pPr marL="171450" indent="-171450">
+              <a:buFontTx/>
+              <a:buChar char="-"/>
+            </a:pPr>
+            <a:r>
+              <a:rPr lang="en-US" baseline="0" dirty="0" smtClean="0"/>
+              <a:t>That’s what I think it means to do everything in His name.</a:t>
             </a:r>
           </a:p>
         </p:txBody>
@@ -4004,7 +4543,7 @@
           <a:p>
             <a:fld id="{94A4D452-108C-47F3-BF7B-19C87D349197}" type="slidenum">
               <a:rPr lang="en-US" smtClean="0"/>
-              <a:t>9</a:t>
+              <a:t>40</a:t>
             </a:fld>
             <a:endParaRPr lang="en-US"/>
           </a:p>
@@ -4013,7 +4552,7 @@
     </p:spTree>
     <p:extLst>
       <p:ext uri="{BB962C8B-B14F-4D97-AF65-F5344CB8AC3E}">
-        <p14:creationId xmlns:p14="http://schemas.microsoft.com/office/powerpoint/2010/main" val="2126608291"/>
+        <p14:creationId xmlns:p14="http://schemas.microsoft.com/office/powerpoint/2010/main" val="1358906999"/>
       </p:ext>
     </p:extLst>
   </p:cSld>
@@ -4067,44 +4606,7 @@
           <a:bodyPr/>
           <a:lstStyle/>
           <a:p>
-            <a:pPr marL="171450" indent="-171450">
-              <a:buFontTx/>
-              <a:buChar char="-"/>
-            </a:pPr>
-            <a:r>
-              <a:rPr lang="en-US" dirty="0" smtClean="0"/>
-              <a:t>On a journey to Jerusalem, [Jesus finds a lame man][3] by the pool called Bethesda and heals him, commanding him to get up, take his bed mat, and walk.</a:t>
-            </a:r>
-          </a:p>
-          <a:p>
-            <a:pPr marL="171450" indent="-171450">
-              <a:buFontTx/>
-              <a:buChar char="-"/>
-            </a:pPr>
-            <a:r>
-              <a:rPr lang="en-US" dirty="0" smtClean="0"/>
-              <a:t>The catch is that this healing took place on the Sabbath.</a:t>
-            </a:r>
-          </a:p>
-          <a:p>
-            <a:pPr marL="171450" indent="-171450">
-              <a:buFontTx/>
-              <a:buChar char="-"/>
-            </a:pPr>
-            <a:r>
-              <a:rPr lang="en-US" dirty="0" smtClean="0"/>
-              <a:t>When the Jews heard of this they promptly accused Jesus of breaking the Law of the Sabbath - first, by [healing on the Sabbath][5], and second, by commanding the man to [carry his mat on the Sabbath][6].</a:t>
-            </a:r>
-          </a:p>
-          <a:p>
-            <a:pPr marL="171450" indent="-171450">
-              <a:buFontTx/>
-              <a:buChar char="-"/>
-            </a:pPr>
-            <a:r>
-              <a:rPr lang="en-US" dirty="0" smtClean="0"/>
-              <a:t>When confronted about this, Jesus does not enter into a detailed discourse on the law or the Sabbath.</a:t>
-            </a:r>
+            <a:endParaRPr lang="en-US"/>
           </a:p>
         </p:txBody>
       </p:sp>
@@ -4125,7 +4627,7 @@
           <a:p>
             <a:fld id="{94A4D452-108C-47F3-BF7B-19C87D349197}" type="slidenum">
               <a:rPr lang="en-US" smtClean="0"/>
-              <a:t>10</a:t>
+              <a:t>5</a:t>
             </a:fld>
             <a:endParaRPr lang="en-US"/>
           </a:p>
@@ -4134,7 +4636,7 @@
     </p:spTree>
     <p:extLst>
       <p:ext uri="{BB962C8B-B14F-4D97-AF65-F5344CB8AC3E}">
-        <p14:creationId xmlns:p14="http://schemas.microsoft.com/office/powerpoint/2010/main" val="1554598966"/>
+        <p14:creationId xmlns:p14="http://schemas.microsoft.com/office/powerpoint/2010/main" val="2418826979"/>
       </p:ext>
     </p:extLst>
   </p:cSld>
@@ -4188,45 +4690,7 @@
           <a:bodyPr/>
           <a:lstStyle/>
           <a:p>
-            <a:pPr marL="171450" indent="-171450">
-              <a:buFontTx/>
-              <a:buChar char="-"/>
-            </a:pPr>
-            <a:r>
-              <a:rPr lang="en-US" dirty="0" smtClean="0"/>
-              <a:t>Instead, He simply begins to explain His relationship with His Father.</a:t>
-            </a:r>
-          </a:p>
-          <a:p>
-            <a:pPr marL="171450" indent="-171450">
-              <a:buFontTx/>
-              <a:buChar char="-"/>
-            </a:pPr>
-            <a:r>
-              <a:rPr lang="en-US" dirty="0" smtClean="0"/>
-              <a:t>He makes clear the link to His Father and in doing so identifies Himself as the Son of God.</a:t>
-            </a:r>
-          </a:p>
-          <a:p>
-            <a:pPr marL="171450" indent="-171450">
-              <a:buFontTx/>
-              <a:buChar char="-"/>
-            </a:pPr>
-            <a:r>
-              <a:rPr lang="en-US" dirty="0" smtClean="0"/>
-              <a:t>If His "breaking of the Sabbath" were enough to anger these Jews, calling God His father takes things to a whole new level.</a:t>
-            </a:r>
-          </a:p>
-          <a:p>
-            <a:pPr marL="171450" indent="-171450">
-              <a:buFontTx/>
-              <a:buChar char="-"/>
-            </a:pPr>
-            <a:r>
-              <a:rPr lang="en-US" dirty="0" smtClean="0"/>
-              <a:t>He goes on to speak in detail of this relationship.</a:t>
-            </a:r>
-            <a:endParaRPr lang="en-US" dirty="0"/>
+            <a:endParaRPr lang="en-US"/>
           </a:p>
         </p:txBody>
       </p:sp>
@@ -4247,7 +4711,7 @@
           <a:p>
             <a:fld id="{94A4D452-108C-47F3-BF7B-19C87D349197}" type="slidenum">
               <a:rPr lang="en-US" smtClean="0"/>
-              <a:t>11</a:t>
+              <a:t>6</a:t>
             </a:fld>
             <a:endParaRPr lang="en-US"/>
           </a:p>
@@ -4256,7 +4720,7 @@
     </p:spTree>
     <p:extLst>
       <p:ext uri="{BB962C8B-B14F-4D97-AF65-F5344CB8AC3E}">
-        <p14:creationId xmlns:p14="http://schemas.microsoft.com/office/powerpoint/2010/main" val="2821790612"/>
+        <p14:creationId xmlns:p14="http://schemas.microsoft.com/office/powerpoint/2010/main" val="2153649743"/>
       </p:ext>
     </p:extLst>
   </p:cSld>
@@ -4316,7 +4780,7 @@
             </a:pPr>
             <a:r>
               <a:rPr lang="en-US" dirty="0" smtClean="0"/>
-              <a:t>How tempting it is to think that Jesus, being God in flesh, had no need to learn from anyone or answer to anyone.</a:t>
+              <a:t>This is all encompassing: it covers everything we do in both word and deed.</a:t>
             </a:r>
           </a:p>
           <a:p>
@@ -4326,7 +4790,7 @@
             </a:pPr>
             <a:r>
               <a:rPr lang="en-US" dirty="0" smtClean="0"/>
-              <a:t>Here we see that this is not the case. As a faithful servant and son, He learned everything from His Father.</a:t>
+              <a:t>If we get this wrong, our words and our actions will be built on the wrong foundation.</a:t>
             </a:r>
           </a:p>
           <a:p>
@@ -4336,19 +4800,8 @@
             </a:pPr>
             <a:r>
               <a:rPr lang="en-US" dirty="0" smtClean="0"/>
-              <a:t>He did nothing that was outside of His Father's plan.</a:t>
-            </a:r>
-          </a:p>
-          <a:p>
-            <a:pPr marL="171450" indent="-171450">
-              <a:buFontTx/>
-              <a:buChar char="-"/>
-            </a:pPr>
-            <a:r>
-              <a:rPr lang="en-US" dirty="0" smtClean="0"/>
-              <a:t>First and foremost, He did not take the authority He had for Himself: he received it from the Father.</a:t>
-            </a:r>
-            <a:endParaRPr lang="en-US" dirty="0"/>
+              <a:t>Understanding "In His Name" starts with the word "Lord". This is the word for master, or one in authority</a:t>
+            </a:r>
           </a:p>
         </p:txBody>
       </p:sp>
@@ -4369,7 +4822,7 @@
           <a:p>
             <a:fld id="{94A4D452-108C-47F3-BF7B-19C87D349197}" type="slidenum">
               <a:rPr lang="en-US" smtClean="0"/>
-              <a:t>12</a:t>
+              <a:t>7</a:t>
             </a:fld>
             <a:endParaRPr lang="en-US"/>
           </a:p>
@@ -4378,7 +4831,7 @@
     </p:spTree>
     <p:extLst>
       <p:ext uri="{BB962C8B-B14F-4D97-AF65-F5344CB8AC3E}">
-        <p14:creationId xmlns:p14="http://schemas.microsoft.com/office/powerpoint/2010/main" val="2821790612"/>
+        <p14:creationId xmlns:p14="http://schemas.microsoft.com/office/powerpoint/2010/main" val="1111375434"/>
       </p:ext>
     </p:extLst>
   </p:cSld>
@@ -4438,7 +4891,15 @@
             </a:pPr>
             <a:r>
               <a:rPr lang="en-US" dirty="0" smtClean="0"/>
-              <a:t>First and foremost, He did not take the authority He had for Himself: he received it from the Father.</a:t>
+              <a:t>This is clear in Philippians, where Paul writes about every knee bowing</a:t>
+            </a:r>
+            <a:r>
+              <a:rPr lang="en-US" baseline="0" dirty="0" smtClean="0"/>
+              <a:t> at </a:t>
+            </a:r>
+            <a:r>
+              <a:rPr lang="en-US" dirty="0" smtClean="0"/>
+              <a:t>the name of Jesus</a:t>
             </a:r>
           </a:p>
           <a:p>
@@ -4448,7 +4909,7 @@
             </a:pPr>
             <a:r>
               <a:rPr lang="en-US" dirty="0" smtClean="0"/>
-              <a:t>This was the authority for the purpose of Judgment</a:t>
+              <a:t>In other words, The name of Jesus is used to represent His authority as Lord.</a:t>
             </a:r>
           </a:p>
           <a:p>
@@ -4458,11 +4919,15 @@
             </a:pPr>
             <a:r>
               <a:rPr lang="en-US" dirty="0" smtClean="0"/>
-              <a:t>The 4 roles</a:t>
+              <a:t>The way we are going to start studying “in His name” is by</a:t>
             </a:r>
             <a:r>
               <a:rPr lang="en-US" baseline="0" dirty="0" smtClean="0"/>
-              <a:t> of Christ with Israel: Judge, Prophet, Priest, King</a:t>
+              <a:t> understanding the Authority of Christ </a:t>
+            </a:r>
+            <a:r>
+              <a:rPr lang="en-US" baseline="0" dirty="0" smtClean="0"/>
+              <a:t>Himself</a:t>
             </a:r>
           </a:p>
           <a:p>
@@ -4472,9 +4937,9 @@
             </a:pPr>
             <a:r>
               <a:rPr lang="en-US" baseline="0" dirty="0" smtClean="0"/>
-              <a:t>John reveals Christ as the rejected Judge of Israel</a:t>
-            </a:r>
-            <a:endParaRPr lang="en-US" dirty="0"/>
+              <a:t>Found the best resource for this was studying the Gospels and Acts. We will at this phrase there and then come back to Colossians to see what we have learned.</a:t>
+            </a:r>
+            <a:endParaRPr lang="en-US" dirty="0" smtClean="0"/>
           </a:p>
         </p:txBody>
       </p:sp>
@@ -4495,7 +4960,7 @@
           <a:p>
             <a:fld id="{94A4D452-108C-47F3-BF7B-19C87D349197}" type="slidenum">
               <a:rPr lang="en-US" smtClean="0"/>
-              <a:t>13</a:t>
+              <a:t>8</a:t>
             </a:fld>
             <a:endParaRPr lang="en-US"/>
           </a:p>
@@ -4504,7 +4969,7 @@
     </p:spTree>
     <p:extLst>
       <p:ext uri="{BB962C8B-B14F-4D97-AF65-F5344CB8AC3E}">
-        <p14:creationId xmlns:p14="http://schemas.microsoft.com/office/powerpoint/2010/main" val="2821790612"/>
+        <p14:creationId xmlns:p14="http://schemas.microsoft.com/office/powerpoint/2010/main" val="458611417"/>
       </p:ext>
     </p:extLst>
   </p:cSld>
@@ -4564,7 +5029,11 @@
             </a:pPr>
             <a:r>
               <a:rPr lang="en-US" dirty="0" smtClean="0"/>
-              <a:t>The Son always exercises his judgment by faith. That is, it is [based on what He hears][7] from the Father. </a:t>
+              <a:t>The </a:t>
+            </a:r>
+            <a:r>
+              <a:rPr lang="en-US" dirty="0" smtClean="0"/>
+              <a:t>authority of Jesus was questioned by the Jewish religious leaders on multiple occasions.</a:t>
             </a:r>
           </a:p>
           <a:p>
@@ -4574,17 +5043,18 @@
             </a:pPr>
             <a:r>
               <a:rPr lang="en-US" dirty="0" smtClean="0"/>
-              <a:t>Unlike the judgment of the Jewish leaders, which was often [based on </a:t>
-            </a:r>
-            <a:r>
-              <a:rPr lang="en-US" dirty="0" err="1" smtClean="0"/>
-              <a:t>thier</a:t>
-            </a:r>
-            <a:r>
-              <a:rPr lang="en-US" dirty="0" smtClean="0"/>
-              <a:t> traditions][11], His judgment was always based solidly on the Word of God in alignment with the Will of God.</a:t>
-            </a:r>
-            <a:endParaRPr lang="en-US" dirty="0"/>
+              <a:t>Often, in answer to this, Jesus would respond with questions of His own or by appealing to the witness of others.</a:t>
+            </a:r>
+          </a:p>
+          <a:p>
+            <a:pPr marL="171450" indent="-171450">
+              <a:buFontTx/>
+              <a:buChar char="-"/>
+            </a:pPr>
+            <a:r>
+              <a:rPr lang="en-US" dirty="0" smtClean="0"/>
+              <a:t>But in an encounter recorded in the gospel of John, we find one of the most direct expositions on authority in the words of Christ Himself.</a:t>
+            </a:r>
           </a:p>
         </p:txBody>
       </p:sp>
@@ -4605,7 +5075,7 @@
           <a:p>
             <a:fld id="{94A4D452-108C-47F3-BF7B-19C87D349197}" type="slidenum">
               <a:rPr lang="en-US" smtClean="0"/>
-              <a:t>14</a:t>
+              <a:t>9</a:t>
             </a:fld>
             <a:endParaRPr lang="en-US"/>
           </a:p>
@@ -4614,7 +5084,7 @@
     </p:spTree>
     <p:extLst>
       <p:ext uri="{BB962C8B-B14F-4D97-AF65-F5344CB8AC3E}">
-        <p14:creationId xmlns:p14="http://schemas.microsoft.com/office/powerpoint/2010/main" val="2821790612"/>
+        <p14:creationId xmlns:p14="http://schemas.microsoft.com/office/powerpoint/2010/main" val="2126608291"/>
       </p:ext>
     </p:extLst>
   </p:cSld>
@@ -7802,7 +8272,6 @@
               <a:rPr lang="en-US" dirty="0"/>
               <a:t> hitherto, and I work.</a:t>
             </a:r>
-            <a:endParaRPr lang="en-US" dirty="0"/>
           </a:p>
         </p:txBody>
       </p:sp>
@@ -7923,7 +8392,6 @@
               <a:rPr lang="en-US" dirty="0"/>
               <a:t> him all things that himself doeth: and he will shew him greater works than these, that ye may marvel.</a:t>
             </a:r>
-            <a:endParaRPr lang="en-US" dirty="0"/>
           </a:p>
         </p:txBody>
       </p:sp>
@@ -8010,7 +8478,6 @@
               <a:rPr lang="en-US" dirty="0"/>
               <a:t> no man, but hath committed all judgment unto the Son … And hath given him authority to execute judgment also, because he is the Son of man.</a:t>
             </a:r>
-            <a:endParaRPr lang="en-US" dirty="0"/>
           </a:p>
         </p:txBody>
       </p:sp>
@@ -8089,7 +8556,6 @@
               <a:rPr lang="en-US" dirty="0"/>
               <a:t>I can of mine own self do nothing: as I hear, I judge: and my judgment is just; because I seek not mine own will, but the will of the Father which hath sent me.</a:t>
             </a:r>
-            <a:endParaRPr lang="en-US" dirty="0"/>
           </a:p>
         </p:txBody>
       </p:sp>
@@ -8247,11 +8713,7 @@
             </a:pPr>
             <a:r>
               <a:rPr lang="en-US" dirty="0" smtClean="0"/>
-              <a:t>I </a:t>
-            </a:r>
-            <a:r>
-              <a:rPr lang="en-US" dirty="0" smtClean="0"/>
-              <a:t>have come in my Father’s name</a:t>
+              <a:t>I have come in my Father’s name</a:t>
             </a:r>
             <a:endParaRPr lang="en-US" dirty="0"/>
           </a:p>
@@ -8327,7 +8789,7 @@
           <a:p>
             <a:r>
               <a:rPr lang="en-US" dirty="0" smtClean="0"/>
-              <a:t>The Sea of Galilee and the Good News</a:t>
+              <a:t>The Gospel and The calling of the twelve</a:t>
             </a:r>
             <a:endParaRPr lang="en-US" dirty="0"/>
           </a:p>
@@ -8616,7 +9078,7 @@
           <p:nvPr/>
         </p:nvPicPr>
         <p:blipFill>
-          <a:blip r:embed="rId2">
+          <a:blip r:embed="rId3">
             <a:extLst>
               <a:ext uri="{28A0092B-C50C-407E-A947-70E740481C1C}">
                 <a14:useLocalDpi xmlns:a14="http://schemas.microsoft.com/office/drawing/2010/main" val="0"/>
@@ -8782,11 +9244,7 @@
             <a:pPr algn="ctr"/>
             <a:r>
               <a:rPr lang="en-US" sz="4800" dirty="0" smtClean="0"/>
-              <a:t>Redemption =&gt; </a:t>
-            </a:r>
-            <a:r>
-              <a:rPr lang="en-US" sz="4800" dirty="0" smtClean="0"/>
-              <a:t>Purpose</a:t>
+              <a:t>Redemption =&gt; Purpose</a:t>
             </a:r>
             <a:endParaRPr lang="en-US" sz="4800" dirty="0"/>
           </a:p>
@@ -9471,7 +9929,7 @@
           <p:nvPr/>
         </p:nvPicPr>
         <p:blipFill>
-          <a:blip r:embed="rId2">
+          <a:blip r:embed="rId3">
             <a:extLst>
               <a:ext uri="{28A0092B-C50C-407E-A947-70E740481C1C}">
                 <a14:useLocalDpi xmlns:a14="http://schemas.microsoft.com/office/drawing/2010/main" val="0"/>
@@ -10143,7 +10601,6 @@
               <a:rPr lang="en-US" dirty="0"/>
               <a:t>And whatsoever ye do in word or deed, [do] all in the name of the Lord Jesus, giving thanks to God and the Father by him.</a:t>
             </a:r>
-            <a:endParaRPr lang="en-US" dirty="0"/>
           </a:p>
         </p:txBody>
       </p:sp>
@@ -10238,7 +10695,6 @@
               <a:rPr lang="en-US" dirty="0"/>
               <a:t>whom we have redemption through his blood, [even] the forgiveness of sins:</a:t>
             </a:r>
-            <a:endParaRPr lang="en-US" dirty="0"/>
           </a:p>
         </p:txBody>
       </p:sp>
@@ -10333,7 +10789,6 @@
               <a:rPr lang="en-US" dirty="0"/>
               <a:t>he that doeth wrong shall receive for the wrong which he hath done: and there is no respect of persons.</a:t>
             </a:r>
-            <a:endParaRPr lang="en-US" dirty="0"/>
           </a:p>
         </p:txBody>
       </p:sp>
@@ -10376,7 +10831,7 @@
           <p:nvPr/>
         </p:nvPicPr>
         <p:blipFill>
-          <a:blip r:embed="rId2">
+          <a:blip r:embed="rId3">
             <a:extLst>
               <a:ext uri="{28A0092B-C50C-407E-A947-70E740481C1C}">
                 <a14:useLocalDpi xmlns:a14="http://schemas.microsoft.com/office/drawing/2010/main" val="0"/>
@@ -10508,7 +10963,7 @@
           <p:nvPr/>
         </p:nvPicPr>
         <p:blipFill>
-          <a:blip r:embed="rId2">
+          <a:blip r:embed="rId3">
             <a:extLst>
               <a:ext uri="{28A0092B-C50C-407E-A947-70E740481C1C}">
                 <a14:useLocalDpi xmlns:a14="http://schemas.microsoft.com/office/drawing/2010/main" val="0"/>
@@ -10579,7 +11034,7 @@
           <p:nvPr/>
         </p:nvPicPr>
         <p:blipFill>
-          <a:blip r:embed="rId2">
+          <a:blip r:embed="rId3">
             <a:extLst>
               <a:ext uri="{28A0092B-C50C-407E-A947-70E740481C1C}">
                 <a14:useLocalDpi xmlns:a14="http://schemas.microsoft.com/office/drawing/2010/main" val="0"/>
@@ -10686,7 +11141,6 @@
               <a:rPr lang="en-US" dirty="0"/>
               <a:t>And whatsoever ye do in word or deed, [do] all in the name of the Lord Jesus, giving thanks to God and the Father by him.</a:t>
             </a:r>
-            <a:endParaRPr lang="en-US" dirty="0"/>
           </a:p>
         </p:txBody>
       </p:sp>
@@ -10765,7 +11219,6 @@
               <a:rPr lang="en-US" dirty="0"/>
               <a:t>That at the name of Jesus every knee should bow, of [things] in heaven, and [things] in earth, and [things] under the earth;</a:t>
             </a:r>
-            <a:endParaRPr lang="en-US" dirty="0"/>
           </a:p>
         </p:txBody>
       </p:sp>
@@ -10839,15 +11292,7 @@
           <a:p>
             <a:r>
               <a:rPr lang="en-US" dirty="0" smtClean="0"/>
-              <a:t>The </a:t>
-            </a:r>
-            <a:r>
-              <a:rPr lang="en-US" dirty="0" smtClean="0"/>
-              <a:t>Authority </a:t>
-            </a:r>
-            <a:r>
-              <a:rPr lang="en-US" dirty="0" smtClean="0"/>
-              <a:t>of Christ</a:t>
+              <a:t>The Authority of Christ</a:t>
             </a:r>
             <a:endParaRPr lang="en-US" dirty="0"/>
           </a:p>
